--- a/Architecture/architectural_overview.pptx
+++ b/Architecture/architectural_overview.pptx
@@ -3,14 +3,21 @@
 <p:presentation xmlns:a="http://schemas.openxmlformats.org/drawingml/2006/main" xmlns:r="http://schemas.openxmlformats.org/officeDocument/2006/relationships" xmlns:p="http://schemas.openxmlformats.org/presentationml/2006/main" saveSubsetFonts="1">
   <p:sldMasterIdLst>
     <p:sldMasterId id="2147483648" r:id="rId1"/>
+    <p:sldMasterId id="2147483660" r:id="rId2"/>
   </p:sldMasterIdLst>
+  <p:notesMasterIdLst>
+    <p:notesMasterId r:id="rId12"/>
+  </p:notesMasterIdLst>
   <p:sldIdLst>
-    <p:sldId id="256" r:id="rId2"/>
-    <p:sldId id="257" r:id="rId3"/>
-    <p:sldId id="258" r:id="rId4"/>
-    <p:sldId id="259" r:id="rId5"/>
-    <p:sldId id="261" r:id="rId6"/>
-    <p:sldId id="260" r:id="rId7"/>
+    <p:sldId id="265" r:id="rId3"/>
+    <p:sldId id="266" r:id="rId4"/>
+    <p:sldId id="272" r:id="rId5"/>
+    <p:sldId id="273" r:id="rId6"/>
+    <p:sldId id="276" r:id="rId7"/>
+    <p:sldId id="275" r:id="rId8"/>
+    <p:sldId id="274" r:id="rId9"/>
+    <p:sldId id="277" r:id="rId10"/>
+    <p:sldId id="271" r:id="rId11"/>
   </p:sldIdLst>
   <p:sldSz cx="12192000" cy="6858000"/>
   <p:notesSz cx="6858000" cy="9144000"/>
@@ -112,6 +119,1511 @@
 </p:presentation>
 </file>
 
+<file path=ppt/notesMasters/notesMaster1.xml><?xml version="1.0" encoding="utf-8"?>
+<p:notesMaster xmlns:a="http://schemas.openxmlformats.org/drawingml/2006/main" xmlns:r="http://schemas.openxmlformats.org/officeDocument/2006/relationships" xmlns:p="http://schemas.openxmlformats.org/presentationml/2006/main">
+  <p:cSld>
+    <p:bg>
+      <p:bgRef idx="1001">
+        <a:schemeClr val="bg1"/>
+      </p:bgRef>
+    </p:bg>
+    <p:spTree>
+      <p:nvGrpSpPr>
+        <p:cNvPr id="1" name=""/>
+        <p:cNvGrpSpPr/>
+        <p:nvPr/>
+      </p:nvGrpSpPr>
+      <p:grpSpPr>
+        <a:xfrm>
+          <a:off x="0" y="0"/>
+          <a:ext cx="0" cy="0"/>
+          <a:chOff x="0" y="0"/>
+          <a:chExt cx="0" cy="0"/>
+        </a:xfrm>
+      </p:grpSpPr>
+      <p:sp>
+        <p:nvSpPr>
+          <p:cNvPr id="2" name="Tijdelijke aanduiding voor koptekst 1"/>
+          <p:cNvSpPr>
+            <a:spLocks noGrp="1"/>
+          </p:cNvSpPr>
+          <p:nvPr>
+            <p:ph type="hdr" sz="quarter"/>
+          </p:nvPr>
+        </p:nvSpPr>
+        <p:spPr>
+          <a:xfrm>
+            <a:off x="0" y="0"/>
+            <a:ext cx="2971800" cy="458788"/>
+          </a:xfrm>
+          <a:prstGeom prst="rect">
+            <a:avLst/>
+          </a:prstGeom>
+        </p:spPr>
+        <p:txBody>
+          <a:bodyPr vert="horz" lIns="91440" tIns="45720" rIns="91440" bIns="45720" rtlCol="0"/>
+          <a:lstStyle>
+            <a:lvl1pPr algn="l">
+              <a:defRPr sz="1200"/>
+            </a:lvl1pPr>
+          </a:lstStyle>
+          <a:p>
+            <a:endParaRPr lang="nl-NL"/>
+          </a:p>
+        </p:txBody>
+      </p:sp>
+      <p:sp>
+        <p:nvSpPr>
+          <p:cNvPr id="3" name="Tijdelijke aanduiding voor datum 2"/>
+          <p:cNvSpPr>
+            <a:spLocks noGrp="1"/>
+          </p:cNvSpPr>
+          <p:nvPr>
+            <p:ph type="dt" idx="1"/>
+          </p:nvPr>
+        </p:nvSpPr>
+        <p:spPr>
+          <a:xfrm>
+            <a:off x="3884613" y="0"/>
+            <a:ext cx="2971800" cy="458788"/>
+          </a:xfrm>
+          <a:prstGeom prst="rect">
+            <a:avLst/>
+          </a:prstGeom>
+        </p:spPr>
+        <p:txBody>
+          <a:bodyPr vert="horz" lIns="91440" tIns="45720" rIns="91440" bIns="45720" rtlCol="0"/>
+          <a:lstStyle>
+            <a:lvl1pPr algn="r">
+              <a:defRPr sz="1200"/>
+            </a:lvl1pPr>
+          </a:lstStyle>
+          <a:p>
+            <a:fld id="{F751093B-2CA2-492E-8D01-1E331570807A}" type="datetimeFigureOut">
+              <a:rPr lang="nl-NL" smtClean="0"/>
+              <a:t>8-9-2020</a:t>
+            </a:fld>
+            <a:endParaRPr lang="nl-NL"/>
+          </a:p>
+        </p:txBody>
+      </p:sp>
+      <p:sp>
+        <p:nvSpPr>
+          <p:cNvPr id="4" name="Tijdelijke aanduiding voor dia-afbeelding 3"/>
+          <p:cNvSpPr>
+            <a:spLocks noGrp="1" noRot="1" noChangeAspect="1"/>
+          </p:cNvSpPr>
+          <p:nvPr>
+            <p:ph type="sldImg" idx="2"/>
+          </p:nvPr>
+        </p:nvSpPr>
+        <p:spPr>
+          <a:xfrm>
+            <a:off x="685800" y="1143000"/>
+            <a:ext cx="5486400" cy="3086100"/>
+          </a:xfrm>
+          <a:prstGeom prst="rect">
+            <a:avLst/>
+          </a:prstGeom>
+          <a:noFill/>
+          <a:ln w="12700">
+            <a:solidFill>
+              <a:prstClr val="black"/>
+            </a:solidFill>
+          </a:ln>
+        </p:spPr>
+        <p:txBody>
+          <a:bodyPr vert="horz" lIns="91440" tIns="45720" rIns="91440" bIns="45720" rtlCol="0" anchor="ctr"/>
+          <a:lstStyle/>
+          <a:p>
+            <a:endParaRPr lang="nl-NL"/>
+          </a:p>
+        </p:txBody>
+      </p:sp>
+      <p:sp>
+        <p:nvSpPr>
+          <p:cNvPr id="5" name="Tijdelijke aanduiding voor notities 4"/>
+          <p:cNvSpPr>
+            <a:spLocks noGrp="1"/>
+          </p:cNvSpPr>
+          <p:nvPr>
+            <p:ph type="body" sz="quarter" idx="3"/>
+          </p:nvPr>
+        </p:nvSpPr>
+        <p:spPr>
+          <a:xfrm>
+            <a:off x="685800" y="4400550"/>
+            <a:ext cx="5486400" cy="3600450"/>
+          </a:xfrm>
+          <a:prstGeom prst="rect">
+            <a:avLst/>
+          </a:prstGeom>
+        </p:spPr>
+        <p:txBody>
+          <a:bodyPr vert="horz" lIns="91440" tIns="45720" rIns="91440" bIns="45720" rtlCol="0"/>
+          <a:lstStyle/>
+          <a:p>
+            <a:pPr lvl="0"/>
+            <a:r>
+              <a:rPr lang="nl-NL"/>
+              <a:t>Klikken om de tekststijl van het model te bewerken</a:t>
+            </a:r>
+          </a:p>
+          <a:p>
+            <a:pPr lvl="1"/>
+            <a:r>
+              <a:rPr lang="nl-NL"/>
+              <a:t>Tweede niveau</a:t>
+            </a:r>
+          </a:p>
+          <a:p>
+            <a:pPr lvl="2"/>
+            <a:r>
+              <a:rPr lang="nl-NL"/>
+              <a:t>Derde niveau</a:t>
+            </a:r>
+          </a:p>
+          <a:p>
+            <a:pPr lvl="3"/>
+            <a:r>
+              <a:rPr lang="nl-NL"/>
+              <a:t>Vierde niveau</a:t>
+            </a:r>
+          </a:p>
+          <a:p>
+            <a:pPr lvl="4"/>
+            <a:r>
+              <a:rPr lang="nl-NL"/>
+              <a:t>Vijfde niveau</a:t>
+            </a:r>
+          </a:p>
+        </p:txBody>
+      </p:sp>
+      <p:sp>
+        <p:nvSpPr>
+          <p:cNvPr id="6" name="Tijdelijke aanduiding voor voettekst 5"/>
+          <p:cNvSpPr>
+            <a:spLocks noGrp="1"/>
+          </p:cNvSpPr>
+          <p:nvPr>
+            <p:ph type="ftr" sz="quarter" idx="4"/>
+          </p:nvPr>
+        </p:nvSpPr>
+        <p:spPr>
+          <a:xfrm>
+            <a:off x="0" y="8685213"/>
+            <a:ext cx="2971800" cy="458787"/>
+          </a:xfrm>
+          <a:prstGeom prst="rect">
+            <a:avLst/>
+          </a:prstGeom>
+        </p:spPr>
+        <p:txBody>
+          <a:bodyPr vert="horz" lIns="91440" tIns="45720" rIns="91440" bIns="45720" rtlCol="0" anchor="b"/>
+          <a:lstStyle>
+            <a:lvl1pPr algn="l">
+              <a:defRPr sz="1200"/>
+            </a:lvl1pPr>
+          </a:lstStyle>
+          <a:p>
+            <a:endParaRPr lang="nl-NL"/>
+          </a:p>
+        </p:txBody>
+      </p:sp>
+      <p:sp>
+        <p:nvSpPr>
+          <p:cNvPr id="7" name="Tijdelijke aanduiding voor dianummer 6"/>
+          <p:cNvSpPr>
+            <a:spLocks noGrp="1"/>
+          </p:cNvSpPr>
+          <p:nvPr>
+            <p:ph type="sldNum" sz="quarter" idx="5"/>
+          </p:nvPr>
+        </p:nvSpPr>
+        <p:spPr>
+          <a:xfrm>
+            <a:off x="3884613" y="8685213"/>
+            <a:ext cx="2971800" cy="458787"/>
+          </a:xfrm>
+          <a:prstGeom prst="rect">
+            <a:avLst/>
+          </a:prstGeom>
+        </p:spPr>
+        <p:txBody>
+          <a:bodyPr vert="horz" lIns="91440" tIns="45720" rIns="91440" bIns="45720" rtlCol="0" anchor="b"/>
+          <a:lstStyle>
+            <a:lvl1pPr algn="r">
+              <a:defRPr sz="1200"/>
+            </a:lvl1pPr>
+          </a:lstStyle>
+          <a:p>
+            <a:fld id="{FF591C17-2020-40E6-849A-6B108B9A2549}" type="slidenum">
+              <a:rPr lang="nl-NL" smtClean="0"/>
+              <a:t>‹nr.›</a:t>
+            </a:fld>
+            <a:endParaRPr lang="nl-NL"/>
+          </a:p>
+        </p:txBody>
+      </p:sp>
+    </p:spTree>
+    <p:extLst>
+      <p:ext uri="{BB962C8B-B14F-4D97-AF65-F5344CB8AC3E}">
+        <p14:creationId xmlns:p14="http://schemas.microsoft.com/office/powerpoint/2010/main" val="654674229"/>
+      </p:ext>
+    </p:extLst>
+  </p:cSld>
+  <p:clrMap bg1="lt1" tx1="dk1" bg2="lt2" tx2="dk2" accent1="accent1" accent2="accent2" accent3="accent3" accent4="accent4" accent5="accent5" accent6="accent6" hlink="hlink" folHlink="folHlink"/>
+  <p:notesStyle>
+    <a:lvl1pPr marL="0" algn="l" defTabSz="914400" rtl="0" eaLnBrk="1" latinLnBrk="0" hangingPunct="1">
+      <a:defRPr sz="1200" kern="1200">
+        <a:solidFill>
+          <a:schemeClr val="tx1"/>
+        </a:solidFill>
+        <a:latin typeface="+mn-lt"/>
+        <a:ea typeface="+mn-ea"/>
+        <a:cs typeface="+mn-cs"/>
+      </a:defRPr>
+    </a:lvl1pPr>
+    <a:lvl2pPr marL="457200" algn="l" defTabSz="914400" rtl="0" eaLnBrk="1" latinLnBrk="0" hangingPunct="1">
+      <a:defRPr sz="1200" kern="1200">
+        <a:solidFill>
+          <a:schemeClr val="tx1"/>
+        </a:solidFill>
+        <a:latin typeface="+mn-lt"/>
+        <a:ea typeface="+mn-ea"/>
+        <a:cs typeface="+mn-cs"/>
+      </a:defRPr>
+    </a:lvl2pPr>
+    <a:lvl3pPr marL="914400" algn="l" defTabSz="914400" rtl="0" eaLnBrk="1" latinLnBrk="0" hangingPunct="1">
+      <a:defRPr sz="1200" kern="1200">
+        <a:solidFill>
+          <a:schemeClr val="tx1"/>
+        </a:solidFill>
+        <a:latin typeface="+mn-lt"/>
+        <a:ea typeface="+mn-ea"/>
+        <a:cs typeface="+mn-cs"/>
+      </a:defRPr>
+    </a:lvl3pPr>
+    <a:lvl4pPr marL="1371600" algn="l" defTabSz="914400" rtl="0" eaLnBrk="1" latinLnBrk="0" hangingPunct="1">
+      <a:defRPr sz="1200" kern="1200">
+        <a:solidFill>
+          <a:schemeClr val="tx1"/>
+        </a:solidFill>
+        <a:latin typeface="+mn-lt"/>
+        <a:ea typeface="+mn-ea"/>
+        <a:cs typeface="+mn-cs"/>
+      </a:defRPr>
+    </a:lvl4pPr>
+    <a:lvl5pPr marL="1828800" algn="l" defTabSz="914400" rtl="0" eaLnBrk="1" latinLnBrk="0" hangingPunct="1">
+      <a:defRPr sz="1200" kern="1200">
+        <a:solidFill>
+          <a:schemeClr val="tx1"/>
+        </a:solidFill>
+        <a:latin typeface="+mn-lt"/>
+        <a:ea typeface="+mn-ea"/>
+        <a:cs typeface="+mn-cs"/>
+      </a:defRPr>
+    </a:lvl5pPr>
+    <a:lvl6pPr marL="2286000" algn="l" defTabSz="914400" rtl="0" eaLnBrk="1" latinLnBrk="0" hangingPunct="1">
+      <a:defRPr sz="1200" kern="1200">
+        <a:solidFill>
+          <a:schemeClr val="tx1"/>
+        </a:solidFill>
+        <a:latin typeface="+mn-lt"/>
+        <a:ea typeface="+mn-ea"/>
+        <a:cs typeface="+mn-cs"/>
+      </a:defRPr>
+    </a:lvl6pPr>
+    <a:lvl7pPr marL="2743200" algn="l" defTabSz="914400" rtl="0" eaLnBrk="1" latinLnBrk="0" hangingPunct="1">
+      <a:defRPr sz="1200" kern="1200">
+        <a:solidFill>
+          <a:schemeClr val="tx1"/>
+        </a:solidFill>
+        <a:latin typeface="+mn-lt"/>
+        <a:ea typeface="+mn-ea"/>
+        <a:cs typeface="+mn-cs"/>
+      </a:defRPr>
+    </a:lvl7pPr>
+    <a:lvl8pPr marL="3200400" algn="l" defTabSz="914400" rtl="0" eaLnBrk="1" latinLnBrk="0" hangingPunct="1">
+      <a:defRPr sz="1200" kern="1200">
+        <a:solidFill>
+          <a:schemeClr val="tx1"/>
+        </a:solidFill>
+        <a:latin typeface="+mn-lt"/>
+        <a:ea typeface="+mn-ea"/>
+        <a:cs typeface="+mn-cs"/>
+      </a:defRPr>
+    </a:lvl8pPr>
+    <a:lvl9pPr marL="3657600" algn="l" defTabSz="914400" rtl="0" eaLnBrk="1" latinLnBrk="0" hangingPunct="1">
+      <a:defRPr sz="1200" kern="1200">
+        <a:solidFill>
+          <a:schemeClr val="tx1"/>
+        </a:solidFill>
+        <a:latin typeface="+mn-lt"/>
+        <a:ea typeface="+mn-ea"/>
+        <a:cs typeface="+mn-cs"/>
+      </a:defRPr>
+    </a:lvl9pPr>
+  </p:notesStyle>
+</p:notesMaster>
+</file>
+
+<file path=ppt/notesSlides/notesSlide1.xml><?xml version="1.0" encoding="utf-8"?>
+<p:notes xmlns:a="http://schemas.openxmlformats.org/drawingml/2006/main" xmlns:r="http://schemas.openxmlformats.org/officeDocument/2006/relationships" xmlns:p="http://schemas.openxmlformats.org/presentationml/2006/main">
+  <p:cSld>
+    <p:spTree>
+      <p:nvGrpSpPr>
+        <p:cNvPr id="1" name=""/>
+        <p:cNvGrpSpPr/>
+        <p:nvPr/>
+      </p:nvGrpSpPr>
+      <p:grpSpPr>
+        <a:xfrm>
+          <a:off x="0" y="0"/>
+          <a:ext cx="0" cy="0"/>
+          <a:chOff x="0" y="0"/>
+          <a:chExt cx="0" cy="0"/>
+        </a:xfrm>
+      </p:grpSpPr>
+      <p:sp>
+        <p:nvSpPr>
+          <p:cNvPr id="2" name="Tijdelijke aanduiding voor dia-afbeelding 1"/>
+          <p:cNvSpPr>
+            <a:spLocks noGrp="1" noRot="1" noChangeAspect="1"/>
+          </p:cNvSpPr>
+          <p:nvPr>
+            <p:ph type="sldImg"/>
+          </p:nvPr>
+        </p:nvSpPr>
+        <p:spPr/>
+      </p:sp>
+      <p:sp>
+        <p:nvSpPr>
+          <p:cNvPr id="3" name="Tijdelijke aanduiding voor notities 2"/>
+          <p:cNvSpPr>
+            <a:spLocks noGrp="1"/>
+          </p:cNvSpPr>
+          <p:nvPr>
+            <p:ph type="body" idx="1"/>
+          </p:nvPr>
+        </p:nvSpPr>
+        <p:spPr/>
+        <p:txBody>
+          <a:bodyPr/>
+          <a:lstStyle/>
+          <a:p>
+            <a:pPr marL="0" indent="0">
+              <a:buFontTx/>
+              <a:buNone/>
+            </a:pPr>
+            <a:endParaRPr lang="nl-NL" dirty="0"/>
+          </a:p>
+        </p:txBody>
+      </p:sp>
+      <p:sp>
+        <p:nvSpPr>
+          <p:cNvPr id="4" name="Tijdelijke aanduiding voor dianummer 3"/>
+          <p:cNvSpPr>
+            <a:spLocks noGrp="1"/>
+          </p:cNvSpPr>
+          <p:nvPr>
+            <p:ph type="sldNum" sz="quarter" idx="10"/>
+          </p:nvPr>
+        </p:nvSpPr>
+        <p:spPr/>
+        <p:txBody>
+          <a:bodyPr/>
+          <a:lstStyle/>
+          <a:p>
+            <a:pPr marL="0" marR="0" lvl="0" indent="0" algn="r" defTabSz="914400" rtl="0" eaLnBrk="1" fontAlgn="auto" latinLnBrk="0" hangingPunct="1">
+              <a:lnSpc>
+                <a:spcPct val="100000"/>
+              </a:lnSpc>
+              <a:spcBef>
+                <a:spcPts val="0"/>
+              </a:spcBef>
+              <a:spcAft>
+                <a:spcPts val="0"/>
+              </a:spcAft>
+              <a:buClrTx/>
+              <a:buSzTx/>
+              <a:buFontTx/>
+              <a:buNone/>
+              <a:tabLst/>
+              <a:defRPr/>
+            </a:pPr>
+            <a:fld id="{6DCF88EA-A6B0-4589-B7EB-9E96D8FBDB5D}" type="slidenum">
+              <a:rPr kumimoji="0" lang="nl-NL" sz="1200" b="0" i="0" u="none" strike="noStrike" kern="1200" cap="none" spc="0" normalizeH="0" baseline="0" noProof="0" smtClean="0">
+                <a:ln>
+                  <a:noFill/>
+                </a:ln>
+                <a:solidFill>
+                  <a:prstClr val="black"/>
+                </a:solidFill>
+                <a:effectLst/>
+                <a:uLnTx/>
+                <a:uFillTx/>
+                <a:latin typeface="Calibri" panose="020F0502020204030204"/>
+                <a:ea typeface="+mn-ea"/>
+                <a:cs typeface="+mn-cs"/>
+              </a:rPr>
+              <a:pPr marL="0" marR="0" lvl="0" indent="0" algn="r" defTabSz="914400" rtl="0" eaLnBrk="1" fontAlgn="auto" latinLnBrk="0" hangingPunct="1">
+                <a:lnSpc>
+                  <a:spcPct val="100000"/>
+                </a:lnSpc>
+                <a:spcBef>
+                  <a:spcPts val="0"/>
+                </a:spcBef>
+                <a:spcAft>
+                  <a:spcPts val="0"/>
+                </a:spcAft>
+                <a:buClrTx/>
+                <a:buSzTx/>
+                <a:buFontTx/>
+                <a:buNone/>
+                <a:tabLst/>
+                <a:defRPr/>
+              </a:pPr>
+              <a:t>1</a:t>
+            </a:fld>
+            <a:endParaRPr kumimoji="0" lang="nl-NL" sz="1200" b="0" i="0" u="none" strike="noStrike" kern="1200" cap="none" spc="0" normalizeH="0" baseline="0" noProof="0">
+              <a:ln>
+                <a:noFill/>
+              </a:ln>
+              <a:solidFill>
+                <a:prstClr val="black"/>
+              </a:solidFill>
+              <a:effectLst/>
+              <a:uLnTx/>
+              <a:uFillTx/>
+              <a:latin typeface="Calibri" panose="020F0502020204030204"/>
+              <a:ea typeface="+mn-ea"/>
+              <a:cs typeface="+mn-cs"/>
+            </a:endParaRPr>
+          </a:p>
+        </p:txBody>
+      </p:sp>
+    </p:spTree>
+    <p:extLst>
+      <p:ext uri="{BB962C8B-B14F-4D97-AF65-F5344CB8AC3E}">
+        <p14:creationId xmlns:p14="http://schemas.microsoft.com/office/powerpoint/2010/main" val="3186427529"/>
+      </p:ext>
+    </p:extLst>
+  </p:cSld>
+  <p:clrMapOvr>
+    <a:masterClrMapping/>
+  </p:clrMapOvr>
+</p:notes>
+</file>
+
+<file path=ppt/notesSlides/notesSlide2.xml><?xml version="1.0" encoding="utf-8"?>
+<p:notes xmlns:a="http://schemas.openxmlformats.org/drawingml/2006/main" xmlns:r="http://schemas.openxmlformats.org/officeDocument/2006/relationships" xmlns:p="http://schemas.openxmlformats.org/presentationml/2006/main">
+  <p:cSld>
+    <p:spTree>
+      <p:nvGrpSpPr>
+        <p:cNvPr id="1" name=""/>
+        <p:cNvGrpSpPr/>
+        <p:nvPr/>
+      </p:nvGrpSpPr>
+      <p:grpSpPr>
+        <a:xfrm>
+          <a:off x="0" y="0"/>
+          <a:ext cx="0" cy="0"/>
+          <a:chOff x="0" y="0"/>
+          <a:chExt cx="0" cy="0"/>
+        </a:xfrm>
+      </p:grpSpPr>
+      <p:sp>
+        <p:nvSpPr>
+          <p:cNvPr id="2" name="Tijdelijke aanduiding voor dia-afbeelding 1"/>
+          <p:cNvSpPr>
+            <a:spLocks noGrp="1" noRot="1" noChangeAspect="1"/>
+          </p:cNvSpPr>
+          <p:nvPr>
+            <p:ph type="sldImg"/>
+          </p:nvPr>
+        </p:nvSpPr>
+        <p:spPr/>
+      </p:sp>
+      <p:sp>
+        <p:nvSpPr>
+          <p:cNvPr id="3" name="Tijdelijke aanduiding voor notities 2"/>
+          <p:cNvSpPr>
+            <a:spLocks noGrp="1"/>
+          </p:cNvSpPr>
+          <p:nvPr>
+            <p:ph type="body" idx="1"/>
+          </p:nvPr>
+        </p:nvSpPr>
+        <p:spPr/>
+        <p:txBody>
+          <a:bodyPr/>
+          <a:lstStyle/>
+          <a:p>
+            <a:endParaRPr lang="nl-NL" dirty="0"/>
+          </a:p>
+        </p:txBody>
+      </p:sp>
+      <p:sp>
+        <p:nvSpPr>
+          <p:cNvPr id="4" name="Tijdelijke aanduiding voor dianummer 3"/>
+          <p:cNvSpPr>
+            <a:spLocks noGrp="1"/>
+          </p:cNvSpPr>
+          <p:nvPr>
+            <p:ph type="sldNum" sz="quarter" idx="10"/>
+          </p:nvPr>
+        </p:nvSpPr>
+        <p:spPr/>
+        <p:txBody>
+          <a:bodyPr/>
+          <a:lstStyle/>
+          <a:p>
+            <a:pPr marL="0" marR="0" lvl="0" indent="0" algn="r" defTabSz="914400" rtl="0" eaLnBrk="1" fontAlgn="auto" latinLnBrk="0" hangingPunct="1">
+              <a:lnSpc>
+                <a:spcPct val="100000"/>
+              </a:lnSpc>
+              <a:spcBef>
+                <a:spcPts val="0"/>
+              </a:spcBef>
+              <a:spcAft>
+                <a:spcPts val="0"/>
+              </a:spcAft>
+              <a:buClrTx/>
+              <a:buSzTx/>
+              <a:buFontTx/>
+              <a:buNone/>
+              <a:tabLst/>
+              <a:defRPr/>
+            </a:pPr>
+            <a:fld id="{156D08E3-A4B1-4FAA-974D-596261ED24FC}" type="slidenum">
+              <a:rPr kumimoji="0" lang="nl-NL" sz="1200" b="0" i="0" u="none" strike="noStrike" kern="1200" cap="none" spc="0" normalizeH="0" baseline="0" noProof="0" smtClean="0">
+                <a:ln>
+                  <a:noFill/>
+                </a:ln>
+                <a:solidFill>
+                  <a:prstClr val="black"/>
+                </a:solidFill>
+                <a:effectLst/>
+                <a:uLnTx/>
+                <a:uFillTx/>
+                <a:latin typeface="Calibri" panose="020F0502020204030204"/>
+                <a:ea typeface="+mn-ea"/>
+                <a:cs typeface="+mn-cs"/>
+              </a:rPr>
+              <a:pPr marL="0" marR="0" lvl="0" indent="0" algn="r" defTabSz="914400" rtl="0" eaLnBrk="1" fontAlgn="auto" latinLnBrk="0" hangingPunct="1">
+                <a:lnSpc>
+                  <a:spcPct val="100000"/>
+                </a:lnSpc>
+                <a:spcBef>
+                  <a:spcPts val="0"/>
+                </a:spcBef>
+                <a:spcAft>
+                  <a:spcPts val="0"/>
+                </a:spcAft>
+                <a:buClrTx/>
+                <a:buSzTx/>
+                <a:buFontTx/>
+                <a:buNone/>
+                <a:tabLst/>
+                <a:defRPr/>
+              </a:pPr>
+              <a:t>3</a:t>
+            </a:fld>
+            <a:endParaRPr kumimoji="0" lang="nl-NL" sz="1200" b="0" i="0" u="none" strike="noStrike" kern="1200" cap="none" spc="0" normalizeH="0" baseline="0" noProof="0">
+              <a:ln>
+                <a:noFill/>
+              </a:ln>
+              <a:solidFill>
+                <a:prstClr val="black"/>
+              </a:solidFill>
+              <a:effectLst/>
+              <a:uLnTx/>
+              <a:uFillTx/>
+              <a:latin typeface="Calibri" panose="020F0502020204030204"/>
+              <a:ea typeface="+mn-ea"/>
+              <a:cs typeface="+mn-cs"/>
+            </a:endParaRPr>
+          </a:p>
+        </p:txBody>
+      </p:sp>
+    </p:spTree>
+    <p:extLst>
+      <p:ext uri="{BB962C8B-B14F-4D97-AF65-F5344CB8AC3E}">
+        <p14:creationId xmlns:p14="http://schemas.microsoft.com/office/powerpoint/2010/main" val="3382592005"/>
+      </p:ext>
+    </p:extLst>
+  </p:cSld>
+  <p:clrMapOvr>
+    <a:masterClrMapping/>
+  </p:clrMapOvr>
+</p:notes>
+</file>
+
+<file path=ppt/notesSlides/notesSlide3.xml><?xml version="1.0" encoding="utf-8"?>
+<p:notes xmlns:a="http://schemas.openxmlformats.org/drawingml/2006/main" xmlns:r="http://schemas.openxmlformats.org/officeDocument/2006/relationships" xmlns:p="http://schemas.openxmlformats.org/presentationml/2006/main">
+  <p:cSld>
+    <p:spTree>
+      <p:nvGrpSpPr>
+        <p:cNvPr id="1" name=""/>
+        <p:cNvGrpSpPr/>
+        <p:nvPr/>
+      </p:nvGrpSpPr>
+      <p:grpSpPr>
+        <a:xfrm>
+          <a:off x="0" y="0"/>
+          <a:ext cx="0" cy="0"/>
+          <a:chOff x="0" y="0"/>
+          <a:chExt cx="0" cy="0"/>
+        </a:xfrm>
+      </p:grpSpPr>
+      <p:sp>
+        <p:nvSpPr>
+          <p:cNvPr id="2" name="Tijdelijke aanduiding voor dia-afbeelding 1"/>
+          <p:cNvSpPr>
+            <a:spLocks noGrp="1" noRot="1" noChangeAspect="1"/>
+          </p:cNvSpPr>
+          <p:nvPr>
+            <p:ph type="sldImg"/>
+          </p:nvPr>
+        </p:nvSpPr>
+        <p:spPr/>
+      </p:sp>
+      <p:sp>
+        <p:nvSpPr>
+          <p:cNvPr id="3" name="Tijdelijke aanduiding voor notities 2"/>
+          <p:cNvSpPr>
+            <a:spLocks noGrp="1"/>
+          </p:cNvSpPr>
+          <p:nvPr>
+            <p:ph type="body" idx="1"/>
+          </p:nvPr>
+        </p:nvSpPr>
+        <p:spPr/>
+        <p:txBody>
+          <a:bodyPr/>
+          <a:lstStyle/>
+          <a:p>
+            <a:endParaRPr lang="nl-NL" dirty="0"/>
+          </a:p>
+        </p:txBody>
+      </p:sp>
+      <p:sp>
+        <p:nvSpPr>
+          <p:cNvPr id="4" name="Tijdelijke aanduiding voor dianummer 3"/>
+          <p:cNvSpPr>
+            <a:spLocks noGrp="1"/>
+          </p:cNvSpPr>
+          <p:nvPr>
+            <p:ph type="sldNum" sz="quarter" idx="10"/>
+          </p:nvPr>
+        </p:nvSpPr>
+        <p:spPr/>
+        <p:txBody>
+          <a:bodyPr/>
+          <a:lstStyle/>
+          <a:p>
+            <a:pPr marL="0" marR="0" lvl="0" indent="0" algn="r" defTabSz="914400" rtl="0" eaLnBrk="1" fontAlgn="auto" latinLnBrk="0" hangingPunct="1">
+              <a:lnSpc>
+                <a:spcPct val="100000"/>
+              </a:lnSpc>
+              <a:spcBef>
+                <a:spcPts val="0"/>
+              </a:spcBef>
+              <a:spcAft>
+                <a:spcPts val="0"/>
+              </a:spcAft>
+              <a:buClrTx/>
+              <a:buSzTx/>
+              <a:buFontTx/>
+              <a:buNone/>
+              <a:tabLst/>
+              <a:defRPr/>
+            </a:pPr>
+            <a:fld id="{156D08E3-A4B1-4FAA-974D-596261ED24FC}" type="slidenum">
+              <a:rPr kumimoji="0" lang="nl-NL" sz="1200" b="0" i="0" u="none" strike="noStrike" kern="1200" cap="none" spc="0" normalizeH="0" baseline="0" noProof="0" smtClean="0">
+                <a:ln>
+                  <a:noFill/>
+                </a:ln>
+                <a:solidFill>
+                  <a:prstClr val="black"/>
+                </a:solidFill>
+                <a:effectLst/>
+                <a:uLnTx/>
+                <a:uFillTx/>
+                <a:latin typeface="Calibri" panose="020F0502020204030204"/>
+                <a:ea typeface="+mn-ea"/>
+                <a:cs typeface="+mn-cs"/>
+              </a:rPr>
+              <a:pPr marL="0" marR="0" lvl="0" indent="0" algn="r" defTabSz="914400" rtl="0" eaLnBrk="1" fontAlgn="auto" latinLnBrk="0" hangingPunct="1">
+                <a:lnSpc>
+                  <a:spcPct val="100000"/>
+                </a:lnSpc>
+                <a:spcBef>
+                  <a:spcPts val="0"/>
+                </a:spcBef>
+                <a:spcAft>
+                  <a:spcPts val="0"/>
+                </a:spcAft>
+                <a:buClrTx/>
+                <a:buSzTx/>
+                <a:buFontTx/>
+                <a:buNone/>
+                <a:tabLst/>
+                <a:defRPr/>
+              </a:pPr>
+              <a:t>4</a:t>
+            </a:fld>
+            <a:endParaRPr kumimoji="0" lang="nl-NL" sz="1200" b="0" i="0" u="none" strike="noStrike" kern="1200" cap="none" spc="0" normalizeH="0" baseline="0" noProof="0">
+              <a:ln>
+                <a:noFill/>
+              </a:ln>
+              <a:solidFill>
+                <a:prstClr val="black"/>
+              </a:solidFill>
+              <a:effectLst/>
+              <a:uLnTx/>
+              <a:uFillTx/>
+              <a:latin typeface="Calibri" panose="020F0502020204030204"/>
+              <a:ea typeface="+mn-ea"/>
+              <a:cs typeface="+mn-cs"/>
+            </a:endParaRPr>
+          </a:p>
+        </p:txBody>
+      </p:sp>
+    </p:spTree>
+    <p:extLst>
+      <p:ext uri="{BB962C8B-B14F-4D97-AF65-F5344CB8AC3E}">
+        <p14:creationId xmlns:p14="http://schemas.microsoft.com/office/powerpoint/2010/main" val="2594988592"/>
+      </p:ext>
+    </p:extLst>
+  </p:cSld>
+  <p:clrMapOvr>
+    <a:masterClrMapping/>
+  </p:clrMapOvr>
+</p:notes>
+</file>
+
+<file path=ppt/notesSlides/notesSlide4.xml><?xml version="1.0" encoding="utf-8"?>
+<p:notes xmlns:a="http://schemas.openxmlformats.org/drawingml/2006/main" xmlns:r="http://schemas.openxmlformats.org/officeDocument/2006/relationships" xmlns:p="http://schemas.openxmlformats.org/presentationml/2006/main">
+  <p:cSld>
+    <p:spTree>
+      <p:nvGrpSpPr>
+        <p:cNvPr id="1" name=""/>
+        <p:cNvGrpSpPr/>
+        <p:nvPr/>
+      </p:nvGrpSpPr>
+      <p:grpSpPr>
+        <a:xfrm>
+          <a:off x="0" y="0"/>
+          <a:ext cx="0" cy="0"/>
+          <a:chOff x="0" y="0"/>
+          <a:chExt cx="0" cy="0"/>
+        </a:xfrm>
+      </p:grpSpPr>
+      <p:sp>
+        <p:nvSpPr>
+          <p:cNvPr id="2" name="Tijdelijke aanduiding voor dia-afbeelding 1"/>
+          <p:cNvSpPr>
+            <a:spLocks noGrp="1" noRot="1" noChangeAspect="1"/>
+          </p:cNvSpPr>
+          <p:nvPr>
+            <p:ph type="sldImg"/>
+          </p:nvPr>
+        </p:nvSpPr>
+        <p:spPr/>
+      </p:sp>
+      <p:sp>
+        <p:nvSpPr>
+          <p:cNvPr id="3" name="Tijdelijke aanduiding voor notities 2"/>
+          <p:cNvSpPr>
+            <a:spLocks noGrp="1"/>
+          </p:cNvSpPr>
+          <p:nvPr>
+            <p:ph type="body" idx="1"/>
+          </p:nvPr>
+        </p:nvSpPr>
+        <p:spPr/>
+        <p:txBody>
+          <a:bodyPr/>
+          <a:lstStyle/>
+          <a:p>
+            <a:endParaRPr lang="nl-NL" dirty="0"/>
+          </a:p>
+        </p:txBody>
+      </p:sp>
+      <p:sp>
+        <p:nvSpPr>
+          <p:cNvPr id="4" name="Tijdelijke aanduiding voor dianummer 3"/>
+          <p:cNvSpPr>
+            <a:spLocks noGrp="1"/>
+          </p:cNvSpPr>
+          <p:nvPr>
+            <p:ph type="sldNum" sz="quarter" idx="10"/>
+          </p:nvPr>
+        </p:nvSpPr>
+        <p:spPr/>
+        <p:txBody>
+          <a:bodyPr/>
+          <a:lstStyle/>
+          <a:p>
+            <a:pPr marL="0" marR="0" lvl="0" indent="0" algn="r" defTabSz="914400" rtl="0" eaLnBrk="1" fontAlgn="auto" latinLnBrk="0" hangingPunct="1">
+              <a:lnSpc>
+                <a:spcPct val="100000"/>
+              </a:lnSpc>
+              <a:spcBef>
+                <a:spcPts val="0"/>
+              </a:spcBef>
+              <a:spcAft>
+                <a:spcPts val="0"/>
+              </a:spcAft>
+              <a:buClrTx/>
+              <a:buSzTx/>
+              <a:buFontTx/>
+              <a:buNone/>
+              <a:tabLst/>
+              <a:defRPr/>
+            </a:pPr>
+            <a:fld id="{156D08E3-A4B1-4FAA-974D-596261ED24FC}" type="slidenum">
+              <a:rPr kumimoji="0" lang="nl-NL" sz="1200" b="0" i="0" u="none" strike="noStrike" kern="1200" cap="none" spc="0" normalizeH="0" baseline="0" noProof="0" smtClean="0">
+                <a:ln>
+                  <a:noFill/>
+                </a:ln>
+                <a:solidFill>
+                  <a:prstClr val="black"/>
+                </a:solidFill>
+                <a:effectLst/>
+                <a:uLnTx/>
+                <a:uFillTx/>
+                <a:latin typeface="Calibri" panose="020F0502020204030204"/>
+                <a:ea typeface="+mn-ea"/>
+                <a:cs typeface="+mn-cs"/>
+              </a:rPr>
+              <a:pPr marL="0" marR="0" lvl="0" indent="0" algn="r" defTabSz="914400" rtl="0" eaLnBrk="1" fontAlgn="auto" latinLnBrk="0" hangingPunct="1">
+                <a:lnSpc>
+                  <a:spcPct val="100000"/>
+                </a:lnSpc>
+                <a:spcBef>
+                  <a:spcPts val="0"/>
+                </a:spcBef>
+                <a:spcAft>
+                  <a:spcPts val="0"/>
+                </a:spcAft>
+                <a:buClrTx/>
+                <a:buSzTx/>
+                <a:buFontTx/>
+                <a:buNone/>
+                <a:tabLst/>
+                <a:defRPr/>
+              </a:pPr>
+              <a:t>5</a:t>
+            </a:fld>
+            <a:endParaRPr kumimoji="0" lang="nl-NL" sz="1200" b="0" i="0" u="none" strike="noStrike" kern="1200" cap="none" spc="0" normalizeH="0" baseline="0" noProof="0">
+              <a:ln>
+                <a:noFill/>
+              </a:ln>
+              <a:solidFill>
+                <a:prstClr val="black"/>
+              </a:solidFill>
+              <a:effectLst/>
+              <a:uLnTx/>
+              <a:uFillTx/>
+              <a:latin typeface="Calibri" panose="020F0502020204030204"/>
+              <a:ea typeface="+mn-ea"/>
+              <a:cs typeface="+mn-cs"/>
+            </a:endParaRPr>
+          </a:p>
+        </p:txBody>
+      </p:sp>
+    </p:spTree>
+    <p:extLst>
+      <p:ext uri="{BB962C8B-B14F-4D97-AF65-F5344CB8AC3E}">
+        <p14:creationId xmlns:p14="http://schemas.microsoft.com/office/powerpoint/2010/main" val="105484108"/>
+      </p:ext>
+    </p:extLst>
+  </p:cSld>
+  <p:clrMapOvr>
+    <a:masterClrMapping/>
+  </p:clrMapOvr>
+</p:notes>
+</file>
+
+<file path=ppt/notesSlides/notesSlide5.xml><?xml version="1.0" encoding="utf-8"?>
+<p:notes xmlns:a="http://schemas.openxmlformats.org/drawingml/2006/main" xmlns:r="http://schemas.openxmlformats.org/officeDocument/2006/relationships" xmlns:p="http://schemas.openxmlformats.org/presentationml/2006/main">
+  <p:cSld>
+    <p:spTree>
+      <p:nvGrpSpPr>
+        <p:cNvPr id="1" name=""/>
+        <p:cNvGrpSpPr/>
+        <p:nvPr/>
+      </p:nvGrpSpPr>
+      <p:grpSpPr>
+        <a:xfrm>
+          <a:off x="0" y="0"/>
+          <a:ext cx="0" cy="0"/>
+          <a:chOff x="0" y="0"/>
+          <a:chExt cx="0" cy="0"/>
+        </a:xfrm>
+      </p:grpSpPr>
+      <p:sp>
+        <p:nvSpPr>
+          <p:cNvPr id="2" name="Tijdelijke aanduiding voor dia-afbeelding 1"/>
+          <p:cNvSpPr>
+            <a:spLocks noGrp="1" noRot="1" noChangeAspect="1"/>
+          </p:cNvSpPr>
+          <p:nvPr>
+            <p:ph type="sldImg"/>
+          </p:nvPr>
+        </p:nvSpPr>
+        <p:spPr/>
+      </p:sp>
+      <p:sp>
+        <p:nvSpPr>
+          <p:cNvPr id="3" name="Tijdelijke aanduiding voor notities 2"/>
+          <p:cNvSpPr>
+            <a:spLocks noGrp="1"/>
+          </p:cNvSpPr>
+          <p:nvPr>
+            <p:ph type="body" idx="1"/>
+          </p:nvPr>
+        </p:nvSpPr>
+        <p:spPr/>
+        <p:txBody>
+          <a:bodyPr/>
+          <a:lstStyle/>
+          <a:p>
+            <a:endParaRPr lang="nl-NL" dirty="0"/>
+          </a:p>
+        </p:txBody>
+      </p:sp>
+      <p:sp>
+        <p:nvSpPr>
+          <p:cNvPr id="4" name="Tijdelijke aanduiding voor dianummer 3"/>
+          <p:cNvSpPr>
+            <a:spLocks noGrp="1"/>
+          </p:cNvSpPr>
+          <p:nvPr>
+            <p:ph type="sldNum" sz="quarter" idx="10"/>
+          </p:nvPr>
+        </p:nvSpPr>
+        <p:spPr/>
+        <p:txBody>
+          <a:bodyPr/>
+          <a:lstStyle/>
+          <a:p>
+            <a:pPr marL="0" marR="0" lvl="0" indent="0" algn="r" defTabSz="914400" rtl="0" eaLnBrk="1" fontAlgn="auto" latinLnBrk="0" hangingPunct="1">
+              <a:lnSpc>
+                <a:spcPct val="100000"/>
+              </a:lnSpc>
+              <a:spcBef>
+                <a:spcPts val="0"/>
+              </a:spcBef>
+              <a:spcAft>
+                <a:spcPts val="0"/>
+              </a:spcAft>
+              <a:buClrTx/>
+              <a:buSzTx/>
+              <a:buFontTx/>
+              <a:buNone/>
+              <a:tabLst/>
+              <a:defRPr/>
+            </a:pPr>
+            <a:fld id="{156D08E3-A4B1-4FAA-974D-596261ED24FC}" type="slidenum">
+              <a:rPr kumimoji="0" lang="nl-NL" sz="1200" b="0" i="0" u="none" strike="noStrike" kern="1200" cap="none" spc="0" normalizeH="0" baseline="0" noProof="0" smtClean="0">
+                <a:ln>
+                  <a:noFill/>
+                </a:ln>
+                <a:solidFill>
+                  <a:prstClr val="black"/>
+                </a:solidFill>
+                <a:effectLst/>
+                <a:uLnTx/>
+                <a:uFillTx/>
+                <a:latin typeface="Calibri" panose="020F0502020204030204"/>
+                <a:ea typeface="+mn-ea"/>
+                <a:cs typeface="+mn-cs"/>
+              </a:rPr>
+              <a:pPr marL="0" marR="0" lvl="0" indent="0" algn="r" defTabSz="914400" rtl="0" eaLnBrk="1" fontAlgn="auto" latinLnBrk="0" hangingPunct="1">
+                <a:lnSpc>
+                  <a:spcPct val="100000"/>
+                </a:lnSpc>
+                <a:spcBef>
+                  <a:spcPts val="0"/>
+                </a:spcBef>
+                <a:spcAft>
+                  <a:spcPts val="0"/>
+                </a:spcAft>
+                <a:buClrTx/>
+                <a:buSzTx/>
+                <a:buFontTx/>
+                <a:buNone/>
+                <a:tabLst/>
+                <a:defRPr/>
+              </a:pPr>
+              <a:t>6</a:t>
+            </a:fld>
+            <a:endParaRPr kumimoji="0" lang="nl-NL" sz="1200" b="0" i="0" u="none" strike="noStrike" kern="1200" cap="none" spc="0" normalizeH="0" baseline="0" noProof="0">
+              <a:ln>
+                <a:noFill/>
+              </a:ln>
+              <a:solidFill>
+                <a:prstClr val="black"/>
+              </a:solidFill>
+              <a:effectLst/>
+              <a:uLnTx/>
+              <a:uFillTx/>
+              <a:latin typeface="Calibri" panose="020F0502020204030204"/>
+              <a:ea typeface="+mn-ea"/>
+              <a:cs typeface="+mn-cs"/>
+            </a:endParaRPr>
+          </a:p>
+        </p:txBody>
+      </p:sp>
+    </p:spTree>
+    <p:extLst>
+      <p:ext uri="{BB962C8B-B14F-4D97-AF65-F5344CB8AC3E}">
+        <p14:creationId xmlns:p14="http://schemas.microsoft.com/office/powerpoint/2010/main" val="1480768024"/>
+      </p:ext>
+    </p:extLst>
+  </p:cSld>
+  <p:clrMapOvr>
+    <a:masterClrMapping/>
+  </p:clrMapOvr>
+</p:notes>
+</file>
+
+<file path=ppt/notesSlides/notesSlide6.xml><?xml version="1.0" encoding="utf-8"?>
+<p:notes xmlns:a="http://schemas.openxmlformats.org/drawingml/2006/main" xmlns:r="http://schemas.openxmlformats.org/officeDocument/2006/relationships" xmlns:p="http://schemas.openxmlformats.org/presentationml/2006/main">
+  <p:cSld>
+    <p:spTree>
+      <p:nvGrpSpPr>
+        <p:cNvPr id="1" name=""/>
+        <p:cNvGrpSpPr/>
+        <p:nvPr/>
+      </p:nvGrpSpPr>
+      <p:grpSpPr>
+        <a:xfrm>
+          <a:off x="0" y="0"/>
+          <a:ext cx="0" cy="0"/>
+          <a:chOff x="0" y="0"/>
+          <a:chExt cx="0" cy="0"/>
+        </a:xfrm>
+      </p:grpSpPr>
+      <p:sp>
+        <p:nvSpPr>
+          <p:cNvPr id="2" name="Tijdelijke aanduiding voor dia-afbeelding 1"/>
+          <p:cNvSpPr>
+            <a:spLocks noGrp="1" noRot="1" noChangeAspect="1"/>
+          </p:cNvSpPr>
+          <p:nvPr>
+            <p:ph type="sldImg"/>
+          </p:nvPr>
+        </p:nvSpPr>
+        <p:spPr/>
+      </p:sp>
+      <p:sp>
+        <p:nvSpPr>
+          <p:cNvPr id="3" name="Tijdelijke aanduiding voor notities 2"/>
+          <p:cNvSpPr>
+            <a:spLocks noGrp="1"/>
+          </p:cNvSpPr>
+          <p:nvPr>
+            <p:ph type="body" idx="1"/>
+          </p:nvPr>
+        </p:nvSpPr>
+        <p:spPr/>
+        <p:txBody>
+          <a:bodyPr/>
+          <a:lstStyle/>
+          <a:p>
+            <a:endParaRPr lang="nl-NL" dirty="0"/>
+          </a:p>
+        </p:txBody>
+      </p:sp>
+      <p:sp>
+        <p:nvSpPr>
+          <p:cNvPr id="4" name="Tijdelijke aanduiding voor dianummer 3"/>
+          <p:cNvSpPr>
+            <a:spLocks noGrp="1"/>
+          </p:cNvSpPr>
+          <p:nvPr>
+            <p:ph type="sldNum" sz="quarter" idx="10"/>
+          </p:nvPr>
+        </p:nvSpPr>
+        <p:spPr/>
+        <p:txBody>
+          <a:bodyPr/>
+          <a:lstStyle/>
+          <a:p>
+            <a:pPr marL="0" marR="0" lvl="0" indent="0" algn="r" defTabSz="914400" rtl="0" eaLnBrk="1" fontAlgn="auto" latinLnBrk="0" hangingPunct="1">
+              <a:lnSpc>
+                <a:spcPct val="100000"/>
+              </a:lnSpc>
+              <a:spcBef>
+                <a:spcPts val="0"/>
+              </a:spcBef>
+              <a:spcAft>
+                <a:spcPts val="0"/>
+              </a:spcAft>
+              <a:buClrTx/>
+              <a:buSzTx/>
+              <a:buFontTx/>
+              <a:buNone/>
+              <a:tabLst/>
+              <a:defRPr/>
+            </a:pPr>
+            <a:fld id="{156D08E3-A4B1-4FAA-974D-596261ED24FC}" type="slidenum">
+              <a:rPr kumimoji="0" lang="nl-NL" sz="1200" b="0" i="0" u="none" strike="noStrike" kern="1200" cap="none" spc="0" normalizeH="0" baseline="0" noProof="0" smtClean="0">
+                <a:ln>
+                  <a:noFill/>
+                </a:ln>
+                <a:solidFill>
+                  <a:prstClr val="black"/>
+                </a:solidFill>
+                <a:effectLst/>
+                <a:uLnTx/>
+                <a:uFillTx/>
+                <a:latin typeface="Calibri" panose="020F0502020204030204"/>
+                <a:ea typeface="+mn-ea"/>
+                <a:cs typeface="+mn-cs"/>
+              </a:rPr>
+              <a:pPr marL="0" marR="0" lvl="0" indent="0" algn="r" defTabSz="914400" rtl="0" eaLnBrk="1" fontAlgn="auto" latinLnBrk="0" hangingPunct="1">
+                <a:lnSpc>
+                  <a:spcPct val="100000"/>
+                </a:lnSpc>
+                <a:spcBef>
+                  <a:spcPts val="0"/>
+                </a:spcBef>
+                <a:spcAft>
+                  <a:spcPts val="0"/>
+                </a:spcAft>
+                <a:buClrTx/>
+                <a:buSzTx/>
+                <a:buFontTx/>
+                <a:buNone/>
+                <a:tabLst/>
+                <a:defRPr/>
+              </a:pPr>
+              <a:t>7</a:t>
+            </a:fld>
+            <a:endParaRPr kumimoji="0" lang="nl-NL" sz="1200" b="0" i="0" u="none" strike="noStrike" kern="1200" cap="none" spc="0" normalizeH="0" baseline="0" noProof="0">
+              <a:ln>
+                <a:noFill/>
+              </a:ln>
+              <a:solidFill>
+                <a:prstClr val="black"/>
+              </a:solidFill>
+              <a:effectLst/>
+              <a:uLnTx/>
+              <a:uFillTx/>
+              <a:latin typeface="Calibri" panose="020F0502020204030204"/>
+              <a:ea typeface="+mn-ea"/>
+              <a:cs typeface="+mn-cs"/>
+            </a:endParaRPr>
+          </a:p>
+        </p:txBody>
+      </p:sp>
+    </p:spTree>
+    <p:extLst>
+      <p:ext uri="{BB962C8B-B14F-4D97-AF65-F5344CB8AC3E}">
+        <p14:creationId xmlns:p14="http://schemas.microsoft.com/office/powerpoint/2010/main" val="3074910845"/>
+      </p:ext>
+    </p:extLst>
+  </p:cSld>
+  <p:clrMapOvr>
+    <a:masterClrMapping/>
+  </p:clrMapOvr>
+</p:notes>
+</file>
+
+<file path=ppt/notesSlides/notesSlide7.xml><?xml version="1.0" encoding="utf-8"?>
+<p:notes xmlns:a="http://schemas.openxmlformats.org/drawingml/2006/main" xmlns:r="http://schemas.openxmlformats.org/officeDocument/2006/relationships" xmlns:p="http://schemas.openxmlformats.org/presentationml/2006/main">
+  <p:cSld>
+    <p:spTree>
+      <p:nvGrpSpPr>
+        <p:cNvPr id="1" name=""/>
+        <p:cNvGrpSpPr/>
+        <p:nvPr/>
+      </p:nvGrpSpPr>
+      <p:grpSpPr>
+        <a:xfrm>
+          <a:off x="0" y="0"/>
+          <a:ext cx="0" cy="0"/>
+          <a:chOff x="0" y="0"/>
+          <a:chExt cx="0" cy="0"/>
+        </a:xfrm>
+      </p:grpSpPr>
+      <p:sp>
+        <p:nvSpPr>
+          <p:cNvPr id="2" name="Tijdelijke aanduiding voor dia-afbeelding 1"/>
+          <p:cNvSpPr>
+            <a:spLocks noGrp="1" noRot="1" noChangeAspect="1"/>
+          </p:cNvSpPr>
+          <p:nvPr>
+            <p:ph type="sldImg"/>
+          </p:nvPr>
+        </p:nvSpPr>
+        <p:spPr/>
+      </p:sp>
+      <p:sp>
+        <p:nvSpPr>
+          <p:cNvPr id="3" name="Tijdelijke aanduiding voor notities 2"/>
+          <p:cNvSpPr>
+            <a:spLocks noGrp="1"/>
+          </p:cNvSpPr>
+          <p:nvPr>
+            <p:ph type="body" idx="1"/>
+          </p:nvPr>
+        </p:nvSpPr>
+        <p:spPr/>
+        <p:txBody>
+          <a:bodyPr/>
+          <a:lstStyle/>
+          <a:p>
+            <a:endParaRPr lang="nl-NL" dirty="0"/>
+          </a:p>
+        </p:txBody>
+      </p:sp>
+      <p:sp>
+        <p:nvSpPr>
+          <p:cNvPr id="4" name="Tijdelijke aanduiding voor dianummer 3"/>
+          <p:cNvSpPr>
+            <a:spLocks noGrp="1"/>
+          </p:cNvSpPr>
+          <p:nvPr>
+            <p:ph type="sldNum" sz="quarter" idx="10"/>
+          </p:nvPr>
+        </p:nvSpPr>
+        <p:spPr/>
+        <p:txBody>
+          <a:bodyPr/>
+          <a:lstStyle/>
+          <a:p>
+            <a:pPr marL="0" marR="0" lvl="0" indent="0" algn="r" defTabSz="914400" rtl="0" eaLnBrk="1" fontAlgn="auto" latinLnBrk="0" hangingPunct="1">
+              <a:lnSpc>
+                <a:spcPct val="100000"/>
+              </a:lnSpc>
+              <a:spcBef>
+                <a:spcPts val="0"/>
+              </a:spcBef>
+              <a:spcAft>
+                <a:spcPts val="0"/>
+              </a:spcAft>
+              <a:buClrTx/>
+              <a:buSzTx/>
+              <a:buFontTx/>
+              <a:buNone/>
+              <a:tabLst/>
+              <a:defRPr/>
+            </a:pPr>
+            <a:fld id="{156D08E3-A4B1-4FAA-974D-596261ED24FC}" type="slidenum">
+              <a:rPr kumimoji="0" lang="nl-NL" sz="1200" b="0" i="0" u="none" strike="noStrike" kern="1200" cap="none" spc="0" normalizeH="0" baseline="0" noProof="0" smtClean="0">
+                <a:ln>
+                  <a:noFill/>
+                </a:ln>
+                <a:solidFill>
+                  <a:prstClr val="black"/>
+                </a:solidFill>
+                <a:effectLst/>
+                <a:uLnTx/>
+                <a:uFillTx/>
+                <a:latin typeface="Calibri" panose="020F0502020204030204"/>
+                <a:ea typeface="+mn-ea"/>
+                <a:cs typeface="+mn-cs"/>
+              </a:rPr>
+              <a:pPr marL="0" marR="0" lvl="0" indent="0" algn="r" defTabSz="914400" rtl="0" eaLnBrk="1" fontAlgn="auto" latinLnBrk="0" hangingPunct="1">
+                <a:lnSpc>
+                  <a:spcPct val="100000"/>
+                </a:lnSpc>
+                <a:spcBef>
+                  <a:spcPts val="0"/>
+                </a:spcBef>
+                <a:spcAft>
+                  <a:spcPts val="0"/>
+                </a:spcAft>
+                <a:buClrTx/>
+                <a:buSzTx/>
+                <a:buFontTx/>
+                <a:buNone/>
+                <a:tabLst/>
+                <a:defRPr/>
+              </a:pPr>
+              <a:t>8</a:t>
+            </a:fld>
+            <a:endParaRPr kumimoji="0" lang="nl-NL" sz="1200" b="0" i="0" u="none" strike="noStrike" kern="1200" cap="none" spc="0" normalizeH="0" baseline="0" noProof="0">
+              <a:ln>
+                <a:noFill/>
+              </a:ln>
+              <a:solidFill>
+                <a:prstClr val="black"/>
+              </a:solidFill>
+              <a:effectLst/>
+              <a:uLnTx/>
+              <a:uFillTx/>
+              <a:latin typeface="Calibri" panose="020F0502020204030204"/>
+              <a:ea typeface="+mn-ea"/>
+              <a:cs typeface="+mn-cs"/>
+            </a:endParaRPr>
+          </a:p>
+        </p:txBody>
+      </p:sp>
+    </p:spTree>
+    <p:extLst>
+      <p:ext uri="{BB962C8B-B14F-4D97-AF65-F5344CB8AC3E}">
+        <p14:creationId xmlns:p14="http://schemas.microsoft.com/office/powerpoint/2010/main" val="1270834157"/>
+      </p:ext>
+    </p:extLst>
+  </p:cSld>
+  <p:clrMapOvr>
+    <a:masterClrMapping/>
+  </p:clrMapOvr>
+</p:notes>
+</file>
+
+<file path=ppt/notesSlides/notesSlide8.xml><?xml version="1.0" encoding="utf-8"?>
+<p:notes xmlns:a="http://schemas.openxmlformats.org/drawingml/2006/main" xmlns:r="http://schemas.openxmlformats.org/officeDocument/2006/relationships" xmlns:p="http://schemas.openxmlformats.org/presentationml/2006/main">
+  <p:cSld>
+    <p:spTree>
+      <p:nvGrpSpPr>
+        <p:cNvPr id="1" name=""/>
+        <p:cNvGrpSpPr/>
+        <p:nvPr/>
+      </p:nvGrpSpPr>
+      <p:grpSpPr>
+        <a:xfrm>
+          <a:off x="0" y="0"/>
+          <a:ext cx="0" cy="0"/>
+          <a:chOff x="0" y="0"/>
+          <a:chExt cx="0" cy="0"/>
+        </a:xfrm>
+      </p:grpSpPr>
+      <p:sp>
+        <p:nvSpPr>
+          <p:cNvPr id="2" name="Tijdelijke aanduiding voor dia-afbeelding 1"/>
+          <p:cNvSpPr>
+            <a:spLocks noGrp="1" noRot="1" noChangeAspect="1"/>
+          </p:cNvSpPr>
+          <p:nvPr>
+            <p:ph type="sldImg"/>
+          </p:nvPr>
+        </p:nvSpPr>
+        <p:spPr/>
+      </p:sp>
+      <p:sp>
+        <p:nvSpPr>
+          <p:cNvPr id="3" name="Tijdelijke aanduiding voor notities 2"/>
+          <p:cNvSpPr>
+            <a:spLocks noGrp="1"/>
+          </p:cNvSpPr>
+          <p:nvPr>
+            <p:ph type="body" idx="1"/>
+          </p:nvPr>
+        </p:nvSpPr>
+        <p:spPr/>
+        <p:txBody>
+          <a:bodyPr/>
+          <a:lstStyle/>
+          <a:p>
+            <a:endParaRPr lang="nl-NL" dirty="0"/>
+          </a:p>
+        </p:txBody>
+      </p:sp>
+      <p:sp>
+        <p:nvSpPr>
+          <p:cNvPr id="4" name="Tijdelijke aanduiding voor dianummer 3"/>
+          <p:cNvSpPr>
+            <a:spLocks noGrp="1"/>
+          </p:cNvSpPr>
+          <p:nvPr>
+            <p:ph type="sldNum" sz="quarter" idx="10"/>
+          </p:nvPr>
+        </p:nvSpPr>
+        <p:spPr/>
+        <p:txBody>
+          <a:bodyPr/>
+          <a:lstStyle/>
+          <a:p>
+            <a:pPr marL="0" marR="0" lvl="0" indent="0" algn="r" defTabSz="914400" rtl="0" eaLnBrk="1" fontAlgn="auto" latinLnBrk="0" hangingPunct="1">
+              <a:lnSpc>
+                <a:spcPct val="100000"/>
+              </a:lnSpc>
+              <a:spcBef>
+                <a:spcPts val="0"/>
+              </a:spcBef>
+              <a:spcAft>
+                <a:spcPts val="0"/>
+              </a:spcAft>
+              <a:buClrTx/>
+              <a:buSzTx/>
+              <a:buFontTx/>
+              <a:buNone/>
+              <a:tabLst/>
+              <a:defRPr/>
+            </a:pPr>
+            <a:fld id="{156D08E3-A4B1-4FAA-974D-596261ED24FC}" type="slidenum">
+              <a:rPr kumimoji="0" lang="nl-NL" sz="1200" b="0" i="0" u="none" strike="noStrike" kern="1200" cap="none" spc="0" normalizeH="0" baseline="0" noProof="0" smtClean="0">
+                <a:ln>
+                  <a:noFill/>
+                </a:ln>
+                <a:solidFill>
+                  <a:prstClr val="black"/>
+                </a:solidFill>
+                <a:effectLst/>
+                <a:uLnTx/>
+                <a:uFillTx/>
+                <a:latin typeface="Calibri" panose="020F0502020204030204"/>
+                <a:ea typeface="+mn-ea"/>
+                <a:cs typeface="+mn-cs"/>
+              </a:rPr>
+              <a:pPr marL="0" marR="0" lvl="0" indent="0" algn="r" defTabSz="914400" rtl="0" eaLnBrk="1" fontAlgn="auto" latinLnBrk="0" hangingPunct="1">
+                <a:lnSpc>
+                  <a:spcPct val="100000"/>
+                </a:lnSpc>
+                <a:spcBef>
+                  <a:spcPts val="0"/>
+                </a:spcBef>
+                <a:spcAft>
+                  <a:spcPts val="0"/>
+                </a:spcAft>
+                <a:buClrTx/>
+                <a:buSzTx/>
+                <a:buFontTx/>
+                <a:buNone/>
+                <a:tabLst/>
+                <a:defRPr/>
+              </a:pPr>
+              <a:t>9</a:t>
+            </a:fld>
+            <a:endParaRPr kumimoji="0" lang="nl-NL" sz="1200" b="0" i="0" u="none" strike="noStrike" kern="1200" cap="none" spc="0" normalizeH="0" baseline="0" noProof="0">
+              <a:ln>
+                <a:noFill/>
+              </a:ln>
+              <a:solidFill>
+                <a:prstClr val="black"/>
+              </a:solidFill>
+              <a:effectLst/>
+              <a:uLnTx/>
+              <a:uFillTx/>
+              <a:latin typeface="Calibri" panose="020F0502020204030204"/>
+              <a:ea typeface="+mn-ea"/>
+              <a:cs typeface="+mn-cs"/>
+            </a:endParaRPr>
+          </a:p>
+        </p:txBody>
+      </p:sp>
+    </p:spTree>
+    <p:extLst>
+      <p:ext uri="{BB962C8B-B14F-4D97-AF65-F5344CB8AC3E}">
+        <p14:creationId xmlns:p14="http://schemas.microsoft.com/office/powerpoint/2010/main" val="2648059484"/>
+      </p:ext>
+    </p:extLst>
+  </p:cSld>
+  <p:clrMapOvr>
+    <a:masterClrMapping/>
+  </p:clrMapOvr>
+</p:notes>
+</file>
+
 <file path=ppt/slideLayouts/slideLayout1.xml><?xml version="1.0" encoding="utf-8"?>
 <p:sldLayout xmlns:a="http://schemas.openxmlformats.org/drawingml/2006/main" xmlns:r="http://schemas.openxmlformats.org/officeDocument/2006/relationships" xmlns:p="http://schemas.openxmlformats.org/presentationml/2006/main" type="title" preserve="1">
   <p:cSld name="Titeldia">
@@ -134,7 +1646,7 @@
           <p:cNvPr id="2" name="Titel 1">
             <a:extLst>
               <a:ext uri="{FF2B5EF4-FFF2-40B4-BE49-F238E27FC236}">
-                <a16:creationId xmlns:a16="http://schemas.microsoft.com/office/drawing/2014/main" id="{F1C2A885-686E-4601-A42C-809A52C1D0B6}"/>
+                <a16:creationId xmlns:a16="http://schemas.microsoft.com/office/drawing/2014/main" id="{0F68168A-2E3A-4378-993D-6BA43ECD7A9B}"/>
               </a:ext>
             </a:extLst>
           </p:cNvPr>
@@ -171,7 +1683,7 @@
           <p:cNvPr id="3" name="Ondertitel 2">
             <a:extLst>
               <a:ext uri="{FF2B5EF4-FFF2-40B4-BE49-F238E27FC236}">
-                <a16:creationId xmlns:a16="http://schemas.microsoft.com/office/drawing/2014/main" id="{72E669BC-43C6-450F-8322-0F97901AD317}"/>
+                <a16:creationId xmlns:a16="http://schemas.microsoft.com/office/drawing/2014/main" id="{C6A9FAA1-EA5E-4DAA-A09A-8C52D5C02F2E}"/>
               </a:ext>
             </a:extLst>
           </p:cNvPr>
@@ -241,7 +1753,7 @@
           <p:cNvPr id="4" name="Tijdelijke aanduiding voor datum 3">
             <a:extLst>
               <a:ext uri="{FF2B5EF4-FFF2-40B4-BE49-F238E27FC236}">
-                <a16:creationId xmlns:a16="http://schemas.microsoft.com/office/drawing/2014/main" id="{0BF9E836-F3DF-4803-BB93-45680AE9AC8F}"/>
+                <a16:creationId xmlns:a16="http://schemas.microsoft.com/office/drawing/2014/main" id="{23592BFD-6219-47D5-A52E-9889A4D51CEB}"/>
               </a:ext>
             </a:extLst>
           </p:cNvPr>
@@ -257,9 +1769,9 @@
           <a:bodyPr/>
           <a:lstStyle/>
           <a:p>
-            <a:fld id="{39D08E29-D8BC-4859-812F-1419D2259287}" type="datetimeFigureOut">
+            <a:fld id="{6DED2E69-0DF2-45C9-BF11-A5B1247170B5}" type="datetimeFigureOut">
               <a:rPr lang="nl-NL" smtClean="0"/>
-              <a:t>7-9-2020</a:t>
+              <a:t>8-9-2020</a:t>
             </a:fld>
             <a:endParaRPr lang="nl-NL"/>
           </a:p>
@@ -270,7 +1782,7 @@
           <p:cNvPr id="5" name="Tijdelijke aanduiding voor voettekst 4">
             <a:extLst>
               <a:ext uri="{FF2B5EF4-FFF2-40B4-BE49-F238E27FC236}">
-                <a16:creationId xmlns:a16="http://schemas.microsoft.com/office/drawing/2014/main" id="{36E09E71-7480-409E-AF0E-6D42BE1AE9BB}"/>
+                <a16:creationId xmlns:a16="http://schemas.microsoft.com/office/drawing/2014/main" id="{2A84B82F-3AF1-450A-AF37-5EEA49602BE1}"/>
               </a:ext>
             </a:extLst>
           </p:cNvPr>
@@ -295,7 +1807,7 @@
           <p:cNvPr id="6" name="Tijdelijke aanduiding voor dianummer 5">
             <a:extLst>
               <a:ext uri="{FF2B5EF4-FFF2-40B4-BE49-F238E27FC236}">
-                <a16:creationId xmlns:a16="http://schemas.microsoft.com/office/drawing/2014/main" id="{D9709895-646F-43FC-A1B5-09FC2BF0B666}"/>
+                <a16:creationId xmlns:a16="http://schemas.microsoft.com/office/drawing/2014/main" id="{87F8EA34-0D67-46F4-8D1C-3020BC12095A}"/>
               </a:ext>
             </a:extLst>
           </p:cNvPr>
@@ -311,7 +1823,7 @@
           <a:bodyPr/>
           <a:lstStyle/>
           <a:p>
-            <a:fld id="{2D1B058A-0714-4191-A948-5ED9CA49A693}" type="slidenum">
+            <a:fld id="{B0142AEA-949B-462F-AC2F-6067C85673FD}" type="slidenum">
               <a:rPr lang="nl-NL" smtClean="0"/>
               <a:t>‹nr.›</a:t>
             </a:fld>
@@ -322,7 +1834,7 @@
     </p:spTree>
     <p:extLst>
       <p:ext uri="{BB962C8B-B14F-4D97-AF65-F5344CB8AC3E}">
-        <p14:creationId xmlns:p14="http://schemas.microsoft.com/office/powerpoint/2010/main" val="3657335652"/>
+        <p14:creationId xmlns:p14="http://schemas.microsoft.com/office/powerpoint/2010/main" val="3778793073"/>
       </p:ext>
     </p:extLst>
   </p:cSld>
@@ -354,7 +1866,7 @@
           <p:cNvPr id="2" name="Titel 1">
             <a:extLst>
               <a:ext uri="{FF2B5EF4-FFF2-40B4-BE49-F238E27FC236}">
-                <a16:creationId xmlns:a16="http://schemas.microsoft.com/office/drawing/2014/main" id="{61AEA214-9D14-451F-8F24-AD7A6B272F8D}"/>
+                <a16:creationId xmlns:a16="http://schemas.microsoft.com/office/drawing/2014/main" id="{09378C4F-7B15-44B6-A41E-44078D126D7F}"/>
               </a:ext>
             </a:extLst>
           </p:cNvPr>
@@ -382,7 +1894,7 @@
           <p:cNvPr id="3" name="Tijdelijke aanduiding voor verticale tekst 2">
             <a:extLst>
               <a:ext uri="{FF2B5EF4-FFF2-40B4-BE49-F238E27FC236}">
-                <a16:creationId xmlns:a16="http://schemas.microsoft.com/office/drawing/2014/main" id="{5D8DA5C8-B5D3-4666-AB76-C77A11BC0B04}"/>
+                <a16:creationId xmlns:a16="http://schemas.microsoft.com/office/drawing/2014/main" id="{8306E2C3-942F-4C76-9158-9D68FC68D6DE}"/>
               </a:ext>
             </a:extLst>
           </p:cNvPr>
@@ -439,7 +1951,7 @@
           <p:cNvPr id="4" name="Tijdelijke aanduiding voor datum 3">
             <a:extLst>
               <a:ext uri="{FF2B5EF4-FFF2-40B4-BE49-F238E27FC236}">
-                <a16:creationId xmlns:a16="http://schemas.microsoft.com/office/drawing/2014/main" id="{18AFC1BB-8FBB-45FE-9312-9D4B71D89E43}"/>
+                <a16:creationId xmlns:a16="http://schemas.microsoft.com/office/drawing/2014/main" id="{2AA3E9C3-4D21-4FDE-8B9C-06575A96C997}"/>
               </a:ext>
             </a:extLst>
           </p:cNvPr>
@@ -455,9 +1967,9 @@
           <a:bodyPr/>
           <a:lstStyle/>
           <a:p>
-            <a:fld id="{39D08E29-D8BC-4859-812F-1419D2259287}" type="datetimeFigureOut">
+            <a:fld id="{6DED2E69-0DF2-45C9-BF11-A5B1247170B5}" type="datetimeFigureOut">
               <a:rPr lang="nl-NL" smtClean="0"/>
-              <a:t>7-9-2020</a:t>
+              <a:t>8-9-2020</a:t>
             </a:fld>
             <a:endParaRPr lang="nl-NL"/>
           </a:p>
@@ -468,7 +1980,7 @@
           <p:cNvPr id="5" name="Tijdelijke aanduiding voor voettekst 4">
             <a:extLst>
               <a:ext uri="{FF2B5EF4-FFF2-40B4-BE49-F238E27FC236}">
-                <a16:creationId xmlns:a16="http://schemas.microsoft.com/office/drawing/2014/main" id="{7CC567A6-A8BD-4FC1-8A63-83483FF507F5}"/>
+                <a16:creationId xmlns:a16="http://schemas.microsoft.com/office/drawing/2014/main" id="{87C37BD2-6D71-4EF0-8AFB-DE693EED81EA}"/>
               </a:ext>
             </a:extLst>
           </p:cNvPr>
@@ -493,7 +2005,7 @@
           <p:cNvPr id="6" name="Tijdelijke aanduiding voor dianummer 5">
             <a:extLst>
               <a:ext uri="{FF2B5EF4-FFF2-40B4-BE49-F238E27FC236}">
-                <a16:creationId xmlns:a16="http://schemas.microsoft.com/office/drawing/2014/main" id="{A8867684-CBB8-4F29-A6BC-C9EC41B5A368}"/>
+                <a16:creationId xmlns:a16="http://schemas.microsoft.com/office/drawing/2014/main" id="{9F0CAE07-C043-4F6E-9210-4B7AA89D4192}"/>
               </a:ext>
             </a:extLst>
           </p:cNvPr>
@@ -509,7 +2021,7 @@
           <a:bodyPr/>
           <a:lstStyle/>
           <a:p>
-            <a:fld id="{2D1B058A-0714-4191-A948-5ED9CA49A693}" type="slidenum">
+            <a:fld id="{B0142AEA-949B-462F-AC2F-6067C85673FD}" type="slidenum">
               <a:rPr lang="nl-NL" smtClean="0"/>
               <a:t>‹nr.›</a:t>
             </a:fld>
@@ -520,7 +2032,7 @@
     </p:spTree>
     <p:extLst>
       <p:ext uri="{BB962C8B-B14F-4D97-AF65-F5344CB8AC3E}">
-        <p14:creationId xmlns:p14="http://schemas.microsoft.com/office/powerpoint/2010/main" val="1877433021"/>
+        <p14:creationId xmlns:p14="http://schemas.microsoft.com/office/powerpoint/2010/main" val="1949629893"/>
       </p:ext>
     </p:extLst>
   </p:cSld>
@@ -552,7 +2064,7 @@
           <p:cNvPr id="2" name="Verticale titel 1">
             <a:extLst>
               <a:ext uri="{FF2B5EF4-FFF2-40B4-BE49-F238E27FC236}">
-                <a16:creationId xmlns:a16="http://schemas.microsoft.com/office/drawing/2014/main" id="{B4ADCB8A-9729-4244-A0D6-619A5B744BE4}"/>
+                <a16:creationId xmlns:a16="http://schemas.microsoft.com/office/drawing/2014/main" id="{61A1E78D-392C-4D94-92BF-CAF1CA864E8C}"/>
               </a:ext>
             </a:extLst>
           </p:cNvPr>
@@ -585,7 +2097,7 @@
           <p:cNvPr id="3" name="Tijdelijke aanduiding voor verticale tekst 2">
             <a:extLst>
               <a:ext uri="{FF2B5EF4-FFF2-40B4-BE49-F238E27FC236}">
-                <a16:creationId xmlns:a16="http://schemas.microsoft.com/office/drawing/2014/main" id="{7D22787A-D776-4789-82FA-BA8C340E17D7}"/>
+                <a16:creationId xmlns:a16="http://schemas.microsoft.com/office/drawing/2014/main" id="{82940333-75A3-4C63-B337-A83AFDAD3419}"/>
               </a:ext>
             </a:extLst>
           </p:cNvPr>
@@ -647,7 +2159,7 @@
           <p:cNvPr id="4" name="Tijdelijke aanduiding voor datum 3">
             <a:extLst>
               <a:ext uri="{FF2B5EF4-FFF2-40B4-BE49-F238E27FC236}">
-                <a16:creationId xmlns:a16="http://schemas.microsoft.com/office/drawing/2014/main" id="{73420E4C-FF68-4C75-AD9F-A31B0C06E922}"/>
+                <a16:creationId xmlns:a16="http://schemas.microsoft.com/office/drawing/2014/main" id="{EC1DEAC1-91CD-4E66-B4A2-921994AD2825}"/>
               </a:ext>
             </a:extLst>
           </p:cNvPr>
@@ -663,9 +2175,9 @@
           <a:bodyPr/>
           <a:lstStyle/>
           <a:p>
-            <a:fld id="{39D08E29-D8BC-4859-812F-1419D2259287}" type="datetimeFigureOut">
+            <a:fld id="{6DED2E69-0DF2-45C9-BF11-A5B1247170B5}" type="datetimeFigureOut">
               <a:rPr lang="nl-NL" smtClean="0"/>
-              <a:t>7-9-2020</a:t>
+              <a:t>8-9-2020</a:t>
             </a:fld>
             <a:endParaRPr lang="nl-NL"/>
           </a:p>
@@ -676,7 +2188,7 @@
           <p:cNvPr id="5" name="Tijdelijke aanduiding voor voettekst 4">
             <a:extLst>
               <a:ext uri="{FF2B5EF4-FFF2-40B4-BE49-F238E27FC236}">
-                <a16:creationId xmlns:a16="http://schemas.microsoft.com/office/drawing/2014/main" id="{5BFA61C4-121B-4BAC-BC06-D2F75B1B1171}"/>
+                <a16:creationId xmlns:a16="http://schemas.microsoft.com/office/drawing/2014/main" id="{308EE448-31E6-4D36-8665-FA86670D1605}"/>
               </a:ext>
             </a:extLst>
           </p:cNvPr>
@@ -701,7 +2213,7 @@
           <p:cNvPr id="6" name="Tijdelijke aanduiding voor dianummer 5">
             <a:extLst>
               <a:ext uri="{FF2B5EF4-FFF2-40B4-BE49-F238E27FC236}">
-                <a16:creationId xmlns:a16="http://schemas.microsoft.com/office/drawing/2014/main" id="{42045E5A-A702-4125-A0F2-4C83D6BF4240}"/>
+                <a16:creationId xmlns:a16="http://schemas.microsoft.com/office/drawing/2014/main" id="{7BA2D852-7BDF-4A19-A011-2556BFDB7E04}"/>
               </a:ext>
             </a:extLst>
           </p:cNvPr>
@@ -717,7 +2229,7 @@
           <a:bodyPr/>
           <a:lstStyle/>
           <a:p>
-            <a:fld id="{2D1B058A-0714-4191-A948-5ED9CA49A693}" type="slidenum">
+            <a:fld id="{B0142AEA-949B-462F-AC2F-6067C85673FD}" type="slidenum">
               <a:rPr lang="nl-NL" smtClean="0"/>
               <a:t>‹nr.›</a:t>
             </a:fld>
@@ -728,13 +2240,1829 @@
     </p:spTree>
     <p:extLst>
       <p:ext uri="{BB962C8B-B14F-4D97-AF65-F5344CB8AC3E}">
-        <p14:creationId xmlns:p14="http://schemas.microsoft.com/office/powerpoint/2010/main" val="3385628224"/>
+        <p14:creationId xmlns:p14="http://schemas.microsoft.com/office/powerpoint/2010/main" val="2709063552"/>
       </p:ext>
     </p:extLst>
   </p:cSld>
   <p:clrMapOvr>
     <a:masterClrMapping/>
   </p:clrMapOvr>
+</p:sldLayout>
+</file>
+
+<file path=ppt/slideLayouts/slideLayout12.xml><?xml version="1.0" encoding="utf-8"?>
+<p:sldLayout xmlns:a="http://schemas.openxmlformats.org/drawingml/2006/main" xmlns:r="http://schemas.openxmlformats.org/officeDocument/2006/relationships" xmlns:p="http://schemas.openxmlformats.org/presentationml/2006/main" type="title" preserve="1">
+  <p:cSld name="Titeldia">
+    <p:spTree>
+      <p:nvGrpSpPr>
+        <p:cNvPr id="1" name=""/>
+        <p:cNvGrpSpPr/>
+        <p:nvPr/>
+      </p:nvGrpSpPr>
+      <p:grpSpPr>
+        <a:xfrm>
+          <a:off x="0" y="0"/>
+          <a:ext cx="0" cy="0"/>
+          <a:chOff x="0" y="0"/>
+          <a:chExt cx="0" cy="0"/>
+        </a:xfrm>
+      </p:grpSpPr>
+      <p:sp>
+        <p:nvSpPr>
+          <p:cNvPr id="2" name="Titel 1"/>
+          <p:cNvSpPr>
+            <a:spLocks noGrp="1"/>
+          </p:cNvSpPr>
+          <p:nvPr>
+            <p:ph type="ctrTitle"/>
+          </p:nvPr>
+        </p:nvSpPr>
+        <p:spPr>
+          <a:xfrm>
+            <a:off x="914400" y="2130446"/>
+            <a:ext cx="10363200" cy="1470025"/>
+          </a:xfrm>
+        </p:spPr>
+        <p:txBody>
+          <a:bodyPr>
+            <a:noAutofit/>
+          </a:bodyPr>
+          <a:lstStyle>
+            <a:lvl1pPr>
+              <a:defRPr sz="4500"/>
+            </a:lvl1pPr>
+          </a:lstStyle>
+          <a:p>
+            <a:r>
+              <a:rPr lang="nl-NL"/>
+              <a:t>Klik om stijl te bewerken</a:t>
+            </a:r>
+            <a:endParaRPr lang="en-GB" dirty="0"/>
+          </a:p>
+        </p:txBody>
+      </p:sp>
+      <p:sp>
+        <p:nvSpPr>
+          <p:cNvPr id="3" name="Ondertitel 2"/>
+          <p:cNvSpPr>
+            <a:spLocks noGrp="1"/>
+          </p:cNvSpPr>
+          <p:nvPr>
+            <p:ph type="subTitle" idx="1"/>
+          </p:nvPr>
+        </p:nvSpPr>
+        <p:spPr>
+          <a:xfrm>
+            <a:off x="1828800" y="3886200"/>
+            <a:ext cx="8534400" cy="1752600"/>
+          </a:xfrm>
+        </p:spPr>
+        <p:txBody>
+          <a:bodyPr/>
+          <a:lstStyle>
+            <a:lvl1pPr marL="0" indent="0" algn="ctr">
+              <a:buNone/>
+              <a:defRPr>
+                <a:solidFill>
+                  <a:schemeClr val="tx1">
+                    <a:tint val="75000"/>
+                  </a:schemeClr>
+                </a:solidFill>
+              </a:defRPr>
+            </a:lvl1pPr>
+            <a:lvl2pPr marL="192881" indent="0" algn="ctr">
+              <a:buNone/>
+              <a:defRPr>
+                <a:solidFill>
+                  <a:schemeClr val="tx1">
+                    <a:tint val="75000"/>
+                  </a:schemeClr>
+                </a:solidFill>
+              </a:defRPr>
+            </a:lvl2pPr>
+            <a:lvl3pPr marL="385763" indent="0" algn="ctr">
+              <a:buNone/>
+              <a:defRPr>
+                <a:solidFill>
+                  <a:schemeClr val="tx1">
+                    <a:tint val="75000"/>
+                  </a:schemeClr>
+                </a:solidFill>
+              </a:defRPr>
+            </a:lvl3pPr>
+            <a:lvl4pPr marL="578644" indent="0" algn="ctr">
+              <a:buNone/>
+              <a:defRPr>
+                <a:solidFill>
+                  <a:schemeClr val="tx1">
+                    <a:tint val="75000"/>
+                  </a:schemeClr>
+                </a:solidFill>
+              </a:defRPr>
+            </a:lvl4pPr>
+            <a:lvl5pPr marL="771525" indent="0" algn="ctr">
+              <a:buNone/>
+              <a:defRPr>
+                <a:solidFill>
+                  <a:schemeClr val="tx1">
+                    <a:tint val="75000"/>
+                  </a:schemeClr>
+                </a:solidFill>
+              </a:defRPr>
+            </a:lvl5pPr>
+            <a:lvl6pPr marL="964406" indent="0" algn="ctr">
+              <a:buNone/>
+              <a:defRPr>
+                <a:solidFill>
+                  <a:schemeClr val="tx1">
+                    <a:tint val="75000"/>
+                  </a:schemeClr>
+                </a:solidFill>
+              </a:defRPr>
+            </a:lvl6pPr>
+            <a:lvl7pPr marL="1157288" indent="0" algn="ctr">
+              <a:buNone/>
+              <a:defRPr>
+                <a:solidFill>
+                  <a:schemeClr val="tx1">
+                    <a:tint val="75000"/>
+                  </a:schemeClr>
+                </a:solidFill>
+              </a:defRPr>
+            </a:lvl7pPr>
+            <a:lvl8pPr marL="1350169" indent="0" algn="ctr">
+              <a:buNone/>
+              <a:defRPr>
+                <a:solidFill>
+                  <a:schemeClr val="tx1">
+                    <a:tint val="75000"/>
+                  </a:schemeClr>
+                </a:solidFill>
+              </a:defRPr>
+            </a:lvl8pPr>
+            <a:lvl9pPr marL="1543050" indent="0" algn="ctr">
+              <a:buNone/>
+              <a:defRPr>
+                <a:solidFill>
+                  <a:schemeClr val="tx1">
+                    <a:tint val="75000"/>
+                  </a:schemeClr>
+                </a:solidFill>
+              </a:defRPr>
+            </a:lvl9pPr>
+          </a:lstStyle>
+          <a:p>
+            <a:r>
+              <a:rPr lang="nl-NL"/>
+              <a:t>Klikken om de ondertitelstijl van het model te bewerken</a:t>
+            </a:r>
+            <a:endParaRPr lang="en-GB"/>
+          </a:p>
+        </p:txBody>
+      </p:sp>
+      <p:sp>
+        <p:nvSpPr>
+          <p:cNvPr id="4" name="Tijdelijke aanduiding voor datum 3"/>
+          <p:cNvSpPr>
+            <a:spLocks noGrp="1"/>
+          </p:cNvSpPr>
+          <p:nvPr>
+            <p:ph type="dt" sz="half" idx="10"/>
+          </p:nvPr>
+        </p:nvSpPr>
+        <p:spPr/>
+        <p:txBody>
+          <a:bodyPr/>
+          <a:lstStyle/>
+          <a:p>
+            <a:fld id="{CEABF1AE-BCD2-4B36-ACBE-2E827CF1AD38}" type="datetimeFigureOut">
+              <a:rPr lang="nl-NL" smtClean="0"/>
+              <a:t>8-9-2020</a:t>
+            </a:fld>
+            <a:endParaRPr lang="nl-NL"/>
+          </a:p>
+        </p:txBody>
+      </p:sp>
+      <p:sp>
+        <p:nvSpPr>
+          <p:cNvPr id="6" name="Tijdelijke aanduiding voor dianummer 5"/>
+          <p:cNvSpPr>
+            <a:spLocks noGrp="1"/>
+          </p:cNvSpPr>
+          <p:nvPr>
+            <p:ph type="sldNum" sz="quarter" idx="12"/>
+          </p:nvPr>
+        </p:nvSpPr>
+        <p:spPr/>
+        <p:txBody>
+          <a:bodyPr/>
+          <a:lstStyle/>
+          <a:p>
+            <a:fld id="{9466B1D8-05B1-494B-8E57-2B5F8FBC7640}" type="slidenum">
+              <a:rPr lang="nl-NL" smtClean="0"/>
+              <a:t>‹nr.›</a:t>
+            </a:fld>
+            <a:endParaRPr lang="nl-NL"/>
+          </a:p>
+        </p:txBody>
+      </p:sp>
+    </p:spTree>
+    <p:extLst>
+      <p:ext uri="{BB962C8B-B14F-4D97-AF65-F5344CB8AC3E}">
+        <p14:creationId xmlns:p14="http://schemas.microsoft.com/office/powerpoint/2010/main" val="2636364546"/>
+      </p:ext>
+    </p:extLst>
+  </p:cSld>
+  <p:clrMapOvr>
+    <a:masterClrMapping/>
+  </p:clrMapOvr>
+  <mc:AlternateContent xmlns:mc="http://schemas.openxmlformats.org/markup-compatibility/2006" xmlns:p14="http://schemas.microsoft.com/office/powerpoint/2010/main">
+    <mc:Choice Requires="p14">
+      <p:transition spd="slow" p14:dur="800">
+        <p14:flythrough dir="out"/>
+      </p:transition>
+    </mc:Choice>
+    <mc:Fallback xmlns="">
+      <p:transition spd="slow">
+        <p:fade/>
+      </p:transition>
+    </mc:Fallback>
+  </mc:AlternateContent>
+</p:sldLayout>
+</file>
+
+<file path=ppt/slideLayouts/slideLayout13.xml><?xml version="1.0" encoding="utf-8"?>
+<p:sldLayout xmlns:a="http://schemas.openxmlformats.org/drawingml/2006/main" xmlns:r="http://schemas.openxmlformats.org/officeDocument/2006/relationships" xmlns:p="http://schemas.openxmlformats.org/presentationml/2006/main" type="obj" preserve="1">
+  <p:cSld name="Titel en object">
+    <p:spTree>
+      <p:nvGrpSpPr>
+        <p:cNvPr id="1" name=""/>
+        <p:cNvGrpSpPr/>
+        <p:nvPr/>
+      </p:nvGrpSpPr>
+      <p:grpSpPr>
+        <a:xfrm>
+          <a:off x="0" y="0"/>
+          <a:ext cx="0" cy="0"/>
+          <a:chOff x="0" y="0"/>
+          <a:chExt cx="0" cy="0"/>
+        </a:xfrm>
+      </p:grpSpPr>
+      <p:sp>
+        <p:nvSpPr>
+          <p:cNvPr id="2" name="Titel 1"/>
+          <p:cNvSpPr>
+            <a:spLocks noGrp="1"/>
+          </p:cNvSpPr>
+          <p:nvPr>
+            <p:ph type="title"/>
+          </p:nvPr>
+        </p:nvSpPr>
+        <p:spPr/>
+        <p:txBody>
+          <a:bodyPr/>
+          <a:lstStyle/>
+          <a:p>
+            <a:r>
+              <a:rPr lang="nl-NL"/>
+              <a:t>Klik om stijl te bewerken</a:t>
+            </a:r>
+            <a:endParaRPr lang="en-GB"/>
+          </a:p>
+        </p:txBody>
+      </p:sp>
+      <p:sp>
+        <p:nvSpPr>
+          <p:cNvPr id="3" name="Tijdelijke aanduiding voor inhoud 2"/>
+          <p:cNvSpPr>
+            <a:spLocks noGrp="1"/>
+          </p:cNvSpPr>
+          <p:nvPr>
+            <p:ph idx="1"/>
+          </p:nvPr>
+        </p:nvSpPr>
+        <p:spPr/>
+        <p:txBody>
+          <a:bodyPr/>
+          <a:lstStyle/>
+          <a:p>
+            <a:pPr lvl="0"/>
+            <a:r>
+              <a:rPr lang="nl-NL"/>
+              <a:t>Klikken om de tekststijl van het model te bewerken</a:t>
+            </a:r>
+          </a:p>
+          <a:p>
+            <a:pPr lvl="1"/>
+            <a:r>
+              <a:rPr lang="nl-NL"/>
+              <a:t>Tweede niveau</a:t>
+            </a:r>
+          </a:p>
+          <a:p>
+            <a:pPr lvl="2"/>
+            <a:r>
+              <a:rPr lang="nl-NL"/>
+              <a:t>Derde niveau</a:t>
+            </a:r>
+          </a:p>
+          <a:p>
+            <a:pPr lvl="3"/>
+            <a:r>
+              <a:rPr lang="nl-NL"/>
+              <a:t>Vierde niveau</a:t>
+            </a:r>
+          </a:p>
+          <a:p>
+            <a:pPr lvl="4"/>
+            <a:r>
+              <a:rPr lang="nl-NL"/>
+              <a:t>Vijfde niveau</a:t>
+            </a:r>
+            <a:endParaRPr lang="en-GB"/>
+          </a:p>
+        </p:txBody>
+      </p:sp>
+      <p:sp>
+        <p:nvSpPr>
+          <p:cNvPr id="4" name="Tijdelijke aanduiding voor datum 3"/>
+          <p:cNvSpPr>
+            <a:spLocks noGrp="1"/>
+          </p:cNvSpPr>
+          <p:nvPr>
+            <p:ph type="dt" sz="half" idx="10"/>
+          </p:nvPr>
+        </p:nvSpPr>
+        <p:spPr/>
+        <p:txBody>
+          <a:bodyPr/>
+          <a:lstStyle/>
+          <a:p>
+            <a:fld id="{CEABF1AE-BCD2-4B36-ACBE-2E827CF1AD38}" type="datetimeFigureOut">
+              <a:rPr lang="nl-NL" smtClean="0"/>
+              <a:t>8-9-2020</a:t>
+            </a:fld>
+            <a:endParaRPr lang="nl-NL"/>
+          </a:p>
+        </p:txBody>
+      </p:sp>
+      <p:sp>
+        <p:nvSpPr>
+          <p:cNvPr id="5" name="Tijdelijke aanduiding voor voettekst 4"/>
+          <p:cNvSpPr>
+            <a:spLocks noGrp="1"/>
+          </p:cNvSpPr>
+          <p:nvPr>
+            <p:ph type="ftr" sz="quarter" idx="11"/>
+          </p:nvPr>
+        </p:nvSpPr>
+        <p:spPr/>
+        <p:txBody>
+          <a:bodyPr/>
+          <a:lstStyle/>
+          <a:p>
+            <a:endParaRPr lang="nl-NL"/>
+          </a:p>
+        </p:txBody>
+      </p:sp>
+      <p:sp>
+        <p:nvSpPr>
+          <p:cNvPr id="6" name="Tijdelijke aanduiding voor dianummer 5"/>
+          <p:cNvSpPr>
+            <a:spLocks noGrp="1"/>
+          </p:cNvSpPr>
+          <p:nvPr>
+            <p:ph type="sldNum" sz="quarter" idx="12"/>
+          </p:nvPr>
+        </p:nvSpPr>
+        <p:spPr/>
+        <p:txBody>
+          <a:bodyPr/>
+          <a:lstStyle/>
+          <a:p>
+            <a:fld id="{9466B1D8-05B1-494B-8E57-2B5F8FBC7640}" type="slidenum">
+              <a:rPr lang="nl-NL" smtClean="0"/>
+              <a:t>‹nr.›</a:t>
+            </a:fld>
+            <a:endParaRPr lang="nl-NL"/>
+          </a:p>
+        </p:txBody>
+      </p:sp>
+    </p:spTree>
+    <p:extLst>
+      <p:ext uri="{BB962C8B-B14F-4D97-AF65-F5344CB8AC3E}">
+        <p14:creationId xmlns:p14="http://schemas.microsoft.com/office/powerpoint/2010/main" val="457950405"/>
+      </p:ext>
+    </p:extLst>
+  </p:cSld>
+  <p:clrMapOvr>
+    <a:masterClrMapping/>
+  </p:clrMapOvr>
+  <mc:AlternateContent xmlns:mc="http://schemas.openxmlformats.org/markup-compatibility/2006" xmlns:p14="http://schemas.microsoft.com/office/powerpoint/2010/main">
+    <mc:Choice Requires="p14">
+      <p:transition spd="slow" p14:dur="800">
+        <p14:flythrough dir="out"/>
+      </p:transition>
+    </mc:Choice>
+    <mc:Fallback xmlns="">
+      <p:transition spd="slow">
+        <p:fade/>
+      </p:transition>
+    </mc:Fallback>
+  </mc:AlternateContent>
+</p:sldLayout>
+</file>
+
+<file path=ppt/slideLayouts/slideLayout14.xml><?xml version="1.0" encoding="utf-8"?>
+<p:sldLayout xmlns:a="http://schemas.openxmlformats.org/drawingml/2006/main" xmlns:r="http://schemas.openxmlformats.org/officeDocument/2006/relationships" xmlns:p="http://schemas.openxmlformats.org/presentationml/2006/main" preserve="1">
+  <p:cSld name="Aangepaste indeling">
+    <p:spTree>
+      <p:nvGrpSpPr>
+        <p:cNvPr id="1" name=""/>
+        <p:cNvGrpSpPr/>
+        <p:nvPr/>
+      </p:nvGrpSpPr>
+      <p:grpSpPr>
+        <a:xfrm>
+          <a:off x="0" y="0"/>
+          <a:ext cx="0" cy="0"/>
+          <a:chOff x="0" y="0"/>
+          <a:chExt cx="0" cy="0"/>
+        </a:xfrm>
+      </p:grpSpPr>
+      <p:sp>
+        <p:nvSpPr>
+          <p:cNvPr id="3" name="Tijdelijke aanduiding voor datum 2"/>
+          <p:cNvSpPr>
+            <a:spLocks noGrp="1"/>
+          </p:cNvSpPr>
+          <p:nvPr>
+            <p:ph type="dt" sz="half" idx="10"/>
+          </p:nvPr>
+        </p:nvSpPr>
+        <p:spPr/>
+        <p:txBody>
+          <a:bodyPr/>
+          <a:lstStyle/>
+          <a:p>
+            <a:fld id="{CEABF1AE-BCD2-4B36-ACBE-2E827CF1AD38}" type="datetimeFigureOut">
+              <a:rPr lang="nl-NL" smtClean="0"/>
+              <a:t>8-9-2020</a:t>
+            </a:fld>
+            <a:endParaRPr lang="nl-NL"/>
+          </a:p>
+        </p:txBody>
+      </p:sp>
+      <p:sp>
+        <p:nvSpPr>
+          <p:cNvPr id="4" name="Tijdelijke aanduiding voor voettekst 3"/>
+          <p:cNvSpPr>
+            <a:spLocks noGrp="1"/>
+          </p:cNvSpPr>
+          <p:nvPr>
+            <p:ph type="ftr" sz="quarter" idx="11"/>
+          </p:nvPr>
+        </p:nvSpPr>
+        <p:spPr/>
+        <p:txBody>
+          <a:bodyPr/>
+          <a:lstStyle/>
+          <a:p>
+            <a:endParaRPr lang="nl-NL"/>
+          </a:p>
+        </p:txBody>
+      </p:sp>
+      <p:sp>
+        <p:nvSpPr>
+          <p:cNvPr id="5" name="Tijdelijke aanduiding voor dianummer 4"/>
+          <p:cNvSpPr>
+            <a:spLocks noGrp="1"/>
+          </p:cNvSpPr>
+          <p:nvPr>
+            <p:ph type="sldNum" sz="quarter" idx="12"/>
+          </p:nvPr>
+        </p:nvSpPr>
+        <p:spPr/>
+        <p:txBody>
+          <a:bodyPr/>
+          <a:lstStyle/>
+          <a:p>
+            <a:fld id="{9466B1D8-05B1-494B-8E57-2B5F8FBC7640}" type="slidenum">
+              <a:rPr lang="nl-NL" smtClean="0"/>
+              <a:t>‹nr.›</a:t>
+            </a:fld>
+            <a:endParaRPr lang="nl-NL"/>
+          </a:p>
+        </p:txBody>
+      </p:sp>
+      <p:sp>
+        <p:nvSpPr>
+          <p:cNvPr id="8" name="Tijdelijke aanduiding voor inhoud 2"/>
+          <p:cNvSpPr>
+            <a:spLocks noGrp="1"/>
+          </p:cNvSpPr>
+          <p:nvPr>
+            <p:ph idx="1"/>
+          </p:nvPr>
+        </p:nvSpPr>
+        <p:spPr>
+          <a:xfrm>
+            <a:off x="1978025" y="764710"/>
+            <a:ext cx="8234363" cy="5361465"/>
+          </a:xfrm>
+        </p:spPr>
+        <p:txBody>
+          <a:bodyPr/>
+          <a:lstStyle/>
+          <a:p>
+            <a:pPr lvl="0"/>
+            <a:r>
+              <a:rPr lang="nl-NL"/>
+              <a:t>Klikken om de tekststijl van het model te bewerken</a:t>
+            </a:r>
+          </a:p>
+          <a:p>
+            <a:pPr lvl="1"/>
+            <a:r>
+              <a:rPr lang="nl-NL"/>
+              <a:t>Tweede niveau</a:t>
+            </a:r>
+          </a:p>
+          <a:p>
+            <a:pPr lvl="2"/>
+            <a:r>
+              <a:rPr lang="nl-NL"/>
+              <a:t>Derde niveau</a:t>
+            </a:r>
+          </a:p>
+          <a:p>
+            <a:pPr lvl="3"/>
+            <a:r>
+              <a:rPr lang="nl-NL"/>
+              <a:t>Vierde niveau</a:t>
+            </a:r>
+          </a:p>
+          <a:p>
+            <a:pPr lvl="4"/>
+            <a:r>
+              <a:rPr lang="nl-NL"/>
+              <a:t>Vijfde niveau</a:t>
+            </a:r>
+            <a:endParaRPr lang="en-GB"/>
+          </a:p>
+        </p:txBody>
+      </p:sp>
+    </p:spTree>
+    <p:extLst>
+      <p:ext uri="{BB962C8B-B14F-4D97-AF65-F5344CB8AC3E}">
+        <p14:creationId xmlns:p14="http://schemas.microsoft.com/office/powerpoint/2010/main" val="1625396594"/>
+      </p:ext>
+    </p:extLst>
+  </p:cSld>
+  <p:clrMapOvr>
+    <a:masterClrMapping/>
+  </p:clrMapOvr>
+  <mc:AlternateContent xmlns:mc="http://schemas.openxmlformats.org/markup-compatibility/2006" xmlns:p14="http://schemas.microsoft.com/office/powerpoint/2010/main">
+    <mc:Choice Requires="p14">
+      <p:transition spd="slow" p14:dur="800">
+        <p14:flythrough dir="out"/>
+      </p:transition>
+    </mc:Choice>
+    <mc:Fallback xmlns="">
+      <p:transition spd="slow">
+        <p:fade/>
+      </p:transition>
+    </mc:Fallback>
+  </mc:AlternateContent>
+</p:sldLayout>
+</file>
+
+<file path=ppt/slideLayouts/slideLayout15.xml><?xml version="1.0" encoding="utf-8"?>
+<p:sldLayout xmlns:a="http://schemas.openxmlformats.org/drawingml/2006/main" xmlns:r="http://schemas.openxmlformats.org/officeDocument/2006/relationships" xmlns:p="http://schemas.openxmlformats.org/presentationml/2006/main" type="secHead" preserve="1">
+  <p:cSld name="Sectiekop">
+    <p:spTree>
+      <p:nvGrpSpPr>
+        <p:cNvPr id="1" name=""/>
+        <p:cNvGrpSpPr/>
+        <p:nvPr/>
+      </p:nvGrpSpPr>
+      <p:grpSpPr>
+        <a:xfrm>
+          <a:off x="0" y="0"/>
+          <a:ext cx="0" cy="0"/>
+          <a:chOff x="0" y="0"/>
+          <a:chExt cx="0" cy="0"/>
+        </a:xfrm>
+      </p:grpSpPr>
+      <p:sp>
+        <p:nvSpPr>
+          <p:cNvPr id="2" name="Titel 1"/>
+          <p:cNvSpPr>
+            <a:spLocks noGrp="1"/>
+          </p:cNvSpPr>
+          <p:nvPr>
+            <p:ph type="title"/>
+          </p:nvPr>
+        </p:nvSpPr>
+        <p:spPr>
+          <a:xfrm>
+            <a:off x="963084" y="4406921"/>
+            <a:ext cx="10363200" cy="1362075"/>
+          </a:xfrm>
+        </p:spPr>
+        <p:txBody>
+          <a:bodyPr anchor="t"/>
+          <a:lstStyle>
+            <a:lvl1pPr algn="l">
+              <a:defRPr sz="1688" b="1" cap="all"/>
+            </a:lvl1pPr>
+          </a:lstStyle>
+          <a:p>
+            <a:r>
+              <a:rPr lang="nl-NL"/>
+              <a:t>Klik om stijl te bewerken</a:t>
+            </a:r>
+            <a:endParaRPr lang="en-GB"/>
+          </a:p>
+        </p:txBody>
+      </p:sp>
+      <p:sp>
+        <p:nvSpPr>
+          <p:cNvPr id="3" name="Tijdelijke aanduiding voor tekst 2"/>
+          <p:cNvSpPr>
+            <a:spLocks noGrp="1"/>
+          </p:cNvSpPr>
+          <p:nvPr>
+            <p:ph type="body" idx="1"/>
+          </p:nvPr>
+        </p:nvSpPr>
+        <p:spPr>
+          <a:xfrm>
+            <a:off x="963084" y="2906713"/>
+            <a:ext cx="10363200" cy="1500187"/>
+          </a:xfrm>
+        </p:spPr>
+        <p:txBody>
+          <a:bodyPr anchor="b"/>
+          <a:lstStyle>
+            <a:lvl1pPr marL="0" indent="0">
+              <a:buNone/>
+              <a:defRPr sz="844">
+                <a:solidFill>
+                  <a:schemeClr val="tx1">
+                    <a:tint val="75000"/>
+                  </a:schemeClr>
+                </a:solidFill>
+              </a:defRPr>
+            </a:lvl1pPr>
+            <a:lvl2pPr marL="192881" indent="0">
+              <a:buNone/>
+              <a:defRPr sz="760">
+                <a:solidFill>
+                  <a:schemeClr val="tx1">
+                    <a:tint val="75000"/>
+                  </a:schemeClr>
+                </a:solidFill>
+              </a:defRPr>
+            </a:lvl2pPr>
+            <a:lvl3pPr marL="385763" indent="0">
+              <a:buNone/>
+              <a:defRPr sz="675">
+                <a:solidFill>
+                  <a:schemeClr val="tx1">
+                    <a:tint val="75000"/>
+                  </a:schemeClr>
+                </a:solidFill>
+              </a:defRPr>
+            </a:lvl3pPr>
+            <a:lvl4pPr marL="578644" indent="0">
+              <a:buNone/>
+              <a:defRPr sz="591">
+                <a:solidFill>
+                  <a:schemeClr val="tx1">
+                    <a:tint val="75000"/>
+                  </a:schemeClr>
+                </a:solidFill>
+              </a:defRPr>
+            </a:lvl4pPr>
+            <a:lvl5pPr marL="771525" indent="0">
+              <a:buNone/>
+              <a:defRPr sz="591">
+                <a:solidFill>
+                  <a:schemeClr val="tx1">
+                    <a:tint val="75000"/>
+                  </a:schemeClr>
+                </a:solidFill>
+              </a:defRPr>
+            </a:lvl5pPr>
+            <a:lvl6pPr marL="964406" indent="0">
+              <a:buNone/>
+              <a:defRPr sz="591">
+                <a:solidFill>
+                  <a:schemeClr val="tx1">
+                    <a:tint val="75000"/>
+                  </a:schemeClr>
+                </a:solidFill>
+              </a:defRPr>
+            </a:lvl6pPr>
+            <a:lvl7pPr marL="1157288" indent="0">
+              <a:buNone/>
+              <a:defRPr sz="591">
+                <a:solidFill>
+                  <a:schemeClr val="tx1">
+                    <a:tint val="75000"/>
+                  </a:schemeClr>
+                </a:solidFill>
+              </a:defRPr>
+            </a:lvl7pPr>
+            <a:lvl8pPr marL="1350169" indent="0">
+              <a:buNone/>
+              <a:defRPr sz="591">
+                <a:solidFill>
+                  <a:schemeClr val="tx1">
+                    <a:tint val="75000"/>
+                  </a:schemeClr>
+                </a:solidFill>
+              </a:defRPr>
+            </a:lvl8pPr>
+            <a:lvl9pPr marL="1543050" indent="0">
+              <a:buNone/>
+              <a:defRPr sz="591">
+                <a:solidFill>
+                  <a:schemeClr val="tx1">
+                    <a:tint val="75000"/>
+                  </a:schemeClr>
+                </a:solidFill>
+              </a:defRPr>
+            </a:lvl9pPr>
+          </a:lstStyle>
+          <a:p>
+            <a:pPr lvl="0"/>
+            <a:r>
+              <a:rPr lang="nl-NL"/>
+              <a:t>Klikken om de tekststijl van het model te bewerken</a:t>
+            </a:r>
+          </a:p>
+        </p:txBody>
+      </p:sp>
+      <p:sp>
+        <p:nvSpPr>
+          <p:cNvPr id="4" name="Tijdelijke aanduiding voor datum 3"/>
+          <p:cNvSpPr>
+            <a:spLocks noGrp="1"/>
+          </p:cNvSpPr>
+          <p:nvPr>
+            <p:ph type="dt" sz="half" idx="10"/>
+          </p:nvPr>
+        </p:nvSpPr>
+        <p:spPr/>
+        <p:txBody>
+          <a:bodyPr/>
+          <a:lstStyle/>
+          <a:p>
+            <a:fld id="{CEABF1AE-BCD2-4B36-ACBE-2E827CF1AD38}" type="datetimeFigureOut">
+              <a:rPr lang="nl-NL" smtClean="0"/>
+              <a:t>8-9-2020</a:t>
+            </a:fld>
+            <a:endParaRPr lang="nl-NL"/>
+          </a:p>
+        </p:txBody>
+      </p:sp>
+      <p:sp>
+        <p:nvSpPr>
+          <p:cNvPr id="5" name="Tijdelijke aanduiding voor voettekst 4"/>
+          <p:cNvSpPr>
+            <a:spLocks noGrp="1"/>
+          </p:cNvSpPr>
+          <p:nvPr>
+            <p:ph type="ftr" sz="quarter" idx="11"/>
+          </p:nvPr>
+        </p:nvSpPr>
+        <p:spPr/>
+        <p:txBody>
+          <a:bodyPr/>
+          <a:lstStyle/>
+          <a:p>
+            <a:endParaRPr lang="nl-NL"/>
+          </a:p>
+        </p:txBody>
+      </p:sp>
+      <p:sp>
+        <p:nvSpPr>
+          <p:cNvPr id="6" name="Tijdelijke aanduiding voor dianummer 5"/>
+          <p:cNvSpPr>
+            <a:spLocks noGrp="1"/>
+          </p:cNvSpPr>
+          <p:nvPr>
+            <p:ph type="sldNum" sz="quarter" idx="12"/>
+          </p:nvPr>
+        </p:nvSpPr>
+        <p:spPr/>
+        <p:txBody>
+          <a:bodyPr/>
+          <a:lstStyle/>
+          <a:p>
+            <a:fld id="{9466B1D8-05B1-494B-8E57-2B5F8FBC7640}" type="slidenum">
+              <a:rPr lang="nl-NL" smtClean="0"/>
+              <a:t>‹nr.›</a:t>
+            </a:fld>
+            <a:endParaRPr lang="nl-NL"/>
+          </a:p>
+        </p:txBody>
+      </p:sp>
+    </p:spTree>
+    <p:extLst>
+      <p:ext uri="{BB962C8B-B14F-4D97-AF65-F5344CB8AC3E}">
+        <p14:creationId xmlns:p14="http://schemas.microsoft.com/office/powerpoint/2010/main" val="3260283102"/>
+      </p:ext>
+    </p:extLst>
+  </p:cSld>
+  <p:clrMapOvr>
+    <a:masterClrMapping/>
+  </p:clrMapOvr>
+  <mc:AlternateContent xmlns:mc="http://schemas.openxmlformats.org/markup-compatibility/2006" xmlns:p14="http://schemas.microsoft.com/office/powerpoint/2010/main">
+    <mc:Choice Requires="p14">
+      <p:transition spd="slow" p14:dur="800">
+        <p14:flythrough dir="out"/>
+      </p:transition>
+    </mc:Choice>
+    <mc:Fallback xmlns="">
+      <p:transition spd="slow">
+        <p:fade/>
+      </p:transition>
+    </mc:Fallback>
+  </mc:AlternateContent>
+</p:sldLayout>
+</file>
+
+<file path=ppt/slideLayouts/slideLayout16.xml><?xml version="1.0" encoding="utf-8"?>
+<p:sldLayout xmlns:a="http://schemas.openxmlformats.org/drawingml/2006/main" xmlns:r="http://schemas.openxmlformats.org/officeDocument/2006/relationships" xmlns:p="http://schemas.openxmlformats.org/presentationml/2006/main" type="twoObj" preserve="1">
+  <p:cSld name="Inhoud van twee">
+    <p:spTree>
+      <p:nvGrpSpPr>
+        <p:cNvPr id="1" name=""/>
+        <p:cNvGrpSpPr/>
+        <p:nvPr/>
+      </p:nvGrpSpPr>
+      <p:grpSpPr>
+        <a:xfrm>
+          <a:off x="0" y="0"/>
+          <a:ext cx="0" cy="0"/>
+          <a:chOff x="0" y="0"/>
+          <a:chExt cx="0" cy="0"/>
+        </a:xfrm>
+      </p:grpSpPr>
+      <p:sp>
+        <p:nvSpPr>
+          <p:cNvPr id="2" name="Titel 1"/>
+          <p:cNvSpPr>
+            <a:spLocks noGrp="1"/>
+          </p:cNvSpPr>
+          <p:nvPr>
+            <p:ph type="title"/>
+          </p:nvPr>
+        </p:nvSpPr>
+        <p:spPr/>
+        <p:txBody>
+          <a:bodyPr/>
+          <a:lstStyle/>
+          <a:p>
+            <a:r>
+              <a:rPr lang="nl-NL"/>
+              <a:t>Klik om stijl te bewerken</a:t>
+            </a:r>
+            <a:endParaRPr lang="en-GB" dirty="0"/>
+          </a:p>
+        </p:txBody>
+      </p:sp>
+      <p:sp>
+        <p:nvSpPr>
+          <p:cNvPr id="3" name="Tijdelijke aanduiding voor inhoud 2"/>
+          <p:cNvSpPr>
+            <a:spLocks noGrp="1"/>
+          </p:cNvSpPr>
+          <p:nvPr>
+            <p:ph sz="half" idx="1"/>
+          </p:nvPr>
+        </p:nvSpPr>
+        <p:spPr>
+          <a:xfrm>
+            <a:off x="609600" y="1600206"/>
+            <a:ext cx="5384800" cy="4525963"/>
+          </a:xfrm>
+        </p:spPr>
+        <p:txBody>
+          <a:bodyPr/>
+          <a:lstStyle>
+            <a:lvl1pPr>
+              <a:defRPr sz="1181"/>
+            </a:lvl1pPr>
+            <a:lvl2pPr>
+              <a:defRPr sz="1013"/>
+            </a:lvl2pPr>
+            <a:lvl3pPr>
+              <a:defRPr sz="844"/>
+            </a:lvl3pPr>
+            <a:lvl4pPr>
+              <a:defRPr sz="760"/>
+            </a:lvl4pPr>
+            <a:lvl5pPr>
+              <a:defRPr sz="760"/>
+            </a:lvl5pPr>
+            <a:lvl6pPr>
+              <a:defRPr sz="760"/>
+            </a:lvl6pPr>
+            <a:lvl7pPr>
+              <a:defRPr sz="760"/>
+            </a:lvl7pPr>
+            <a:lvl8pPr>
+              <a:defRPr sz="760"/>
+            </a:lvl8pPr>
+            <a:lvl9pPr>
+              <a:defRPr sz="760"/>
+            </a:lvl9pPr>
+          </a:lstStyle>
+          <a:p>
+            <a:pPr lvl="0"/>
+            <a:r>
+              <a:rPr lang="nl-NL"/>
+              <a:t>Klikken om de tekststijl van het model te bewerken</a:t>
+            </a:r>
+          </a:p>
+          <a:p>
+            <a:pPr lvl="1"/>
+            <a:r>
+              <a:rPr lang="nl-NL"/>
+              <a:t>Tweede niveau</a:t>
+            </a:r>
+          </a:p>
+          <a:p>
+            <a:pPr lvl="2"/>
+            <a:r>
+              <a:rPr lang="nl-NL"/>
+              <a:t>Derde niveau</a:t>
+            </a:r>
+          </a:p>
+          <a:p>
+            <a:pPr lvl="3"/>
+            <a:r>
+              <a:rPr lang="nl-NL"/>
+              <a:t>Vierde niveau</a:t>
+            </a:r>
+          </a:p>
+          <a:p>
+            <a:pPr lvl="4"/>
+            <a:r>
+              <a:rPr lang="nl-NL"/>
+              <a:t>Vijfde niveau</a:t>
+            </a:r>
+            <a:endParaRPr lang="en-GB"/>
+          </a:p>
+        </p:txBody>
+      </p:sp>
+      <p:sp>
+        <p:nvSpPr>
+          <p:cNvPr id="4" name="Tijdelijke aanduiding voor inhoud 3"/>
+          <p:cNvSpPr>
+            <a:spLocks noGrp="1"/>
+          </p:cNvSpPr>
+          <p:nvPr>
+            <p:ph sz="half" idx="2"/>
+          </p:nvPr>
+        </p:nvSpPr>
+        <p:spPr>
+          <a:xfrm>
+            <a:off x="6197600" y="1600206"/>
+            <a:ext cx="5384800" cy="4525963"/>
+          </a:xfrm>
+        </p:spPr>
+        <p:txBody>
+          <a:bodyPr/>
+          <a:lstStyle>
+            <a:lvl1pPr>
+              <a:defRPr sz="1181"/>
+            </a:lvl1pPr>
+            <a:lvl2pPr>
+              <a:defRPr sz="1013"/>
+            </a:lvl2pPr>
+            <a:lvl3pPr>
+              <a:defRPr sz="844"/>
+            </a:lvl3pPr>
+            <a:lvl4pPr>
+              <a:defRPr sz="760"/>
+            </a:lvl4pPr>
+            <a:lvl5pPr>
+              <a:defRPr sz="760"/>
+            </a:lvl5pPr>
+            <a:lvl6pPr>
+              <a:defRPr sz="760"/>
+            </a:lvl6pPr>
+            <a:lvl7pPr>
+              <a:defRPr sz="760"/>
+            </a:lvl7pPr>
+            <a:lvl8pPr>
+              <a:defRPr sz="760"/>
+            </a:lvl8pPr>
+            <a:lvl9pPr>
+              <a:defRPr sz="760"/>
+            </a:lvl9pPr>
+          </a:lstStyle>
+          <a:p>
+            <a:pPr lvl="0"/>
+            <a:r>
+              <a:rPr lang="nl-NL"/>
+              <a:t>Klikken om de tekststijl van het model te bewerken</a:t>
+            </a:r>
+          </a:p>
+          <a:p>
+            <a:pPr lvl="1"/>
+            <a:r>
+              <a:rPr lang="nl-NL"/>
+              <a:t>Tweede niveau</a:t>
+            </a:r>
+          </a:p>
+          <a:p>
+            <a:pPr lvl="2"/>
+            <a:r>
+              <a:rPr lang="nl-NL"/>
+              <a:t>Derde niveau</a:t>
+            </a:r>
+          </a:p>
+          <a:p>
+            <a:pPr lvl="3"/>
+            <a:r>
+              <a:rPr lang="nl-NL"/>
+              <a:t>Vierde niveau</a:t>
+            </a:r>
+          </a:p>
+          <a:p>
+            <a:pPr lvl="4"/>
+            <a:r>
+              <a:rPr lang="nl-NL"/>
+              <a:t>Vijfde niveau</a:t>
+            </a:r>
+            <a:endParaRPr lang="en-GB"/>
+          </a:p>
+        </p:txBody>
+      </p:sp>
+      <p:sp>
+        <p:nvSpPr>
+          <p:cNvPr id="5" name="Tijdelijke aanduiding voor datum 4"/>
+          <p:cNvSpPr>
+            <a:spLocks noGrp="1"/>
+          </p:cNvSpPr>
+          <p:nvPr>
+            <p:ph type="dt" sz="half" idx="10"/>
+          </p:nvPr>
+        </p:nvSpPr>
+        <p:spPr/>
+        <p:txBody>
+          <a:bodyPr/>
+          <a:lstStyle/>
+          <a:p>
+            <a:fld id="{CEABF1AE-BCD2-4B36-ACBE-2E827CF1AD38}" type="datetimeFigureOut">
+              <a:rPr lang="nl-NL" smtClean="0"/>
+              <a:t>8-9-2020</a:t>
+            </a:fld>
+            <a:endParaRPr lang="nl-NL"/>
+          </a:p>
+        </p:txBody>
+      </p:sp>
+      <p:sp>
+        <p:nvSpPr>
+          <p:cNvPr id="6" name="Tijdelijke aanduiding voor voettekst 5"/>
+          <p:cNvSpPr>
+            <a:spLocks noGrp="1"/>
+          </p:cNvSpPr>
+          <p:nvPr>
+            <p:ph type="ftr" sz="quarter" idx="11"/>
+          </p:nvPr>
+        </p:nvSpPr>
+        <p:spPr/>
+        <p:txBody>
+          <a:bodyPr/>
+          <a:lstStyle/>
+          <a:p>
+            <a:endParaRPr lang="nl-NL"/>
+          </a:p>
+        </p:txBody>
+      </p:sp>
+      <p:sp>
+        <p:nvSpPr>
+          <p:cNvPr id="7" name="Tijdelijke aanduiding voor dianummer 6"/>
+          <p:cNvSpPr>
+            <a:spLocks noGrp="1"/>
+          </p:cNvSpPr>
+          <p:nvPr>
+            <p:ph type="sldNum" sz="quarter" idx="12"/>
+          </p:nvPr>
+        </p:nvSpPr>
+        <p:spPr/>
+        <p:txBody>
+          <a:bodyPr/>
+          <a:lstStyle/>
+          <a:p>
+            <a:fld id="{9466B1D8-05B1-494B-8E57-2B5F8FBC7640}" type="slidenum">
+              <a:rPr lang="nl-NL" smtClean="0"/>
+              <a:t>‹nr.›</a:t>
+            </a:fld>
+            <a:endParaRPr lang="nl-NL"/>
+          </a:p>
+        </p:txBody>
+      </p:sp>
+    </p:spTree>
+    <p:extLst>
+      <p:ext uri="{BB962C8B-B14F-4D97-AF65-F5344CB8AC3E}">
+        <p14:creationId xmlns:p14="http://schemas.microsoft.com/office/powerpoint/2010/main" val="718103575"/>
+      </p:ext>
+    </p:extLst>
+  </p:cSld>
+  <p:clrMapOvr>
+    <a:masterClrMapping/>
+  </p:clrMapOvr>
+  <mc:AlternateContent xmlns:mc="http://schemas.openxmlformats.org/markup-compatibility/2006" xmlns:p14="http://schemas.microsoft.com/office/powerpoint/2010/main">
+    <mc:Choice Requires="p14">
+      <p:transition spd="slow" p14:dur="800">
+        <p14:flythrough dir="out"/>
+      </p:transition>
+    </mc:Choice>
+    <mc:Fallback xmlns="">
+      <p:transition spd="slow">
+        <p:fade/>
+      </p:transition>
+    </mc:Fallback>
+  </mc:AlternateContent>
+</p:sldLayout>
+</file>
+
+<file path=ppt/slideLayouts/slideLayout17.xml><?xml version="1.0" encoding="utf-8"?>
+<p:sldLayout xmlns:a="http://schemas.openxmlformats.org/drawingml/2006/main" xmlns:r="http://schemas.openxmlformats.org/officeDocument/2006/relationships" xmlns:p="http://schemas.openxmlformats.org/presentationml/2006/main" type="twoTxTwoObj" preserve="1">
+  <p:cSld name="Vergelijking">
+    <p:spTree>
+      <p:nvGrpSpPr>
+        <p:cNvPr id="1" name=""/>
+        <p:cNvGrpSpPr/>
+        <p:nvPr/>
+      </p:nvGrpSpPr>
+      <p:grpSpPr>
+        <a:xfrm>
+          <a:off x="0" y="0"/>
+          <a:ext cx="0" cy="0"/>
+          <a:chOff x="0" y="0"/>
+          <a:chExt cx="0" cy="0"/>
+        </a:xfrm>
+      </p:grpSpPr>
+      <p:sp>
+        <p:nvSpPr>
+          <p:cNvPr id="2" name="Titel 1"/>
+          <p:cNvSpPr>
+            <a:spLocks noGrp="1"/>
+          </p:cNvSpPr>
+          <p:nvPr>
+            <p:ph type="title"/>
+          </p:nvPr>
+        </p:nvSpPr>
+        <p:spPr/>
+        <p:txBody>
+          <a:bodyPr/>
+          <a:lstStyle>
+            <a:lvl1pPr>
+              <a:defRPr/>
+            </a:lvl1pPr>
+          </a:lstStyle>
+          <a:p>
+            <a:r>
+              <a:rPr lang="nl-NL"/>
+              <a:t>Klik om stijl te bewerken</a:t>
+            </a:r>
+            <a:endParaRPr lang="en-GB"/>
+          </a:p>
+        </p:txBody>
+      </p:sp>
+      <p:sp>
+        <p:nvSpPr>
+          <p:cNvPr id="3" name="Tijdelijke aanduiding voor tekst 2"/>
+          <p:cNvSpPr>
+            <a:spLocks noGrp="1"/>
+          </p:cNvSpPr>
+          <p:nvPr>
+            <p:ph type="body" idx="1"/>
+          </p:nvPr>
+        </p:nvSpPr>
+        <p:spPr>
+          <a:xfrm>
+            <a:off x="609600" y="1535113"/>
+            <a:ext cx="5386917" cy="639762"/>
+          </a:xfrm>
+        </p:spPr>
+        <p:txBody>
+          <a:bodyPr anchor="b"/>
+          <a:lstStyle>
+            <a:lvl1pPr marL="0" indent="0">
+              <a:buNone/>
+              <a:defRPr sz="1013" b="1"/>
+            </a:lvl1pPr>
+            <a:lvl2pPr marL="192881" indent="0">
+              <a:buNone/>
+              <a:defRPr sz="844" b="1"/>
+            </a:lvl2pPr>
+            <a:lvl3pPr marL="385763" indent="0">
+              <a:buNone/>
+              <a:defRPr sz="760" b="1"/>
+            </a:lvl3pPr>
+            <a:lvl4pPr marL="578644" indent="0">
+              <a:buNone/>
+              <a:defRPr sz="675" b="1"/>
+            </a:lvl4pPr>
+            <a:lvl5pPr marL="771525" indent="0">
+              <a:buNone/>
+              <a:defRPr sz="675" b="1"/>
+            </a:lvl5pPr>
+            <a:lvl6pPr marL="964406" indent="0">
+              <a:buNone/>
+              <a:defRPr sz="675" b="1"/>
+            </a:lvl6pPr>
+            <a:lvl7pPr marL="1157288" indent="0">
+              <a:buNone/>
+              <a:defRPr sz="675" b="1"/>
+            </a:lvl7pPr>
+            <a:lvl8pPr marL="1350169" indent="0">
+              <a:buNone/>
+              <a:defRPr sz="675" b="1"/>
+            </a:lvl8pPr>
+            <a:lvl9pPr marL="1543050" indent="0">
+              <a:buNone/>
+              <a:defRPr sz="675" b="1"/>
+            </a:lvl9pPr>
+          </a:lstStyle>
+          <a:p>
+            <a:pPr lvl="0"/>
+            <a:r>
+              <a:rPr lang="nl-NL"/>
+              <a:t>Klikken om de tekststijl van het model te bewerken</a:t>
+            </a:r>
+          </a:p>
+        </p:txBody>
+      </p:sp>
+      <p:sp>
+        <p:nvSpPr>
+          <p:cNvPr id="4" name="Tijdelijke aanduiding voor inhoud 3"/>
+          <p:cNvSpPr>
+            <a:spLocks noGrp="1"/>
+          </p:cNvSpPr>
+          <p:nvPr>
+            <p:ph sz="half" idx="2"/>
+          </p:nvPr>
+        </p:nvSpPr>
+        <p:spPr>
+          <a:xfrm>
+            <a:off x="609600" y="2174875"/>
+            <a:ext cx="5386917" cy="3951288"/>
+          </a:xfrm>
+        </p:spPr>
+        <p:txBody>
+          <a:bodyPr/>
+          <a:lstStyle>
+            <a:lvl1pPr>
+              <a:defRPr sz="1013"/>
+            </a:lvl1pPr>
+            <a:lvl2pPr>
+              <a:defRPr sz="844"/>
+            </a:lvl2pPr>
+            <a:lvl3pPr>
+              <a:defRPr sz="760"/>
+            </a:lvl3pPr>
+            <a:lvl4pPr>
+              <a:defRPr sz="675"/>
+            </a:lvl4pPr>
+            <a:lvl5pPr>
+              <a:defRPr sz="675"/>
+            </a:lvl5pPr>
+            <a:lvl6pPr>
+              <a:defRPr sz="675"/>
+            </a:lvl6pPr>
+            <a:lvl7pPr>
+              <a:defRPr sz="675"/>
+            </a:lvl7pPr>
+            <a:lvl8pPr>
+              <a:defRPr sz="675"/>
+            </a:lvl8pPr>
+            <a:lvl9pPr>
+              <a:defRPr sz="675"/>
+            </a:lvl9pPr>
+          </a:lstStyle>
+          <a:p>
+            <a:pPr lvl="0"/>
+            <a:r>
+              <a:rPr lang="nl-NL"/>
+              <a:t>Klikken om de tekststijl van het model te bewerken</a:t>
+            </a:r>
+          </a:p>
+          <a:p>
+            <a:pPr lvl="1"/>
+            <a:r>
+              <a:rPr lang="nl-NL"/>
+              <a:t>Tweede niveau</a:t>
+            </a:r>
+          </a:p>
+          <a:p>
+            <a:pPr lvl="2"/>
+            <a:r>
+              <a:rPr lang="nl-NL"/>
+              <a:t>Derde niveau</a:t>
+            </a:r>
+          </a:p>
+          <a:p>
+            <a:pPr lvl="3"/>
+            <a:r>
+              <a:rPr lang="nl-NL"/>
+              <a:t>Vierde niveau</a:t>
+            </a:r>
+          </a:p>
+          <a:p>
+            <a:pPr lvl="4"/>
+            <a:r>
+              <a:rPr lang="nl-NL"/>
+              <a:t>Vijfde niveau</a:t>
+            </a:r>
+            <a:endParaRPr lang="en-GB"/>
+          </a:p>
+        </p:txBody>
+      </p:sp>
+      <p:sp>
+        <p:nvSpPr>
+          <p:cNvPr id="5" name="Tijdelijke aanduiding voor tekst 4"/>
+          <p:cNvSpPr>
+            <a:spLocks noGrp="1"/>
+          </p:cNvSpPr>
+          <p:nvPr>
+            <p:ph type="body" sz="quarter" idx="3"/>
+          </p:nvPr>
+        </p:nvSpPr>
+        <p:spPr>
+          <a:xfrm>
+            <a:off x="6193381" y="1535113"/>
+            <a:ext cx="5389033" cy="639762"/>
+          </a:xfrm>
+        </p:spPr>
+        <p:txBody>
+          <a:bodyPr anchor="b"/>
+          <a:lstStyle>
+            <a:lvl1pPr marL="0" indent="0">
+              <a:buNone/>
+              <a:defRPr sz="1013" b="1"/>
+            </a:lvl1pPr>
+            <a:lvl2pPr marL="192881" indent="0">
+              <a:buNone/>
+              <a:defRPr sz="844" b="1"/>
+            </a:lvl2pPr>
+            <a:lvl3pPr marL="385763" indent="0">
+              <a:buNone/>
+              <a:defRPr sz="760" b="1"/>
+            </a:lvl3pPr>
+            <a:lvl4pPr marL="578644" indent="0">
+              <a:buNone/>
+              <a:defRPr sz="675" b="1"/>
+            </a:lvl4pPr>
+            <a:lvl5pPr marL="771525" indent="0">
+              <a:buNone/>
+              <a:defRPr sz="675" b="1"/>
+            </a:lvl5pPr>
+            <a:lvl6pPr marL="964406" indent="0">
+              <a:buNone/>
+              <a:defRPr sz="675" b="1"/>
+            </a:lvl6pPr>
+            <a:lvl7pPr marL="1157288" indent="0">
+              <a:buNone/>
+              <a:defRPr sz="675" b="1"/>
+            </a:lvl7pPr>
+            <a:lvl8pPr marL="1350169" indent="0">
+              <a:buNone/>
+              <a:defRPr sz="675" b="1"/>
+            </a:lvl8pPr>
+            <a:lvl9pPr marL="1543050" indent="0">
+              <a:buNone/>
+              <a:defRPr sz="675" b="1"/>
+            </a:lvl9pPr>
+          </a:lstStyle>
+          <a:p>
+            <a:pPr lvl="0"/>
+            <a:r>
+              <a:rPr lang="nl-NL"/>
+              <a:t>Klikken om de tekststijl van het model te bewerken</a:t>
+            </a:r>
+          </a:p>
+        </p:txBody>
+      </p:sp>
+      <p:sp>
+        <p:nvSpPr>
+          <p:cNvPr id="6" name="Tijdelijke aanduiding voor inhoud 5"/>
+          <p:cNvSpPr>
+            <a:spLocks noGrp="1"/>
+          </p:cNvSpPr>
+          <p:nvPr>
+            <p:ph sz="quarter" idx="4"/>
+          </p:nvPr>
+        </p:nvSpPr>
+        <p:spPr>
+          <a:xfrm>
+            <a:off x="6193381" y="2174875"/>
+            <a:ext cx="5389033" cy="3951288"/>
+          </a:xfrm>
+        </p:spPr>
+        <p:txBody>
+          <a:bodyPr/>
+          <a:lstStyle>
+            <a:lvl1pPr>
+              <a:defRPr sz="1013"/>
+            </a:lvl1pPr>
+            <a:lvl2pPr>
+              <a:defRPr sz="844"/>
+            </a:lvl2pPr>
+            <a:lvl3pPr>
+              <a:defRPr sz="760"/>
+            </a:lvl3pPr>
+            <a:lvl4pPr>
+              <a:defRPr sz="675"/>
+            </a:lvl4pPr>
+            <a:lvl5pPr>
+              <a:defRPr sz="675"/>
+            </a:lvl5pPr>
+            <a:lvl6pPr>
+              <a:defRPr sz="675"/>
+            </a:lvl6pPr>
+            <a:lvl7pPr>
+              <a:defRPr sz="675"/>
+            </a:lvl7pPr>
+            <a:lvl8pPr>
+              <a:defRPr sz="675"/>
+            </a:lvl8pPr>
+            <a:lvl9pPr>
+              <a:defRPr sz="675"/>
+            </a:lvl9pPr>
+          </a:lstStyle>
+          <a:p>
+            <a:pPr lvl="0"/>
+            <a:r>
+              <a:rPr lang="nl-NL"/>
+              <a:t>Klikken om de tekststijl van het model te bewerken</a:t>
+            </a:r>
+          </a:p>
+          <a:p>
+            <a:pPr lvl="1"/>
+            <a:r>
+              <a:rPr lang="nl-NL"/>
+              <a:t>Tweede niveau</a:t>
+            </a:r>
+          </a:p>
+          <a:p>
+            <a:pPr lvl="2"/>
+            <a:r>
+              <a:rPr lang="nl-NL"/>
+              <a:t>Derde niveau</a:t>
+            </a:r>
+          </a:p>
+          <a:p>
+            <a:pPr lvl="3"/>
+            <a:r>
+              <a:rPr lang="nl-NL"/>
+              <a:t>Vierde niveau</a:t>
+            </a:r>
+          </a:p>
+          <a:p>
+            <a:pPr lvl="4"/>
+            <a:r>
+              <a:rPr lang="nl-NL"/>
+              <a:t>Vijfde niveau</a:t>
+            </a:r>
+            <a:endParaRPr lang="en-GB"/>
+          </a:p>
+        </p:txBody>
+      </p:sp>
+      <p:sp>
+        <p:nvSpPr>
+          <p:cNvPr id="7" name="Tijdelijke aanduiding voor datum 6"/>
+          <p:cNvSpPr>
+            <a:spLocks noGrp="1"/>
+          </p:cNvSpPr>
+          <p:nvPr>
+            <p:ph type="dt" sz="half" idx="10"/>
+          </p:nvPr>
+        </p:nvSpPr>
+        <p:spPr/>
+        <p:txBody>
+          <a:bodyPr/>
+          <a:lstStyle/>
+          <a:p>
+            <a:fld id="{CEABF1AE-BCD2-4B36-ACBE-2E827CF1AD38}" type="datetimeFigureOut">
+              <a:rPr lang="nl-NL" smtClean="0"/>
+              <a:t>8-9-2020</a:t>
+            </a:fld>
+            <a:endParaRPr lang="nl-NL"/>
+          </a:p>
+        </p:txBody>
+      </p:sp>
+      <p:sp>
+        <p:nvSpPr>
+          <p:cNvPr id="8" name="Tijdelijke aanduiding voor voettekst 7"/>
+          <p:cNvSpPr>
+            <a:spLocks noGrp="1"/>
+          </p:cNvSpPr>
+          <p:nvPr>
+            <p:ph type="ftr" sz="quarter" idx="11"/>
+          </p:nvPr>
+        </p:nvSpPr>
+        <p:spPr/>
+        <p:txBody>
+          <a:bodyPr/>
+          <a:lstStyle/>
+          <a:p>
+            <a:endParaRPr lang="nl-NL"/>
+          </a:p>
+        </p:txBody>
+      </p:sp>
+      <p:sp>
+        <p:nvSpPr>
+          <p:cNvPr id="9" name="Tijdelijke aanduiding voor dianummer 8"/>
+          <p:cNvSpPr>
+            <a:spLocks noGrp="1"/>
+          </p:cNvSpPr>
+          <p:nvPr>
+            <p:ph type="sldNum" sz="quarter" idx="12"/>
+          </p:nvPr>
+        </p:nvSpPr>
+        <p:spPr/>
+        <p:txBody>
+          <a:bodyPr/>
+          <a:lstStyle/>
+          <a:p>
+            <a:fld id="{9466B1D8-05B1-494B-8E57-2B5F8FBC7640}" type="slidenum">
+              <a:rPr lang="nl-NL" smtClean="0"/>
+              <a:t>‹nr.›</a:t>
+            </a:fld>
+            <a:endParaRPr lang="nl-NL"/>
+          </a:p>
+        </p:txBody>
+      </p:sp>
+    </p:spTree>
+    <p:extLst>
+      <p:ext uri="{BB962C8B-B14F-4D97-AF65-F5344CB8AC3E}">
+        <p14:creationId xmlns:p14="http://schemas.microsoft.com/office/powerpoint/2010/main" val="953102473"/>
+      </p:ext>
+    </p:extLst>
+  </p:cSld>
+  <p:clrMapOvr>
+    <a:masterClrMapping/>
+  </p:clrMapOvr>
+  <mc:AlternateContent xmlns:mc="http://schemas.openxmlformats.org/markup-compatibility/2006" xmlns:p14="http://schemas.microsoft.com/office/powerpoint/2010/main">
+    <mc:Choice Requires="p14">
+      <p:transition spd="slow" p14:dur="800">
+        <p14:flythrough dir="out"/>
+      </p:transition>
+    </mc:Choice>
+    <mc:Fallback xmlns="">
+      <p:transition spd="slow">
+        <p:fade/>
+      </p:transition>
+    </mc:Fallback>
+  </mc:AlternateContent>
+</p:sldLayout>
+</file>
+
+<file path=ppt/slideLayouts/slideLayout18.xml><?xml version="1.0" encoding="utf-8"?>
+<p:sldLayout xmlns:a="http://schemas.openxmlformats.org/drawingml/2006/main" xmlns:r="http://schemas.openxmlformats.org/officeDocument/2006/relationships" xmlns:p="http://schemas.openxmlformats.org/presentationml/2006/main" type="titleOnly" preserve="1">
+  <p:cSld name="Alleen titel">
+    <p:spTree>
+      <p:nvGrpSpPr>
+        <p:cNvPr id="1" name=""/>
+        <p:cNvGrpSpPr/>
+        <p:nvPr/>
+      </p:nvGrpSpPr>
+      <p:grpSpPr>
+        <a:xfrm>
+          <a:off x="0" y="0"/>
+          <a:ext cx="0" cy="0"/>
+          <a:chOff x="0" y="0"/>
+          <a:chExt cx="0" cy="0"/>
+        </a:xfrm>
+      </p:grpSpPr>
+      <p:sp>
+        <p:nvSpPr>
+          <p:cNvPr id="2" name="Titel 1"/>
+          <p:cNvSpPr>
+            <a:spLocks noGrp="1"/>
+          </p:cNvSpPr>
+          <p:nvPr>
+            <p:ph type="title"/>
+          </p:nvPr>
+        </p:nvSpPr>
+        <p:spPr/>
+        <p:txBody>
+          <a:bodyPr/>
+          <a:lstStyle/>
+          <a:p>
+            <a:r>
+              <a:rPr lang="nl-NL"/>
+              <a:t>Klik om stijl te bewerken</a:t>
+            </a:r>
+            <a:endParaRPr lang="en-GB"/>
+          </a:p>
+        </p:txBody>
+      </p:sp>
+      <p:sp>
+        <p:nvSpPr>
+          <p:cNvPr id="3" name="Tijdelijke aanduiding voor datum 2"/>
+          <p:cNvSpPr>
+            <a:spLocks noGrp="1"/>
+          </p:cNvSpPr>
+          <p:nvPr>
+            <p:ph type="dt" sz="half" idx="10"/>
+          </p:nvPr>
+        </p:nvSpPr>
+        <p:spPr/>
+        <p:txBody>
+          <a:bodyPr/>
+          <a:lstStyle/>
+          <a:p>
+            <a:fld id="{CEABF1AE-BCD2-4B36-ACBE-2E827CF1AD38}" type="datetimeFigureOut">
+              <a:rPr lang="nl-NL" smtClean="0"/>
+              <a:t>8-9-2020</a:t>
+            </a:fld>
+            <a:endParaRPr lang="nl-NL"/>
+          </a:p>
+        </p:txBody>
+      </p:sp>
+      <p:sp>
+        <p:nvSpPr>
+          <p:cNvPr id="4" name="Tijdelijke aanduiding voor voettekst 3"/>
+          <p:cNvSpPr>
+            <a:spLocks noGrp="1"/>
+          </p:cNvSpPr>
+          <p:nvPr>
+            <p:ph type="ftr" sz="quarter" idx="11"/>
+          </p:nvPr>
+        </p:nvSpPr>
+        <p:spPr/>
+        <p:txBody>
+          <a:bodyPr/>
+          <a:lstStyle/>
+          <a:p>
+            <a:endParaRPr lang="nl-NL"/>
+          </a:p>
+        </p:txBody>
+      </p:sp>
+      <p:sp>
+        <p:nvSpPr>
+          <p:cNvPr id="5" name="Tijdelijke aanduiding voor dianummer 4"/>
+          <p:cNvSpPr>
+            <a:spLocks noGrp="1"/>
+          </p:cNvSpPr>
+          <p:nvPr>
+            <p:ph type="sldNum" sz="quarter" idx="12"/>
+          </p:nvPr>
+        </p:nvSpPr>
+        <p:spPr/>
+        <p:txBody>
+          <a:bodyPr/>
+          <a:lstStyle/>
+          <a:p>
+            <a:fld id="{9466B1D8-05B1-494B-8E57-2B5F8FBC7640}" type="slidenum">
+              <a:rPr lang="nl-NL" smtClean="0"/>
+              <a:t>‹nr.›</a:t>
+            </a:fld>
+            <a:endParaRPr lang="nl-NL"/>
+          </a:p>
+        </p:txBody>
+      </p:sp>
+    </p:spTree>
+    <p:extLst>
+      <p:ext uri="{BB962C8B-B14F-4D97-AF65-F5344CB8AC3E}">
+        <p14:creationId xmlns:p14="http://schemas.microsoft.com/office/powerpoint/2010/main" val="107781926"/>
+      </p:ext>
+    </p:extLst>
+  </p:cSld>
+  <p:clrMapOvr>
+    <a:masterClrMapping/>
+  </p:clrMapOvr>
+  <mc:AlternateContent xmlns:mc="http://schemas.openxmlformats.org/markup-compatibility/2006" xmlns:p14="http://schemas.microsoft.com/office/powerpoint/2010/main">
+    <mc:Choice Requires="p14">
+      <p:transition spd="slow" p14:dur="800">
+        <p14:flythrough dir="out"/>
+      </p:transition>
+    </mc:Choice>
+    <mc:Fallback xmlns="">
+      <p:transition spd="slow">
+        <p:fade/>
+      </p:transition>
+    </mc:Fallback>
+  </mc:AlternateContent>
+</p:sldLayout>
+</file>
+
+<file path=ppt/slideLayouts/slideLayout19.xml><?xml version="1.0" encoding="utf-8"?>
+<p:sldLayout xmlns:a="http://schemas.openxmlformats.org/drawingml/2006/main" xmlns:r="http://schemas.openxmlformats.org/officeDocument/2006/relationships" xmlns:p="http://schemas.openxmlformats.org/presentationml/2006/main" type="blank" preserve="1">
+  <p:cSld name="Leeg">
+    <p:spTree>
+      <p:nvGrpSpPr>
+        <p:cNvPr id="1" name=""/>
+        <p:cNvGrpSpPr/>
+        <p:nvPr/>
+      </p:nvGrpSpPr>
+      <p:grpSpPr>
+        <a:xfrm>
+          <a:off x="0" y="0"/>
+          <a:ext cx="0" cy="0"/>
+          <a:chOff x="0" y="0"/>
+          <a:chExt cx="0" cy="0"/>
+        </a:xfrm>
+      </p:grpSpPr>
+      <p:sp>
+        <p:nvSpPr>
+          <p:cNvPr id="2" name="Tijdelijke aanduiding voor datum 1"/>
+          <p:cNvSpPr>
+            <a:spLocks noGrp="1"/>
+          </p:cNvSpPr>
+          <p:nvPr>
+            <p:ph type="dt" sz="half" idx="10"/>
+          </p:nvPr>
+        </p:nvSpPr>
+        <p:spPr/>
+        <p:txBody>
+          <a:bodyPr/>
+          <a:lstStyle/>
+          <a:p>
+            <a:fld id="{CEABF1AE-BCD2-4B36-ACBE-2E827CF1AD38}" type="datetimeFigureOut">
+              <a:rPr lang="nl-NL" smtClean="0"/>
+              <a:t>8-9-2020</a:t>
+            </a:fld>
+            <a:endParaRPr lang="nl-NL"/>
+          </a:p>
+        </p:txBody>
+      </p:sp>
+      <p:sp>
+        <p:nvSpPr>
+          <p:cNvPr id="3" name="Tijdelijke aanduiding voor voettekst 2"/>
+          <p:cNvSpPr>
+            <a:spLocks noGrp="1"/>
+          </p:cNvSpPr>
+          <p:nvPr>
+            <p:ph type="ftr" sz="quarter" idx="11"/>
+          </p:nvPr>
+        </p:nvSpPr>
+        <p:spPr/>
+        <p:txBody>
+          <a:bodyPr/>
+          <a:lstStyle/>
+          <a:p>
+            <a:endParaRPr lang="nl-NL"/>
+          </a:p>
+        </p:txBody>
+      </p:sp>
+      <p:sp>
+        <p:nvSpPr>
+          <p:cNvPr id="4" name="Tijdelijke aanduiding voor dianummer 3"/>
+          <p:cNvSpPr>
+            <a:spLocks noGrp="1"/>
+          </p:cNvSpPr>
+          <p:nvPr>
+            <p:ph type="sldNum" sz="quarter" idx="12"/>
+          </p:nvPr>
+        </p:nvSpPr>
+        <p:spPr/>
+        <p:txBody>
+          <a:bodyPr/>
+          <a:lstStyle/>
+          <a:p>
+            <a:fld id="{9466B1D8-05B1-494B-8E57-2B5F8FBC7640}" type="slidenum">
+              <a:rPr lang="nl-NL" smtClean="0"/>
+              <a:t>‹nr.›</a:t>
+            </a:fld>
+            <a:endParaRPr lang="nl-NL"/>
+          </a:p>
+        </p:txBody>
+      </p:sp>
+    </p:spTree>
+    <p:extLst>
+      <p:ext uri="{BB962C8B-B14F-4D97-AF65-F5344CB8AC3E}">
+        <p14:creationId xmlns:p14="http://schemas.microsoft.com/office/powerpoint/2010/main" val="1639261302"/>
+      </p:ext>
+    </p:extLst>
+  </p:cSld>
+  <p:clrMapOvr>
+    <a:masterClrMapping/>
+  </p:clrMapOvr>
+  <mc:AlternateContent xmlns:mc="http://schemas.openxmlformats.org/markup-compatibility/2006" xmlns:p14="http://schemas.microsoft.com/office/powerpoint/2010/main">
+    <mc:Choice Requires="p14">
+      <p:transition spd="slow" p14:dur="800">
+        <p14:flythrough dir="out"/>
+      </p:transition>
+    </mc:Choice>
+    <mc:Fallback xmlns="">
+      <p:transition spd="slow">
+        <p:fade/>
+      </p:transition>
+    </mc:Fallback>
+  </mc:AlternateContent>
 </p:sldLayout>
 </file>
 
@@ -760,7 +4088,7 @@
           <p:cNvPr id="2" name="Titel 1">
             <a:extLst>
               <a:ext uri="{FF2B5EF4-FFF2-40B4-BE49-F238E27FC236}">
-                <a16:creationId xmlns:a16="http://schemas.microsoft.com/office/drawing/2014/main" id="{669958E9-5215-439B-8E30-F8B273CB8A06}"/>
+                <a16:creationId xmlns:a16="http://schemas.microsoft.com/office/drawing/2014/main" id="{B26D0C3A-0860-456D-AA1E-F229DB9C6911}"/>
               </a:ext>
             </a:extLst>
           </p:cNvPr>
@@ -788,7 +4116,7 @@
           <p:cNvPr id="3" name="Tijdelijke aanduiding voor inhoud 2">
             <a:extLst>
               <a:ext uri="{FF2B5EF4-FFF2-40B4-BE49-F238E27FC236}">
-                <a16:creationId xmlns:a16="http://schemas.microsoft.com/office/drawing/2014/main" id="{6FDC47AE-8BC8-4BD1-8582-54F20D294605}"/>
+                <a16:creationId xmlns:a16="http://schemas.microsoft.com/office/drawing/2014/main" id="{EEBA2E41-1386-422D-A420-07C37B50F500}"/>
               </a:ext>
             </a:extLst>
           </p:cNvPr>
@@ -845,7 +4173,7 @@
           <p:cNvPr id="4" name="Tijdelijke aanduiding voor datum 3">
             <a:extLst>
               <a:ext uri="{FF2B5EF4-FFF2-40B4-BE49-F238E27FC236}">
-                <a16:creationId xmlns:a16="http://schemas.microsoft.com/office/drawing/2014/main" id="{F5D06999-F16D-4C9F-A18F-59ADB5860D35}"/>
+                <a16:creationId xmlns:a16="http://schemas.microsoft.com/office/drawing/2014/main" id="{3D21A679-128A-4DC0-98F4-51999C126642}"/>
               </a:ext>
             </a:extLst>
           </p:cNvPr>
@@ -861,9 +4189,9 @@
           <a:bodyPr/>
           <a:lstStyle/>
           <a:p>
-            <a:fld id="{39D08E29-D8BC-4859-812F-1419D2259287}" type="datetimeFigureOut">
+            <a:fld id="{6DED2E69-0DF2-45C9-BF11-A5B1247170B5}" type="datetimeFigureOut">
               <a:rPr lang="nl-NL" smtClean="0"/>
-              <a:t>7-9-2020</a:t>
+              <a:t>8-9-2020</a:t>
             </a:fld>
             <a:endParaRPr lang="nl-NL"/>
           </a:p>
@@ -874,7 +4202,7 @@
           <p:cNvPr id="5" name="Tijdelijke aanduiding voor voettekst 4">
             <a:extLst>
               <a:ext uri="{FF2B5EF4-FFF2-40B4-BE49-F238E27FC236}">
-                <a16:creationId xmlns:a16="http://schemas.microsoft.com/office/drawing/2014/main" id="{9817AA6C-0D1A-4A94-B759-AC8B104051C5}"/>
+                <a16:creationId xmlns:a16="http://schemas.microsoft.com/office/drawing/2014/main" id="{DE6EB5CE-FDFC-47F7-96CF-7F9E61B4BD4D}"/>
               </a:ext>
             </a:extLst>
           </p:cNvPr>
@@ -899,7 +4227,7 @@
           <p:cNvPr id="6" name="Tijdelijke aanduiding voor dianummer 5">
             <a:extLst>
               <a:ext uri="{FF2B5EF4-FFF2-40B4-BE49-F238E27FC236}">
-                <a16:creationId xmlns:a16="http://schemas.microsoft.com/office/drawing/2014/main" id="{183728B0-4461-4EC5-86F0-E1987D7506A8}"/>
+                <a16:creationId xmlns:a16="http://schemas.microsoft.com/office/drawing/2014/main" id="{0EBC72B0-8F55-4277-9870-E02537FE40DD}"/>
               </a:ext>
             </a:extLst>
           </p:cNvPr>
@@ -915,7 +4243,7 @@
           <a:bodyPr/>
           <a:lstStyle/>
           <a:p>
-            <a:fld id="{2D1B058A-0714-4191-A948-5ED9CA49A693}" type="slidenum">
+            <a:fld id="{B0142AEA-949B-462F-AC2F-6067C85673FD}" type="slidenum">
               <a:rPr lang="nl-NL" smtClean="0"/>
               <a:t>‹nr.›</a:t>
             </a:fld>
@@ -926,13 +4254,945 @@
     </p:spTree>
     <p:extLst>
       <p:ext uri="{BB962C8B-B14F-4D97-AF65-F5344CB8AC3E}">
-        <p14:creationId xmlns:p14="http://schemas.microsoft.com/office/powerpoint/2010/main" val="3138205325"/>
+        <p14:creationId xmlns:p14="http://schemas.microsoft.com/office/powerpoint/2010/main" val="4275538559"/>
       </p:ext>
     </p:extLst>
   </p:cSld>
   <p:clrMapOvr>
     <a:masterClrMapping/>
   </p:clrMapOvr>
+</p:sldLayout>
+</file>
+
+<file path=ppt/slideLayouts/slideLayout20.xml><?xml version="1.0" encoding="utf-8"?>
+<p:sldLayout xmlns:a="http://schemas.openxmlformats.org/drawingml/2006/main" xmlns:r="http://schemas.openxmlformats.org/officeDocument/2006/relationships" xmlns:p="http://schemas.openxmlformats.org/presentationml/2006/main" type="objTx" preserve="1">
+  <p:cSld name="Inhoud met bijschrift">
+    <p:spTree>
+      <p:nvGrpSpPr>
+        <p:cNvPr id="1" name=""/>
+        <p:cNvGrpSpPr/>
+        <p:nvPr/>
+      </p:nvGrpSpPr>
+      <p:grpSpPr>
+        <a:xfrm>
+          <a:off x="0" y="0"/>
+          <a:ext cx="0" cy="0"/>
+          <a:chOff x="0" y="0"/>
+          <a:chExt cx="0" cy="0"/>
+        </a:xfrm>
+      </p:grpSpPr>
+      <p:sp>
+        <p:nvSpPr>
+          <p:cNvPr id="2" name="Titel 1"/>
+          <p:cNvSpPr>
+            <a:spLocks noGrp="1"/>
+          </p:cNvSpPr>
+          <p:nvPr>
+            <p:ph type="title"/>
+          </p:nvPr>
+        </p:nvSpPr>
+        <p:spPr>
+          <a:xfrm>
+            <a:off x="609603" y="273050"/>
+            <a:ext cx="4011084" cy="1162050"/>
+          </a:xfrm>
+        </p:spPr>
+        <p:txBody>
+          <a:bodyPr anchor="b"/>
+          <a:lstStyle>
+            <a:lvl1pPr algn="l">
+              <a:defRPr sz="844" b="1"/>
+            </a:lvl1pPr>
+          </a:lstStyle>
+          <a:p>
+            <a:r>
+              <a:rPr lang="nl-NL"/>
+              <a:t>Klik om stijl te bewerken</a:t>
+            </a:r>
+            <a:endParaRPr lang="en-GB"/>
+          </a:p>
+        </p:txBody>
+      </p:sp>
+      <p:sp>
+        <p:nvSpPr>
+          <p:cNvPr id="3" name="Tijdelijke aanduiding voor inhoud 2"/>
+          <p:cNvSpPr>
+            <a:spLocks noGrp="1"/>
+          </p:cNvSpPr>
+          <p:nvPr>
+            <p:ph idx="1"/>
+          </p:nvPr>
+        </p:nvSpPr>
+        <p:spPr>
+          <a:xfrm>
+            <a:off x="4766733" y="273071"/>
+            <a:ext cx="6815667" cy="5853113"/>
+          </a:xfrm>
+        </p:spPr>
+        <p:txBody>
+          <a:bodyPr/>
+          <a:lstStyle>
+            <a:lvl1pPr>
+              <a:defRPr sz="1350"/>
+            </a:lvl1pPr>
+            <a:lvl2pPr>
+              <a:defRPr sz="1181"/>
+            </a:lvl2pPr>
+            <a:lvl3pPr>
+              <a:defRPr sz="1013"/>
+            </a:lvl3pPr>
+            <a:lvl4pPr>
+              <a:defRPr sz="844"/>
+            </a:lvl4pPr>
+            <a:lvl5pPr>
+              <a:defRPr sz="844"/>
+            </a:lvl5pPr>
+            <a:lvl6pPr>
+              <a:defRPr sz="844"/>
+            </a:lvl6pPr>
+            <a:lvl7pPr>
+              <a:defRPr sz="844"/>
+            </a:lvl7pPr>
+            <a:lvl8pPr>
+              <a:defRPr sz="844"/>
+            </a:lvl8pPr>
+            <a:lvl9pPr>
+              <a:defRPr sz="844"/>
+            </a:lvl9pPr>
+          </a:lstStyle>
+          <a:p>
+            <a:pPr lvl="0"/>
+            <a:r>
+              <a:rPr lang="nl-NL"/>
+              <a:t>Klikken om de tekststijl van het model te bewerken</a:t>
+            </a:r>
+          </a:p>
+          <a:p>
+            <a:pPr lvl="1"/>
+            <a:r>
+              <a:rPr lang="nl-NL"/>
+              <a:t>Tweede niveau</a:t>
+            </a:r>
+          </a:p>
+          <a:p>
+            <a:pPr lvl="2"/>
+            <a:r>
+              <a:rPr lang="nl-NL"/>
+              <a:t>Derde niveau</a:t>
+            </a:r>
+          </a:p>
+          <a:p>
+            <a:pPr lvl="3"/>
+            <a:r>
+              <a:rPr lang="nl-NL"/>
+              <a:t>Vierde niveau</a:t>
+            </a:r>
+          </a:p>
+          <a:p>
+            <a:pPr lvl="4"/>
+            <a:r>
+              <a:rPr lang="nl-NL"/>
+              <a:t>Vijfde niveau</a:t>
+            </a:r>
+            <a:endParaRPr lang="en-GB"/>
+          </a:p>
+        </p:txBody>
+      </p:sp>
+      <p:sp>
+        <p:nvSpPr>
+          <p:cNvPr id="4" name="Tijdelijke aanduiding voor tekst 3"/>
+          <p:cNvSpPr>
+            <a:spLocks noGrp="1"/>
+          </p:cNvSpPr>
+          <p:nvPr>
+            <p:ph type="body" sz="half" idx="2"/>
+          </p:nvPr>
+        </p:nvSpPr>
+        <p:spPr>
+          <a:xfrm>
+            <a:off x="609603" y="1435103"/>
+            <a:ext cx="4011084" cy="4691063"/>
+          </a:xfrm>
+        </p:spPr>
+        <p:txBody>
+          <a:bodyPr/>
+          <a:lstStyle>
+            <a:lvl1pPr marL="0" indent="0">
+              <a:buNone/>
+              <a:defRPr sz="591"/>
+            </a:lvl1pPr>
+            <a:lvl2pPr marL="192881" indent="0">
+              <a:buNone/>
+              <a:defRPr sz="506"/>
+            </a:lvl2pPr>
+            <a:lvl3pPr marL="385763" indent="0">
+              <a:buNone/>
+              <a:defRPr sz="422"/>
+            </a:lvl3pPr>
+            <a:lvl4pPr marL="578644" indent="0">
+              <a:buNone/>
+              <a:defRPr sz="380"/>
+            </a:lvl4pPr>
+            <a:lvl5pPr marL="771525" indent="0">
+              <a:buNone/>
+              <a:defRPr sz="380"/>
+            </a:lvl5pPr>
+            <a:lvl6pPr marL="964406" indent="0">
+              <a:buNone/>
+              <a:defRPr sz="380"/>
+            </a:lvl6pPr>
+            <a:lvl7pPr marL="1157288" indent="0">
+              <a:buNone/>
+              <a:defRPr sz="380"/>
+            </a:lvl7pPr>
+            <a:lvl8pPr marL="1350169" indent="0">
+              <a:buNone/>
+              <a:defRPr sz="380"/>
+            </a:lvl8pPr>
+            <a:lvl9pPr marL="1543050" indent="0">
+              <a:buNone/>
+              <a:defRPr sz="380"/>
+            </a:lvl9pPr>
+          </a:lstStyle>
+          <a:p>
+            <a:pPr lvl="0"/>
+            <a:r>
+              <a:rPr lang="nl-NL"/>
+              <a:t>Klikken om de tekststijl van het model te bewerken</a:t>
+            </a:r>
+          </a:p>
+        </p:txBody>
+      </p:sp>
+      <p:sp>
+        <p:nvSpPr>
+          <p:cNvPr id="5" name="Tijdelijke aanduiding voor datum 4"/>
+          <p:cNvSpPr>
+            <a:spLocks noGrp="1"/>
+          </p:cNvSpPr>
+          <p:nvPr>
+            <p:ph type="dt" sz="half" idx="10"/>
+          </p:nvPr>
+        </p:nvSpPr>
+        <p:spPr/>
+        <p:txBody>
+          <a:bodyPr/>
+          <a:lstStyle/>
+          <a:p>
+            <a:fld id="{CEABF1AE-BCD2-4B36-ACBE-2E827CF1AD38}" type="datetimeFigureOut">
+              <a:rPr lang="nl-NL" smtClean="0"/>
+              <a:t>8-9-2020</a:t>
+            </a:fld>
+            <a:endParaRPr lang="nl-NL"/>
+          </a:p>
+        </p:txBody>
+      </p:sp>
+      <p:sp>
+        <p:nvSpPr>
+          <p:cNvPr id="6" name="Tijdelijke aanduiding voor voettekst 5"/>
+          <p:cNvSpPr>
+            <a:spLocks noGrp="1"/>
+          </p:cNvSpPr>
+          <p:nvPr>
+            <p:ph type="ftr" sz="quarter" idx="11"/>
+          </p:nvPr>
+        </p:nvSpPr>
+        <p:spPr/>
+        <p:txBody>
+          <a:bodyPr/>
+          <a:lstStyle/>
+          <a:p>
+            <a:endParaRPr lang="nl-NL"/>
+          </a:p>
+        </p:txBody>
+      </p:sp>
+      <p:sp>
+        <p:nvSpPr>
+          <p:cNvPr id="7" name="Tijdelijke aanduiding voor dianummer 6"/>
+          <p:cNvSpPr>
+            <a:spLocks noGrp="1"/>
+          </p:cNvSpPr>
+          <p:nvPr>
+            <p:ph type="sldNum" sz="quarter" idx="12"/>
+          </p:nvPr>
+        </p:nvSpPr>
+        <p:spPr/>
+        <p:txBody>
+          <a:bodyPr/>
+          <a:lstStyle/>
+          <a:p>
+            <a:fld id="{9466B1D8-05B1-494B-8E57-2B5F8FBC7640}" type="slidenum">
+              <a:rPr lang="nl-NL" smtClean="0"/>
+              <a:t>‹nr.›</a:t>
+            </a:fld>
+            <a:endParaRPr lang="nl-NL"/>
+          </a:p>
+        </p:txBody>
+      </p:sp>
+    </p:spTree>
+    <p:extLst>
+      <p:ext uri="{BB962C8B-B14F-4D97-AF65-F5344CB8AC3E}">
+        <p14:creationId xmlns:p14="http://schemas.microsoft.com/office/powerpoint/2010/main" val="2029305928"/>
+      </p:ext>
+    </p:extLst>
+  </p:cSld>
+  <p:clrMapOvr>
+    <a:masterClrMapping/>
+  </p:clrMapOvr>
+  <mc:AlternateContent xmlns:mc="http://schemas.openxmlformats.org/markup-compatibility/2006" xmlns:p14="http://schemas.microsoft.com/office/powerpoint/2010/main">
+    <mc:Choice Requires="p14">
+      <p:transition spd="slow" p14:dur="800">
+        <p14:flythrough dir="out"/>
+      </p:transition>
+    </mc:Choice>
+    <mc:Fallback xmlns="">
+      <p:transition spd="slow">
+        <p:fade/>
+      </p:transition>
+    </mc:Fallback>
+  </mc:AlternateContent>
+</p:sldLayout>
+</file>
+
+<file path=ppt/slideLayouts/slideLayout21.xml><?xml version="1.0" encoding="utf-8"?>
+<p:sldLayout xmlns:a="http://schemas.openxmlformats.org/drawingml/2006/main" xmlns:r="http://schemas.openxmlformats.org/officeDocument/2006/relationships" xmlns:p="http://schemas.openxmlformats.org/presentationml/2006/main" type="picTx" preserve="1">
+  <p:cSld name="Afbeelding met bijschrift">
+    <p:spTree>
+      <p:nvGrpSpPr>
+        <p:cNvPr id="1" name=""/>
+        <p:cNvGrpSpPr/>
+        <p:nvPr/>
+      </p:nvGrpSpPr>
+      <p:grpSpPr>
+        <a:xfrm>
+          <a:off x="0" y="0"/>
+          <a:ext cx="0" cy="0"/>
+          <a:chOff x="0" y="0"/>
+          <a:chExt cx="0" cy="0"/>
+        </a:xfrm>
+      </p:grpSpPr>
+      <p:sp>
+        <p:nvSpPr>
+          <p:cNvPr id="2" name="Titel 1"/>
+          <p:cNvSpPr>
+            <a:spLocks noGrp="1"/>
+          </p:cNvSpPr>
+          <p:nvPr>
+            <p:ph type="title"/>
+          </p:nvPr>
+        </p:nvSpPr>
+        <p:spPr>
+          <a:xfrm>
+            <a:off x="2389717" y="4800600"/>
+            <a:ext cx="7315200" cy="566738"/>
+          </a:xfrm>
+        </p:spPr>
+        <p:txBody>
+          <a:bodyPr anchor="b"/>
+          <a:lstStyle>
+            <a:lvl1pPr algn="l">
+              <a:defRPr sz="844" b="1"/>
+            </a:lvl1pPr>
+          </a:lstStyle>
+          <a:p>
+            <a:r>
+              <a:rPr lang="nl-NL"/>
+              <a:t>Klik om stijl te bewerken</a:t>
+            </a:r>
+            <a:endParaRPr lang="en-GB"/>
+          </a:p>
+        </p:txBody>
+      </p:sp>
+      <p:sp>
+        <p:nvSpPr>
+          <p:cNvPr id="3" name="Tijdelijke aanduiding voor afbeelding 2"/>
+          <p:cNvSpPr>
+            <a:spLocks noGrp="1"/>
+          </p:cNvSpPr>
+          <p:nvPr>
+            <p:ph type="pic" idx="1"/>
+          </p:nvPr>
+        </p:nvSpPr>
+        <p:spPr>
+          <a:xfrm>
+            <a:off x="2389717" y="612775"/>
+            <a:ext cx="7315200" cy="4114800"/>
+          </a:xfrm>
+        </p:spPr>
+        <p:txBody>
+          <a:bodyPr/>
+          <a:lstStyle>
+            <a:lvl1pPr marL="0" indent="0">
+              <a:buNone/>
+              <a:defRPr sz="1350"/>
+            </a:lvl1pPr>
+            <a:lvl2pPr marL="192881" indent="0">
+              <a:buNone/>
+              <a:defRPr sz="1181"/>
+            </a:lvl2pPr>
+            <a:lvl3pPr marL="385763" indent="0">
+              <a:buNone/>
+              <a:defRPr sz="1013"/>
+            </a:lvl3pPr>
+            <a:lvl4pPr marL="578644" indent="0">
+              <a:buNone/>
+              <a:defRPr sz="844"/>
+            </a:lvl4pPr>
+            <a:lvl5pPr marL="771525" indent="0">
+              <a:buNone/>
+              <a:defRPr sz="844"/>
+            </a:lvl5pPr>
+            <a:lvl6pPr marL="964406" indent="0">
+              <a:buNone/>
+              <a:defRPr sz="844"/>
+            </a:lvl6pPr>
+            <a:lvl7pPr marL="1157288" indent="0">
+              <a:buNone/>
+              <a:defRPr sz="844"/>
+            </a:lvl7pPr>
+            <a:lvl8pPr marL="1350169" indent="0">
+              <a:buNone/>
+              <a:defRPr sz="844"/>
+            </a:lvl8pPr>
+            <a:lvl9pPr marL="1543050" indent="0">
+              <a:buNone/>
+              <a:defRPr sz="844"/>
+            </a:lvl9pPr>
+          </a:lstStyle>
+          <a:p>
+            <a:r>
+              <a:rPr lang="nl-NL"/>
+              <a:t>Klik op het pictogram als u een afbeelding wilt toevoegen</a:t>
+            </a:r>
+            <a:endParaRPr lang="en-GB"/>
+          </a:p>
+        </p:txBody>
+      </p:sp>
+      <p:sp>
+        <p:nvSpPr>
+          <p:cNvPr id="4" name="Tijdelijke aanduiding voor tekst 3"/>
+          <p:cNvSpPr>
+            <a:spLocks noGrp="1"/>
+          </p:cNvSpPr>
+          <p:nvPr>
+            <p:ph type="body" sz="half" idx="2"/>
+          </p:nvPr>
+        </p:nvSpPr>
+        <p:spPr>
+          <a:xfrm>
+            <a:off x="2389717" y="5367338"/>
+            <a:ext cx="7315200" cy="804862"/>
+          </a:xfrm>
+        </p:spPr>
+        <p:txBody>
+          <a:bodyPr/>
+          <a:lstStyle>
+            <a:lvl1pPr marL="0" indent="0">
+              <a:buNone/>
+              <a:defRPr sz="591"/>
+            </a:lvl1pPr>
+            <a:lvl2pPr marL="192881" indent="0">
+              <a:buNone/>
+              <a:defRPr sz="506"/>
+            </a:lvl2pPr>
+            <a:lvl3pPr marL="385763" indent="0">
+              <a:buNone/>
+              <a:defRPr sz="422"/>
+            </a:lvl3pPr>
+            <a:lvl4pPr marL="578644" indent="0">
+              <a:buNone/>
+              <a:defRPr sz="380"/>
+            </a:lvl4pPr>
+            <a:lvl5pPr marL="771525" indent="0">
+              <a:buNone/>
+              <a:defRPr sz="380"/>
+            </a:lvl5pPr>
+            <a:lvl6pPr marL="964406" indent="0">
+              <a:buNone/>
+              <a:defRPr sz="380"/>
+            </a:lvl6pPr>
+            <a:lvl7pPr marL="1157288" indent="0">
+              <a:buNone/>
+              <a:defRPr sz="380"/>
+            </a:lvl7pPr>
+            <a:lvl8pPr marL="1350169" indent="0">
+              <a:buNone/>
+              <a:defRPr sz="380"/>
+            </a:lvl8pPr>
+            <a:lvl9pPr marL="1543050" indent="0">
+              <a:buNone/>
+              <a:defRPr sz="380"/>
+            </a:lvl9pPr>
+          </a:lstStyle>
+          <a:p>
+            <a:pPr lvl="0"/>
+            <a:r>
+              <a:rPr lang="nl-NL"/>
+              <a:t>Klikken om de tekststijl van het model te bewerken</a:t>
+            </a:r>
+          </a:p>
+        </p:txBody>
+      </p:sp>
+      <p:sp>
+        <p:nvSpPr>
+          <p:cNvPr id="5" name="Tijdelijke aanduiding voor datum 4"/>
+          <p:cNvSpPr>
+            <a:spLocks noGrp="1"/>
+          </p:cNvSpPr>
+          <p:nvPr>
+            <p:ph type="dt" sz="half" idx="10"/>
+          </p:nvPr>
+        </p:nvSpPr>
+        <p:spPr/>
+        <p:txBody>
+          <a:bodyPr/>
+          <a:lstStyle/>
+          <a:p>
+            <a:fld id="{CEABF1AE-BCD2-4B36-ACBE-2E827CF1AD38}" type="datetimeFigureOut">
+              <a:rPr lang="nl-NL" smtClean="0"/>
+              <a:t>8-9-2020</a:t>
+            </a:fld>
+            <a:endParaRPr lang="nl-NL"/>
+          </a:p>
+        </p:txBody>
+      </p:sp>
+      <p:sp>
+        <p:nvSpPr>
+          <p:cNvPr id="6" name="Tijdelijke aanduiding voor voettekst 5"/>
+          <p:cNvSpPr>
+            <a:spLocks noGrp="1"/>
+          </p:cNvSpPr>
+          <p:nvPr>
+            <p:ph type="ftr" sz="quarter" idx="11"/>
+          </p:nvPr>
+        </p:nvSpPr>
+        <p:spPr/>
+        <p:txBody>
+          <a:bodyPr/>
+          <a:lstStyle/>
+          <a:p>
+            <a:endParaRPr lang="nl-NL"/>
+          </a:p>
+        </p:txBody>
+      </p:sp>
+      <p:sp>
+        <p:nvSpPr>
+          <p:cNvPr id="7" name="Tijdelijke aanduiding voor dianummer 6"/>
+          <p:cNvSpPr>
+            <a:spLocks noGrp="1"/>
+          </p:cNvSpPr>
+          <p:nvPr>
+            <p:ph type="sldNum" sz="quarter" idx="12"/>
+          </p:nvPr>
+        </p:nvSpPr>
+        <p:spPr/>
+        <p:txBody>
+          <a:bodyPr/>
+          <a:lstStyle/>
+          <a:p>
+            <a:fld id="{9466B1D8-05B1-494B-8E57-2B5F8FBC7640}" type="slidenum">
+              <a:rPr lang="nl-NL" smtClean="0"/>
+              <a:t>‹nr.›</a:t>
+            </a:fld>
+            <a:endParaRPr lang="nl-NL"/>
+          </a:p>
+        </p:txBody>
+      </p:sp>
+    </p:spTree>
+    <p:extLst>
+      <p:ext uri="{BB962C8B-B14F-4D97-AF65-F5344CB8AC3E}">
+        <p14:creationId xmlns:p14="http://schemas.microsoft.com/office/powerpoint/2010/main" val="3588827869"/>
+      </p:ext>
+    </p:extLst>
+  </p:cSld>
+  <p:clrMapOvr>
+    <a:masterClrMapping/>
+  </p:clrMapOvr>
+  <mc:AlternateContent xmlns:mc="http://schemas.openxmlformats.org/markup-compatibility/2006" xmlns:p14="http://schemas.microsoft.com/office/powerpoint/2010/main">
+    <mc:Choice Requires="p14">
+      <p:transition spd="slow" p14:dur="800">
+        <p14:flythrough dir="out"/>
+      </p:transition>
+    </mc:Choice>
+    <mc:Fallback xmlns="">
+      <p:transition spd="slow">
+        <p:fade/>
+      </p:transition>
+    </mc:Fallback>
+  </mc:AlternateContent>
+</p:sldLayout>
+</file>
+
+<file path=ppt/slideLayouts/slideLayout22.xml><?xml version="1.0" encoding="utf-8"?>
+<p:sldLayout xmlns:a="http://schemas.openxmlformats.org/drawingml/2006/main" xmlns:r="http://schemas.openxmlformats.org/officeDocument/2006/relationships" xmlns:p="http://schemas.openxmlformats.org/presentationml/2006/main" type="vertTx" preserve="1">
+  <p:cSld name="Titel en verticale tekst">
+    <p:spTree>
+      <p:nvGrpSpPr>
+        <p:cNvPr id="1" name=""/>
+        <p:cNvGrpSpPr/>
+        <p:nvPr/>
+      </p:nvGrpSpPr>
+      <p:grpSpPr>
+        <a:xfrm>
+          <a:off x="0" y="0"/>
+          <a:ext cx="0" cy="0"/>
+          <a:chOff x="0" y="0"/>
+          <a:chExt cx="0" cy="0"/>
+        </a:xfrm>
+      </p:grpSpPr>
+      <p:sp>
+        <p:nvSpPr>
+          <p:cNvPr id="2" name="Titel 1"/>
+          <p:cNvSpPr>
+            <a:spLocks noGrp="1"/>
+          </p:cNvSpPr>
+          <p:nvPr>
+            <p:ph type="title"/>
+          </p:nvPr>
+        </p:nvSpPr>
+        <p:spPr/>
+        <p:txBody>
+          <a:bodyPr/>
+          <a:lstStyle/>
+          <a:p>
+            <a:r>
+              <a:rPr lang="nl-NL"/>
+              <a:t>Klik om stijl te bewerken</a:t>
+            </a:r>
+            <a:endParaRPr lang="en-GB"/>
+          </a:p>
+        </p:txBody>
+      </p:sp>
+      <p:sp>
+        <p:nvSpPr>
+          <p:cNvPr id="3" name="Tijdelijke aanduiding voor verticale tekst 2"/>
+          <p:cNvSpPr>
+            <a:spLocks noGrp="1"/>
+          </p:cNvSpPr>
+          <p:nvPr>
+            <p:ph type="body" orient="vert" idx="1"/>
+          </p:nvPr>
+        </p:nvSpPr>
+        <p:spPr/>
+        <p:txBody>
+          <a:bodyPr vert="eaVert"/>
+          <a:lstStyle/>
+          <a:p>
+            <a:pPr lvl="0"/>
+            <a:r>
+              <a:rPr lang="nl-NL"/>
+              <a:t>Klikken om de tekststijl van het model te bewerken</a:t>
+            </a:r>
+          </a:p>
+          <a:p>
+            <a:pPr lvl="1"/>
+            <a:r>
+              <a:rPr lang="nl-NL"/>
+              <a:t>Tweede niveau</a:t>
+            </a:r>
+          </a:p>
+          <a:p>
+            <a:pPr lvl="2"/>
+            <a:r>
+              <a:rPr lang="nl-NL"/>
+              <a:t>Derde niveau</a:t>
+            </a:r>
+          </a:p>
+          <a:p>
+            <a:pPr lvl="3"/>
+            <a:r>
+              <a:rPr lang="nl-NL"/>
+              <a:t>Vierde niveau</a:t>
+            </a:r>
+          </a:p>
+          <a:p>
+            <a:pPr lvl="4"/>
+            <a:r>
+              <a:rPr lang="nl-NL"/>
+              <a:t>Vijfde niveau</a:t>
+            </a:r>
+            <a:endParaRPr lang="en-GB"/>
+          </a:p>
+        </p:txBody>
+      </p:sp>
+      <p:sp>
+        <p:nvSpPr>
+          <p:cNvPr id="4" name="Tijdelijke aanduiding voor datum 3"/>
+          <p:cNvSpPr>
+            <a:spLocks noGrp="1"/>
+          </p:cNvSpPr>
+          <p:nvPr>
+            <p:ph type="dt" sz="half" idx="10"/>
+          </p:nvPr>
+        </p:nvSpPr>
+        <p:spPr/>
+        <p:txBody>
+          <a:bodyPr/>
+          <a:lstStyle/>
+          <a:p>
+            <a:fld id="{CEABF1AE-BCD2-4B36-ACBE-2E827CF1AD38}" type="datetimeFigureOut">
+              <a:rPr lang="nl-NL" smtClean="0"/>
+              <a:t>8-9-2020</a:t>
+            </a:fld>
+            <a:endParaRPr lang="nl-NL"/>
+          </a:p>
+        </p:txBody>
+      </p:sp>
+      <p:sp>
+        <p:nvSpPr>
+          <p:cNvPr id="5" name="Tijdelijke aanduiding voor voettekst 4"/>
+          <p:cNvSpPr>
+            <a:spLocks noGrp="1"/>
+          </p:cNvSpPr>
+          <p:nvPr>
+            <p:ph type="ftr" sz="quarter" idx="11"/>
+          </p:nvPr>
+        </p:nvSpPr>
+        <p:spPr/>
+        <p:txBody>
+          <a:bodyPr/>
+          <a:lstStyle/>
+          <a:p>
+            <a:endParaRPr lang="nl-NL"/>
+          </a:p>
+        </p:txBody>
+      </p:sp>
+      <p:sp>
+        <p:nvSpPr>
+          <p:cNvPr id="6" name="Tijdelijke aanduiding voor dianummer 5"/>
+          <p:cNvSpPr>
+            <a:spLocks noGrp="1"/>
+          </p:cNvSpPr>
+          <p:nvPr>
+            <p:ph type="sldNum" sz="quarter" idx="12"/>
+          </p:nvPr>
+        </p:nvSpPr>
+        <p:spPr/>
+        <p:txBody>
+          <a:bodyPr/>
+          <a:lstStyle/>
+          <a:p>
+            <a:fld id="{9466B1D8-05B1-494B-8E57-2B5F8FBC7640}" type="slidenum">
+              <a:rPr lang="nl-NL" smtClean="0"/>
+              <a:t>‹nr.›</a:t>
+            </a:fld>
+            <a:endParaRPr lang="nl-NL"/>
+          </a:p>
+        </p:txBody>
+      </p:sp>
+    </p:spTree>
+    <p:extLst>
+      <p:ext uri="{BB962C8B-B14F-4D97-AF65-F5344CB8AC3E}">
+        <p14:creationId xmlns:p14="http://schemas.microsoft.com/office/powerpoint/2010/main" val="367018803"/>
+      </p:ext>
+    </p:extLst>
+  </p:cSld>
+  <p:clrMapOvr>
+    <a:masterClrMapping/>
+  </p:clrMapOvr>
+  <mc:AlternateContent xmlns:mc="http://schemas.openxmlformats.org/markup-compatibility/2006" xmlns:p14="http://schemas.microsoft.com/office/powerpoint/2010/main">
+    <mc:Choice Requires="p14">
+      <p:transition spd="slow" p14:dur="800">
+        <p14:flythrough dir="out"/>
+      </p:transition>
+    </mc:Choice>
+    <mc:Fallback xmlns="">
+      <p:transition spd="slow">
+        <p:fade/>
+      </p:transition>
+    </mc:Fallback>
+  </mc:AlternateContent>
+</p:sldLayout>
+</file>
+
+<file path=ppt/slideLayouts/slideLayout23.xml><?xml version="1.0" encoding="utf-8"?>
+<p:sldLayout xmlns:a="http://schemas.openxmlformats.org/drawingml/2006/main" xmlns:r="http://schemas.openxmlformats.org/officeDocument/2006/relationships" xmlns:p="http://schemas.openxmlformats.org/presentationml/2006/main" type="vertTitleAndTx" preserve="1">
+  <p:cSld name="Verticale titel en tekst">
+    <p:spTree>
+      <p:nvGrpSpPr>
+        <p:cNvPr id="1" name=""/>
+        <p:cNvGrpSpPr/>
+        <p:nvPr/>
+      </p:nvGrpSpPr>
+      <p:grpSpPr>
+        <a:xfrm>
+          <a:off x="0" y="0"/>
+          <a:ext cx="0" cy="0"/>
+          <a:chOff x="0" y="0"/>
+          <a:chExt cx="0" cy="0"/>
+        </a:xfrm>
+      </p:grpSpPr>
+      <p:sp>
+        <p:nvSpPr>
+          <p:cNvPr id="2" name="Verticale titel 1"/>
+          <p:cNvSpPr>
+            <a:spLocks noGrp="1"/>
+          </p:cNvSpPr>
+          <p:nvPr>
+            <p:ph type="title" orient="vert"/>
+          </p:nvPr>
+        </p:nvSpPr>
+        <p:spPr>
+          <a:xfrm>
+            <a:off x="8839200" y="274659"/>
+            <a:ext cx="2743200" cy="5851525"/>
+          </a:xfrm>
+        </p:spPr>
+        <p:txBody>
+          <a:bodyPr vert="eaVert"/>
+          <a:lstStyle/>
+          <a:p>
+            <a:r>
+              <a:rPr lang="nl-NL"/>
+              <a:t>Klik om stijl te bewerken</a:t>
+            </a:r>
+            <a:endParaRPr lang="en-GB"/>
+          </a:p>
+        </p:txBody>
+      </p:sp>
+      <p:sp>
+        <p:nvSpPr>
+          <p:cNvPr id="3" name="Tijdelijke aanduiding voor verticale tekst 2"/>
+          <p:cNvSpPr>
+            <a:spLocks noGrp="1"/>
+          </p:cNvSpPr>
+          <p:nvPr>
+            <p:ph type="body" orient="vert" idx="1"/>
+          </p:nvPr>
+        </p:nvSpPr>
+        <p:spPr>
+          <a:xfrm>
+            <a:off x="609600" y="274659"/>
+            <a:ext cx="8026400" cy="5851525"/>
+          </a:xfrm>
+        </p:spPr>
+        <p:txBody>
+          <a:bodyPr vert="eaVert"/>
+          <a:lstStyle/>
+          <a:p>
+            <a:pPr lvl="0"/>
+            <a:r>
+              <a:rPr lang="nl-NL"/>
+              <a:t>Klikken om de tekststijl van het model te bewerken</a:t>
+            </a:r>
+          </a:p>
+          <a:p>
+            <a:pPr lvl="1"/>
+            <a:r>
+              <a:rPr lang="nl-NL"/>
+              <a:t>Tweede niveau</a:t>
+            </a:r>
+          </a:p>
+          <a:p>
+            <a:pPr lvl="2"/>
+            <a:r>
+              <a:rPr lang="nl-NL"/>
+              <a:t>Derde niveau</a:t>
+            </a:r>
+          </a:p>
+          <a:p>
+            <a:pPr lvl="3"/>
+            <a:r>
+              <a:rPr lang="nl-NL"/>
+              <a:t>Vierde niveau</a:t>
+            </a:r>
+          </a:p>
+          <a:p>
+            <a:pPr lvl="4"/>
+            <a:r>
+              <a:rPr lang="nl-NL"/>
+              <a:t>Vijfde niveau</a:t>
+            </a:r>
+            <a:endParaRPr lang="en-GB"/>
+          </a:p>
+        </p:txBody>
+      </p:sp>
+      <p:sp>
+        <p:nvSpPr>
+          <p:cNvPr id="4" name="Tijdelijke aanduiding voor datum 3"/>
+          <p:cNvSpPr>
+            <a:spLocks noGrp="1"/>
+          </p:cNvSpPr>
+          <p:nvPr>
+            <p:ph type="dt" sz="half" idx="10"/>
+          </p:nvPr>
+        </p:nvSpPr>
+        <p:spPr/>
+        <p:txBody>
+          <a:bodyPr/>
+          <a:lstStyle/>
+          <a:p>
+            <a:fld id="{CEABF1AE-BCD2-4B36-ACBE-2E827CF1AD38}" type="datetimeFigureOut">
+              <a:rPr lang="nl-NL" smtClean="0"/>
+              <a:t>8-9-2020</a:t>
+            </a:fld>
+            <a:endParaRPr lang="nl-NL"/>
+          </a:p>
+        </p:txBody>
+      </p:sp>
+      <p:sp>
+        <p:nvSpPr>
+          <p:cNvPr id="5" name="Tijdelijke aanduiding voor voettekst 4"/>
+          <p:cNvSpPr>
+            <a:spLocks noGrp="1"/>
+          </p:cNvSpPr>
+          <p:nvPr>
+            <p:ph type="ftr" sz="quarter" idx="11"/>
+          </p:nvPr>
+        </p:nvSpPr>
+        <p:spPr/>
+        <p:txBody>
+          <a:bodyPr/>
+          <a:lstStyle/>
+          <a:p>
+            <a:endParaRPr lang="nl-NL"/>
+          </a:p>
+        </p:txBody>
+      </p:sp>
+      <p:sp>
+        <p:nvSpPr>
+          <p:cNvPr id="6" name="Tijdelijke aanduiding voor dianummer 5"/>
+          <p:cNvSpPr>
+            <a:spLocks noGrp="1"/>
+          </p:cNvSpPr>
+          <p:nvPr>
+            <p:ph type="sldNum" sz="quarter" idx="12"/>
+          </p:nvPr>
+        </p:nvSpPr>
+        <p:spPr/>
+        <p:txBody>
+          <a:bodyPr/>
+          <a:lstStyle/>
+          <a:p>
+            <a:fld id="{9466B1D8-05B1-494B-8E57-2B5F8FBC7640}" type="slidenum">
+              <a:rPr lang="nl-NL" smtClean="0"/>
+              <a:t>‹nr.›</a:t>
+            </a:fld>
+            <a:endParaRPr lang="nl-NL"/>
+          </a:p>
+        </p:txBody>
+      </p:sp>
+    </p:spTree>
+    <p:extLst>
+      <p:ext uri="{BB962C8B-B14F-4D97-AF65-F5344CB8AC3E}">
+        <p14:creationId xmlns:p14="http://schemas.microsoft.com/office/powerpoint/2010/main" val="944345815"/>
+      </p:ext>
+    </p:extLst>
+  </p:cSld>
+  <p:clrMapOvr>
+    <a:masterClrMapping/>
+  </p:clrMapOvr>
+  <mc:AlternateContent xmlns:mc="http://schemas.openxmlformats.org/markup-compatibility/2006" xmlns:p14="http://schemas.microsoft.com/office/powerpoint/2010/main">
+    <mc:Choice Requires="p14">
+      <p:transition spd="slow" p14:dur="800">
+        <p14:flythrough dir="out"/>
+      </p:transition>
+    </mc:Choice>
+    <mc:Fallback xmlns="">
+      <p:transition spd="slow">
+        <p:fade/>
+      </p:transition>
+    </mc:Fallback>
+  </mc:AlternateContent>
 </p:sldLayout>
 </file>
 
@@ -958,7 +5218,7 @@
           <p:cNvPr id="2" name="Titel 1">
             <a:extLst>
               <a:ext uri="{FF2B5EF4-FFF2-40B4-BE49-F238E27FC236}">
-                <a16:creationId xmlns:a16="http://schemas.microsoft.com/office/drawing/2014/main" id="{2A9BF59A-C960-4F34-9EAA-A3B01D5C114F}"/>
+                <a16:creationId xmlns:a16="http://schemas.microsoft.com/office/drawing/2014/main" id="{58FADA4B-2F80-4970-BC3C-1C15B1867B8E}"/>
               </a:ext>
             </a:extLst>
           </p:cNvPr>
@@ -995,7 +5255,7 @@
           <p:cNvPr id="3" name="Tijdelijke aanduiding voor tekst 2">
             <a:extLst>
               <a:ext uri="{FF2B5EF4-FFF2-40B4-BE49-F238E27FC236}">
-                <a16:creationId xmlns:a16="http://schemas.microsoft.com/office/drawing/2014/main" id="{D98C00FC-4287-4962-9171-485243F801A6}"/>
+                <a16:creationId xmlns:a16="http://schemas.microsoft.com/office/drawing/2014/main" id="{33055863-B7FF-4F55-B742-0C22C5B9F6E8}"/>
               </a:ext>
             </a:extLst>
           </p:cNvPr>
@@ -1120,7 +5380,7 @@
           <p:cNvPr id="4" name="Tijdelijke aanduiding voor datum 3">
             <a:extLst>
               <a:ext uri="{FF2B5EF4-FFF2-40B4-BE49-F238E27FC236}">
-                <a16:creationId xmlns:a16="http://schemas.microsoft.com/office/drawing/2014/main" id="{64C6663A-CE10-4785-A192-D61B1655DC91}"/>
+                <a16:creationId xmlns:a16="http://schemas.microsoft.com/office/drawing/2014/main" id="{C1D445D1-1158-4FD5-9891-69FCAADF6875}"/>
               </a:ext>
             </a:extLst>
           </p:cNvPr>
@@ -1136,9 +5396,9 @@
           <a:bodyPr/>
           <a:lstStyle/>
           <a:p>
-            <a:fld id="{39D08E29-D8BC-4859-812F-1419D2259287}" type="datetimeFigureOut">
+            <a:fld id="{6DED2E69-0DF2-45C9-BF11-A5B1247170B5}" type="datetimeFigureOut">
               <a:rPr lang="nl-NL" smtClean="0"/>
-              <a:t>7-9-2020</a:t>
+              <a:t>8-9-2020</a:t>
             </a:fld>
             <a:endParaRPr lang="nl-NL"/>
           </a:p>
@@ -1149,7 +5409,7 @@
           <p:cNvPr id="5" name="Tijdelijke aanduiding voor voettekst 4">
             <a:extLst>
               <a:ext uri="{FF2B5EF4-FFF2-40B4-BE49-F238E27FC236}">
-                <a16:creationId xmlns:a16="http://schemas.microsoft.com/office/drawing/2014/main" id="{CAF1B7ED-5804-4C3F-911D-C9C5A6D1207D}"/>
+                <a16:creationId xmlns:a16="http://schemas.microsoft.com/office/drawing/2014/main" id="{907F2DCA-419A-4408-89B4-6029754A2DF8}"/>
               </a:ext>
             </a:extLst>
           </p:cNvPr>
@@ -1174,7 +5434,7 @@
           <p:cNvPr id="6" name="Tijdelijke aanduiding voor dianummer 5">
             <a:extLst>
               <a:ext uri="{FF2B5EF4-FFF2-40B4-BE49-F238E27FC236}">
-                <a16:creationId xmlns:a16="http://schemas.microsoft.com/office/drawing/2014/main" id="{893D6A0A-D7E3-4701-88FD-7BD8AC28C84E}"/>
+                <a16:creationId xmlns:a16="http://schemas.microsoft.com/office/drawing/2014/main" id="{85645F21-1ED5-4E52-A49E-CF61E2DFD128}"/>
               </a:ext>
             </a:extLst>
           </p:cNvPr>
@@ -1190,7 +5450,7 @@
           <a:bodyPr/>
           <a:lstStyle/>
           <a:p>
-            <a:fld id="{2D1B058A-0714-4191-A948-5ED9CA49A693}" type="slidenum">
+            <a:fld id="{B0142AEA-949B-462F-AC2F-6067C85673FD}" type="slidenum">
               <a:rPr lang="nl-NL" smtClean="0"/>
               <a:t>‹nr.›</a:t>
             </a:fld>
@@ -1201,7 +5461,7 @@
     </p:spTree>
     <p:extLst>
       <p:ext uri="{BB962C8B-B14F-4D97-AF65-F5344CB8AC3E}">
-        <p14:creationId xmlns:p14="http://schemas.microsoft.com/office/powerpoint/2010/main" val="617229527"/>
+        <p14:creationId xmlns:p14="http://schemas.microsoft.com/office/powerpoint/2010/main" val="3487933082"/>
       </p:ext>
     </p:extLst>
   </p:cSld>
@@ -1233,7 +5493,7 @@
           <p:cNvPr id="2" name="Titel 1">
             <a:extLst>
               <a:ext uri="{FF2B5EF4-FFF2-40B4-BE49-F238E27FC236}">
-                <a16:creationId xmlns:a16="http://schemas.microsoft.com/office/drawing/2014/main" id="{6F0F8287-9ED5-4DA0-98EA-97A8A63F60BF}"/>
+                <a16:creationId xmlns:a16="http://schemas.microsoft.com/office/drawing/2014/main" id="{A6FA72FF-CB6E-43F9-850F-ECEEF1F78446}"/>
               </a:ext>
             </a:extLst>
           </p:cNvPr>
@@ -1261,7 +5521,7 @@
           <p:cNvPr id="3" name="Tijdelijke aanduiding voor inhoud 2">
             <a:extLst>
               <a:ext uri="{FF2B5EF4-FFF2-40B4-BE49-F238E27FC236}">
-                <a16:creationId xmlns:a16="http://schemas.microsoft.com/office/drawing/2014/main" id="{E3AAEEAD-1B20-4F2A-A37A-7DB3FF2CB513}"/>
+                <a16:creationId xmlns:a16="http://schemas.microsoft.com/office/drawing/2014/main" id="{F3E86202-A508-4FED-B377-0EF1842DDC47}"/>
               </a:ext>
             </a:extLst>
           </p:cNvPr>
@@ -1323,7 +5583,7 @@
           <p:cNvPr id="4" name="Tijdelijke aanduiding voor inhoud 3">
             <a:extLst>
               <a:ext uri="{FF2B5EF4-FFF2-40B4-BE49-F238E27FC236}">
-                <a16:creationId xmlns:a16="http://schemas.microsoft.com/office/drawing/2014/main" id="{E7637D59-A85A-407F-A261-6510AF9D0C28}"/>
+                <a16:creationId xmlns:a16="http://schemas.microsoft.com/office/drawing/2014/main" id="{D97D066B-9CA3-46C8-8CCE-FB3B9E626542}"/>
               </a:ext>
             </a:extLst>
           </p:cNvPr>
@@ -1385,7 +5645,7 @@
           <p:cNvPr id="5" name="Tijdelijke aanduiding voor datum 4">
             <a:extLst>
               <a:ext uri="{FF2B5EF4-FFF2-40B4-BE49-F238E27FC236}">
-                <a16:creationId xmlns:a16="http://schemas.microsoft.com/office/drawing/2014/main" id="{A3E67CA7-61E8-4899-BF02-DBAFE5576E1E}"/>
+                <a16:creationId xmlns:a16="http://schemas.microsoft.com/office/drawing/2014/main" id="{C1F053F1-EDF1-4CC7-A949-6AA468C5EAB0}"/>
               </a:ext>
             </a:extLst>
           </p:cNvPr>
@@ -1401,9 +5661,9 @@
           <a:bodyPr/>
           <a:lstStyle/>
           <a:p>
-            <a:fld id="{39D08E29-D8BC-4859-812F-1419D2259287}" type="datetimeFigureOut">
+            <a:fld id="{6DED2E69-0DF2-45C9-BF11-A5B1247170B5}" type="datetimeFigureOut">
               <a:rPr lang="nl-NL" smtClean="0"/>
-              <a:t>7-9-2020</a:t>
+              <a:t>8-9-2020</a:t>
             </a:fld>
             <a:endParaRPr lang="nl-NL"/>
           </a:p>
@@ -1414,7 +5674,7 @@
           <p:cNvPr id="6" name="Tijdelijke aanduiding voor voettekst 5">
             <a:extLst>
               <a:ext uri="{FF2B5EF4-FFF2-40B4-BE49-F238E27FC236}">
-                <a16:creationId xmlns:a16="http://schemas.microsoft.com/office/drawing/2014/main" id="{D643E291-C252-4D4B-9D54-94758C11B61B}"/>
+                <a16:creationId xmlns:a16="http://schemas.microsoft.com/office/drawing/2014/main" id="{4349F0DE-6734-4F32-9D08-C670002D670E}"/>
               </a:ext>
             </a:extLst>
           </p:cNvPr>
@@ -1439,7 +5699,7 @@
           <p:cNvPr id="7" name="Tijdelijke aanduiding voor dianummer 6">
             <a:extLst>
               <a:ext uri="{FF2B5EF4-FFF2-40B4-BE49-F238E27FC236}">
-                <a16:creationId xmlns:a16="http://schemas.microsoft.com/office/drawing/2014/main" id="{081D286F-3E47-47F6-AA39-93E493A288B8}"/>
+                <a16:creationId xmlns:a16="http://schemas.microsoft.com/office/drawing/2014/main" id="{C5201999-5320-4310-8D8E-B3B979041C3F}"/>
               </a:ext>
             </a:extLst>
           </p:cNvPr>
@@ -1455,7 +5715,7 @@
           <a:bodyPr/>
           <a:lstStyle/>
           <a:p>
-            <a:fld id="{2D1B058A-0714-4191-A948-5ED9CA49A693}" type="slidenum">
+            <a:fld id="{B0142AEA-949B-462F-AC2F-6067C85673FD}" type="slidenum">
               <a:rPr lang="nl-NL" smtClean="0"/>
               <a:t>‹nr.›</a:t>
             </a:fld>
@@ -1466,7 +5726,7 @@
     </p:spTree>
     <p:extLst>
       <p:ext uri="{BB962C8B-B14F-4D97-AF65-F5344CB8AC3E}">
-        <p14:creationId xmlns:p14="http://schemas.microsoft.com/office/powerpoint/2010/main" val="2668795198"/>
+        <p14:creationId xmlns:p14="http://schemas.microsoft.com/office/powerpoint/2010/main" val="417005241"/>
       </p:ext>
     </p:extLst>
   </p:cSld>
@@ -1498,7 +5758,7 @@
           <p:cNvPr id="2" name="Titel 1">
             <a:extLst>
               <a:ext uri="{FF2B5EF4-FFF2-40B4-BE49-F238E27FC236}">
-                <a16:creationId xmlns:a16="http://schemas.microsoft.com/office/drawing/2014/main" id="{ABBAB0EE-3B08-4B37-80BD-98290321AEDD}"/>
+                <a16:creationId xmlns:a16="http://schemas.microsoft.com/office/drawing/2014/main" id="{0A8EA54C-5952-4922-8D08-5E0B183C68AE}"/>
               </a:ext>
             </a:extLst>
           </p:cNvPr>
@@ -1531,7 +5791,7 @@
           <p:cNvPr id="3" name="Tijdelijke aanduiding voor tekst 2">
             <a:extLst>
               <a:ext uri="{FF2B5EF4-FFF2-40B4-BE49-F238E27FC236}">
-                <a16:creationId xmlns:a16="http://schemas.microsoft.com/office/drawing/2014/main" id="{AF015B2A-273C-48BE-B59B-701C9AEF3791}"/>
+                <a16:creationId xmlns:a16="http://schemas.microsoft.com/office/drawing/2014/main" id="{7219205F-673E-43B6-A26F-48B8424F6979}"/>
               </a:ext>
             </a:extLst>
           </p:cNvPr>
@@ -1602,7 +5862,7 @@
           <p:cNvPr id="4" name="Tijdelijke aanduiding voor inhoud 3">
             <a:extLst>
               <a:ext uri="{FF2B5EF4-FFF2-40B4-BE49-F238E27FC236}">
-                <a16:creationId xmlns:a16="http://schemas.microsoft.com/office/drawing/2014/main" id="{B6C970FF-D1B7-462C-BFAA-E83C79F8A606}"/>
+                <a16:creationId xmlns:a16="http://schemas.microsoft.com/office/drawing/2014/main" id="{D7BDDD56-7A9E-4F13-A745-8978D65F6B0F}"/>
               </a:ext>
             </a:extLst>
           </p:cNvPr>
@@ -1664,7 +5924,7 @@
           <p:cNvPr id="5" name="Tijdelijke aanduiding voor tekst 4">
             <a:extLst>
               <a:ext uri="{FF2B5EF4-FFF2-40B4-BE49-F238E27FC236}">
-                <a16:creationId xmlns:a16="http://schemas.microsoft.com/office/drawing/2014/main" id="{D336C27F-2EA3-4D82-9EB5-CB604A63E990}"/>
+                <a16:creationId xmlns:a16="http://schemas.microsoft.com/office/drawing/2014/main" id="{A5CB928D-DEE4-4E2F-B8D4-4D82E3DBF14B}"/>
               </a:ext>
             </a:extLst>
           </p:cNvPr>
@@ -1735,7 +5995,7 @@
           <p:cNvPr id="6" name="Tijdelijke aanduiding voor inhoud 5">
             <a:extLst>
               <a:ext uri="{FF2B5EF4-FFF2-40B4-BE49-F238E27FC236}">
-                <a16:creationId xmlns:a16="http://schemas.microsoft.com/office/drawing/2014/main" id="{E32CFD0A-B092-4495-9820-AA43E25333BD}"/>
+                <a16:creationId xmlns:a16="http://schemas.microsoft.com/office/drawing/2014/main" id="{CC470694-8B14-4115-8277-ADA1F9C4F9A4}"/>
               </a:ext>
             </a:extLst>
           </p:cNvPr>
@@ -1797,7 +6057,7 @@
           <p:cNvPr id="7" name="Tijdelijke aanduiding voor datum 6">
             <a:extLst>
               <a:ext uri="{FF2B5EF4-FFF2-40B4-BE49-F238E27FC236}">
-                <a16:creationId xmlns:a16="http://schemas.microsoft.com/office/drawing/2014/main" id="{DC75D9E4-6FDE-4956-8730-E700BEC13DD9}"/>
+                <a16:creationId xmlns:a16="http://schemas.microsoft.com/office/drawing/2014/main" id="{E69A8B91-0B77-4EE7-AB09-5BC89FDF0843}"/>
               </a:ext>
             </a:extLst>
           </p:cNvPr>
@@ -1813,9 +6073,9 @@
           <a:bodyPr/>
           <a:lstStyle/>
           <a:p>
-            <a:fld id="{39D08E29-D8BC-4859-812F-1419D2259287}" type="datetimeFigureOut">
+            <a:fld id="{6DED2E69-0DF2-45C9-BF11-A5B1247170B5}" type="datetimeFigureOut">
               <a:rPr lang="nl-NL" smtClean="0"/>
-              <a:t>7-9-2020</a:t>
+              <a:t>8-9-2020</a:t>
             </a:fld>
             <a:endParaRPr lang="nl-NL"/>
           </a:p>
@@ -1826,7 +6086,7 @@
           <p:cNvPr id="8" name="Tijdelijke aanduiding voor voettekst 7">
             <a:extLst>
               <a:ext uri="{FF2B5EF4-FFF2-40B4-BE49-F238E27FC236}">
-                <a16:creationId xmlns:a16="http://schemas.microsoft.com/office/drawing/2014/main" id="{55E750BE-D45A-42A5-8FAC-1BCE545DFF96}"/>
+                <a16:creationId xmlns:a16="http://schemas.microsoft.com/office/drawing/2014/main" id="{1315FE01-396E-405D-ABD8-0050A79E6236}"/>
               </a:ext>
             </a:extLst>
           </p:cNvPr>
@@ -1851,7 +6111,7 @@
           <p:cNvPr id="9" name="Tijdelijke aanduiding voor dianummer 8">
             <a:extLst>
               <a:ext uri="{FF2B5EF4-FFF2-40B4-BE49-F238E27FC236}">
-                <a16:creationId xmlns:a16="http://schemas.microsoft.com/office/drawing/2014/main" id="{BF99F4A9-7390-40BF-9654-517F7D4D1F84}"/>
+                <a16:creationId xmlns:a16="http://schemas.microsoft.com/office/drawing/2014/main" id="{5476FDE6-7C9C-454A-B645-95DD06320BAC}"/>
               </a:ext>
             </a:extLst>
           </p:cNvPr>
@@ -1867,7 +6127,7 @@
           <a:bodyPr/>
           <a:lstStyle/>
           <a:p>
-            <a:fld id="{2D1B058A-0714-4191-A948-5ED9CA49A693}" type="slidenum">
+            <a:fld id="{B0142AEA-949B-462F-AC2F-6067C85673FD}" type="slidenum">
               <a:rPr lang="nl-NL" smtClean="0"/>
               <a:t>‹nr.›</a:t>
             </a:fld>
@@ -1878,7 +6138,7 @@
     </p:spTree>
     <p:extLst>
       <p:ext uri="{BB962C8B-B14F-4D97-AF65-F5344CB8AC3E}">
-        <p14:creationId xmlns:p14="http://schemas.microsoft.com/office/powerpoint/2010/main" val="2357124862"/>
+        <p14:creationId xmlns:p14="http://schemas.microsoft.com/office/powerpoint/2010/main" val="954297593"/>
       </p:ext>
     </p:extLst>
   </p:cSld>
@@ -1910,7 +6170,7 @@
           <p:cNvPr id="2" name="Titel 1">
             <a:extLst>
               <a:ext uri="{FF2B5EF4-FFF2-40B4-BE49-F238E27FC236}">
-                <a16:creationId xmlns:a16="http://schemas.microsoft.com/office/drawing/2014/main" id="{B2A67A53-144F-4A0F-B0DF-AB07973FE88E}"/>
+                <a16:creationId xmlns:a16="http://schemas.microsoft.com/office/drawing/2014/main" id="{54EC9BE4-9CBF-4B77-8A7F-598FF3264E37}"/>
               </a:ext>
             </a:extLst>
           </p:cNvPr>
@@ -1938,7 +6198,7 @@
           <p:cNvPr id="3" name="Tijdelijke aanduiding voor datum 2">
             <a:extLst>
               <a:ext uri="{FF2B5EF4-FFF2-40B4-BE49-F238E27FC236}">
-                <a16:creationId xmlns:a16="http://schemas.microsoft.com/office/drawing/2014/main" id="{01EED9AB-5113-4B2E-AEEF-518CF43598FE}"/>
+                <a16:creationId xmlns:a16="http://schemas.microsoft.com/office/drawing/2014/main" id="{1262FEB1-14B9-476D-8C0E-83C31D51065E}"/>
               </a:ext>
             </a:extLst>
           </p:cNvPr>
@@ -1954,9 +6214,9 @@
           <a:bodyPr/>
           <a:lstStyle/>
           <a:p>
-            <a:fld id="{39D08E29-D8BC-4859-812F-1419D2259287}" type="datetimeFigureOut">
+            <a:fld id="{6DED2E69-0DF2-45C9-BF11-A5B1247170B5}" type="datetimeFigureOut">
               <a:rPr lang="nl-NL" smtClean="0"/>
-              <a:t>7-9-2020</a:t>
+              <a:t>8-9-2020</a:t>
             </a:fld>
             <a:endParaRPr lang="nl-NL"/>
           </a:p>
@@ -1967,7 +6227,7 @@
           <p:cNvPr id="4" name="Tijdelijke aanduiding voor voettekst 3">
             <a:extLst>
               <a:ext uri="{FF2B5EF4-FFF2-40B4-BE49-F238E27FC236}">
-                <a16:creationId xmlns:a16="http://schemas.microsoft.com/office/drawing/2014/main" id="{B19F7B10-8F88-400A-8822-8A0BDE728961}"/>
+                <a16:creationId xmlns:a16="http://schemas.microsoft.com/office/drawing/2014/main" id="{3D5FEA2C-CE4D-4BF0-871F-57E22E89CC38}"/>
               </a:ext>
             </a:extLst>
           </p:cNvPr>
@@ -1992,7 +6252,7 @@
           <p:cNvPr id="5" name="Tijdelijke aanduiding voor dianummer 4">
             <a:extLst>
               <a:ext uri="{FF2B5EF4-FFF2-40B4-BE49-F238E27FC236}">
-                <a16:creationId xmlns:a16="http://schemas.microsoft.com/office/drawing/2014/main" id="{93073DBA-7751-4249-8F5B-A45729B953DC}"/>
+                <a16:creationId xmlns:a16="http://schemas.microsoft.com/office/drawing/2014/main" id="{D7E433F5-CACE-45F0-B1BF-8A19B507E64C}"/>
               </a:ext>
             </a:extLst>
           </p:cNvPr>
@@ -2008,7 +6268,7 @@
           <a:bodyPr/>
           <a:lstStyle/>
           <a:p>
-            <a:fld id="{2D1B058A-0714-4191-A948-5ED9CA49A693}" type="slidenum">
+            <a:fld id="{B0142AEA-949B-462F-AC2F-6067C85673FD}" type="slidenum">
               <a:rPr lang="nl-NL" smtClean="0"/>
               <a:t>‹nr.›</a:t>
             </a:fld>
@@ -2019,7 +6279,7 @@
     </p:spTree>
     <p:extLst>
       <p:ext uri="{BB962C8B-B14F-4D97-AF65-F5344CB8AC3E}">
-        <p14:creationId xmlns:p14="http://schemas.microsoft.com/office/powerpoint/2010/main" val="3972356551"/>
+        <p14:creationId xmlns:p14="http://schemas.microsoft.com/office/powerpoint/2010/main" val="447966687"/>
       </p:ext>
     </p:extLst>
   </p:cSld>
@@ -2051,7 +6311,7 @@
           <p:cNvPr id="2" name="Tijdelijke aanduiding voor datum 1">
             <a:extLst>
               <a:ext uri="{FF2B5EF4-FFF2-40B4-BE49-F238E27FC236}">
-                <a16:creationId xmlns:a16="http://schemas.microsoft.com/office/drawing/2014/main" id="{E9DAC463-1FD3-4865-96CA-8C34001EBACA}"/>
+                <a16:creationId xmlns:a16="http://schemas.microsoft.com/office/drawing/2014/main" id="{504468AA-7A02-45AD-A979-D08F9A003284}"/>
               </a:ext>
             </a:extLst>
           </p:cNvPr>
@@ -2067,9 +6327,9 @@
           <a:bodyPr/>
           <a:lstStyle/>
           <a:p>
-            <a:fld id="{39D08E29-D8BC-4859-812F-1419D2259287}" type="datetimeFigureOut">
+            <a:fld id="{6DED2E69-0DF2-45C9-BF11-A5B1247170B5}" type="datetimeFigureOut">
               <a:rPr lang="nl-NL" smtClean="0"/>
-              <a:t>7-9-2020</a:t>
+              <a:t>8-9-2020</a:t>
             </a:fld>
             <a:endParaRPr lang="nl-NL"/>
           </a:p>
@@ -2080,7 +6340,7 @@
           <p:cNvPr id="3" name="Tijdelijke aanduiding voor voettekst 2">
             <a:extLst>
               <a:ext uri="{FF2B5EF4-FFF2-40B4-BE49-F238E27FC236}">
-                <a16:creationId xmlns:a16="http://schemas.microsoft.com/office/drawing/2014/main" id="{E6224394-BB4F-46D9-9AF0-B6A190BAD7CC}"/>
+                <a16:creationId xmlns:a16="http://schemas.microsoft.com/office/drawing/2014/main" id="{D7D33402-0782-41C6-B3AC-A201FB035E78}"/>
               </a:ext>
             </a:extLst>
           </p:cNvPr>
@@ -2105,7 +6365,7 @@
           <p:cNvPr id="4" name="Tijdelijke aanduiding voor dianummer 3">
             <a:extLst>
               <a:ext uri="{FF2B5EF4-FFF2-40B4-BE49-F238E27FC236}">
-                <a16:creationId xmlns:a16="http://schemas.microsoft.com/office/drawing/2014/main" id="{72E45A3C-743A-42A1-A247-1AA0383F65AC}"/>
+                <a16:creationId xmlns:a16="http://schemas.microsoft.com/office/drawing/2014/main" id="{41521D8A-3F34-4700-B3BB-78B72787D756}"/>
               </a:ext>
             </a:extLst>
           </p:cNvPr>
@@ -2121,7 +6381,7 @@
           <a:bodyPr/>
           <a:lstStyle/>
           <a:p>
-            <a:fld id="{2D1B058A-0714-4191-A948-5ED9CA49A693}" type="slidenum">
+            <a:fld id="{B0142AEA-949B-462F-AC2F-6067C85673FD}" type="slidenum">
               <a:rPr lang="nl-NL" smtClean="0"/>
               <a:t>‹nr.›</a:t>
             </a:fld>
@@ -2132,7 +6392,7 @@
     </p:spTree>
     <p:extLst>
       <p:ext uri="{BB962C8B-B14F-4D97-AF65-F5344CB8AC3E}">
-        <p14:creationId xmlns:p14="http://schemas.microsoft.com/office/powerpoint/2010/main" val="3181126591"/>
+        <p14:creationId xmlns:p14="http://schemas.microsoft.com/office/powerpoint/2010/main" val="3322059776"/>
       </p:ext>
     </p:extLst>
   </p:cSld>
@@ -2164,7 +6424,7 @@
           <p:cNvPr id="2" name="Titel 1">
             <a:extLst>
               <a:ext uri="{FF2B5EF4-FFF2-40B4-BE49-F238E27FC236}">
-                <a16:creationId xmlns:a16="http://schemas.microsoft.com/office/drawing/2014/main" id="{BBB9B948-4E4B-4468-BB57-46A225B1C42E}"/>
+                <a16:creationId xmlns:a16="http://schemas.microsoft.com/office/drawing/2014/main" id="{B700D4A5-D716-4770-A38E-019127DDB22D}"/>
               </a:ext>
             </a:extLst>
           </p:cNvPr>
@@ -2201,7 +6461,7 @@
           <p:cNvPr id="3" name="Tijdelijke aanduiding voor inhoud 2">
             <a:extLst>
               <a:ext uri="{FF2B5EF4-FFF2-40B4-BE49-F238E27FC236}">
-                <a16:creationId xmlns:a16="http://schemas.microsoft.com/office/drawing/2014/main" id="{BCC685A3-C3F2-45BA-A36C-A45AB87BE69B}"/>
+                <a16:creationId xmlns:a16="http://schemas.microsoft.com/office/drawing/2014/main" id="{05DEF355-DF6F-44C5-A7E1-4B3B1BF3C1DF}"/>
               </a:ext>
             </a:extLst>
           </p:cNvPr>
@@ -2291,7 +6551,7 @@
           <p:cNvPr id="4" name="Tijdelijke aanduiding voor tekst 3">
             <a:extLst>
               <a:ext uri="{FF2B5EF4-FFF2-40B4-BE49-F238E27FC236}">
-                <a16:creationId xmlns:a16="http://schemas.microsoft.com/office/drawing/2014/main" id="{90276C91-3BDE-416F-918A-6691B4056342}"/>
+                <a16:creationId xmlns:a16="http://schemas.microsoft.com/office/drawing/2014/main" id="{E7DD8C23-F884-4D6A-9515-9A5E9E3182C2}"/>
               </a:ext>
             </a:extLst>
           </p:cNvPr>
@@ -2362,7 +6622,7 @@
           <p:cNvPr id="5" name="Tijdelijke aanduiding voor datum 4">
             <a:extLst>
               <a:ext uri="{FF2B5EF4-FFF2-40B4-BE49-F238E27FC236}">
-                <a16:creationId xmlns:a16="http://schemas.microsoft.com/office/drawing/2014/main" id="{AD76FC53-87DA-4BB2-9F81-7B09B73DD54A}"/>
+                <a16:creationId xmlns:a16="http://schemas.microsoft.com/office/drawing/2014/main" id="{0985F2D4-3BBC-41D4-9C32-584AE44BBC57}"/>
               </a:ext>
             </a:extLst>
           </p:cNvPr>
@@ -2378,9 +6638,9 @@
           <a:bodyPr/>
           <a:lstStyle/>
           <a:p>
-            <a:fld id="{39D08E29-D8BC-4859-812F-1419D2259287}" type="datetimeFigureOut">
+            <a:fld id="{6DED2E69-0DF2-45C9-BF11-A5B1247170B5}" type="datetimeFigureOut">
               <a:rPr lang="nl-NL" smtClean="0"/>
-              <a:t>7-9-2020</a:t>
+              <a:t>8-9-2020</a:t>
             </a:fld>
             <a:endParaRPr lang="nl-NL"/>
           </a:p>
@@ -2391,7 +6651,7 @@
           <p:cNvPr id="6" name="Tijdelijke aanduiding voor voettekst 5">
             <a:extLst>
               <a:ext uri="{FF2B5EF4-FFF2-40B4-BE49-F238E27FC236}">
-                <a16:creationId xmlns:a16="http://schemas.microsoft.com/office/drawing/2014/main" id="{637F28E6-F26A-4B1B-9370-AE90C0FFA368}"/>
+                <a16:creationId xmlns:a16="http://schemas.microsoft.com/office/drawing/2014/main" id="{6F0DFC6E-B7FC-468E-BFF4-852A7C67E7C3}"/>
               </a:ext>
             </a:extLst>
           </p:cNvPr>
@@ -2416,7 +6676,7 @@
           <p:cNvPr id="7" name="Tijdelijke aanduiding voor dianummer 6">
             <a:extLst>
               <a:ext uri="{FF2B5EF4-FFF2-40B4-BE49-F238E27FC236}">
-                <a16:creationId xmlns:a16="http://schemas.microsoft.com/office/drawing/2014/main" id="{DE4A82A5-45D5-4624-8750-701A81EE75F2}"/>
+                <a16:creationId xmlns:a16="http://schemas.microsoft.com/office/drawing/2014/main" id="{BAC6E11B-595B-4B6F-AAD3-A01B331EB6D1}"/>
               </a:ext>
             </a:extLst>
           </p:cNvPr>
@@ -2432,7 +6692,7 @@
           <a:bodyPr/>
           <a:lstStyle/>
           <a:p>
-            <a:fld id="{2D1B058A-0714-4191-A948-5ED9CA49A693}" type="slidenum">
+            <a:fld id="{B0142AEA-949B-462F-AC2F-6067C85673FD}" type="slidenum">
               <a:rPr lang="nl-NL" smtClean="0"/>
               <a:t>‹nr.›</a:t>
             </a:fld>
@@ -2443,7 +6703,7 @@
     </p:spTree>
     <p:extLst>
       <p:ext uri="{BB962C8B-B14F-4D97-AF65-F5344CB8AC3E}">
-        <p14:creationId xmlns:p14="http://schemas.microsoft.com/office/powerpoint/2010/main" val="3473744640"/>
+        <p14:creationId xmlns:p14="http://schemas.microsoft.com/office/powerpoint/2010/main" val="3835540436"/>
       </p:ext>
     </p:extLst>
   </p:cSld>
@@ -2475,7 +6735,7 @@
           <p:cNvPr id="2" name="Titel 1">
             <a:extLst>
               <a:ext uri="{FF2B5EF4-FFF2-40B4-BE49-F238E27FC236}">
-                <a16:creationId xmlns:a16="http://schemas.microsoft.com/office/drawing/2014/main" id="{A9BBAC9D-3873-4FD7-A93A-D219D9AA5AD3}"/>
+                <a16:creationId xmlns:a16="http://schemas.microsoft.com/office/drawing/2014/main" id="{FC7D9057-D338-4013-BD57-7C7E1DC4CB57}"/>
               </a:ext>
             </a:extLst>
           </p:cNvPr>
@@ -2512,7 +6772,7 @@
           <p:cNvPr id="3" name="Tijdelijke aanduiding voor afbeelding 2">
             <a:extLst>
               <a:ext uri="{FF2B5EF4-FFF2-40B4-BE49-F238E27FC236}">
-                <a16:creationId xmlns:a16="http://schemas.microsoft.com/office/drawing/2014/main" id="{F207B2EC-05F6-4D3C-9AD4-E1AE0375933B}"/>
+                <a16:creationId xmlns:a16="http://schemas.microsoft.com/office/drawing/2014/main" id="{476CDFC9-E9C7-4287-820C-7C4EDF52AACD}"/>
               </a:ext>
             </a:extLst>
           </p:cNvPr>
@@ -2579,7 +6839,7 @@
           <p:cNvPr id="4" name="Tijdelijke aanduiding voor tekst 3">
             <a:extLst>
               <a:ext uri="{FF2B5EF4-FFF2-40B4-BE49-F238E27FC236}">
-                <a16:creationId xmlns:a16="http://schemas.microsoft.com/office/drawing/2014/main" id="{CEDC036E-776C-45C9-8AB6-77905D9E3E20}"/>
+                <a16:creationId xmlns:a16="http://schemas.microsoft.com/office/drawing/2014/main" id="{8EDB5B27-BF0D-4E2C-89F2-967D53EF1DC2}"/>
               </a:ext>
             </a:extLst>
           </p:cNvPr>
@@ -2650,7 +6910,7 @@
           <p:cNvPr id="5" name="Tijdelijke aanduiding voor datum 4">
             <a:extLst>
               <a:ext uri="{FF2B5EF4-FFF2-40B4-BE49-F238E27FC236}">
-                <a16:creationId xmlns:a16="http://schemas.microsoft.com/office/drawing/2014/main" id="{E0A23B1A-3914-45DB-87F8-BABA758EB672}"/>
+                <a16:creationId xmlns:a16="http://schemas.microsoft.com/office/drawing/2014/main" id="{9C3B1EA0-254A-41A7-804B-36644B1986C6}"/>
               </a:ext>
             </a:extLst>
           </p:cNvPr>
@@ -2666,9 +6926,9 @@
           <a:bodyPr/>
           <a:lstStyle/>
           <a:p>
-            <a:fld id="{39D08E29-D8BC-4859-812F-1419D2259287}" type="datetimeFigureOut">
+            <a:fld id="{6DED2E69-0DF2-45C9-BF11-A5B1247170B5}" type="datetimeFigureOut">
               <a:rPr lang="nl-NL" smtClean="0"/>
-              <a:t>7-9-2020</a:t>
+              <a:t>8-9-2020</a:t>
             </a:fld>
             <a:endParaRPr lang="nl-NL"/>
           </a:p>
@@ -2679,7 +6939,7 @@
           <p:cNvPr id="6" name="Tijdelijke aanduiding voor voettekst 5">
             <a:extLst>
               <a:ext uri="{FF2B5EF4-FFF2-40B4-BE49-F238E27FC236}">
-                <a16:creationId xmlns:a16="http://schemas.microsoft.com/office/drawing/2014/main" id="{EC817F49-AB03-43CA-8DC5-6829A6CF188E}"/>
+                <a16:creationId xmlns:a16="http://schemas.microsoft.com/office/drawing/2014/main" id="{BF6F683C-76CE-4A3F-9F65-AE4E7A3BB24D}"/>
               </a:ext>
             </a:extLst>
           </p:cNvPr>
@@ -2704,7 +6964,7 @@
           <p:cNvPr id="7" name="Tijdelijke aanduiding voor dianummer 6">
             <a:extLst>
               <a:ext uri="{FF2B5EF4-FFF2-40B4-BE49-F238E27FC236}">
-                <a16:creationId xmlns:a16="http://schemas.microsoft.com/office/drawing/2014/main" id="{431961B2-D131-4758-87B1-DAFF099ECD4F}"/>
+                <a16:creationId xmlns:a16="http://schemas.microsoft.com/office/drawing/2014/main" id="{0B75DE61-0A54-4D94-B303-565700F35EF1}"/>
               </a:ext>
             </a:extLst>
           </p:cNvPr>
@@ -2720,7 +6980,7 @@
           <a:bodyPr/>
           <a:lstStyle/>
           <a:p>
-            <a:fld id="{2D1B058A-0714-4191-A948-5ED9CA49A693}" type="slidenum">
+            <a:fld id="{B0142AEA-949B-462F-AC2F-6067C85673FD}" type="slidenum">
               <a:rPr lang="nl-NL" smtClean="0"/>
               <a:t>‹nr.›</a:t>
             </a:fld>
@@ -2731,7 +6991,7 @@
     </p:spTree>
     <p:extLst>
       <p:ext uri="{BB962C8B-B14F-4D97-AF65-F5344CB8AC3E}">
-        <p14:creationId xmlns:p14="http://schemas.microsoft.com/office/powerpoint/2010/main" val="3180577327"/>
+        <p14:creationId xmlns:p14="http://schemas.microsoft.com/office/powerpoint/2010/main" val="1292199566"/>
       </p:ext>
     </p:extLst>
   </p:cSld>
@@ -2768,7 +7028,7 @@
           <p:cNvPr id="2" name="Tijdelijke aanduiding voor titel 1">
             <a:extLst>
               <a:ext uri="{FF2B5EF4-FFF2-40B4-BE49-F238E27FC236}">
-                <a16:creationId xmlns:a16="http://schemas.microsoft.com/office/drawing/2014/main" id="{BDE4D2B5-DE96-4866-A21E-37F94569042A}"/>
+                <a16:creationId xmlns:a16="http://schemas.microsoft.com/office/drawing/2014/main" id="{D4463A4A-2B5E-4F15-A73D-8401C722D347}"/>
               </a:ext>
             </a:extLst>
           </p:cNvPr>
@@ -2806,7 +7066,7 @@
           <p:cNvPr id="3" name="Tijdelijke aanduiding voor tekst 2">
             <a:extLst>
               <a:ext uri="{FF2B5EF4-FFF2-40B4-BE49-F238E27FC236}">
-                <a16:creationId xmlns:a16="http://schemas.microsoft.com/office/drawing/2014/main" id="{49957DCD-78E0-4EF3-A74D-AC6343E8DC2E}"/>
+                <a16:creationId xmlns:a16="http://schemas.microsoft.com/office/drawing/2014/main" id="{DBADD2D6-014A-4FA5-A603-0F32AB9BD369}"/>
               </a:ext>
             </a:extLst>
           </p:cNvPr>
@@ -2873,7 +7133,7 @@
           <p:cNvPr id="4" name="Tijdelijke aanduiding voor datum 3">
             <a:extLst>
               <a:ext uri="{FF2B5EF4-FFF2-40B4-BE49-F238E27FC236}">
-                <a16:creationId xmlns:a16="http://schemas.microsoft.com/office/drawing/2014/main" id="{BBF7721C-C0BA-475D-AE31-05B1DBF68A84}"/>
+                <a16:creationId xmlns:a16="http://schemas.microsoft.com/office/drawing/2014/main" id="{A53B5BC5-64A6-4D09-828E-6D9C8F4D01CE}"/>
               </a:ext>
             </a:extLst>
           </p:cNvPr>
@@ -2907,9 +7167,9 @@
             </a:lvl1pPr>
           </a:lstStyle>
           <a:p>
-            <a:fld id="{39D08E29-D8BC-4859-812F-1419D2259287}" type="datetimeFigureOut">
+            <a:fld id="{6DED2E69-0DF2-45C9-BF11-A5B1247170B5}" type="datetimeFigureOut">
               <a:rPr lang="nl-NL" smtClean="0"/>
-              <a:t>7-9-2020</a:t>
+              <a:t>8-9-2020</a:t>
             </a:fld>
             <a:endParaRPr lang="nl-NL"/>
           </a:p>
@@ -2920,7 +7180,7 @@
           <p:cNvPr id="5" name="Tijdelijke aanduiding voor voettekst 4">
             <a:extLst>
               <a:ext uri="{FF2B5EF4-FFF2-40B4-BE49-F238E27FC236}">
-                <a16:creationId xmlns:a16="http://schemas.microsoft.com/office/drawing/2014/main" id="{5B9E8A07-69E2-4396-B511-20CB21E295D4}"/>
+                <a16:creationId xmlns:a16="http://schemas.microsoft.com/office/drawing/2014/main" id="{D233C225-F065-415E-9DEA-1824C010F30C}"/>
               </a:ext>
             </a:extLst>
           </p:cNvPr>
@@ -2963,7 +7223,7 @@
           <p:cNvPr id="6" name="Tijdelijke aanduiding voor dianummer 5">
             <a:extLst>
               <a:ext uri="{FF2B5EF4-FFF2-40B4-BE49-F238E27FC236}">
-                <a16:creationId xmlns:a16="http://schemas.microsoft.com/office/drawing/2014/main" id="{06E4508A-3FD9-48BE-9EE3-A86BBAE1796E}"/>
+                <a16:creationId xmlns:a16="http://schemas.microsoft.com/office/drawing/2014/main" id="{858EF9F9-F9C7-4643-BCF8-F3BA66CBE9CE}"/>
               </a:ext>
             </a:extLst>
           </p:cNvPr>
@@ -2997,7 +7257,7 @@
             </a:lvl1pPr>
           </a:lstStyle>
           <a:p>
-            <a:fld id="{2D1B058A-0714-4191-A948-5ED9CA49A693}" type="slidenum">
+            <a:fld id="{B0142AEA-949B-462F-AC2F-6067C85673FD}" type="slidenum">
               <a:rPr lang="nl-NL" smtClean="0"/>
               <a:t>‹nr.›</a:t>
             </a:fld>
@@ -3008,7 +7268,7 @@
     </p:spTree>
     <p:extLst>
       <p:ext uri="{BB962C8B-B14F-4D97-AF65-F5344CB8AC3E}">
-        <p14:creationId xmlns:p14="http://schemas.microsoft.com/office/powerpoint/2010/main" val="3425483147"/>
+        <p14:creationId xmlns:p14="http://schemas.microsoft.com/office/powerpoint/2010/main" val="3727968321"/>
       </p:ext>
     </p:extLst>
   </p:cSld>
@@ -3309,9 +7569,39 @@
 </p:sldMaster>
 </file>
 
-<file path=ppt/slides/slide1.xml><?xml version="1.0" encoding="utf-8"?>
-<p:sld xmlns:a="http://schemas.openxmlformats.org/drawingml/2006/main" xmlns:r="http://schemas.openxmlformats.org/officeDocument/2006/relationships" xmlns:p="http://schemas.openxmlformats.org/presentationml/2006/main">
+<file path=ppt/slideMasters/slideMaster2.xml><?xml version="1.0" encoding="utf-8"?>
+<p:sldMaster xmlns:a="http://schemas.openxmlformats.org/drawingml/2006/main" xmlns:r="http://schemas.openxmlformats.org/officeDocument/2006/relationships" xmlns:p="http://schemas.openxmlformats.org/presentationml/2006/main" preserve="1">
   <p:cSld>
+    <p:bg>
+      <p:bgPr>
+        <a:gradFill flip="none" rotWithShape="1">
+          <a:gsLst>
+            <a:gs pos="0">
+              <a:schemeClr val="accent3">
+                <a:lumMod val="0"/>
+                <a:lumOff val="100000"/>
+              </a:schemeClr>
+            </a:gs>
+            <a:gs pos="35000">
+              <a:schemeClr val="accent3">
+                <a:lumMod val="0"/>
+                <a:lumOff val="100000"/>
+              </a:schemeClr>
+            </a:gs>
+            <a:gs pos="100000">
+              <a:schemeClr val="bg1">
+                <a:lumMod val="75000"/>
+              </a:schemeClr>
+            </a:gs>
+          </a:gsLst>
+          <a:path path="circle">
+            <a:fillToRect l="50000" t="-80000" r="50000" b="180000"/>
+          </a:path>
+          <a:tileRect/>
+        </a:gradFill>
+        <a:effectLst/>
+      </p:bgPr>
+    </p:bg>
     <p:spTree>
       <p:nvGrpSpPr>
         <p:cNvPr id="1" name=""/>
@@ -3328,71 +7618,580 @@
       </p:grpSpPr>
       <p:sp>
         <p:nvSpPr>
-          <p:cNvPr id="2" name="Titel 1">
-            <a:extLst>
-              <a:ext uri="{FF2B5EF4-FFF2-40B4-BE49-F238E27FC236}">
-                <a16:creationId xmlns:a16="http://schemas.microsoft.com/office/drawing/2014/main" id="{66A1D00C-1CD1-4296-B3BC-1A181735C0AC}"/>
-              </a:ext>
-            </a:extLst>
-          </p:cNvPr>
-          <p:cNvSpPr>
-            <a:spLocks noGrp="1"/>
-          </p:cNvSpPr>
-          <p:nvPr>
-            <p:ph type="ctrTitle"/>
-          </p:nvPr>
-        </p:nvSpPr>
-        <p:spPr/>
-        <p:txBody>
-          <a:bodyPr/>
+          <p:cNvPr id="2" name="Tijdelijke aanduiding voor titel 1"/>
+          <p:cNvSpPr>
+            <a:spLocks noGrp="1"/>
+          </p:cNvSpPr>
+          <p:nvPr>
+            <p:ph type="title"/>
+          </p:nvPr>
+        </p:nvSpPr>
+        <p:spPr>
+          <a:xfrm>
+            <a:off x="825909" y="274638"/>
+            <a:ext cx="10555912" cy="1143000"/>
+          </a:xfrm>
+          <a:prstGeom prst="rect">
+            <a:avLst/>
+          </a:prstGeom>
+        </p:spPr>
+        <p:txBody>
+          <a:bodyPr vert="horz" lIns="91440" tIns="45720" rIns="91440" bIns="45720" rtlCol="0" anchor="ctr">
+            <a:normAutofit/>
+          </a:bodyPr>
           <a:lstStyle/>
           <a:p>
             <a:r>
               <a:rPr lang="nl-NL" dirty="0"/>
-              <a:t>Technology Stack</a:t>
-            </a:r>
-          </a:p>
-        </p:txBody>
-      </p:sp>
-      <p:sp>
-        <p:nvSpPr>
-          <p:cNvPr id="3" name="Ondertitel 2">
-            <a:extLst>
-              <a:ext uri="{FF2B5EF4-FFF2-40B4-BE49-F238E27FC236}">
-                <a16:creationId xmlns:a16="http://schemas.microsoft.com/office/drawing/2014/main" id="{C0C656F8-374F-4FB6-B676-B7C64E7C1C0A}"/>
-              </a:ext>
-            </a:extLst>
-          </p:cNvPr>
-          <p:cNvSpPr>
-            <a:spLocks noGrp="1"/>
-          </p:cNvSpPr>
-          <p:nvPr>
-            <p:ph type="subTitle" idx="1"/>
-          </p:nvPr>
-        </p:nvSpPr>
-        <p:spPr/>
-        <p:txBody>
-          <a:bodyPr/>
+              <a:t>Klik om de stijl te bewerken</a:t>
+            </a:r>
+            <a:endParaRPr lang="en-GB" dirty="0"/>
+          </a:p>
+        </p:txBody>
+      </p:sp>
+      <p:sp>
+        <p:nvSpPr>
+          <p:cNvPr id="3" name="Tijdelijke aanduiding voor tekst 2"/>
+          <p:cNvSpPr>
+            <a:spLocks noGrp="1"/>
+          </p:cNvSpPr>
+          <p:nvPr>
+            <p:ph type="body" idx="1"/>
+          </p:nvPr>
+        </p:nvSpPr>
+        <p:spPr>
+          <a:xfrm>
+            <a:off x="825912" y="1600206"/>
+            <a:ext cx="10555913" cy="4525963"/>
+          </a:xfrm>
+          <a:prstGeom prst="rect">
+            <a:avLst/>
+          </a:prstGeom>
+        </p:spPr>
+        <p:txBody>
+          <a:bodyPr vert="horz" lIns="91440" tIns="45720" rIns="91440" bIns="45720" rtlCol="0" anchor="ctr">
+            <a:normAutofit/>
+          </a:bodyPr>
           <a:lstStyle/>
           <a:p>
-            <a:r>
-              <a:rPr lang="en-US" dirty="0"/>
-              <a:t>Language + Framework (e.g., Ruby on Rails, Scala + Play, NodeJS + Express) </a:t>
-            </a:r>
-            <a:endParaRPr lang="nl-NL" dirty="0"/>
+            <a:pPr lvl="0"/>
+            <a:r>
+              <a:rPr lang="nl-NL" dirty="0"/>
+              <a:t>Klik om de modelstijlen te bewerken</a:t>
+            </a:r>
+          </a:p>
+          <a:p>
+            <a:pPr lvl="1"/>
+            <a:r>
+              <a:rPr lang="nl-NL" dirty="0"/>
+              <a:t>Tweede niveau</a:t>
+            </a:r>
+          </a:p>
+          <a:p>
+            <a:pPr lvl="2"/>
+            <a:r>
+              <a:rPr lang="nl-NL" dirty="0"/>
+              <a:t>Derde niveau</a:t>
+            </a:r>
+          </a:p>
+          <a:p>
+            <a:pPr lvl="3"/>
+            <a:r>
+              <a:rPr lang="nl-NL" dirty="0"/>
+              <a:t>Vierde niveau</a:t>
+            </a:r>
+          </a:p>
+          <a:p>
+            <a:pPr lvl="4"/>
+            <a:r>
+              <a:rPr lang="nl-NL" dirty="0"/>
+              <a:t>Vijfde niveau</a:t>
+            </a:r>
+            <a:endParaRPr lang="en-GB" dirty="0"/>
+          </a:p>
+        </p:txBody>
+      </p:sp>
+      <p:sp>
+        <p:nvSpPr>
+          <p:cNvPr id="4" name="Tijdelijke aanduiding voor datum 3"/>
+          <p:cNvSpPr>
+            <a:spLocks noGrp="1"/>
+          </p:cNvSpPr>
+          <p:nvPr>
+            <p:ph type="dt" sz="half" idx="2"/>
+          </p:nvPr>
+        </p:nvSpPr>
+        <p:spPr>
+          <a:xfrm>
+            <a:off x="1978405" y="6356371"/>
+            <a:ext cx="2844800" cy="365125"/>
+          </a:xfrm>
+          <a:prstGeom prst="rect">
+            <a:avLst/>
+          </a:prstGeom>
+        </p:spPr>
+        <p:txBody>
+          <a:bodyPr vert="horz" lIns="91440" tIns="45720" rIns="91440" bIns="45720" rtlCol="0" anchor="ctr"/>
+          <a:lstStyle>
+            <a:lvl1pPr algn="l">
+              <a:defRPr sz="506">
+                <a:solidFill>
+                  <a:schemeClr val="tx1">
+                    <a:tint val="75000"/>
+                  </a:schemeClr>
+                </a:solidFill>
+              </a:defRPr>
+            </a:lvl1pPr>
+          </a:lstStyle>
+          <a:p>
+            <a:fld id="{CEABF1AE-BCD2-4B36-ACBE-2E827CF1AD38}" type="datetimeFigureOut">
+              <a:rPr lang="nl-NL" smtClean="0"/>
+              <a:t>8-9-2020</a:t>
+            </a:fld>
+            <a:endParaRPr lang="nl-NL"/>
+          </a:p>
+        </p:txBody>
+      </p:sp>
+      <p:sp>
+        <p:nvSpPr>
+          <p:cNvPr id="5" name="Tijdelijke aanduiding voor voettekst 4"/>
+          <p:cNvSpPr>
+            <a:spLocks noGrp="1"/>
+          </p:cNvSpPr>
+          <p:nvPr>
+            <p:ph type="ftr" sz="quarter" idx="3"/>
+          </p:nvPr>
+        </p:nvSpPr>
+        <p:spPr>
+          <a:xfrm>
+            <a:off x="4165600" y="14565"/>
+            <a:ext cx="3860800" cy="365125"/>
+          </a:xfrm>
+          <a:prstGeom prst="rect">
+            <a:avLst/>
+          </a:prstGeom>
+        </p:spPr>
+        <p:txBody>
+          <a:bodyPr vert="horz" lIns="91440" tIns="45720" rIns="91440" bIns="45720" rtlCol="0" anchor="ctr"/>
+          <a:lstStyle>
+            <a:lvl1pPr algn="ctr">
+              <a:defRPr sz="675">
+                <a:solidFill>
+                  <a:schemeClr val="tx1">
+                    <a:tint val="75000"/>
+                  </a:schemeClr>
+                </a:solidFill>
+                <a:latin typeface="Segoe UI Light" panose="020B0502040204020203" pitchFamily="34" charset="0"/>
+                <a:cs typeface="Segoe UI Light" panose="020B0502040204020203" pitchFamily="34" charset="0"/>
+              </a:defRPr>
+            </a:lvl1pPr>
+          </a:lstStyle>
+          <a:p>
+            <a:endParaRPr lang="nl-NL"/>
+          </a:p>
+        </p:txBody>
+      </p:sp>
+      <p:sp>
+        <p:nvSpPr>
+          <p:cNvPr id="6" name="Tijdelijke aanduiding voor dianummer 5"/>
+          <p:cNvSpPr>
+            <a:spLocks noGrp="1"/>
+          </p:cNvSpPr>
+          <p:nvPr>
+            <p:ph type="sldNum" sz="quarter" idx="4"/>
+          </p:nvPr>
+        </p:nvSpPr>
+        <p:spPr>
+          <a:xfrm>
+            <a:off x="7367587" y="6356371"/>
+            <a:ext cx="2844800" cy="365125"/>
+          </a:xfrm>
+          <a:prstGeom prst="rect">
+            <a:avLst/>
+          </a:prstGeom>
+        </p:spPr>
+        <p:txBody>
+          <a:bodyPr vert="horz" lIns="91440" tIns="45720" rIns="91440" bIns="45720" rtlCol="0" anchor="ctr"/>
+          <a:lstStyle>
+            <a:lvl1pPr algn="r">
+              <a:defRPr sz="506">
+                <a:solidFill>
+                  <a:schemeClr val="tx1">
+                    <a:tint val="75000"/>
+                  </a:schemeClr>
+                </a:solidFill>
+              </a:defRPr>
+            </a:lvl1pPr>
+          </a:lstStyle>
+          <a:p>
+            <a:fld id="{9466B1D8-05B1-494B-8E57-2B5F8FBC7640}" type="slidenum">
+              <a:rPr lang="nl-NL" smtClean="0"/>
+              <a:t>‹nr.›</a:t>
+            </a:fld>
+            <a:endParaRPr lang="nl-NL"/>
           </a:p>
         </p:txBody>
       </p:sp>
     </p:spTree>
     <p:extLst>
       <p:ext uri="{BB962C8B-B14F-4D97-AF65-F5344CB8AC3E}">
-        <p14:creationId xmlns:p14="http://schemas.microsoft.com/office/powerpoint/2010/main" val="696670392"/>
+        <p14:creationId xmlns:p14="http://schemas.microsoft.com/office/powerpoint/2010/main" val="4099866582"/>
+      </p:ext>
+    </p:extLst>
+  </p:cSld>
+  <p:clrMap bg1="lt1" tx1="dk1" bg2="lt2" tx2="dk2" accent1="accent1" accent2="accent2" accent3="accent3" accent4="accent4" accent5="accent5" accent6="accent6" hlink="hlink" folHlink="folHlink"/>
+  <p:sldLayoutIdLst>
+    <p:sldLayoutId id="2147483661" r:id="rId1"/>
+    <p:sldLayoutId id="2147483662" r:id="rId2"/>
+    <p:sldLayoutId id="2147483663" r:id="rId3"/>
+    <p:sldLayoutId id="2147483664" r:id="rId4"/>
+    <p:sldLayoutId id="2147483665" r:id="rId5"/>
+    <p:sldLayoutId id="2147483666" r:id="rId6"/>
+    <p:sldLayoutId id="2147483667" r:id="rId7"/>
+    <p:sldLayoutId id="2147483668" r:id="rId8"/>
+    <p:sldLayoutId id="2147483669" r:id="rId9"/>
+    <p:sldLayoutId id="2147483670" r:id="rId10"/>
+    <p:sldLayoutId id="2147483671" r:id="rId11"/>
+    <p:sldLayoutId id="2147483672" r:id="rId12"/>
+  </p:sldLayoutIdLst>
+  <mc:AlternateContent xmlns:mc="http://schemas.openxmlformats.org/markup-compatibility/2006" xmlns:p14="http://schemas.microsoft.com/office/powerpoint/2010/main">
+    <mc:Choice Requires="p14">
+      <p:transition spd="slow" p14:dur="800">
+        <p14:flythrough dir="out"/>
+      </p:transition>
+    </mc:Choice>
+    <mc:Fallback xmlns="">
+      <p:transition spd="slow">
+        <p:fade/>
+      </p:transition>
+    </mc:Fallback>
+  </mc:AlternateContent>
+  <p:txStyles>
+    <p:titleStyle>
+      <a:lvl1pPr algn="ctr" defTabSz="385763" rtl="0" eaLnBrk="1" latinLnBrk="0" hangingPunct="1">
+        <a:spcBef>
+          <a:spcPct val="0"/>
+        </a:spcBef>
+        <a:buNone/>
+        <a:defRPr sz="3300" kern="1200">
+          <a:solidFill>
+            <a:schemeClr val="tx1"/>
+          </a:solidFill>
+          <a:latin typeface="Segoe UI Light" panose="020B0502040204020203" pitchFamily="34" charset="0"/>
+          <a:ea typeface="+mj-ea"/>
+          <a:cs typeface="Segoe UI Light" panose="020B0502040204020203" pitchFamily="34" charset="0"/>
+        </a:defRPr>
+      </a:lvl1pPr>
+    </p:titleStyle>
+    <p:bodyStyle>
+      <a:lvl1pPr marL="144661" indent="-144661" algn="l" defTabSz="385763" rtl="0" eaLnBrk="1" latinLnBrk="0" hangingPunct="1">
+        <a:spcBef>
+          <a:spcPct val="20000"/>
+        </a:spcBef>
+        <a:buFont typeface="Arial" panose="020B0604020202020204" pitchFamily="34" charset="0"/>
+        <a:buChar char="•"/>
+        <a:defRPr sz="2100" kern="1200">
+          <a:solidFill>
+            <a:schemeClr val="tx1"/>
+          </a:solidFill>
+          <a:latin typeface="Segoe UI Semilight" panose="020B0402040204020203" pitchFamily="34" charset="0"/>
+          <a:ea typeface="+mn-ea"/>
+          <a:cs typeface="Segoe UI Semilight" panose="020B0402040204020203" pitchFamily="34" charset="0"/>
+        </a:defRPr>
+      </a:lvl1pPr>
+      <a:lvl2pPr marL="313433" indent="-120551" algn="l" defTabSz="385763" rtl="0" eaLnBrk="1" latinLnBrk="0" hangingPunct="1">
+        <a:spcBef>
+          <a:spcPct val="20000"/>
+        </a:spcBef>
+        <a:buFont typeface="Arial" panose="020B0604020202020204" pitchFamily="34" charset="0"/>
+        <a:buChar char="–"/>
+        <a:defRPr sz="1800" kern="1200">
+          <a:solidFill>
+            <a:schemeClr val="tx1"/>
+          </a:solidFill>
+          <a:latin typeface="Segoe UI Semilight" panose="020B0402040204020203" pitchFamily="34" charset="0"/>
+          <a:ea typeface="+mn-ea"/>
+          <a:cs typeface="Segoe UI Semilight" panose="020B0402040204020203" pitchFamily="34" charset="0"/>
+        </a:defRPr>
+      </a:lvl2pPr>
+      <a:lvl3pPr marL="482204" indent="-96441" algn="l" defTabSz="385763" rtl="0" eaLnBrk="1" latinLnBrk="0" hangingPunct="1">
+        <a:spcBef>
+          <a:spcPct val="20000"/>
+        </a:spcBef>
+        <a:buFont typeface="Arial" panose="020B0604020202020204" pitchFamily="34" charset="0"/>
+        <a:buChar char="•"/>
+        <a:defRPr sz="1500" kern="1200">
+          <a:solidFill>
+            <a:schemeClr val="tx1"/>
+          </a:solidFill>
+          <a:latin typeface="Segoe UI Semilight" panose="020B0402040204020203" pitchFamily="34" charset="0"/>
+          <a:ea typeface="+mn-ea"/>
+          <a:cs typeface="Segoe UI Semilight" panose="020B0402040204020203" pitchFamily="34" charset="0"/>
+        </a:defRPr>
+      </a:lvl3pPr>
+      <a:lvl4pPr marL="675085" indent="-96441" algn="l" defTabSz="385763" rtl="0" eaLnBrk="1" latinLnBrk="0" hangingPunct="1">
+        <a:spcBef>
+          <a:spcPct val="20000"/>
+        </a:spcBef>
+        <a:buFont typeface="Arial" panose="020B0604020202020204" pitchFamily="34" charset="0"/>
+        <a:buChar char="–"/>
+        <a:defRPr sz="1350" kern="1200">
+          <a:solidFill>
+            <a:schemeClr val="tx1"/>
+          </a:solidFill>
+          <a:latin typeface="Segoe UI Semilight" panose="020B0402040204020203" pitchFamily="34" charset="0"/>
+          <a:ea typeface="+mn-ea"/>
+          <a:cs typeface="Segoe UI Semilight" panose="020B0402040204020203" pitchFamily="34" charset="0"/>
+        </a:defRPr>
+      </a:lvl4pPr>
+      <a:lvl5pPr marL="867966" indent="-96441" algn="l" defTabSz="385763" rtl="0" eaLnBrk="1" latinLnBrk="0" hangingPunct="1">
+        <a:spcBef>
+          <a:spcPct val="20000"/>
+        </a:spcBef>
+        <a:buFont typeface="Arial" panose="020B0604020202020204" pitchFamily="34" charset="0"/>
+        <a:buChar char="»"/>
+        <a:defRPr sz="1350" kern="1200">
+          <a:solidFill>
+            <a:schemeClr val="tx1"/>
+          </a:solidFill>
+          <a:latin typeface="Segoe UI Semilight" panose="020B0402040204020203" pitchFamily="34" charset="0"/>
+          <a:ea typeface="+mn-ea"/>
+          <a:cs typeface="Segoe UI Semilight" panose="020B0402040204020203" pitchFamily="34" charset="0"/>
+        </a:defRPr>
+      </a:lvl5pPr>
+      <a:lvl6pPr marL="1060847" indent="-96441" algn="l" defTabSz="385763" rtl="0" eaLnBrk="1" latinLnBrk="0" hangingPunct="1">
+        <a:spcBef>
+          <a:spcPct val="20000"/>
+        </a:spcBef>
+        <a:buFont typeface="Arial" panose="020B0604020202020204" pitchFamily="34" charset="0"/>
+        <a:buChar char="•"/>
+        <a:defRPr sz="844" kern="1200">
+          <a:solidFill>
+            <a:schemeClr val="tx1"/>
+          </a:solidFill>
+          <a:latin typeface="+mn-lt"/>
+          <a:ea typeface="+mn-ea"/>
+          <a:cs typeface="+mn-cs"/>
+        </a:defRPr>
+      </a:lvl6pPr>
+      <a:lvl7pPr marL="1253729" indent="-96441" algn="l" defTabSz="385763" rtl="0" eaLnBrk="1" latinLnBrk="0" hangingPunct="1">
+        <a:spcBef>
+          <a:spcPct val="20000"/>
+        </a:spcBef>
+        <a:buFont typeface="Arial" panose="020B0604020202020204" pitchFamily="34" charset="0"/>
+        <a:buChar char="•"/>
+        <a:defRPr sz="844" kern="1200">
+          <a:solidFill>
+            <a:schemeClr val="tx1"/>
+          </a:solidFill>
+          <a:latin typeface="+mn-lt"/>
+          <a:ea typeface="+mn-ea"/>
+          <a:cs typeface="+mn-cs"/>
+        </a:defRPr>
+      </a:lvl7pPr>
+      <a:lvl8pPr marL="1446610" indent="-96441" algn="l" defTabSz="385763" rtl="0" eaLnBrk="1" latinLnBrk="0" hangingPunct="1">
+        <a:spcBef>
+          <a:spcPct val="20000"/>
+        </a:spcBef>
+        <a:buFont typeface="Arial" panose="020B0604020202020204" pitchFamily="34" charset="0"/>
+        <a:buChar char="•"/>
+        <a:defRPr sz="844" kern="1200">
+          <a:solidFill>
+            <a:schemeClr val="tx1"/>
+          </a:solidFill>
+          <a:latin typeface="+mn-lt"/>
+          <a:ea typeface="+mn-ea"/>
+          <a:cs typeface="+mn-cs"/>
+        </a:defRPr>
+      </a:lvl8pPr>
+      <a:lvl9pPr marL="1639491" indent="-96441" algn="l" defTabSz="385763" rtl="0" eaLnBrk="1" latinLnBrk="0" hangingPunct="1">
+        <a:spcBef>
+          <a:spcPct val="20000"/>
+        </a:spcBef>
+        <a:buFont typeface="Arial" panose="020B0604020202020204" pitchFamily="34" charset="0"/>
+        <a:buChar char="•"/>
+        <a:defRPr sz="844" kern="1200">
+          <a:solidFill>
+            <a:schemeClr val="tx1"/>
+          </a:solidFill>
+          <a:latin typeface="+mn-lt"/>
+          <a:ea typeface="+mn-ea"/>
+          <a:cs typeface="+mn-cs"/>
+        </a:defRPr>
+      </a:lvl9pPr>
+    </p:bodyStyle>
+    <p:otherStyle>
+      <a:defPPr>
+        <a:defRPr lang="en-US"/>
+      </a:defPPr>
+      <a:lvl1pPr marL="0" algn="l" defTabSz="385763" rtl="0" eaLnBrk="1" latinLnBrk="0" hangingPunct="1">
+        <a:defRPr sz="760" kern="1200">
+          <a:solidFill>
+            <a:schemeClr val="tx1"/>
+          </a:solidFill>
+          <a:latin typeface="+mn-lt"/>
+          <a:ea typeface="+mn-ea"/>
+          <a:cs typeface="+mn-cs"/>
+        </a:defRPr>
+      </a:lvl1pPr>
+      <a:lvl2pPr marL="192881" algn="l" defTabSz="385763" rtl="0" eaLnBrk="1" latinLnBrk="0" hangingPunct="1">
+        <a:defRPr sz="760" kern="1200">
+          <a:solidFill>
+            <a:schemeClr val="tx1"/>
+          </a:solidFill>
+          <a:latin typeface="+mn-lt"/>
+          <a:ea typeface="+mn-ea"/>
+          <a:cs typeface="+mn-cs"/>
+        </a:defRPr>
+      </a:lvl2pPr>
+      <a:lvl3pPr marL="385763" algn="l" defTabSz="385763" rtl="0" eaLnBrk="1" latinLnBrk="0" hangingPunct="1">
+        <a:defRPr sz="760" kern="1200">
+          <a:solidFill>
+            <a:schemeClr val="tx1"/>
+          </a:solidFill>
+          <a:latin typeface="+mn-lt"/>
+          <a:ea typeface="+mn-ea"/>
+          <a:cs typeface="+mn-cs"/>
+        </a:defRPr>
+      </a:lvl3pPr>
+      <a:lvl4pPr marL="578644" algn="l" defTabSz="385763" rtl="0" eaLnBrk="1" latinLnBrk="0" hangingPunct="1">
+        <a:defRPr sz="760" kern="1200">
+          <a:solidFill>
+            <a:schemeClr val="tx1"/>
+          </a:solidFill>
+          <a:latin typeface="+mn-lt"/>
+          <a:ea typeface="+mn-ea"/>
+          <a:cs typeface="+mn-cs"/>
+        </a:defRPr>
+      </a:lvl4pPr>
+      <a:lvl5pPr marL="771525" algn="l" defTabSz="385763" rtl="0" eaLnBrk="1" latinLnBrk="0" hangingPunct="1">
+        <a:defRPr sz="760" kern="1200">
+          <a:solidFill>
+            <a:schemeClr val="tx1"/>
+          </a:solidFill>
+          <a:latin typeface="+mn-lt"/>
+          <a:ea typeface="+mn-ea"/>
+          <a:cs typeface="+mn-cs"/>
+        </a:defRPr>
+      </a:lvl5pPr>
+      <a:lvl6pPr marL="964406" algn="l" defTabSz="385763" rtl="0" eaLnBrk="1" latinLnBrk="0" hangingPunct="1">
+        <a:defRPr sz="760" kern="1200">
+          <a:solidFill>
+            <a:schemeClr val="tx1"/>
+          </a:solidFill>
+          <a:latin typeface="+mn-lt"/>
+          <a:ea typeface="+mn-ea"/>
+          <a:cs typeface="+mn-cs"/>
+        </a:defRPr>
+      </a:lvl6pPr>
+      <a:lvl7pPr marL="1157288" algn="l" defTabSz="385763" rtl="0" eaLnBrk="1" latinLnBrk="0" hangingPunct="1">
+        <a:defRPr sz="760" kern="1200">
+          <a:solidFill>
+            <a:schemeClr val="tx1"/>
+          </a:solidFill>
+          <a:latin typeface="+mn-lt"/>
+          <a:ea typeface="+mn-ea"/>
+          <a:cs typeface="+mn-cs"/>
+        </a:defRPr>
+      </a:lvl7pPr>
+      <a:lvl8pPr marL="1350169" algn="l" defTabSz="385763" rtl="0" eaLnBrk="1" latinLnBrk="0" hangingPunct="1">
+        <a:defRPr sz="760" kern="1200">
+          <a:solidFill>
+            <a:schemeClr val="tx1"/>
+          </a:solidFill>
+          <a:latin typeface="+mn-lt"/>
+          <a:ea typeface="+mn-ea"/>
+          <a:cs typeface="+mn-cs"/>
+        </a:defRPr>
+      </a:lvl8pPr>
+      <a:lvl9pPr marL="1543050" algn="l" defTabSz="385763" rtl="0" eaLnBrk="1" latinLnBrk="0" hangingPunct="1">
+        <a:defRPr sz="760" kern="1200">
+          <a:solidFill>
+            <a:schemeClr val="tx1"/>
+          </a:solidFill>
+          <a:latin typeface="+mn-lt"/>
+          <a:ea typeface="+mn-ea"/>
+          <a:cs typeface="+mn-cs"/>
+        </a:defRPr>
+      </a:lvl9pPr>
+    </p:otherStyle>
+  </p:txStyles>
+  <p:extLst>
+    <p:ext uri="{27BBF7A9-308A-43DC-89C8-2F10F3537804}">
+      <p15:sldGuideLst xmlns:p15="http://schemas.microsoft.com/office/powerpoint/2012/main">
+        <p15:guide id="1" pos="7401">
+          <p15:clr>
+            <a:srgbClr val="F26B43"/>
+          </p15:clr>
+        </p15:guide>
+        <p15:guide id="2" pos="279">
+          <p15:clr>
+            <a:srgbClr val="F26B43"/>
+          </p15:clr>
+        </p15:guide>
+        <p15:guide id="3" pos="937">
+          <p15:clr>
+            <a:srgbClr val="F26B43"/>
+          </p15:clr>
+        </p15:guide>
+        <p15:guide id="4" pos="6743">
+          <p15:clr>
+            <a:srgbClr val="F26B43"/>
+          </p15:clr>
+        </p15:guide>
+      </p15:sldGuideLst>
+    </p:ext>
+  </p:extLst>
+</p:sldMaster>
+</file>
+
+<file path=ppt/slides/slide1.xml><?xml version="1.0" encoding="utf-8"?>
+<p:sld xmlns:a="http://schemas.openxmlformats.org/drawingml/2006/main" xmlns:r="http://schemas.openxmlformats.org/officeDocument/2006/relationships" xmlns:p="http://schemas.openxmlformats.org/presentationml/2006/main">
+  <p:cSld>
+    <p:bg>
+      <p:bgPr>
+        <a:solidFill>
+          <a:schemeClr val="tx1"/>
+        </a:solidFill>
+        <a:effectLst/>
+      </p:bgPr>
+    </p:bg>
+    <p:spTree>
+      <p:nvGrpSpPr>
+        <p:cNvPr id="1" name=""/>
+        <p:cNvGrpSpPr/>
+        <p:nvPr/>
+      </p:nvGrpSpPr>
+      <p:grpSpPr>
+        <a:xfrm>
+          <a:off x="0" y="0"/>
+          <a:ext cx="0" cy="0"/>
+          <a:chOff x="0" y="0"/>
+          <a:chExt cx="0" cy="0"/>
+        </a:xfrm>
+      </p:grpSpPr>
+    </p:spTree>
+    <p:extLst>
+      <p:ext uri="{BB962C8B-B14F-4D97-AF65-F5344CB8AC3E}">
+        <p14:creationId xmlns:p14="http://schemas.microsoft.com/office/powerpoint/2010/main" val="1023688979"/>
       </p:ext>
     </p:extLst>
   </p:cSld>
   <p:clrMapOvr>
     <a:masterClrMapping/>
   </p:clrMapOvr>
+  <mc:AlternateContent xmlns:mc="http://schemas.openxmlformats.org/markup-compatibility/2006" xmlns:p14="http://schemas.microsoft.com/office/powerpoint/2010/main">
+    <mc:Choice Requires="p14">
+      <p:transition spd="slow" p14:dur="800">
+        <p14:flythrough dir="out"/>
+      </p:transition>
+    </mc:Choice>
+    <mc:Fallback xmlns="">
+      <p:transition spd="slow">
+        <p:fade/>
+      </p:transition>
+    </mc:Fallback>
+  </mc:AlternateContent>
 </p:sld>
 </file>
 
@@ -3418,7 +8217,7 @@
           <p:cNvPr id="2" name="Titel 1">
             <a:extLst>
               <a:ext uri="{FF2B5EF4-FFF2-40B4-BE49-F238E27FC236}">
-                <a16:creationId xmlns:a16="http://schemas.microsoft.com/office/drawing/2014/main" id="{66A1D00C-1CD1-4296-B3BC-1A181735C0AC}"/>
+                <a16:creationId xmlns:a16="http://schemas.microsoft.com/office/drawing/2014/main" id="{B3135F9F-554D-46E4-813E-65BFC8E7A638}"/>
               </a:ext>
             </a:extLst>
           </p:cNvPr>
@@ -3429,15 +8228,22 @@
             <p:ph type="ctrTitle"/>
           </p:nvPr>
         </p:nvSpPr>
-        <p:spPr/>
+        <p:spPr>
+          <a:xfrm>
+            <a:off x="2333767" y="2130446"/>
+            <a:ext cx="9519313" cy="1470025"/>
+          </a:xfrm>
+        </p:spPr>
         <p:txBody>
           <a:bodyPr/>
           <a:lstStyle/>
           <a:p>
-            <a:r>
-              <a:rPr lang="nl-NL" dirty="0"/>
-              <a:t>Technology Stack</a:t>
-            </a:r>
+            <a:pPr algn="l"/>
+            <a:r>
+              <a:rPr lang="nl-NL" dirty="0" err="1"/>
+              <a:t>CorPool</a:t>
+            </a:r>
+            <a:endParaRPr lang="nl-NL" dirty="0"/>
           </a:p>
         </p:txBody>
       </p:sp>
@@ -3446,7 +8252,7 @@
           <p:cNvPr id="3" name="Ondertitel 2">
             <a:extLst>
               <a:ext uri="{FF2B5EF4-FFF2-40B4-BE49-F238E27FC236}">
-                <a16:creationId xmlns:a16="http://schemas.microsoft.com/office/drawing/2014/main" id="{C0C656F8-374F-4FB6-B676-B7C64E7C1C0A}"/>
+                <a16:creationId xmlns:a16="http://schemas.microsoft.com/office/drawing/2014/main" id="{1D62DEF3-481A-44AF-84EA-82CE3BA4D295}"/>
               </a:ext>
             </a:extLst>
           </p:cNvPr>
@@ -3457,45 +8263,63 @@
             <p:ph type="subTitle" idx="1"/>
           </p:nvPr>
         </p:nvSpPr>
-        <p:spPr/>
+        <p:spPr>
+          <a:xfrm>
+            <a:off x="2333768" y="3045279"/>
+            <a:ext cx="8029432" cy="2225121"/>
+          </a:xfrm>
+        </p:spPr>
         <p:txBody>
           <a:bodyPr/>
           <a:lstStyle/>
           <a:p>
-            <a:r>
-              <a:rPr lang="fr-FR" dirty="0"/>
-              <a:t>Technologies (</a:t>
-            </a:r>
-            <a:r>
-              <a:rPr lang="fr-FR" dirty="0" err="1"/>
-              <a:t>RabbitMQ</a:t>
-            </a:r>
-            <a:r>
-              <a:rPr lang="fr-FR" dirty="0"/>
-              <a:t>, </a:t>
-            </a:r>
-            <a:r>
-              <a:rPr lang="fr-FR" dirty="0" err="1"/>
-              <a:t>ETCd</a:t>
-            </a:r>
-            <a:r>
-              <a:rPr lang="fr-FR" dirty="0"/>
-              <a:t>, Consul, etc.) </a:t>
-            </a:r>
+            <a:pPr algn="l"/>
+            <a:r>
+              <a:rPr lang="nl-NL" dirty="0"/>
+              <a:t>… Corporate Carpooling as a Service</a:t>
+            </a:r>
+          </a:p>
+          <a:p>
+            <a:pPr algn="l"/>
+            <a:br>
+              <a:rPr lang="nl-NL" dirty="0"/>
+            </a:br>
+            <a:br>
+              <a:rPr lang="nl-NL" dirty="0"/>
+            </a:br>
             <a:endParaRPr lang="nl-NL" dirty="0"/>
+          </a:p>
+          <a:p>
+            <a:pPr algn="l"/>
+            <a:r>
+              <a:rPr lang="nl-NL" dirty="0"/>
+              <a:t>Group 7: Sjouke de Vries &amp; Floris Westerman</a:t>
+            </a:r>
           </a:p>
         </p:txBody>
       </p:sp>
     </p:spTree>
     <p:extLst>
       <p:ext uri="{BB962C8B-B14F-4D97-AF65-F5344CB8AC3E}">
-        <p14:creationId xmlns:p14="http://schemas.microsoft.com/office/powerpoint/2010/main" val="3002114993"/>
+        <p14:creationId xmlns:p14="http://schemas.microsoft.com/office/powerpoint/2010/main" val="2327627298"/>
       </p:ext>
     </p:extLst>
   </p:cSld>
   <p:clrMapOvr>
     <a:masterClrMapping/>
   </p:clrMapOvr>
+  <mc:AlternateContent xmlns:mc="http://schemas.openxmlformats.org/markup-compatibility/2006" xmlns:p14="http://schemas.microsoft.com/office/powerpoint/2010/main">
+    <mc:Choice Requires="p14">
+      <p:transition spd="slow" p14:dur="800">
+        <p14:flythrough dir="out"/>
+      </p:transition>
+    </mc:Choice>
+    <mc:Fallback xmlns="">
+      <p:transition spd="slow">
+        <p:fade/>
+      </p:transition>
+    </mc:Fallback>
+  </mc:AlternateContent>
 </p:sld>
 </file>
 
@@ -3518,74 +8342,252 @@
       </p:grpSpPr>
       <p:sp>
         <p:nvSpPr>
-          <p:cNvPr id="2" name="Titel 1">
+          <p:cNvPr id="2" name="Titel 1"/>
+          <p:cNvSpPr>
+            <a:spLocks noGrp="1"/>
+          </p:cNvSpPr>
+          <p:nvPr>
+            <p:ph type="title"/>
+          </p:nvPr>
+        </p:nvSpPr>
+        <p:spPr>
+          <a:xfrm>
+            <a:off x="3220872" y="2857500"/>
+            <a:ext cx="7567683" cy="1143000"/>
+          </a:xfrm>
+        </p:spPr>
+        <p:txBody>
+          <a:bodyPr/>
+          <a:lstStyle/>
+          <a:p>
+            <a:pPr algn="l"/>
+            <a:r>
+              <a:rPr lang="nl-NL" dirty="0" err="1"/>
+              <a:t>Architectural</a:t>
+            </a:r>
+            <a:r>
+              <a:rPr lang="nl-NL" dirty="0"/>
+              <a:t> </a:t>
+            </a:r>
+            <a:r>
+              <a:rPr lang="nl-NL" dirty="0" err="1"/>
+              <a:t>Overview</a:t>
+            </a:r>
+            <a:endParaRPr lang="nl-NL" dirty="0"/>
+          </a:p>
+        </p:txBody>
+      </p:sp>
+      <p:pic>
+        <p:nvPicPr>
+          <p:cNvPr id="7" name="Afbeelding 6" descr="Afbeelding met klok&#10;&#10;Automatisch gegenereerde beschrijving">
             <a:extLst>
               <a:ext uri="{FF2B5EF4-FFF2-40B4-BE49-F238E27FC236}">
-                <a16:creationId xmlns:a16="http://schemas.microsoft.com/office/drawing/2014/main" id="{66A1D00C-1CD1-4296-B3BC-1A181735C0AC}"/>
+                <a16:creationId xmlns:a16="http://schemas.microsoft.com/office/drawing/2014/main" id="{59DBC92C-6670-462D-BA85-FF5A9D05461A}"/>
               </a:ext>
             </a:extLst>
           </p:cNvPr>
-          <p:cNvSpPr>
-            <a:spLocks noGrp="1"/>
-          </p:cNvSpPr>
-          <p:nvPr>
-            <p:ph type="ctrTitle"/>
-          </p:nvPr>
-        </p:nvSpPr>
-        <p:spPr/>
-        <p:txBody>
-          <a:bodyPr/>
-          <a:lstStyle/>
-          <a:p>
-            <a:r>
-              <a:rPr lang="nl-NL" dirty="0"/>
-              <a:t>Technology Stack</a:t>
-            </a:r>
-          </a:p>
-        </p:txBody>
-      </p:sp>
-      <p:sp>
-        <p:nvSpPr>
-          <p:cNvPr id="3" name="Ondertitel 2">
+          <p:cNvPicPr>
+            <a:picLocks noChangeAspect="1"/>
+          </p:cNvPicPr>
+          <p:nvPr/>
+        </p:nvPicPr>
+        <p:blipFill>
+          <a:blip r:embed="rId3">
             <a:extLst>
-              <a:ext uri="{FF2B5EF4-FFF2-40B4-BE49-F238E27FC236}">
-                <a16:creationId xmlns:a16="http://schemas.microsoft.com/office/drawing/2014/main" id="{C0C656F8-374F-4FB6-B676-B7C64E7C1C0A}"/>
+              <a:ext uri="{28A0092B-C50C-407E-A947-70E740481C1C}">
+                <a14:useLocalDpi xmlns:a14="http://schemas.microsoft.com/office/drawing/2010/main" val="0"/>
               </a:ext>
             </a:extLst>
-          </p:cNvPr>
-          <p:cNvSpPr>
-            <a:spLocks noGrp="1"/>
-          </p:cNvSpPr>
-          <p:nvPr>
-            <p:ph type="subTitle" idx="1"/>
-          </p:nvPr>
-        </p:nvSpPr>
-        <p:spPr/>
-        <p:txBody>
-          <a:bodyPr/>
-          <a:lstStyle/>
-          <a:p>
-            <a:r>
-              <a:rPr lang="nl-NL" dirty="0" err="1"/>
-              <a:t>Which</a:t>
-            </a:r>
-            <a:r>
-              <a:rPr lang="nl-NL" dirty="0"/>
-              <a:t> databases</a:t>
-            </a:r>
-          </a:p>
-        </p:txBody>
-      </p:sp>
+          </a:blip>
+          <a:stretch>
+            <a:fillRect/>
+          </a:stretch>
+        </p:blipFill>
+        <p:spPr>
+          <a:xfrm>
+            <a:off x="2579966" y="2267858"/>
+            <a:ext cx="6024562" cy="4590142"/>
+          </a:xfrm>
+          <a:prstGeom prst="rect">
+            <a:avLst/>
+          </a:prstGeom>
+        </p:spPr>
+      </p:pic>
     </p:spTree>
     <p:extLst>
       <p:ext uri="{BB962C8B-B14F-4D97-AF65-F5344CB8AC3E}">
-        <p14:creationId xmlns:p14="http://schemas.microsoft.com/office/powerpoint/2010/main" val="2222072366"/>
+        <p14:creationId xmlns:p14="http://schemas.microsoft.com/office/powerpoint/2010/main" val="2251518644"/>
       </p:ext>
     </p:extLst>
   </p:cSld>
   <p:clrMapOvr>
     <a:masterClrMapping/>
   </p:clrMapOvr>
+  <mc:AlternateContent xmlns:mc="http://schemas.openxmlformats.org/markup-compatibility/2006">
+    <mc:Choice xmlns:p14="http://schemas.microsoft.com/office/powerpoint/2010/main" Requires="p14">
+      <p:transition spd="slow" p14:dur="800">
+        <p14:flythrough dir="out"/>
+      </p:transition>
+    </mc:Choice>
+    <mc:Fallback>
+      <p:transition spd="slow">
+        <p:fade/>
+      </p:transition>
+    </mc:Fallback>
+  </mc:AlternateContent>
+  <p:timing>
+    <p:tnLst>
+      <p:par>
+        <p:cTn id="1" dur="indefinite" restart="never" nodeType="tmRoot">
+          <p:childTnLst>
+            <p:seq concurrent="1" nextAc="seek">
+              <p:cTn id="2" dur="indefinite" nodeType="mainSeq">
+                <p:childTnLst>
+                  <p:par>
+                    <p:cTn id="3" fill="hold">
+                      <p:stCondLst>
+                        <p:cond delay="indefinite"/>
+                      </p:stCondLst>
+                      <p:childTnLst>
+                        <p:par>
+                          <p:cTn id="4" fill="hold">
+                            <p:stCondLst>
+                              <p:cond delay="0"/>
+                            </p:stCondLst>
+                            <p:childTnLst>
+                              <p:par>
+                                <p:cTn id="5" presetID="64" presetClass="path" presetSubtype="0" decel="50000" fill="hold" grpId="0" nodeType="clickEffect">
+                                  <p:stCondLst>
+                                    <p:cond delay="0"/>
+                                  </p:stCondLst>
+                                  <p:childTnLst>
+                                    <p:animMotion origin="layout" path="M 8.33333E-7 0 L -0.00078 -0.26319 " pathEditMode="relative" rAng="0" ptsTypes="AA">
+                                      <p:cBhvr>
+                                        <p:cTn id="6" dur="500" fill="hold"/>
+                                        <p:tgtEl>
+                                          <p:spTgt spid="2"/>
+                                        </p:tgtEl>
+                                        <p:attrNameLst>
+                                          <p:attrName>ppt_x</p:attrName>
+                                          <p:attrName>ppt_y</p:attrName>
+                                        </p:attrNameLst>
+                                      </p:cBhvr>
+                                      <p:rCtr x="-39" y="-13171"/>
+                                    </p:animMotion>
+                                  </p:childTnLst>
+                                </p:cTn>
+                              </p:par>
+                              <p:par>
+                                <p:cTn id="7" presetID="12" presetClass="entr" presetSubtype="4" fill="hold" nodeType="withEffect">
+                                  <p:stCondLst>
+                                    <p:cond delay="0"/>
+                                  </p:stCondLst>
+                                  <p:childTnLst>
+                                    <p:set>
+                                      <p:cBhvr>
+                                        <p:cTn id="8" dur="1" fill="hold">
+                                          <p:stCondLst>
+                                            <p:cond delay="0"/>
+                                          </p:stCondLst>
+                                        </p:cTn>
+                                        <p:tgtEl>
+                                          <p:spTgt spid="7"/>
+                                        </p:tgtEl>
+                                        <p:attrNameLst>
+                                          <p:attrName>style.visibility</p:attrName>
+                                        </p:attrNameLst>
+                                      </p:cBhvr>
+                                      <p:to>
+                                        <p:strVal val="visible"/>
+                                      </p:to>
+                                    </p:set>
+                                    <p:anim calcmode="lin" valueType="num">
+                                      <p:cBhvr additive="base">
+                                        <p:cTn id="9" dur="500"/>
+                                        <p:tgtEl>
+                                          <p:spTgt spid="7"/>
+                                        </p:tgtEl>
+                                        <p:attrNameLst>
+                                          <p:attrName>ppt_y</p:attrName>
+                                        </p:attrNameLst>
+                                      </p:cBhvr>
+                                      <p:tavLst>
+                                        <p:tav tm="0">
+                                          <p:val>
+                                            <p:strVal val="#ppt_y+#ppt_h*1.125000"/>
+                                          </p:val>
+                                        </p:tav>
+                                        <p:tav tm="100000">
+                                          <p:val>
+                                            <p:strVal val="#ppt_y"/>
+                                          </p:val>
+                                        </p:tav>
+                                      </p:tavLst>
+                                    </p:anim>
+                                    <p:animEffect transition="in" filter="wipe(up)">
+                                      <p:cBhvr>
+                                        <p:cTn id="10" dur="500"/>
+                                        <p:tgtEl>
+                                          <p:spTgt spid="7"/>
+                                        </p:tgtEl>
+                                      </p:cBhvr>
+                                    </p:animEffect>
+                                  </p:childTnLst>
+                                </p:cTn>
+                              </p:par>
+                              <p:par>
+                                <p:cTn id="11" presetID="64" presetClass="path" presetSubtype="0" decel="50000" fill="hold" nodeType="withEffect">
+                                  <p:stCondLst>
+                                    <p:cond delay="0"/>
+                                  </p:stCondLst>
+                                  <p:childTnLst>
+                                    <p:animMotion origin="layout" path="M -0.00052 0.06227 L -3.75E-6 2.22222E-6 " pathEditMode="relative" rAng="0" ptsTypes="AA">
+                                      <p:cBhvr>
+                                        <p:cTn id="12" dur="500" fill="hold"/>
+                                        <p:tgtEl>
+                                          <p:spTgt spid="7"/>
+                                        </p:tgtEl>
+                                        <p:attrNameLst>
+                                          <p:attrName>ppt_x</p:attrName>
+                                          <p:attrName>ppt_y</p:attrName>
+                                        </p:attrNameLst>
+                                      </p:cBhvr>
+                                      <p:rCtr x="26" y="-3125"/>
+                                    </p:animMotion>
+                                  </p:childTnLst>
+                                </p:cTn>
+                              </p:par>
+                            </p:childTnLst>
+                          </p:cTn>
+                        </p:par>
+                      </p:childTnLst>
+                    </p:cTn>
+                  </p:par>
+                </p:childTnLst>
+              </p:cTn>
+              <p:prevCondLst>
+                <p:cond evt="onPrev" delay="0">
+                  <p:tgtEl>
+                    <p:sldTgt/>
+                  </p:tgtEl>
+                </p:cond>
+              </p:prevCondLst>
+              <p:nextCondLst>
+                <p:cond evt="onNext" delay="0">
+                  <p:tgtEl>
+                    <p:sldTgt/>
+                  </p:tgtEl>
+                </p:cond>
+              </p:nextCondLst>
+            </p:seq>
+          </p:childTnLst>
+        </p:cTn>
+      </p:par>
+    </p:tnLst>
+    <p:bldLst>
+      <p:bldP spid="2" grpId="0"/>
+    </p:bldLst>
+  </p:timing>
 </p:sld>
 </file>
 
@@ -3608,71 +8610,430 @@
       </p:grpSpPr>
       <p:sp>
         <p:nvSpPr>
-          <p:cNvPr id="2" name="Titel 1">
+          <p:cNvPr id="2" name="Titel 1"/>
+          <p:cNvSpPr>
+            <a:spLocks noGrp="1"/>
+          </p:cNvSpPr>
+          <p:nvPr>
+            <p:ph type="title"/>
+          </p:nvPr>
+        </p:nvSpPr>
+        <p:spPr>
+          <a:xfrm>
+            <a:off x="3220872" y="2857500"/>
+            <a:ext cx="7567683" cy="1143000"/>
+          </a:xfrm>
+        </p:spPr>
+        <p:txBody>
+          <a:bodyPr/>
+          <a:lstStyle/>
+          <a:p>
+            <a:pPr algn="l"/>
+            <a:r>
+              <a:rPr lang="nl-NL" dirty="0"/>
+              <a:t>Technology Stack: .NET </a:t>
+            </a:r>
+            <a:r>
+              <a:rPr lang="nl-NL" dirty="0" err="1"/>
+              <a:t>Core</a:t>
+            </a:r>
+            <a:endParaRPr lang="nl-NL" dirty="0"/>
+          </a:p>
+        </p:txBody>
+      </p:sp>
+      <p:sp>
+        <p:nvSpPr>
+          <p:cNvPr id="3" name="Tijdelijke aanduiding voor inhoud 2">
             <a:extLst>
               <a:ext uri="{FF2B5EF4-FFF2-40B4-BE49-F238E27FC236}">
-                <a16:creationId xmlns:a16="http://schemas.microsoft.com/office/drawing/2014/main" id="{66A1D00C-1CD1-4296-B3BC-1A181735C0AC}"/>
+                <a16:creationId xmlns:a16="http://schemas.microsoft.com/office/drawing/2014/main" id="{96436896-865D-4BB5-A20E-23198F411869}"/>
               </a:ext>
             </a:extLst>
           </p:cNvPr>
-          <p:cNvSpPr>
-            <a:spLocks noGrp="1"/>
-          </p:cNvSpPr>
-          <p:nvPr>
-            <p:ph type="ctrTitle"/>
-          </p:nvPr>
-        </p:nvSpPr>
-        <p:spPr/>
-        <p:txBody>
-          <a:bodyPr/>
-          <a:lstStyle/>
-          <a:p>
+          <p:cNvSpPr txBox="1">
+            <a:spLocks/>
+          </p:cNvSpPr>
+          <p:nvPr/>
+        </p:nvSpPr>
+        <p:spPr>
+          <a:xfrm>
+            <a:off x="3220212" y="2970559"/>
+            <a:ext cx="6839500" cy="1868141"/>
+          </a:xfrm>
+          <a:prstGeom prst="rect">
+            <a:avLst/>
+          </a:prstGeom>
+          <a:ln>
+            <a:noFill/>
+          </a:ln>
+        </p:spPr>
+        <p:txBody>
+          <a:bodyPr vert="horz" lIns="91440" tIns="45720" rIns="91440" bIns="45720" rtlCol="0" anchor="t" anchorCtr="0">
+            <a:normAutofit/>
+          </a:bodyPr>
+          <a:lstStyle>
+            <a:lvl1pPr marL="144661" indent="-144661" algn="l" defTabSz="385763" rtl="0" eaLnBrk="1" latinLnBrk="0" hangingPunct="1">
+              <a:spcBef>
+                <a:spcPct val="20000"/>
+              </a:spcBef>
+              <a:buFont typeface="Arial" panose="020B0604020202020204" pitchFamily="34" charset="0"/>
+              <a:buChar char="•"/>
+              <a:defRPr sz="2100" kern="1200">
+                <a:solidFill>
+                  <a:schemeClr val="tx1"/>
+                </a:solidFill>
+                <a:latin typeface="Segoe UI Semilight" panose="020B0402040204020203" pitchFamily="34" charset="0"/>
+                <a:ea typeface="+mn-ea"/>
+                <a:cs typeface="Segoe UI Semilight" panose="020B0402040204020203" pitchFamily="34" charset="0"/>
+              </a:defRPr>
+            </a:lvl1pPr>
+            <a:lvl2pPr marL="313433" indent="-120551" algn="l" defTabSz="385763" rtl="0" eaLnBrk="1" latinLnBrk="0" hangingPunct="1">
+              <a:spcBef>
+                <a:spcPct val="20000"/>
+              </a:spcBef>
+              <a:buFont typeface="Arial" panose="020B0604020202020204" pitchFamily="34" charset="0"/>
+              <a:buChar char="–"/>
+              <a:defRPr sz="1800" kern="1200">
+                <a:solidFill>
+                  <a:schemeClr val="tx1"/>
+                </a:solidFill>
+                <a:latin typeface="Segoe UI Semilight" panose="020B0402040204020203" pitchFamily="34" charset="0"/>
+                <a:ea typeface="+mn-ea"/>
+                <a:cs typeface="Segoe UI Semilight" panose="020B0402040204020203" pitchFamily="34" charset="0"/>
+              </a:defRPr>
+            </a:lvl2pPr>
+            <a:lvl3pPr marL="482204" indent="-96441" algn="l" defTabSz="385763" rtl="0" eaLnBrk="1" latinLnBrk="0" hangingPunct="1">
+              <a:spcBef>
+                <a:spcPct val="20000"/>
+              </a:spcBef>
+              <a:buFont typeface="Arial" panose="020B0604020202020204" pitchFamily="34" charset="0"/>
+              <a:buChar char="•"/>
+              <a:defRPr sz="1500" kern="1200">
+                <a:solidFill>
+                  <a:schemeClr val="tx1"/>
+                </a:solidFill>
+                <a:latin typeface="Segoe UI Semilight" panose="020B0402040204020203" pitchFamily="34" charset="0"/>
+                <a:ea typeface="+mn-ea"/>
+                <a:cs typeface="Segoe UI Semilight" panose="020B0402040204020203" pitchFamily="34" charset="0"/>
+              </a:defRPr>
+            </a:lvl3pPr>
+            <a:lvl4pPr marL="675085" indent="-96441" algn="l" defTabSz="385763" rtl="0" eaLnBrk="1" latinLnBrk="0" hangingPunct="1">
+              <a:spcBef>
+                <a:spcPct val="20000"/>
+              </a:spcBef>
+              <a:buFont typeface="Arial" panose="020B0604020202020204" pitchFamily="34" charset="0"/>
+              <a:buChar char="–"/>
+              <a:defRPr sz="1350" kern="1200">
+                <a:solidFill>
+                  <a:schemeClr val="tx1"/>
+                </a:solidFill>
+                <a:latin typeface="Segoe UI Semilight" panose="020B0402040204020203" pitchFamily="34" charset="0"/>
+                <a:ea typeface="+mn-ea"/>
+                <a:cs typeface="Segoe UI Semilight" panose="020B0402040204020203" pitchFamily="34" charset="0"/>
+              </a:defRPr>
+            </a:lvl4pPr>
+            <a:lvl5pPr marL="867966" indent="-96441" algn="l" defTabSz="385763" rtl="0" eaLnBrk="1" latinLnBrk="0" hangingPunct="1">
+              <a:spcBef>
+                <a:spcPct val="20000"/>
+              </a:spcBef>
+              <a:buFont typeface="Arial" panose="020B0604020202020204" pitchFamily="34" charset="0"/>
+              <a:buChar char="»"/>
+              <a:defRPr sz="1350" kern="1200">
+                <a:solidFill>
+                  <a:schemeClr val="tx1"/>
+                </a:solidFill>
+                <a:latin typeface="Segoe UI Semilight" panose="020B0402040204020203" pitchFamily="34" charset="0"/>
+                <a:ea typeface="+mn-ea"/>
+                <a:cs typeface="Segoe UI Semilight" panose="020B0402040204020203" pitchFamily="34" charset="0"/>
+              </a:defRPr>
+            </a:lvl5pPr>
+            <a:lvl6pPr marL="1060847" indent="-96441" algn="l" defTabSz="385763" rtl="0" eaLnBrk="1" latinLnBrk="0" hangingPunct="1">
+              <a:spcBef>
+                <a:spcPct val="20000"/>
+              </a:spcBef>
+              <a:buFont typeface="Arial" panose="020B0604020202020204" pitchFamily="34" charset="0"/>
+              <a:buChar char="•"/>
+              <a:defRPr sz="844" kern="1200">
+                <a:solidFill>
+                  <a:schemeClr val="tx1"/>
+                </a:solidFill>
+                <a:latin typeface="+mn-lt"/>
+                <a:ea typeface="+mn-ea"/>
+                <a:cs typeface="+mn-cs"/>
+              </a:defRPr>
+            </a:lvl6pPr>
+            <a:lvl7pPr marL="1253729" indent="-96441" algn="l" defTabSz="385763" rtl="0" eaLnBrk="1" latinLnBrk="0" hangingPunct="1">
+              <a:spcBef>
+                <a:spcPct val="20000"/>
+              </a:spcBef>
+              <a:buFont typeface="Arial" panose="020B0604020202020204" pitchFamily="34" charset="0"/>
+              <a:buChar char="•"/>
+              <a:defRPr sz="844" kern="1200">
+                <a:solidFill>
+                  <a:schemeClr val="tx1"/>
+                </a:solidFill>
+                <a:latin typeface="+mn-lt"/>
+                <a:ea typeface="+mn-ea"/>
+                <a:cs typeface="+mn-cs"/>
+              </a:defRPr>
+            </a:lvl7pPr>
+            <a:lvl8pPr marL="1446610" indent="-96441" algn="l" defTabSz="385763" rtl="0" eaLnBrk="1" latinLnBrk="0" hangingPunct="1">
+              <a:spcBef>
+                <a:spcPct val="20000"/>
+              </a:spcBef>
+              <a:buFont typeface="Arial" panose="020B0604020202020204" pitchFamily="34" charset="0"/>
+              <a:buChar char="•"/>
+              <a:defRPr sz="844" kern="1200">
+                <a:solidFill>
+                  <a:schemeClr val="tx1"/>
+                </a:solidFill>
+                <a:latin typeface="+mn-lt"/>
+                <a:ea typeface="+mn-ea"/>
+                <a:cs typeface="+mn-cs"/>
+              </a:defRPr>
+            </a:lvl8pPr>
+            <a:lvl9pPr marL="1639491" indent="-96441" algn="l" defTabSz="385763" rtl="0" eaLnBrk="1" latinLnBrk="0" hangingPunct="1">
+              <a:spcBef>
+                <a:spcPct val="20000"/>
+              </a:spcBef>
+              <a:buFont typeface="Arial" panose="020B0604020202020204" pitchFamily="34" charset="0"/>
+              <a:buChar char="•"/>
+              <a:defRPr sz="844" kern="1200">
+                <a:solidFill>
+                  <a:schemeClr val="tx1"/>
+                </a:solidFill>
+                <a:latin typeface="+mn-lt"/>
+                <a:ea typeface="+mn-ea"/>
+                <a:cs typeface="+mn-cs"/>
+              </a:defRPr>
+            </a:lvl9pPr>
+          </a:lstStyle>
+          <a:p>
+            <a:pPr marL="0" indent="0">
+              <a:buNone/>
+            </a:pPr>
+            <a:r>
+              <a:rPr lang="nl-NL" dirty="0" err="1"/>
+              <a:t>Back-end</a:t>
+            </a:r>
             <a:r>
               <a:rPr lang="nl-NL" dirty="0"/>
-              <a:t>Technology Stack</a:t>
-            </a:r>
-          </a:p>
-        </p:txBody>
-      </p:sp>
-      <p:sp>
-        <p:nvSpPr>
-          <p:cNvPr id="3" name="Ondertitel 2">
-            <a:extLst>
-              <a:ext uri="{FF2B5EF4-FFF2-40B4-BE49-F238E27FC236}">
-                <a16:creationId xmlns:a16="http://schemas.microsoft.com/office/drawing/2014/main" id="{C0C656F8-374F-4FB6-B676-B7C64E7C1C0A}"/>
-              </a:ext>
-            </a:extLst>
-          </p:cNvPr>
-          <p:cNvSpPr>
-            <a:spLocks noGrp="1"/>
-          </p:cNvSpPr>
-          <p:nvPr>
-            <p:ph type="subTitle" idx="1"/>
-          </p:nvPr>
-        </p:nvSpPr>
-        <p:spPr/>
-        <p:txBody>
-          <a:bodyPr/>
-          <a:lstStyle/>
-          <a:p>
-            <a:r>
-              <a:rPr lang="en-US" dirty="0"/>
-              <a:t>How you plan to use message queues in your application</a:t>
-            </a:r>
-            <a:endParaRPr lang="nl-NL" dirty="0"/>
+              <a:t> framework</a:t>
+            </a:r>
+          </a:p>
+          <a:p>
+            <a:pPr marL="0" indent="0">
+              <a:buNone/>
+            </a:pPr>
+            <a:r>
+              <a:rPr lang="nl-NL" dirty="0"/>
+              <a:t>Cross-platform compatible</a:t>
+            </a:r>
+          </a:p>
+          <a:p>
+            <a:pPr marL="0" indent="0">
+              <a:buNone/>
+            </a:pPr>
+            <a:r>
+              <a:rPr lang="nl-NL" dirty="0"/>
+              <a:t>Easy to </a:t>
+            </a:r>
+            <a:r>
+              <a:rPr lang="nl-NL" dirty="0" err="1"/>
+              <a:t>use</a:t>
+            </a:r>
+            <a:r>
+              <a:rPr lang="nl-NL" dirty="0"/>
+              <a:t> in Docker/</a:t>
+            </a:r>
+            <a:r>
+              <a:rPr lang="nl-NL" dirty="0" err="1"/>
+              <a:t>Kubernetes</a:t>
+            </a:r>
+            <a:r>
+              <a:rPr lang="nl-NL" dirty="0"/>
+              <a:t> environments</a:t>
+            </a:r>
           </a:p>
         </p:txBody>
       </p:sp>
     </p:spTree>
     <p:extLst>
       <p:ext uri="{BB962C8B-B14F-4D97-AF65-F5344CB8AC3E}">
-        <p14:creationId xmlns:p14="http://schemas.microsoft.com/office/powerpoint/2010/main" val="2899487793"/>
+        <p14:creationId xmlns:p14="http://schemas.microsoft.com/office/powerpoint/2010/main" val="1642513949"/>
       </p:ext>
     </p:extLst>
   </p:cSld>
   <p:clrMapOvr>
     <a:masterClrMapping/>
   </p:clrMapOvr>
+  <mc:AlternateContent xmlns:mc="http://schemas.openxmlformats.org/markup-compatibility/2006">
+    <mc:Choice xmlns:p14="http://schemas.microsoft.com/office/powerpoint/2010/main" Requires="p14">
+      <p:transition spd="slow" p14:dur="800">
+        <p14:flythrough dir="out"/>
+      </p:transition>
+    </mc:Choice>
+    <mc:Fallback>
+      <p:transition spd="slow">
+        <p:fade/>
+      </p:transition>
+    </mc:Fallback>
+  </mc:AlternateContent>
+  <p:timing>
+    <p:tnLst>
+      <p:par>
+        <p:cTn id="1" dur="indefinite" restart="never" nodeType="tmRoot">
+          <p:childTnLst>
+            <p:seq concurrent="1" nextAc="seek">
+              <p:cTn id="2" dur="indefinite" nodeType="mainSeq">
+                <p:childTnLst>
+                  <p:par>
+                    <p:cTn id="3" fill="hold">
+                      <p:stCondLst>
+                        <p:cond delay="indefinite"/>
+                      </p:stCondLst>
+                      <p:childTnLst>
+                        <p:par>
+                          <p:cTn id="4" fill="hold">
+                            <p:stCondLst>
+                              <p:cond delay="0"/>
+                            </p:stCondLst>
+                            <p:childTnLst>
+                              <p:par>
+                                <p:cTn id="5" presetID="64" presetClass="path" presetSubtype="0" decel="50000" fill="hold" grpId="0" nodeType="clickEffect">
+                                  <p:stCondLst>
+                                    <p:cond delay="0"/>
+                                  </p:stCondLst>
+                                  <p:childTnLst>
+                                    <p:animMotion origin="layout" path="M 8.33333E-7 0 L -0.00052 -0.14167 " pathEditMode="relative" rAng="0" ptsTypes="AA">
+                                      <p:cBhvr>
+                                        <p:cTn id="6" dur="500" fill="hold"/>
+                                        <p:tgtEl>
+                                          <p:spTgt spid="2"/>
+                                        </p:tgtEl>
+                                        <p:attrNameLst>
+                                          <p:attrName>ppt_x</p:attrName>
+                                          <p:attrName>ppt_y</p:attrName>
+                                        </p:attrNameLst>
+                                      </p:cBhvr>
+                                      <p:rCtr x="-26" y="-7083"/>
+                                    </p:animMotion>
+                                  </p:childTnLst>
+                                </p:cTn>
+                              </p:par>
+                              <p:par>
+                                <p:cTn id="7" presetID="12" presetClass="entr" presetSubtype="4" fill="hold" grpId="0" nodeType="withEffect">
+                                  <p:stCondLst>
+                                    <p:cond delay="0"/>
+                                  </p:stCondLst>
+                                  <p:childTnLst>
+                                    <p:set>
+                                      <p:cBhvr>
+                                        <p:cTn id="8" dur="1" fill="hold">
+                                          <p:stCondLst>
+                                            <p:cond delay="0"/>
+                                          </p:stCondLst>
+                                        </p:cTn>
+                                        <p:tgtEl>
+                                          <p:spTgt spid="3"/>
+                                        </p:tgtEl>
+                                        <p:attrNameLst>
+                                          <p:attrName>style.visibility</p:attrName>
+                                        </p:attrNameLst>
+                                      </p:cBhvr>
+                                      <p:to>
+                                        <p:strVal val="visible"/>
+                                      </p:to>
+                                    </p:set>
+                                    <p:anim calcmode="lin" valueType="num">
+                                      <p:cBhvr additive="base">
+                                        <p:cTn id="9" dur="500"/>
+                                        <p:tgtEl>
+                                          <p:spTgt spid="3"/>
+                                        </p:tgtEl>
+                                        <p:attrNameLst>
+                                          <p:attrName>ppt_y</p:attrName>
+                                        </p:attrNameLst>
+                                      </p:cBhvr>
+                                      <p:tavLst>
+                                        <p:tav tm="0">
+                                          <p:val>
+                                            <p:strVal val="#ppt_y+#ppt_h*1.125000"/>
+                                          </p:val>
+                                        </p:tav>
+                                        <p:tav tm="100000">
+                                          <p:val>
+                                            <p:strVal val="#ppt_y"/>
+                                          </p:val>
+                                        </p:tav>
+                                      </p:tavLst>
+                                    </p:anim>
+                                    <p:animEffect transition="in" filter="wipe(up)">
+                                      <p:cBhvr>
+                                        <p:cTn id="10" dur="500"/>
+                                        <p:tgtEl>
+                                          <p:spTgt spid="3"/>
+                                        </p:tgtEl>
+                                      </p:cBhvr>
+                                    </p:animEffect>
+                                  </p:childTnLst>
+                                </p:cTn>
+                              </p:par>
+                              <p:par>
+                                <p:cTn id="11" presetID="64" presetClass="path" presetSubtype="0" decel="50000" fill="hold" grpId="1" nodeType="withEffect">
+                                  <p:stCondLst>
+                                    <p:cond delay="0"/>
+                                  </p:stCondLst>
+                                  <p:childTnLst>
+                                    <p:animMotion origin="layout" path="M -0.00052 0.06227 L -1.45833E-6 -2.96296E-6 " pathEditMode="relative" rAng="0" ptsTypes="AA">
+                                      <p:cBhvr>
+                                        <p:cTn id="12" dur="500" fill="hold"/>
+                                        <p:tgtEl>
+                                          <p:spTgt spid="3"/>
+                                        </p:tgtEl>
+                                        <p:attrNameLst>
+                                          <p:attrName>ppt_x</p:attrName>
+                                          <p:attrName>ppt_y</p:attrName>
+                                        </p:attrNameLst>
+                                      </p:cBhvr>
+                                      <p:rCtr x="26" y="-3125"/>
+                                    </p:animMotion>
+                                  </p:childTnLst>
+                                </p:cTn>
+                              </p:par>
+                            </p:childTnLst>
+                          </p:cTn>
+                        </p:par>
+                      </p:childTnLst>
+                    </p:cTn>
+                  </p:par>
+                </p:childTnLst>
+              </p:cTn>
+              <p:prevCondLst>
+                <p:cond evt="onPrev" delay="0">
+                  <p:tgtEl>
+                    <p:sldTgt/>
+                  </p:tgtEl>
+                </p:cond>
+              </p:prevCondLst>
+              <p:nextCondLst>
+                <p:cond evt="onNext" delay="0">
+                  <p:tgtEl>
+                    <p:sldTgt/>
+                  </p:tgtEl>
+                </p:cond>
+              </p:nextCondLst>
+            </p:seq>
+          </p:childTnLst>
+        </p:cTn>
+      </p:par>
+    </p:tnLst>
+    <p:bldLst>
+      <p:bldP spid="2" grpId="0"/>
+      <p:bldP spid="3" grpId="0"/>
+      <p:bldP spid="3" grpId="1"/>
+    </p:bldLst>
+  </p:timing>
 </p:sld>
 </file>
 
@@ -3695,57 +9056,246 @@
       </p:grpSpPr>
       <p:sp>
         <p:nvSpPr>
-          <p:cNvPr id="2" name="Titel 1">
+          <p:cNvPr id="2" name="Titel 1"/>
+          <p:cNvSpPr>
+            <a:spLocks noGrp="1"/>
+          </p:cNvSpPr>
+          <p:nvPr>
+            <p:ph type="title"/>
+          </p:nvPr>
+        </p:nvSpPr>
+        <p:spPr>
+          <a:xfrm>
+            <a:off x="3220872" y="2857500"/>
+            <a:ext cx="7567683" cy="1143000"/>
+          </a:xfrm>
+        </p:spPr>
+        <p:txBody>
+          <a:bodyPr/>
+          <a:lstStyle/>
+          <a:p>
+            <a:pPr algn="l"/>
+            <a:r>
+              <a:rPr lang="nl-NL" dirty="0"/>
+              <a:t>Technology Stack: </a:t>
+            </a:r>
+            <a:r>
+              <a:rPr lang="nl-NL" dirty="0" err="1"/>
+              <a:t>VueJS</a:t>
+            </a:r>
+            <a:endParaRPr lang="nl-NL" dirty="0"/>
+          </a:p>
+        </p:txBody>
+      </p:sp>
+      <p:sp>
+        <p:nvSpPr>
+          <p:cNvPr id="3" name="Tijdelijke aanduiding voor inhoud 2">
             <a:extLst>
               <a:ext uri="{FF2B5EF4-FFF2-40B4-BE49-F238E27FC236}">
-                <a16:creationId xmlns:a16="http://schemas.microsoft.com/office/drawing/2014/main" id="{66A1D00C-1CD1-4296-B3BC-1A181735C0AC}"/>
+                <a16:creationId xmlns:a16="http://schemas.microsoft.com/office/drawing/2014/main" id="{96436896-865D-4BB5-A20E-23198F411869}"/>
               </a:ext>
             </a:extLst>
           </p:cNvPr>
-          <p:cNvSpPr>
-            <a:spLocks noGrp="1"/>
-          </p:cNvSpPr>
-          <p:nvPr>
-            <p:ph type="ctrTitle"/>
-          </p:nvPr>
-        </p:nvSpPr>
-        <p:spPr/>
-        <p:txBody>
-          <a:bodyPr/>
-          <a:lstStyle/>
-          <a:p>
+          <p:cNvSpPr txBox="1">
+            <a:spLocks/>
+          </p:cNvSpPr>
+          <p:nvPr/>
+        </p:nvSpPr>
+        <p:spPr>
+          <a:xfrm>
+            <a:off x="3220212" y="2970559"/>
+            <a:ext cx="6839500" cy="1868141"/>
+          </a:xfrm>
+          <a:prstGeom prst="rect">
+            <a:avLst/>
+          </a:prstGeom>
+          <a:ln>
+            <a:noFill/>
+          </a:ln>
+        </p:spPr>
+        <p:txBody>
+          <a:bodyPr vert="horz" lIns="91440" tIns="45720" rIns="91440" bIns="45720" rtlCol="0" anchor="t" anchorCtr="0">
+            <a:normAutofit/>
+          </a:bodyPr>
+          <a:lstStyle>
+            <a:lvl1pPr marL="144661" indent="-144661" algn="l" defTabSz="385763" rtl="0" eaLnBrk="1" latinLnBrk="0" hangingPunct="1">
+              <a:spcBef>
+                <a:spcPct val="20000"/>
+              </a:spcBef>
+              <a:buFont typeface="Arial" panose="020B0604020202020204" pitchFamily="34" charset="0"/>
+              <a:buChar char="•"/>
+              <a:defRPr sz="2100" kern="1200">
+                <a:solidFill>
+                  <a:schemeClr val="tx1"/>
+                </a:solidFill>
+                <a:latin typeface="Segoe UI Semilight" panose="020B0402040204020203" pitchFamily="34" charset="0"/>
+                <a:ea typeface="+mn-ea"/>
+                <a:cs typeface="Segoe UI Semilight" panose="020B0402040204020203" pitchFamily="34" charset="0"/>
+              </a:defRPr>
+            </a:lvl1pPr>
+            <a:lvl2pPr marL="313433" indent="-120551" algn="l" defTabSz="385763" rtl="0" eaLnBrk="1" latinLnBrk="0" hangingPunct="1">
+              <a:spcBef>
+                <a:spcPct val="20000"/>
+              </a:spcBef>
+              <a:buFont typeface="Arial" panose="020B0604020202020204" pitchFamily="34" charset="0"/>
+              <a:buChar char="–"/>
+              <a:defRPr sz="1800" kern="1200">
+                <a:solidFill>
+                  <a:schemeClr val="tx1"/>
+                </a:solidFill>
+                <a:latin typeface="Segoe UI Semilight" panose="020B0402040204020203" pitchFamily="34" charset="0"/>
+                <a:ea typeface="+mn-ea"/>
+                <a:cs typeface="Segoe UI Semilight" panose="020B0402040204020203" pitchFamily="34" charset="0"/>
+              </a:defRPr>
+            </a:lvl2pPr>
+            <a:lvl3pPr marL="482204" indent="-96441" algn="l" defTabSz="385763" rtl="0" eaLnBrk="1" latinLnBrk="0" hangingPunct="1">
+              <a:spcBef>
+                <a:spcPct val="20000"/>
+              </a:spcBef>
+              <a:buFont typeface="Arial" panose="020B0604020202020204" pitchFamily="34" charset="0"/>
+              <a:buChar char="•"/>
+              <a:defRPr sz="1500" kern="1200">
+                <a:solidFill>
+                  <a:schemeClr val="tx1"/>
+                </a:solidFill>
+                <a:latin typeface="Segoe UI Semilight" panose="020B0402040204020203" pitchFamily="34" charset="0"/>
+                <a:ea typeface="+mn-ea"/>
+                <a:cs typeface="Segoe UI Semilight" panose="020B0402040204020203" pitchFamily="34" charset="0"/>
+              </a:defRPr>
+            </a:lvl3pPr>
+            <a:lvl4pPr marL="675085" indent="-96441" algn="l" defTabSz="385763" rtl="0" eaLnBrk="1" latinLnBrk="0" hangingPunct="1">
+              <a:spcBef>
+                <a:spcPct val="20000"/>
+              </a:spcBef>
+              <a:buFont typeface="Arial" panose="020B0604020202020204" pitchFamily="34" charset="0"/>
+              <a:buChar char="–"/>
+              <a:defRPr sz="1350" kern="1200">
+                <a:solidFill>
+                  <a:schemeClr val="tx1"/>
+                </a:solidFill>
+                <a:latin typeface="Segoe UI Semilight" panose="020B0402040204020203" pitchFamily="34" charset="0"/>
+                <a:ea typeface="+mn-ea"/>
+                <a:cs typeface="Segoe UI Semilight" panose="020B0402040204020203" pitchFamily="34" charset="0"/>
+              </a:defRPr>
+            </a:lvl4pPr>
+            <a:lvl5pPr marL="867966" indent="-96441" algn="l" defTabSz="385763" rtl="0" eaLnBrk="1" latinLnBrk="0" hangingPunct="1">
+              <a:spcBef>
+                <a:spcPct val="20000"/>
+              </a:spcBef>
+              <a:buFont typeface="Arial" panose="020B0604020202020204" pitchFamily="34" charset="0"/>
+              <a:buChar char="»"/>
+              <a:defRPr sz="1350" kern="1200">
+                <a:solidFill>
+                  <a:schemeClr val="tx1"/>
+                </a:solidFill>
+                <a:latin typeface="Segoe UI Semilight" panose="020B0402040204020203" pitchFamily="34" charset="0"/>
+                <a:ea typeface="+mn-ea"/>
+                <a:cs typeface="Segoe UI Semilight" panose="020B0402040204020203" pitchFamily="34" charset="0"/>
+              </a:defRPr>
+            </a:lvl5pPr>
+            <a:lvl6pPr marL="1060847" indent="-96441" algn="l" defTabSz="385763" rtl="0" eaLnBrk="1" latinLnBrk="0" hangingPunct="1">
+              <a:spcBef>
+                <a:spcPct val="20000"/>
+              </a:spcBef>
+              <a:buFont typeface="Arial" panose="020B0604020202020204" pitchFamily="34" charset="0"/>
+              <a:buChar char="•"/>
+              <a:defRPr sz="844" kern="1200">
+                <a:solidFill>
+                  <a:schemeClr val="tx1"/>
+                </a:solidFill>
+                <a:latin typeface="+mn-lt"/>
+                <a:ea typeface="+mn-ea"/>
+                <a:cs typeface="+mn-cs"/>
+              </a:defRPr>
+            </a:lvl6pPr>
+            <a:lvl7pPr marL="1253729" indent="-96441" algn="l" defTabSz="385763" rtl="0" eaLnBrk="1" latinLnBrk="0" hangingPunct="1">
+              <a:spcBef>
+                <a:spcPct val="20000"/>
+              </a:spcBef>
+              <a:buFont typeface="Arial" panose="020B0604020202020204" pitchFamily="34" charset="0"/>
+              <a:buChar char="•"/>
+              <a:defRPr sz="844" kern="1200">
+                <a:solidFill>
+                  <a:schemeClr val="tx1"/>
+                </a:solidFill>
+                <a:latin typeface="+mn-lt"/>
+                <a:ea typeface="+mn-ea"/>
+                <a:cs typeface="+mn-cs"/>
+              </a:defRPr>
+            </a:lvl7pPr>
+            <a:lvl8pPr marL="1446610" indent="-96441" algn="l" defTabSz="385763" rtl="0" eaLnBrk="1" latinLnBrk="0" hangingPunct="1">
+              <a:spcBef>
+                <a:spcPct val="20000"/>
+              </a:spcBef>
+              <a:buFont typeface="Arial" panose="020B0604020202020204" pitchFamily="34" charset="0"/>
+              <a:buChar char="•"/>
+              <a:defRPr sz="844" kern="1200">
+                <a:solidFill>
+                  <a:schemeClr val="tx1"/>
+                </a:solidFill>
+                <a:latin typeface="+mn-lt"/>
+                <a:ea typeface="+mn-ea"/>
+                <a:cs typeface="+mn-cs"/>
+              </a:defRPr>
+            </a:lvl8pPr>
+            <a:lvl9pPr marL="1639491" indent="-96441" algn="l" defTabSz="385763" rtl="0" eaLnBrk="1" latinLnBrk="0" hangingPunct="1">
+              <a:spcBef>
+                <a:spcPct val="20000"/>
+              </a:spcBef>
+              <a:buFont typeface="Arial" panose="020B0604020202020204" pitchFamily="34" charset="0"/>
+              <a:buChar char="•"/>
+              <a:defRPr sz="844" kern="1200">
+                <a:solidFill>
+                  <a:schemeClr val="tx1"/>
+                </a:solidFill>
+                <a:latin typeface="+mn-lt"/>
+                <a:ea typeface="+mn-ea"/>
+                <a:cs typeface="+mn-cs"/>
+              </a:defRPr>
+            </a:lvl9pPr>
+          </a:lstStyle>
+          <a:p>
+            <a:pPr marL="0" indent="0">
+              <a:buNone/>
+            </a:pPr>
+            <a:r>
+              <a:rPr lang="nl-NL" dirty="0"/>
+              <a:t>Front-end framework</a:t>
+            </a:r>
+          </a:p>
+          <a:p>
+            <a:pPr marL="0" indent="0">
+              <a:buNone/>
+            </a:pPr>
+            <a:r>
+              <a:rPr lang="nl-NL" dirty="0"/>
+              <a:t>SPA routing </a:t>
+            </a:r>
             <a:r>
               <a:rPr lang="nl-NL" dirty="0" err="1"/>
-              <a:t>Motivation</a:t>
+              <a:t>integrated</a:t>
             </a:r>
             <a:endParaRPr lang="nl-NL" dirty="0"/>
           </a:p>
-        </p:txBody>
-      </p:sp>
-      <p:sp>
-        <p:nvSpPr>
-          <p:cNvPr id="3" name="Ondertitel 2">
-            <a:extLst>
-              <a:ext uri="{FF2B5EF4-FFF2-40B4-BE49-F238E27FC236}">
-                <a16:creationId xmlns:a16="http://schemas.microsoft.com/office/drawing/2014/main" id="{C0C656F8-374F-4FB6-B676-B7C64E7C1C0A}"/>
-              </a:ext>
-            </a:extLst>
-          </p:cNvPr>
-          <p:cNvSpPr>
-            <a:spLocks noGrp="1"/>
-          </p:cNvSpPr>
-          <p:nvPr>
-            <p:ph type="subTitle" idx="1"/>
-          </p:nvPr>
-        </p:nvSpPr>
-        <p:spPr/>
-        <p:txBody>
-          <a:bodyPr/>
-          <a:lstStyle/>
-          <a:p>
-            <a:r>
-              <a:rPr lang="en-US" dirty="0"/>
-              <a:t>Short elaboration on why these technologies / databases</a:t>
+          <a:p>
+            <a:pPr marL="0" indent="0">
+              <a:buNone/>
+            </a:pPr>
+            <a:r>
+              <a:rPr lang="nl-NL" dirty="0"/>
+              <a:t>State storage </a:t>
+            </a:r>
+            <a:r>
+              <a:rPr lang="nl-NL" dirty="0" err="1"/>
+              <a:t>using</a:t>
+            </a:r>
+            <a:r>
+              <a:rPr lang="nl-NL" dirty="0"/>
+              <a:t> </a:t>
+            </a:r>
+            <a:r>
+              <a:rPr lang="nl-NL" dirty="0" err="1"/>
+              <a:t>Vuex</a:t>
             </a:r>
             <a:endParaRPr lang="nl-NL" dirty="0"/>
           </a:p>
@@ -3754,13 +9304,180 @@
     </p:spTree>
     <p:extLst>
       <p:ext uri="{BB962C8B-B14F-4D97-AF65-F5344CB8AC3E}">
-        <p14:creationId xmlns:p14="http://schemas.microsoft.com/office/powerpoint/2010/main" val="711395378"/>
+        <p14:creationId xmlns:p14="http://schemas.microsoft.com/office/powerpoint/2010/main" val="3937191108"/>
       </p:ext>
     </p:extLst>
   </p:cSld>
   <p:clrMapOvr>
     <a:masterClrMapping/>
   </p:clrMapOvr>
+  <mc:AlternateContent xmlns:mc="http://schemas.openxmlformats.org/markup-compatibility/2006">
+    <mc:Choice xmlns:p14="http://schemas.microsoft.com/office/powerpoint/2010/main" Requires="p14">
+      <p:transition spd="slow" p14:dur="800">
+        <p14:flythrough dir="out"/>
+      </p:transition>
+    </mc:Choice>
+    <mc:Fallback>
+      <p:transition spd="slow">
+        <p:fade/>
+      </p:transition>
+    </mc:Fallback>
+  </mc:AlternateContent>
+  <p:timing>
+    <p:tnLst>
+      <p:par>
+        <p:cTn id="1" dur="indefinite" restart="never" nodeType="tmRoot">
+          <p:childTnLst>
+            <p:seq concurrent="1" nextAc="seek">
+              <p:cTn id="2" dur="indefinite" nodeType="mainSeq">
+                <p:childTnLst>
+                  <p:par>
+                    <p:cTn id="3" fill="hold">
+                      <p:stCondLst>
+                        <p:cond delay="indefinite"/>
+                      </p:stCondLst>
+                      <p:childTnLst>
+                        <p:par>
+                          <p:cTn id="4" fill="hold">
+                            <p:stCondLst>
+                              <p:cond delay="0"/>
+                            </p:stCondLst>
+                            <p:childTnLst>
+                              <p:par>
+                                <p:cTn id="5" presetID="64" presetClass="path" presetSubtype="0" decel="50000" fill="hold" grpId="0" nodeType="clickEffect">
+                                  <p:stCondLst>
+                                    <p:cond delay="0"/>
+                                  </p:stCondLst>
+                                  <p:childTnLst>
+                                    <p:animMotion origin="layout" path="M 8.33333E-7 0 L -0.00052 -0.14167 " pathEditMode="relative" rAng="0" ptsTypes="AA">
+                                      <p:cBhvr>
+                                        <p:cTn id="6" dur="500" fill="hold"/>
+                                        <p:tgtEl>
+                                          <p:spTgt spid="2"/>
+                                        </p:tgtEl>
+                                        <p:attrNameLst>
+                                          <p:attrName>ppt_x</p:attrName>
+                                          <p:attrName>ppt_y</p:attrName>
+                                        </p:attrNameLst>
+                                      </p:cBhvr>
+                                      <p:rCtr x="-26" y="-7083"/>
+                                    </p:animMotion>
+                                  </p:childTnLst>
+                                </p:cTn>
+                              </p:par>
+                              <p:par>
+                                <p:cTn id="7" presetID="12" presetClass="entr" presetSubtype="4" fill="hold" grpId="0" nodeType="withEffect">
+                                  <p:stCondLst>
+                                    <p:cond delay="0"/>
+                                  </p:stCondLst>
+                                  <p:childTnLst>
+                                    <p:set>
+                                      <p:cBhvr>
+                                        <p:cTn id="8" dur="1" fill="hold">
+                                          <p:stCondLst>
+                                            <p:cond delay="0"/>
+                                          </p:stCondLst>
+                                        </p:cTn>
+                                        <p:tgtEl>
+                                          <p:spTgt spid="3"/>
+                                        </p:tgtEl>
+                                        <p:attrNameLst>
+                                          <p:attrName>style.visibility</p:attrName>
+                                        </p:attrNameLst>
+                                      </p:cBhvr>
+                                      <p:to>
+                                        <p:strVal val="visible"/>
+                                      </p:to>
+                                    </p:set>
+                                    <p:anim calcmode="lin" valueType="num">
+                                      <p:cBhvr additive="base">
+                                        <p:cTn id="9" dur="500"/>
+                                        <p:tgtEl>
+                                          <p:spTgt spid="3"/>
+                                        </p:tgtEl>
+                                        <p:attrNameLst>
+                                          <p:attrName>ppt_y</p:attrName>
+                                        </p:attrNameLst>
+                                      </p:cBhvr>
+                                      <p:tavLst>
+                                        <p:tav tm="0">
+                                          <p:val>
+                                            <p:strVal val="#ppt_y+#ppt_h*1.125000"/>
+                                          </p:val>
+                                        </p:tav>
+                                        <p:tav tm="100000">
+                                          <p:val>
+                                            <p:strVal val="#ppt_y"/>
+                                          </p:val>
+                                        </p:tav>
+                                      </p:tavLst>
+                                    </p:anim>
+                                    <p:animEffect transition="in" filter="wipe(up)">
+                                      <p:cBhvr>
+                                        <p:cTn id="10" dur="500"/>
+                                        <p:tgtEl>
+                                          <p:spTgt spid="3"/>
+                                        </p:tgtEl>
+                                      </p:cBhvr>
+                                    </p:animEffect>
+                                  </p:childTnLst>
+                                </p:cTn>
+                              </p:par>
+                              <p:par>
+                                <p:cTn id="11" presetID="64" presetClass="path" presetSubtype="0" decel="50000" fill="hold" grpId="1" nodeType="withEffect">
+                                  <p:stCondLst>
+                                    <p:cond delay="0"/>
+                                  </p:stCondLst>
+                                  <p:childTnLst>
+                                    <p:animMotion origin="layout" path="M -0.00052 0.06227 L -1.45833E-6 -2.96296E-6 " pathEditMode="relative" rAng="0" ptsTypes="AA">
+                                      <p:cBhvr>
+                                        <p:cTn id="12" dur="500" fill="hold"/>
+                                        <p:tgtEl>
+                                          <p:spTgt spid="3"/>
+                                        </p:tgtEl>
+                                        <p:attrNameLst>
+                                          <p:attrName>ppt_x</p:attrName>
+                                          <p:attrName>ppt_y</p:attrName>
+                                        </p:attrNameLst>
+                                      </p:cBhvr>
+                                      <p:rCtr x="26" y="-3125"/>
+                                    </p:animMotion>
+                                  </p:childTnLst>
+                                </p:cTn>
+                              </p:par>
+                            </p:childTnLst>
+                          </p:cTn>
+                        </p:par>
+                      </p:childTnLst>
+                    </p:cTn>
+                  </p:par>
+                </p:childTnLst>
+              </p:cTn>
+              <p:prevCondLst>
+                <p:cond evt="onPrev" delay="0">
+                  <p:tgtEl>
+                    <p:sldTgt/>
+                  </p:tgtEl>
+                </p:cond>
+              </p:prevCondLst>
+              <p:nextCondLst>
+                <p:cond evt="onNext" delay="0">
+                  <p:tgtEl>
+                    <p:sldTgt/>
+                  </p:tgtEl>
+                </p:cond>
+              </p:nextCondLst>
+            </p:seq>
+          </p:childTnLst>
+        </p:cTn>
+      </p:par>
+    </p:tnLst>
+    <p:bldLst>
+      <p:bldP spid="2" grpId="0"/>
+      <p:bldP spid="3" grpId="0"/>
+      <p:bldP spid="3" grpId="1"/>
+    </p:bldLst>
+  </p:timing>
 </p:sld>
 </file>
 
@@ -3783,71 +9500,1770 @@
       </p:grpSpPr>
       <p:sp>
         <p:nvSpPr>
-          <p:cNvPr id="2" name="Titel 1">
+          <p:cNvPr id="2" name="Titel 1"/>
+          <p:cNvSpPr>
+            <a:spLocks noGrp="1"/>
+          </p:cNvSpPr>
+          <p:nvPr>
+            <p:ph type="title"/>
+          </p:nvPr>
+        </p:nvSpPr>
+        <p:spPr>
+          <a:xfrm>
+            <a:off x="3220872" y="2857500"/>
+            <a:ext cx="7567683" cy="1143000"/>
+          </a:xfrm>
+        </p:spPr>
+        <p:txBody>
+          <a:bodyPr/>
+          <a:lstStyle/>
+          <a:p>
+            <a:pPr algn="l"/>
+            <a:r>
+              <a:rPr lang="nl-NL" dirty="0"/>
+              <a:t>Technology Stack: </a:t>
+            </a:r>
+            <a:r>
+              <a:rPr lang="nl-NL" dirty="0" err="1"/>
+              <a:t>RabbitMQ</a:t>
+            </a:r>
+            <a:endParaRPr lang="nl-NL" dirty="0"/>
+          </a:p>
+        </p:txBody>
+      </p:sp>
+      <p:sp>
+        <p:nvSpPr>
+          <p:cNvPr id="3" name="Tijdelijke aanduiding voor inhoud 2">
             <a:extLst>
               <a:ext uri="{FF2B5EF4-FFF2-40B4-BE49-F238E27FC236}">
-                <a16:creationId xmlns:a16="http://schemas.microsoft.com/office/drawing/2014/main" id="{66A1D00C-1CD1-4296-B3BC-1A181735C0AC}"/>
+                <a16:creationId xmlns:a16="http://schemas.microsoft.com/office/drawing/2014/main" id="{96436896-865D-4BB5-A20E-23198F411869}"/>
               </a:ext>
             </a:extLst>
           </p:cNvPr>
-          <p:cNvSpPr>
-            <a:spLocks noGrp="1"/>
-          </p:cNvSpPr>
-          <p:nvPr>
-            <p:ph type="ctrTitle"/>
-          </p:nvPr>
-        </p:nvSpPr>
-        <p:spPr/>
-        <p:txBody>
-          <a:bodyPr/>
-          <a:lstStyle/>
-          <a:p>
+          <p:cNvSpPr txBox="1">
+            <a:spLocks/>
+          </p:cNvSpPr>
+          <p:nvPr/>
+        </p:nvSpPr>
+        <p:spPr>
+          <a:xfrm>
+            <a:off x="3220212" y="2970559"/>
+            <a:ext cx="6839500" cy="1868141"/>
+          </a:xfrm>
+          <a:prstGeom prst="rect">
+            <a:avLst/>
+          </a:prstGeom>
+          <a:ln>
+            <a:noFill/>
+          </a:ln>
+        </p:spPr>
+        <p:txBody>
+          <a:bodyPr vert="horz" lIns="91440" tIns="45720" rIns="91440" bIns="45720" rtlCol="0" anchor="t" anchorCtr="0">
+            <a:normAutofit/>
+          </a:bodyPr>
+          <a:lstStyle>
+            <a:lvl1pPr marL="144661" indent="-144661" algn="l" defTabSz="385763" rtl="0" eaLnBrk="1" latinLnBrk="0" hangingPunct="1">
+              <a:spcBef>
+                <a:spcPct val="20000"/>
+              </a:spcBef>
+              <a:buFont typeface="Arial" panose="020B0604020202020204" pitchFamily="34" charset="0"/>
+              <a:buChar char="•"/>
+              <a:defRPr sz="2100" kern="1200">
+                <a:solidFill>
+                  <a:schemeClr val="tx1"/>
+                </a:solidFill>
+                <a:latin typeface="Segoe UI Semilight" panose="020B0402040204020203" pitchFamily="34" charset="0"/>
+                <a:ea typeface="+mn-ea"/>
+                <a:cs typeface="Segoe UI Semilight" panose="020B0402040204020203" pitchFamily="34" charset="0"/>
+              </a:defRPr>
+            </a:lvl1pPr>
+            <a:lvl2pPr marL="313433" indent="-120551" algn="l" defTabSz="385763" rtl="0" eaLnBrk="1" latinLnBrk="0" hangingPunct="1">
+              <a:spcBef>
+                <a:spcPct val="20000"/>
+              </a:spcBef>
+              <a:buFont typeface="Arial" panose="020B0604020202020204" pitchFamily="34" charset="0"/>
+              <a:buChar char="–"/>
+              <a:defRPr sz="1800" kern="1200">
+                <a:solidFill>
+                  <a:schemeClr val="tx1"/>
+                </a:solidFill>
+                <a:latin typeface="Segoe UI Semilight" panose="020B0402040204020203" pitchFamily="34" charset="0"/>
+                <a:ea typeface="+mn-ea"/>
+                <a:cs typeface="Segoe UI Semilight" panose="020B0402040204020203" pitchFamily="34" charset="0"/>
+              </a:defRPr>
+            </a:lvl2pPr>
+            <a:lvl3pPr marL="482204" indent="-96441" algn="l" defTabSz="385763" rtl="0" eaLnBrk="1" latinLnBrk="0" hangingPunct="1">
+              <a:spcBef>
+                <a:spcPct val="20000"/>
+              </a:spcBef>
+              <a:buFont typeface="Arial" panose="020B0604020202020204" pitchFamily="34" charset="0"/>
+              <a:buChar char="•"/>
+              <a:defRPr sz="1500" kern="1200">
+                <a:solidFill>
+                  <a:schemeClr val="tx1"/>
+                </a:solidFill>
+                <a:latin typeface="Segoe UI Semilight" panose="020B0402040204020203" pitchFamily="34" charset="0"/>
+                <a:ea typeface="+mn-ea"/>
+                <a:cs typeface="Segoe UI Semilight" panose="020B0402040204020203" pitchFamily="34" charset="0"/>
+              </a:defRPr>
+            </a:lvl3pPr>
+            <a:lvl4pPr marL="675085" indent="-96441" algn="l" defTabSz="385763" rtl="0" eaLnBrk="1" latinLnBrk="0" hangingPunct="1">
+              <a:spcBef>
+                <a:spcPct val="20000"/>
+              </a:spcBef>
+              <a:buFont typeface="Arial" panose="020B0604020202020204" pitchFamily="34" charset="0"/>
+              <a:buChar char="–"/>
+              <a:defRPr sz="1350" kern="1200">
+                <a:solidFill>
+                  <a:schemeClr val="tx1"/>
+                </a:solidFill>
+                <a:latin typeface="Segoe UI Semilight" panose="020B0402040204020203" pitchFamily="34" charset="0"/>
+                <a:ea typeface="+mn-ea"/>
+                <a:cs typeface="Segoe UI Semilight" panose="020B0402040204020203" pitchFamily="34" charset="0"/>
+              </a:defRPr>
+            </a:lvl4pPr>
+            <a:lvl5pPr marL="867966" indent="-96441" algn="l" defTabSz="385763" rtl="0" eaLnBrk="1" latinLnBrk="0" hangingPunct="1">
+              <a:spcBef>
+                <a:spcPct val="20000"/>
+              </a:spcBef>
+              <a:buFont typeface="Arial" panose="020B0604020202020204" pitchFamily="34" charset="0"/>
+              <a:buChar char="»"/>
+              <a:defRPr sz="1350" kern="1200">
+                <a:solidFill>
+                  <a:schemeClr val="tx1"/>
+                </a:solidFill>
+                <a:latin typeface="Segoe UI Semilight" panose="020B0402040204020203" pitchFamily="34" charset="0"/>
+                <a:ea typeface="+mn-ea"/>
+                <a:cs typeface="Segoe UI Semilight" panose="020B0402040204020203" pitchFamily="34" charset="0"/>
+              </a:defRPr>
+            </a:lvl5pPr>
+            <a:lvl6pPr marL="1060847" indent="-96441" algn="l" defTabSz="385763" rtl="0" eaLnBrk="1" latinLnBrk="0" hangingPunct="1">
+              <a:spcBef>
+                <a:spcPct val="20000"/>
+              </a:spcBef>
+              <a:buFont typeface="Arial" panose="020B0604020202020204" pitchFamily="34" charset="0"/>
+              <a:buChar char="•"/>
+              <a:defRPr sz="844" kern="1200">
+                <a:solidFill>
+                  <a:schemeClr val="tx1"/>
+                </a:solidFill>
+                <a:latin typeface="+mn-lt"/>
+                <a:ea typeface="+mn-ea"/>
+                <a:cs typeface="+mn-cs"/>
+              </a:defRPr>
+            </a:lvl6pPr>
+            <a:lvl7pPr marL="1253729" indent="-96441" algn="l" defTabSz="385763" rtl="0" eaLnBrk="1" latinLnBrk="0" hangingPunct="1">
+              <a:spcBef>
+                <a:spcPct val="20000"/>
+              </a:spcBef>
+              <a:buFont typeface="Arial" panose="020B0604020202020204" pitchFamily="34" charset="0"/>
+              <a:buChar char="•"/>
+              <a:defRPr sz="844" kern="1200">
+                <a:solidFill>
+                  <a:schemeClr val="tx1"/>
+                </a:solidFill>
+                <a:latin typeface="+mn-lt"/>
+                <a:ea typeface="+mn-ea"/>
+                <a:cs typeface="+mn-cs"/>
+              </a:defRPr>
+            </a:lvl7pPr>
+            <a:lvl8pPr marL="1446610" indent="-96441" algn="l" defTabSz="385763" rtl="0" eaLnBrk="1" latinLnBrk="0" hangingPunct="1">
+              <a:spcBef>
+                <a:spcPct val="20000"/>
+              </a:spcBef>
+              <a:buFont typeface="Arial" panose="020B0604020202020204" pitchFamily="34" charset="0"/>
+              <a:buChar char="•"/>
+              <a:defRPr sz="844" kern="1200">
+                <a:solidFill>
+                  <a:schemeClr val="tx1"/>
+                </a:solidFill>
+                <a:latin typeface="+mn-lt"/>
+                <a:ea typeface="+mn-ea"/>
+                <a:cs typeface="+mn-cs"/>
+              </a:defRPr>
+            </a:lvl8pPr>
+            <a:lvl9pPr marL="1639491" indent="-96441" algn="l" defTabSz="385763" rtl="0" eaLnBrk="1" latinLnBrk="0" hangingPunct="1">
+              <a:spcBef>
+                <a:spcPct val="20000"/>
+              </a:spcBef>
+              <a:buFont typeface="Arial" panose="020B0604020202020204" pitchFamily="34" charset="0"/>
+              <a:buChar char="•"/>
+              <a:defRPr sz="844" kern="1200">
+                <a:solidFill>
+                  <a:schemeClr val="tx1"/>
+                </a:solidFill>
+                <a:latin typeface="+mn-lt"/>
+                <a:ea typeface="+mn-ea"/>
+                <a:cs typeface="+mn-cs"/>
+              </a:defRPr>
+            </a:lvl9pPr>
+          </a:lstStyle>
+          <a:p>
+            <a:pPr marL="0" indent="0">
+              <a:buNone/>
+            </a:pPr>
             <a:r>
               <a:rPr lang="nl-NL" dirty="0"/>
-              <a:t>Deployment diagram</a:t>
-            </a:r>
-          </a:p>
-        </p:txBody>
-      </p:sp>
-      <p:sp>
-        <p:nvSpPr>
-          <p:cNvPr id="3" name="Ondertitel 2">
-            <a:extLst>
-              <a:ext uri="{FF2B5EF4-FFF2-40B4-BE49-F238E27FC236}">
-                <a16:creationId xmlns:a16="http://schemas.microsoft.com/office/drawing/2014/main" id="{C0C656F8-374F-4FB6-B676-B7C64E7C1C0A}"/>
-              </a:ext>
-            </a:extLst>
-          </p:cNvPr>
-          <p:cNvSpPr>
-            <a:spLocks noGrp="1"/>
-          </p:cNvSpPr>
-          <p:nvPr>
-            <p:ph type="subTitle" idx="1"/>
-          </p:nvPr>
-        </p:nvSpPr>
-        <p:spPr/>
-        <p:txBody>
-          <a:bodyPr/>
-          <a:lstStyle/>
-          <a:p>
-            <a:r>
-              <a:rPr lang="en-US" dirty="0"/>
-              <a:t>A rudimentary deployment diagram of the application and its components</a:t>
-            </a:r>
-            <a:endParaRPr lang="nl-NL" dirty="0"/>
+              <a:t>Messaging queue </a:t>
+            </a:r>
+            <a:r>
+              <a:rPr lang="nl-NL" dirty="0" err="1"/>
+              <a:t>between</a:t>
+            </a:r>
+            <a:r>
+              <a:rPr lang="nl-NL" dirty="0"/>
+              <a:t> web app </a:t>
+            </a:r>
+            <a:r>
+              <a:rPr lang="nl-NL" dirty="0" err="1"/>
+              <a:t>and</a:t>
+            </a:r>
+            <a:r>
+              <a:rPr lang="nl-NL" dirty="0"/>
+              <a:t> route matching service</a:t>
+            </a:r>
+          </a:p>
+          <a:p>
+            <a:pPr marL="0" indent="0">
+              <a:buNone/>
+            </a:pPr>
+            <a:r>
+              <a:rPr lang="nl-NL" dirty="0" err="1"/>
+              <a:t>Allows</a:t>
+            </a:r>
+            <a:r>
+              <a:rPr lang="nl-NL" dirty="0"/>
+              <a:t> </a:t>
+            </a:r>
+            <a:r>
+              <a:rPr lang="nl-NL" dirty="0" err="1"/>
+              <a:t>asynchronous</a:t>
+            </a:r>
+            <a:r>
+              <a:rPr lang="nl-NL" dirty="0"/>
+              <a:t>, parallel </a:t>
+            </a:r>
+            <a:r>
+              <a:rPr lang="nl-NL" dirty="0" err="1"/>
+              <a:t>computation</a:t>
+            </a:r>
+            <a:r>
+              <a:rPr lang="nl-NL" dirty="0"/>
+              <a:t> of </a:t>
+            </a:r>
+            <a:r>
+              <a:rPr lang="nl-NL" dirty="0" err="1"/>
+              <a:t>ride</a:t>
+            </a:r>
+            <a:r>
+              <a:rPr lang="nl-NL" dirty="0"/>
+              <a:t> matches</a:t>
+            </a:r>
           </a:p>
         </p:txBody>
       </p:sp>
     </p:spTree>
     <p:extLst>
       <p:ext uri="{BB962C8B-B14F-4D97-AF65-F5344CB8AC3E}">
-        <p14:creationId xmlns:p14="http://schemas.microsoft.com/office/powerpoint/2010/main" val="3464084689"/>
+        <p14:creationId xmlns:p14="http://schemas.microsoft.com/office/powerpoint/2010/main" val="1124145237"/>
       </p:ext>
     </p:extLst>
   </p:cSld>
   <p:clrMapOvr>
     <a:masterClrMapping/>
   </p:clrMapOvr>
+  <mc:AlternateContent xmlns:mc="http://schemas.openxmlformats.org/markup-compatibility/2006">
+    <mc:Choice xmlns:p14="http://schemas.microsoft.com/office/powerpoint/2010/main" Requires="p14">
+      <p:transition spd="slow" p14:dur="800">
+        <p14:flythrough dir="out"/>
+      </p:transition>
+    </mc:Choice>
+    <mc:Fallback>
+      <p:transition spd="slow">
+        <p:fade/>
+      </p:transition>
+    </mc:Fallback>
+  </mc:AlternateContent>
+  <p:timing>
+    <p:tnLst>
+      <p:par>
+        <p:cTn id="1" dur="indefinite" restart="never" nodeType="tmRoot">
+          <p:childTnLst>
+            <p:seq concurrent="1" nextAc="seek">
+              <p:cTn id="2" dur="indefinite" nodeType="mainSeq">
+                <p:childTnLst>
+                  <p:par>
+                    <p:cTn id="3" fill="hold">
+                      <p:stCondLst>
+                        <p:cond delay="indefinite"/>
+                      </p:stCondLst>
+                      <p:childTnLst>
+                        <p:par>
+                          <p:cTn id="4" fill="hold">
+                            <p:stCondLst>
+                              <p:cond delay="0"/>
+                            </p:stCondLst>
+                            <p:childTnLst>
+                              <p:par>
+                                <p:cTn id="5" presetID="64" presetClass="path" presetSubtype="0" decel="50000" fill="hold" grpId="0" nodeType="clickEffect">
+                                  <p:stCondLst>
+                                    <p:cond delay="0"/>
+                                  </p:stCondLst>
+                                  <p:childTnLst>
+                                    <p:animMotion origin="layout" path="M 8.33333E-7 0 L -0.00052 -0.14167 " pathEditMode="relative" rAng="0" ptsTypes="AA">
+                                      <p:cBhvr>
+                                        <p:cTn id="6" dur="500" fill="hold"/>
+                                        <p:tgtEl>
+                                          <p:spTgt spid="2"/>
+                                        </p:tgtEl>
+                                        <p:attrNameLst>
+                                          <p:attrName>ppt_x</p:attrName>
+                                          <p:attrName>ppt_y</p:attrName>
+                                        </p:attrNameLst>
+                                      </p:cBhvr>
+                                      <p:rCtr x="-26" y="-7083"/>
+                                    </p:animMotion>
+                                  </p:childTnLst>
+                                </p:cTn>
+                              </p:par>
+                              <p:par>
+                                <p:cTn id="7" presetID="12" presetClass="entr" presetSubtype="4" fill="hold" grpId="0" nodeType="withEffect">
+                                  <p:stCondLst>
+                                    <p:cond delay="0"/>
+                                  </p:stCondLst>
+                                  <p:childTnLst>
+                                    <p:set>
+                                      <p:cBhvr>
+                                        <p:cTn id="8" dur="1" fill="hold">
+                                          <p:stCondLst>
+                                            <p:cond delay="0"/>
+                                          </p:stCondLst>
+                                        </p:cTn>
+                                        <p:tgtEl>
+                                          <p:spTgt spid="3"/>
+                                        </p:tgtEl>
+                                        <p:attrNameLst>
+                                          <p:attrName>style.visibility</p:attrName>
+                                        </p:attrNameLst>
+                                      </p:cBhvr>
+                                      <p:to>
+                                        <p:strVal val="visible"/>
+                                      </p:to>
+                                    </p:set>
+                                    <p:anim calcmode="lin" valueType="num">
+                                      <p:cBhvr additive="base">
+                                        <p:cTn id="9" dur="500"/>
+                                        <p:tgtEl>
+                                          <p:spTgt spid="3"/>
+                                        </p:tgtEl>
+                                        <p:attrNameLst>
+                                          <p:attrName>ppt_y</p:attrName>
+                                        </p:attrNameLst>
+                                      </p:cBhvr>
+                                      <p:tavLst>
+                                        <p:tav tm="0">
+                                          <p:val>
+                                            <p:strVal val="#ppt_y+#ppt_h*1.125000"/>
+                                          </p:val>
+                                        </p:tav>
+                                        <p:tav tm="100000">
+                                          <p:val>
+                                            <p:strVal val="#ppt_y"/>
+                                          </p:val>
+                                        </p:tav>
+                                      </p:tavLst>
+                                    </p:anim>
+                                    <p:animEffect transition="in" filter="wipe(up)">
+                                      <p:cBhvr>
+                                        <p:cTn id="10" dur="500"/>
+                                        <p:tgtEl>
+                                          <p:spTgt spid="3"/>
+                                        </p:tgtEl>
+                                      </p:cBhvr>
+                                    </p:animEffect>
+                                  </p:childTnLst>
+                                </p:cTn>
+                              </p:par>
+                              <p:par>
+                                <p:cTn id="11" presetID="64" presetClass="path" presetSubtype="0" decel="50000" fill="hold" grpId="1" nodeType="withEffect">
+                                  <p:stCondLst>
+                                    <p:cond delay="0"/>
+                                  </p:stCondLst>
+                                  <p:childTnLst>
+                                    <p:animMotion origin="layout" path="M -0.00052 0.06227 L -1.45833E-6 -2.96296E-6 " pathEditMode="relative" rAng="0" ptsTypes="AA">
+                                      <p:cBhvr>
+                                        <p:cTn id="12" dur="500" fill="hold"/>
+                                        <p:tgtEl>
+                                          <p:spTgt spid="3"/>
+                                        </p:tgtEl>
+                                        <p:attrNameLst>
+                                          <p:attrName>ppt_x</p:attrName>
+                                          <p:attrName>ppt_y</p:attrName>
+                                        </p:attrNameLst>
+                                      </p:cBhvr>
+                                      <p:rCtr x="26" y="-3125"/>
+                                    </p:animMotion>
+                                  </p:childTnLst>
+                                </p:cTn>
+                              </p:par>
+                            </p:childTnLst>
+                          </p:cTn>
+                        </p:par>
+                      </p:childTnLst>
+                    </p:cTn>
+                  </p:par>
+                </p:childTnLst>
+              </p:cTn>
+              <p:prevCondLst>
+                <p:cond evt="onPrev" delay="0">
+                  <p:tgtEl>
+                    <p:sldTgt/>
+                  </p:tgtEl>
+                </p:cond>
+              </p:prevCondLst>
+              <p:nextCondLst>
+                <p:cond evt="onNext" delay="0">
+                  <p:tgtEl>
+                    <p:sldTgt/>
+                  </p:tgtEl>
+                </p:cond>
+              </p:nextCondLst>
+            </p:seq>
+          </p:childTnLst>
+        </p:cTn>
+      </p:par>
+    </p:tnLst>
+    <p:bldLst>
+      <p:bldP spid="2" grpId="0"/>
+      <p:bldP spid="3" grpId="0"/>
+      <p:bldP spid="3" grpId="1"/>
+    </p:bldLst>
+  </p:timing>
+</p:sld>
+</file>
+
+<file path=ppt/slides/slide7.xml><?xml version="1.0" encoding="utf-8"?>
+<p:sld xmlns:a="http://schemas.openxmlformats.org/drawingml/2006/main" xmlns:r="http://schemas.openxmlformats.org/officeDocument/2006/relationships" xmlns:p="http://schemas.openxmlformats.org/presentationml/2006/main">
+  <p:cSld>
+    <p:spTree>
+      <p:nvGrpSpPr>
+        <p:cNvPr id="1" name=""/>
+        <p:cNvGrpSpPr/>
+        <p:nvPr/>
+      </p:nvGrpSpPr>
+      <p:grpSpPr>
+        <a:xfrm>
+          <a:off x="0" y="0"/>
+          <a:ext cx="0" cy="0"/>
+          <a:chOff x="0" y="0"/>
+          <a:chExt cx="0" cy="0"/>
+        </a:xfrm>
+      </p:grpSpPr>
+      <p:sp>
+        <p:nvSpPr>
+          <p:cNvPr id="2" name="Titel 1"/>
+          <p:cNvSpPr>
+            <a:spLocks noGrp="1"/>
+          </p:cNvSpPr>
+          <p:nvPr>
+            <p:ph type="title"/>
+          </p:nvPr>
+        </p:nvSpPr>
+        <p:spPr>
+          <a:xfrm>
+            <a:off x="3220872" y="2857500"/>
+            <a:ext cx="7567683" cy="1143000"/>
+          </a:xfrm>
+        </p:spPr>
+        <p:txBody>
+          <a:bodyPr/>
+          <a:lstStyle/>
+          <a:p>
+            <a:pPr algn="l"/>
+            <a:r>
+              <a:rPr lang="nl-NL" dirty="0"/>
+              <a:t>Technology Stack: Storage</a:t>
+            </a:r>
+          </a:p>
+        </p:txBody>
+      </p:sp>
+      <p:sp>
+        <p:nvSpPr>
+          <p:cNvPr id="3" name="Tijdelijke aanduiding voor inhoud 2">
+            <a:extLst>
+              <a:ext uri="{FF2B5EF4-FFF2-40B4-BE49-F238E27FC236}">
+                <a16:creationId xmlns:a16="http://schemas.microsoft.com/office/drawing/2014/main" id="{96436896-865D-4BB5-A20E-23198F411869}"/>
+              </a:ext>
+            </a:extLst>
+          </p:cNvPr>
+          <p:cNvSpPr txBox="1">
+            <a:spLocks/>
+          </p:cNvSpPr>
+          <p:nvPr/>
+        </p:nvSpPr>
+        <p:spPr>
+          <a:xfrm>
+            <a:off x="3220212" y="2970559"/>
+            <a:ext cx="6839500" cy="1868141"/>
+          </a:xfrm>
+          <a:prstGeom prst="rect">
+            <a:avLst/>
+          </a:prstGeom>
+          <a:ln>
+            <a:noFill/>
+          </a:ln>
+        </p:spPr>
+        <p:txBody>
+          <a:bodyPr vert="horz" lIns="91440" tIns="45720" rIns="91440" bIns="45720" rtlCol="0" anchor="t" anchorCtr="0">
+            <a:normAutofit/>
+          </a:bodyPr>
+          <a:lstStyle>
+            <a:lvl1pPr marL="144661" indent="-144661" algn="l" defTabSz="385763" rtl="0" eaLnBrk="1" latinLnBrk="0" hangingPunct="1">
+              <a:spcBef>
+                <a:spcPct val="20000"/>
+              </a:spcBef>
+              <a:buFont typeface="Arial" panose="020B0604020202020204" pitchFamily="34" charset="0"/>
+              <a:buChar char="•"/>
+              <a:defRPr sz="2100" kern="1200">
+                <a:solidFill>
+                  <a:schemeClr val="tx1"/>
+                </a:solidFill>
+                <a:latin typeface="Segoe UI Semilight" panose="020B0402040204020203" pitchFamily="34" charset="0"/>
+                <a:ea typeface="+mn-ea"/>
+                <a:cs typeface="Segoe UI Semilight" panose="020B0402040204020203" pitchFamily="34" charset="0"/>
+              </a:defRPr>
+            </a:lvl1pPr>
+            <a:lvl2pPr marL="313433" indent="-120551" algn="l" defTabSz="385763" rtl="0" eaLnBrk="1" latinLnBrk="0" hangingPunct="1">
+              <a:spcBef>
+                <a:spcPct val="20000"/>
+              </a:spcBef>
+              <a:buFont typeface="Arial" panose="020B0604020202020204" pitchFamily="34" charset="0"/>
+              <a:buChar char="–"/>
+              <a:defRPr sz="1800" kern="1200">
+                <a:solidFill>
+                  <a:schemeClr val="tx1"/>
+                </a:solidFill>
+                <a:latin typeface="Segoe UI Semilight" panose="020B0402040204020203" pitchFamily="34" charset="0"/>
+                <a:ea typeface="+mn-ea"/>
+                <a:cs typeface="Segoe UI Semilight" panose="020B0402040204020203" pitchFamily="34" charset="0"/>
+              </a:defRPr>
+            </a:lvl2pPr>
+            <a:lvl3pPr marL="482204" indent="-96441" algn="l" defTabSz="385763" rtl="0" eaLnBrk="1" latinLnBrk="0" hangingPunct="1">
+              <a:spcBef>
+                <a:spcPct val="20000"/>
+              </a:spcBef>
+              <a:buFont typeface="Arial" panose="020B0604020202020204" pitchFamily="34" charset="0"/>
+              <a:buChar char="•"/>
+              <a:defRPr sz="1500" kern="1200">
+                <a:solidFill>
+                  <a:schemeClr val="tx1"/>
+                </a:solidFill>
+                <a:latin typeface="Segoe UI Semilight" panose="020B0402040204020203" pitchFamily="34" charset="0"/>
+                <a:ea typeface="+mn-ea"/>
+                <a:cs typeface="Segoe UI Semilight" panose="020B0402040204020203" pitchFamily="34" charset="0"/>
+              </a:defRPr>
+            </a:lvl3pPr>
+            <a:lvl4pPr marL="675085" indent="-96441" algn="l" defTabSz="385763" rtl="0" eaLnBrk="1" latinLnBrk="0" hangingPunct="1">
+              <a:spcBef>
+                <a:spcPct val="20000"/>
+              </a:spcBef>
+              <a:buFont typeface="Arial" panose="020B0604020202020204" pitchFamily="34" charset="0"/>
+              <a:buChar char="–"/>
+              <a:defRPr sz="1350" kern="1200">
+                <a:solidFill>
+                  <a:schemeClr val="tx1"/>
+                </a:solidFill>
+                <a:latin typeface="Segoe UI Semilight" panose="020B0402040204020203" pitchFamily="34" charset="0"/>
+                <a:ea typeface="+mn-ea"/>
+                <a:cs typeface="Segoe UI Semilight" panose="020B0402040204020203" pitchFamily="34" charset="0"/>
+              </a:defRPr>
+            </a:lvl4pPr>
+            <a:lvl5pPr marL="867966" indent="-96441" algn="l" defTabSz="385763" rtl="0" eaLnBrk="1" latinLnBrk="0" hangingPunct="1">
+              <a:spcBef>
+                <a:spcPct val="20000"/>
+              </a:spcBef>
+              <a:buFont typeface="Arial" panose="020B0604020202020204" pitchFamily="34" charset="0"/>
+              <a:buChar char="»"/>
+              <a:defRPr sz="1350" kern="1200">
+                <a:solidFill>
+                  <a:schemeClr val="tx1"/>
+                </a:solidFill>
+                <a:latin typeface="Segoe UI Semilight" panose="020B0402040204020203" pitchFamily="34" charset="0"/>
+                <a:ea typeface="+mn-ea"/>
+                <a:cs typeface="Segoe UI Semilight" panose="020B0402040204020203" pitchFamily="34" charset="0"/>
+              </a:defRPr>
+            </a:lvl5pPr>
+            <a:lvl6pPr marL="1060847" indent="-96441" algn="l" defTabSz="385763" rtl="0" eaLnBrk="1" latinLnBrk="0" hangingPunct="1">
+              <a:spcBef>
+                <a:spcPct val="20000"/>
+              </a:spcBef>
+              <a:buFont typeface="Arial" panose="020B0604020202020204" pitchFamily="34" charset="0"/>
+              <a:buChar char="•"/>
+              <a:defRPr sz="844" kern="1200">
+                <a:solidFill>
+                  <a:schemeClr val="tx1"/>
+                </a:solidFill>
+                <a:latin typeface="+mn-lt"/>
+                <a:ea typeface="+mn-ea"/>
+                <a:cs typeface="+mn-cs"/>
+              </a:defRPr>
+            </a:lvl6pPr>
+            <a:lvl7pPr marL="1253729" indent="-96441" algn="l" defTabSz="385763" rtl="0" eaLnBrk="1" latinLnBrk="0" hangingPunct="1">
+              <a:spcBef>
+                <a:spcPct val="20000"/>
+              </a:spcBef>
+              <a:buFont typeface="Arial" panose="020B0604020202020204" pitchFamily="34" charset="0"/>
+              <a:buChar char="•"/>
+              <a:defRPr sz="844" kern="1200">
+                <a:solidFill>
+                  <a:schemeClr val="tx1"/>
+                </a:solidFill>
+                <a:latin typeface="+mn-lt"/>
+                <a:ea typeface="+mn-ea"/>
+                <a:cs typeface="+mn-cs"/>
+              </a:defRPr>
+            </a:lvl7pPr>
+            <a:lvl8pPr marL="1446610" indent="-96441" algn="l" defTabSz="385763" rtl="0" eaLnBrk="1" latinLnBrk="0" hangingPunct="1">
+              <a:spcBef>
+                <a:spcPct val="20000"/>
+              </a:spcBef>
+              <a:buFont typeface="Arial" panose="020B0604020202020204" pitchFamily="34" charset="0"/>
+              <a:buChar char="•"/>
+              <a:defRPr sz="844" kern="1200">
+                <a:solidFill>
+                  <a:schemeClr val="tx1"/>
+                </a:solidFill>
+                <a:latin typeface="+mn-lt"/>
+                <a:ea typeface="+mn-ea"/>
+                <a:cs typeface="+mn-cs"/>
+              </a:defRPr>
+            </a:lvl8pPr>
+            <a:lvl9pPr marL="1639491" indent="-96441" algn="l" defTabSz="385763" rtl="0" eaLnBrk="1" latinLnBrk="0" hangingPunct="1">
+              <a:spcBef>
+                <a:spcPct val="20000"/>
+              </a:spcBef>
+              <a:buFont typeface="Arial" panose="020B0604020202020204" pitchFamily="34" charset="0"/>
+              <a:buChar char="•"/>
+              <a:defRPr sz="844" kern="1200">
+                <a:solidFill>
+                  <a:schemeClr val="tx1"/>
+                </a:solidFill>
+                <a:latin typeface="+mn-lt"/>
+                <a:ea typeface="+mn-ea"/>
+                <a:cs typeface="+mn-cs"/>
+              </a:defRPr>
+            </a:lvl9pPr>
+          </a:lstStyle>
+          <a:p>
+            <a:pPr marL="0" indent="0">
+              <a:buNone/>
+            </a:pPr>
+            <a:r>
+              <a:rPr lang="nl-NL" dirty="0"/>
+              <a:t>Using </a:t>
+            </a:r>
+            <a:r>
+              <a:rPr lang="nl-NL" dirty="0" err="1"/>
+              <a:t>MongoDB</a:t>
+            </a:r>
+            <a:r>
+              <a:rPr lang="nl-NL" dirty="0"/>
+              <a:t> as document store for </a:t>
+            </a:r>
+            <a:r>
+              <a:rPr lang="nl-NL" dirty="0" err="1"/>
+              <a:t>main</a:t>
+            </a:r>
+            <a:r>
+              <a:rPr lang="nl-NL" dirty="0"/>
+              <a:t> data</a:t>
+            </a:r>
+          </a:p>
+          <a:p>
+            <a:pPr marL="0" indent="0">
+              <a:buNone/>
+            </a:pPr>
+            <a:r>
+              <a:rPr lang="nl-NL" dirty="0"/>
+              <a:t>Using </a:t>
+            </a:r>
+            <a:r>
+              <a:rPr lang="nl-NL" dirty="0" err="1"/>
+              <a:t>Redis</a:t>
+            </a:r>
+            <a:r>
+              <a:rPr lang="nl-NL" dirty="0"/>
+              <a:t> as cache for </a:t>
+            </a:r>
+            <a:r>
+              <a:rPr lang="nl-NL" dirty="0" err="1"/>
+              <a:t>the</a:t>
+            </a:r>
+            <a:r>
+              <a:rPr lang="nl-NL" dirty="0"/>
+              <a:t> </a:t>
+            </a:r>
+            <a:r>
+              <a:rPr lang="nl-NL" dirty="0" err="1"/>
+              <a:t>back-end</a:t>
+            </a:r>
+            <a:r>
+              <a:rPr lang="nl-NL" dirty="0"/>
+              <a:t> </a:t>
+            </a:r>
+            <a:r>
+              <a:rPr lang="nl-NL" dirty="0" err="1"/>
+              <a:t>with</a:t>
+            </a:r>
+            <a:r>
+              <a:rPr lang="nl-NL" dirty="0"/>
+              <a:t> high load</a:t>
+            </a:r>
+          </a:p>
+        </p:txBody>
+      </p:sp>
+    </p:spTree>
+    <p:extLst>
+      <p:ext uri="{BB962C8B-B14F-4D97-AF65-F5344CB8AC3E}">
+        <p14:creationId xmlns:p14="http://schemas.microsoft.com/office/powerpoint/2010/main" val="2852931453"/>
+      </p:ext>
+    </p:extLst>
+  </p:cSld>
+  <p:clrMapOvr>
+    <a:masterClrMapping/>
+  </p:clrMapOvr>
+  <mc:AlternateContent xmlns:mc="http://schemas.openxmlformats.org/markup-compatibility/2006">
+    <mc:Choice xmlns:p14="http://schemas.microsoft.com/office/powerpoint/2010/main" Requires="p14">
+      <p:transition spd="slow" p14:dur="800">
+        <p14:flythrough dir="out"/>
+      </p:transition>
+    </mc:Choice>
+    <mc:Fallback>
+      <p:transition spd="slow">
+        <p:fade/>
+      </p:transition>
+    </mc:Fallback>
+  </mc:AlternateContent>
+  <p:timing>
+    <p:tnLst>
+      <p:par>
+        <p:cTn id="1" dur="indefinite" restart="never" nodeType="tmRoot">
+          <p:childTnLst>
+            <p:seq concurrent="1" nextAc="seek">
+              <p:cTn id="2" dur="indefinite" nodeType="mainSeq">
+                <p:childTnLst>
+                  <p:par>
+                    <p:cTn id="3" fill="hold">
+                      <p:stCondLst>
+                        <p:cond delay="indefinite"/>
+                      </p:stCondLst>
+                      <p:childTnLst>
+                        <p:par>
+                          <p:cTn id="4" fill="hold">
+                            <p:stCondLst>
+                              <p:cond delay="0"/>
+                            </p:stCondLst>
+                            <p:childTnLst>
+                              <p:par>
+                                <p:cTn id="5" presetID="64" presetClass="path" presetSubtype="0" decel="50000" fill="hold" grpId="0" nodeType="clickEffect">
+                                  <p:stCondLst>
+                                    <p:cond delay="0"/>
+                                  </p:stCondLst>
+                                  <p:childTnLst>
+                                    <p:animMotion origin="layout" path="M 8.33333E-7 0 L -0.00052 -0.14167 " pathEditMode="relative" rAng="0" ptsTypes="AA">
+                                      <p:cBhvr>
+                                        <p:cTn id="6" dur="500" fill="hold"/>
+                                        <p:tgtEl>
+                                          <p:spTgt spid="2"/>
+                                        </p:tgtEl>
+                                        <p:attrNameLst>
+                                          <p:attrName>ppt_x</p:attrName>
+                                          <p:attrName>ppt_y</p:attrName>
+                                        </p:attrNameLst>
+                                      </p:cBhvr>
+                                      <p:rCtr x="-26" y="-7083"/>
+                                    </p:animMotion>
+                                  </p:childTnLst>
+                                </p:cTn>
+                              </p:par>
+                              <p:par>
+                                <p:cTn id="7" presetID="12" presetClass="entr" presetSubtype="4" fill="hold" grpId="0" nodeType="withEffect">
+                                  <p:stCondLst>
+                                    <p:cond delay="0"/>
+                                  </p:stCondLst>
+                                  <p:childTnLst>
+                                    <p:set>
+                                      <p:cBhvr>
+                                        <p:cTn id="8" dur="1" fill="hold">
+                                          <p:stCondLst>
+                                            <p:cond delay="0"/>
+                                          </p:stCondLst>
+                                        </p:cTn>
+                                        <p:tgtEl>
+                                          <p:spTgt spid="3"/>
+                                        </p:tgtEl>
+                                        <p:attrNameLst>
+                                          <p:attrName>style.visibility</p:attrName>
+                                        </p:attrNameLst>
+                                      </p:cBhvr>
+                                      <p:to>
+                                        <p:strVal val="visible"/>
+                                      </p:to>
+                                    </p:set>
+                                    <p:anim calcmode="lin" valueType="num">
+                                      <p:cBhvr additive="base">
+                                        <p:cTn id="9" dur="500"/>
+                                        <p:tgtEl>
+                                          <p:spTgt spid="3"/>
+                                        </p:tgtEl>
+                                        <p:attrNameLst>
+                                          <p:attrName>ppt_y</p:attrName>
+                                        </p:attrNameLst>
+                                      </p:cBhvr>
+                                      <p:tavLst>
+                                        <p:tav tm="0">
+                                          <p:val>
+                                            <p:strVal val="#ppt_y+#ppt_h*1.125000"/>
+                                          </p:val>
+                                        </p:tav>
+                                        <p:tav tm="100000">
+                                          <p:val>
+                                            <p:strVal val="#ppt_y"/>
+                                          </p:val>
+                                        </p:tav>
+                                      </p:tavLst>
+                                    </p:anim>
+                                    <p:animEffect transition="in" filter="wipe(up)">
+                                      <p:cBhvr>
+                                        <p:cTn id="10" dur="500"/>
+                                        <p:tgtEl>
+                                          <p:spTgt spid="3"/>
+                                        </p:tgtEl>
+                                      </p:cBhvr>
+                                    </p:animEffect>
+                                  </p:childTnLst>
+                                </p:cTn>
+                              </p:par>
+                              <p:par>
+                                <p:cTn id="11" presetID="64" presetClass="path" presetSubtype="0" decel="50000" fill="hold" grpId="1" nodeType="withEffect">
+                                  <p:stCondLst>
+                                    <p:cond delay="0"/>
+                                  </p:stCondLst>
+                                  <p:childTnLst>
+                                    <p:animMotion origin="layout" path="M -0.00052 0.06227 L -1.45833E-6 -2.96296E-6 " pathEditMode="relative" rAng="0" ptsTypes="AA">
+                                      <p:cBhvr>
+                                        <p:cTn id="12" dur="500" fill="hold"/>
+                                        <p:tgtEl>
+                                          <p:spTgt spid="3"/>
+                                        </p:tgtEl>
+                                        <p:attrNameLst>
+                                          <p:attrName>ppt_x</p:attrName>
+                                          <p:attrName>ppt_y</p:attrName>
+                                        </p:attrNameLst>
+                                      </p:cBhvr>
+                                      <p:rCtr x="26" y="-3125"/>
+                                    </p:animMotion>
+                                  </p:childTnLst>
+                                </p:cTn>
+                              </p:par>
+                            </p:childTnLst>
+                          </p:cTn>
+                        </p:par>
+                      </p:childTnLst>
+                    </p:cTn>
+                  </p:par>
+                </p:childTnLst>
+              </p:cTn>
+              <p:prevCondLst>
+                <p:cond evt="onPrev" delay="0">
+                  <p:tgtEl>
+                    <p:sldTgt/>
+                  </p:tgtEl>
+                </p:cond>
+              </p:prevCondLst>
+              <p:nextCondLst>
+                <p:cond evt="onNext" delay="0">
+                  <p:tgtEl>
+                    <p:sldTgt/>
+                  </p:tgtEl>
+                </p:cond>
+              </p:nextCondLst>
+            </p:seq>
+          </p:childTnLst>
+        </p:cTn>
+      </p:par>
+    </p:tnLst>
+    <p:bldLst>
+      <p:bldP spid="2" grpId="0"/>
+      <p:bldP spid="3" grpId="0"/>
+      <p:bldP spid="3" grpId="1"/>
+    </p:bldLst>
+  </p:timing>
+</p:sld>
+</file>
+
+<file path=ppt/slides/slide8.xml><?xml version="1.0" encoding="utf-8"?>
+<p:sld xmlns:a="http://schemas.openxmlformats.org/drawingml/2006/main" xmlns:r="http://schemas.openxmlformats.org/officeDocument/2006/relationships" xmlns:p="http://schemas.openxmlformats.org/presentationml/2006/main">
+  <p:cSld>
+    <p:spTree>
+      <p:nvGrpSpPr>
+        <p:cNvPr id="1" name=""/>
+        <p:cNvGrpSpPr/>
+        <p:nvPr/>
+      </p:nvGrpSpPr>
+      <p:grpSpPr>
+        <a:xfrm>
+          <a:off x="0" y="0"/>
+          <a:ext cx="0" cy="0"/>
+          <a:chOff x="0" y="0"/>
+          <a:chExt cx="0" cy="0"/>
+        </a:xfrm>
+      </p:grpSpPr>
+      <p:sp>
+        <p:nvSpPr>
+          <p:cNvPr id="2" name="Titel 1"/>
+          <p:cNvSpPr>
+            <a:spLocks noGrp="1"/>
+          </p:cNvSpPr>
+          <p:nvPr>
+            <p:ph type="title"/>
+          </p:nvPr>
+        </p:nvSpPr>
+        <p:spPr>
+          <a:xfrm>
+            <a:off x="3220872" y="2857500"/>
+            <a:ext cx="7567683" cy="1143000"/>
+          </a:xfrm>
+        </p:spPr>
+        <p:txBody>
+          <a:bodyPr/>
+          <a:lstStyle/>
+          <a:p>
+            <a:pPr algn="l"/>
+            <a:r>
+              <a:rPr lang="nl-NL" dirty="0"/>
+              <a:t>Technology Stack: </a:t>
+            </a:r>
+            <a:r>
+              <a:rPr lang="nl-NL" dirty="0" err="1"/>
+              <a:t>Orchestration</a:t>
+            </a:r>
+            <a:endParaRPr lang="nl-NL" dirty="0"/>
+          </a:p>
+        </p:txBody>
+      </p:sp>
+      <p:sp>
+        <p:nvSpPr>
+          <p:cNvPr id="3" name="Tijdelijke aanduiding voor inhoud 2">
+            <a:extLst>
+              <a:ext uri="{FF2B5EF4-FFF2-40B4-BE49-F238E27FC236}">
+                <a16:creationId xmlns:a16="http://schemas.microsoft.com/office/drawing/2014/main" id="{96436896-865D-4BB5-A20E-23198F411869}"/>
+              </a:ext>
+            </a:extLst>
+          </p:cNvPr>
+          <p:cNvSpPr txBox="1">
+            <a:spLocks/>
+          </p:cNvSpPr>
+          <p:nvPr/>
+        </p:nvSpPr>
+        <p:spPr>
+          <a:xfrm>
+            <a:off x="3220212" y="2970559"/>
+            <a:ext cx="6839500" cy="1868141"/>
+          </a:xfrm>
+          <a:prstGeom prst="rect">
+            <a:avLst/>
+          </a:prstGeom>
+          <a:ln>
+            <a:noFill/>
+          </a:ln>
+        </p:spPr>
+        <p:txBody>
+          <a:bodyPr vert="horz" lIns="91440" tIns="45720" rIns="91440" bIns="45720" rtlCol="0" anchor="t" anchorCtr="0">
+            <a:normAutofit/>
+          </a:bodyPr>
+          <a:lstStyle>
+            <a:lvl1pPr marL="144661" indent="-144661" algn="l" defTabSz="385763" rtl="0" eaLnBrk="1" latinLnBrk="0" hangingPunct="1">
+              <a:spcBef>
+                <a:spcPct val="20000"/>
+              </a:spcBef>
+              <a:buFont typeface="Arial" panose="020B0604020202020204" pitchFamily="34" charset="0"/>
+              <a:buChar char="•"/>
+              <a:defRPr sz="2100" kern="1200">
+                <a:solidFill>
+                  <a:schemeClr val="tx1"/>
+                </a:solidFill>
+                <a:latin typeface="Segoe UI Semilight" panose="020B0402040204020203" pitchFamily="34" charset="0"/>
+                <a:ea typeface="+mn-ea"/>
+                <a:cs typeface="Segoe UI Semilight" panose="020B0402040204020203" pitchFamily="34" charset="0"/>
+              </a:defRPr>
+            </a:lvl1pPr>
+            <a:lvl2pPr marL="313433" indent="-120551" algn="l" defTabSz="385763" rtl="0" eaLnBrk="1" latinLnBrk="0" hangingPunct="1">
+              <a:spcBef>
+                <a:spcPct val="20000"/>
+              </a:spcBef>
+              <a:buFont typeface="Arial" panose="020B0604020202020204" pitchFamily="34" charset="0"/>
+              <a:buChar char="–"/>
+              <a:defRPr sz="1800" kern="1200">
+                <a:solidFill>
+                  <a:schemeClr val="tx1"/>
+                </a:solidFill>
+                <a:latin typeface="Segoe UI Semilight" panose="020B0402040204020203" pitchFamily="34" charset="0"/>
+                <a:ea typeface="+mn-ea"/>
+                <a:cs typeface="Segoe UI Semilight" panose="020B0402040204020203" pitchFamily="34" charset="0"/>
+              </a:defRPr>
+            </a:lvl2pPr>
+            <a:lvl3pPr marL="482204" indent="-96441" algn="l" defTabSz="385763" rtl="0" eaLnBrk="1" latinLnBrk="0" hangingPunct="1">
+              <a:spcBef>
+                <a:spcPct val="20000"/>
+              </a:spcBef>
+              <a:buFont typeface="Arial" panose="020B0604020202020204" pitchFamily="34" charset="0"/>
+              <a:buChar char="•"/>
+              <a:defRPr sz="1500" kern="1200">
+                <a:solidFill>
+                  <a:schemeClr val="tx1"/>
+                </a:solidFill>
+                <a:latin typeface="Segoe UI Semilight" panose="020B0402040204020203" pitchFamily="34" charset="0"/>
+                <a:ea typeface="+mn-ea"/>
+                <a:cs typeface="Segoe UI Semilight" panose="020B0402040204020203" pitchFamily="34" charset="0"/>
+              </a:defRPr>
+            </a:lvl3pPr>
+            <a:lvl4pPr marL="675085" indent="-96441" algn="l" defTabSz="385763" rtl="0" eaLnBrk="1" latinLnBrk="0" hangingPunct="1">
+              <a:spcBef>
+                <a:spcPct val="20000"/>
+              </a:spcBef>
+              <a:buFont typeface="Arial" panose="020B0604020202020204" pitchFamily="34" charset="0"/>
+              <a:buChar char="–"/>
+              <a:defRPr sz="1350" kern="1200">
+                <a:solidFill>
+                  <a:schemeClr val="tx1"/>
+                </a:solidFill>
+                <a:latin typeface="Segoe UI Semilight" panose="020B0402040204020203" pitchFamily="34" charset="0"/>
+                <a:ea typeface="+mn-ea"/>
+                <a:cs typeface="Segoe UI Semilight" panose="020B0402040204020203" pitchFamily="34" charset="0"/>
+              </a:defRPr>
+            </a:lvl4pPr>
+            <a:lvl5pPr marL="867966" indent="-96441" algn="l" defTabSz="385763" rtl="0" eaLnBrk="1" latinLnBrk="0" hangingPunct="1">
+              <a:spcBef>
+                <a:spcPct val="20000"/>
+              </a:spcBef>
+              <a:buFont typeface="Arial" panose="020B0604020202020204" pitchFamily="34" charset="0"/>
+              <a:buChar char="»"/>
+              <a:defRPr sz="1350" kern="1200">
+                <a:solidFill>
+                  <a:schemeClr val="tx1"/>
+                </a:solidFill>
+                <a:latin typeface="Segoe UI Semilight" panose="020B0402040204020203" pitchFamily="34" charset="0"/>
+                <a:ea typeface="+mn-ea"/>
+                <a:cs typeface="Segoe UI Semilight" panose="020B0402040204020203" pitchFamily="34" charset="0"/>
+              </a:defRPr>
+            </a:lvl5pPr>
+            <a:lvl6pPr marL="1060847" indent="-96441" algn="l" defTabSz="385763" rtl="0" eaLnBrk="1" latinLnBrk="0" hangingPunct="1">
+              <a:spcBef>
+                <a:spcPct val="20000"/>
+              </a:spcBef>
+              <a:buFont typeface="Arial" panose="020B0604020202020204" pitchFamily="34" charset="0"/>
+              <a:buChar char="•"/>
+              <a:defRPr sz="844" kern="1200">
+                <a:solidFill>
+                  <a:schemeClr val="tx1"/>
+                </a:solidFill>
+                <a:latin typeface="+mn-lt"/>
+                <a:ea typeface="+mn-ea"/>
+                <a:cs typeface="+mn-cs"/>
+              </a:defRPr>
+            </a:lvl6pPr>
+            <a:lvl7pPr marL="1253729" indent="-96441" algn="l" defTabSz="385763" rtl="0" eaLnBrk="1" latinLnBrk="0" hangingPunct="1">
+              <a:spcBef>
+                <a:spcPct val="20000"/>
+              </a:spcBef>
+              <a:buFont typeface="Arial" panose="020B0604020202020204" pitchFamily="34" charset="0"/>
+              <a:buChar char="•"/>
+              <a:defRPr sz="844" kern="1200">
+                <a:solidFill>
+                  <a:schemeClr val="tx1"/>
+                </a:solidFill>
+                <a:latin typeface="+mn-lt"/>
+                <a:ea typeface="+mn-ea"/>
+                <a:cs typeface="+mn-cs"/>
+              </a:defRPr>
+            </a:lvl7pPr>
+            <a:lvl8pPr marL="1446610" indent="-96441" algn="l" defTabSz="385763" rtl="0" eaLnBrk="1" latinLnBrk="0" hangingPunct="1">
+              <a:spcBef>
+                <a:spcPct val="20000"/>
+              </a:spcBef>
+              <a:buFont typeface="Arial" panose="020B0604020202020204" pitchFamily="34" charset="0"/>
+              <a:buChar char="•"/>
+              <a:defRPr sz="844" kern="1200">
+                <a:solidFill>
+                  <a:schemeClr val="tx1"/>
+                </a:solidFill>
+                <a:latin typeface="+mn-lt"/>
+                <a:ea typeface="+mn-ea"/>
+                <a:cs typeface="+mn-cs"/>
+              </a:defRPr>
+            </a:lvl8pPr>
+            <a:lvl9pPr marL="1639491" indent="-96441" algn="l" defTabSz="385763" rtl="0" eaLnBrk="1" latinLnBrk="0" hangingPunct="1">
+              <a:spcBef>
+                <a:spcPct val="20000"/>
+              </a:spcBef>
+              <a:buFont typeface="Arial" panose="020B0604020202020204" pitchFamily="34" charset="0"/>
+              <a:buChar char="•"/>
+              <a:defRPr sz="844" kern="1200">
+                <a:solidFill>
+                  <a:schemeClr val="tx1"/>
+                </a:solidFill>
+                <a:latin typeface="+mn-lt"/>
+                <a:ea typeface="+mn-ea"/>
+                <a:cs typeface="+mn-cs"/>
+              </a:defRPr>
+            </a:lvl9pPr>
+          </a:lstStyle>
+          <a:p>
+            <a:pPr marL="0" indent="0">
+              <a:buNone/>
+            </a:pPr>
+            <a:r>
+              <a:rPr lang="nl-NL" dirty="0"/>
+              <a:t>Using Rancher to manage </a:t>
+            </a:r>
+            <a:r>
+              <a:rPr lang="nl-NL" dirty="0" err="1"/>
+              <a:t>Kubernetes</a:t>
+            </a:r>
+            <a:r>
+              <a:rPr lang="nl-NL" dirty="0"/>
+              <a:t> (</a:t>
+            </a:r>
+            <a:r>
+              <a:rPr lang="nl-NL" dirty="0" err="1"/>
+              <a:t>networking</a:t>
+            </a:r>
+            <a:r>
+              <a:rPr lang="nl-NL" dirty="0"/>
+              <a:t>, </a:t>
+            </a:r>
+            <a:r>
+              <a:rPr lang="nl-NL" dirty="0" err="1"/>
+              <a:t>ingresses</a:t>
+            </a:r>
+            <a:r>
+              <a:rPr lang="nl-NL" dirty="0"/>
+              <a:t>, services, storage)</a:t>
+            </a:r>
+          </a:p>
+          <a:p>
+            <a:pPr marL="0" indent="0">
+              <a:buNone/>
+            </a:pPr>
+            <a:r>
+              <a:rPr lang="nl-NL" dirty="0"/>
+              <a:t>Using </a:t>
+            </a:r>
+            <a:r>
+              <a:rPr lang="nl-NL" dirty="0" err="1"/>
+              <a:t>Kubernetes</a:t>
+            </a:r>
+            <a:r>
+              <a:rPr lang="nl-NL" dirty="0"/>
+              <a:t> to manage Docker containers</a:t>
+            </a:r>
+          </a:p>
+          <a:p>
+            <a:pPr marL="0" indent="0">
+              <a:buNone/>
+            </a:pPr>
+            <a:r>
+              <a:rPr lang="nl-NL" dirty="0" err="1"/>
+              <a:t>Defining</a:t>
+            </a:r>
+            <a:r>
+              <a:rPr lang="nl-NL" dirty="0"/>
+              <a:t> cluster state in Helmfiles</a:t>
+            </a:r>
+          </a:p>
+        </p:txBody>
+      </p:sp>
+    </p:spTree>
+    <p:extLst>
+      <p:ext uri="{BB962C8B-B14F-4D97-AF65-F5344CB8AC3E}">
+        <p14:creationId xmlns:p14="http://schemas.microsoft.com/office/powerpoint/2010/main" val="3763643309"/>
+      </p:ext>
+    </p:extLst>
+  </p:cSld>
+  <p:clrMapOvr>
+    <a:masterClrMapping/>
+  </p:clrMapOvr>
+  <mc:AlternateContent xmlns:mc="http://schemas.openxmlformats.org/markup-compatibility/2006">
+    <mc:Choice xmlns:p14="http://schemas.microsoft.com/office/powerpoint/2010/main" Requires="p14">
+      <p:transition spd="slow" p14:dur="800">
+        <p14:flythrough dir="out"/>
+      </p:transition>
+    </mc:Choice>
+    <mc:Fallback>
+      <p:transition spd="slow">
+        <p:fade/>
+      </p:transition>
+    </mc:Fallback>
+  </mc:AlternateContent>
+  <p:timing>
+    <p:tnLst>
+      <p:par>
+        <p:cTn id="1" dur="indefinite" restart="never" nodeType="tmRoot">
+          <p:childTnLst>
+            <p:seq concurrent="1" nextAc="seek">
+              <p:cTn id="2" dur="indefinite" nodeType="mainSeq">
+                <p:childTnLst>
+                  <p:par>
+                    <p:cTn id="3" fill="hold">
+                      <p:stCondLst>
+                        <p:cond delay="indefinite"/>
+                      </p:stCondLst>
+                      <p:childTnLst>
+                        <p:par>
+                          <p:cTn id="4" fill="hold">
+                            <p:stCondLst>
+                              <p:cond delay="0"/>
+                            </p:stCondLst>
+                            <p:childTnLst>
+                              <p:par>
+                                <p:cTn id="5" presetID="64" presetClass="path" presetSubtype="0" decel="50000" fill="hold" grpId="0" nodeType="clickEffect">
+                                  <p:stCondLst>
+                                    <p:cond delay="0"/>
+                                  </p:stCondLst>
+                                  <p:childTnLst>
+                                    <p:animMotion origin="layout" path="M 8.33333E-7 0 L -0.00052 -0.14167 " pathEditMode="relative" rAng="0" ptsTypes="AA">
+                                      <p:cBhvr>
+                                        <p:cTn id="6" dur="500" fill="hold"/>
+                                        <p:tgtEl>
+                                          <p:spTgt spid="2"/>
+                                        </p:tgtEl>
+                                        <p:attrNameLst>
+                                          <p:attrName>ppt_x</p:attrName>
+                                          <p:attrName>ppt_y</p:attrName>
+                                        </p:attrNameLst>
+                                      </p:cBhvr>
+                                      <p:rCtr x="-26" y="-7083"/>
+                                    </p:animMotion>
+                                  </p:childTnLst>
+                                </p:cTn>
+                              </p:par>
+                              <p:par>
+                                <p:cTn id="7" presetID="12" presetClass="entr" presetSubtype="4" fill="hold" grpId="0" nodeType="withEffect">
+                                  <p:stCondLst>
+                                    <p:cond delay="0"/>
+                                  </p:stCondLst>
+                                  <p:childTnLst>
+                                    <p:set>
+                                      <p:cBhvr>
+                                        <p:cTn id="8" dur="1" fill="hold">
+                                          <p:stCondLst>
+                                            <p:cond delay="0"/>
+                                          </p:stCondLst>
+                                        </p:cTn>
+                                        <p:tgtEl>
+                                          <p:spTgt spid="3"/>
+                                        </p:tgtEl>
+                                        <p:attrNameLst>
+                                          <p:attrName>style.visibility</p:attrName>
+                                        </p:attrNameLst>
+                                      </p:cBhvr>
+                                      <p:to>
+                                        <p:strVal val="visible"/>
+                                      </p:to>
+                                    </p:set>
+                                    <p:anim calcmode="lin" valueType="num">
+                                      <p:cBhvr additive="base">
+                                        <p:cTn id="9" dur="500"/>
+                                        <p:tgtEl>
+                                          <p:spTgt spid="3"/>
+                                        </p:tgtEl>
+                                        <p:attrNameLst>
+                                          <p:attrName>ppt_y</p:attrName>
+                                        </p:attrNameLst>
+                                      </p:cBhvr>
+                                      <p:tavLst>
+                                        <p:tav tm="0">
+                                          <p:val>
+                                            <p:strVal val="#ppt_y+#ppt_h*1.125000"/>
+                                          </p:val>
+                                        </p:tav>
+                                        <p:tav tm="100000">
+                                          <p:val>
+                                            <p:strVal val="#ppt_y"/>
+                                          </p:val>
+                                        </p:tav>
+                                      </p:tavLst>
+                                    </p:anim>
+                                    <p:animEffect transition="in" filter="wipe(up)">
+                                      <p:cBhvr>
+                                        <p:cTn id="10" dur="500"/>
+                                        <p:tgtEl>
+                                          <p:spTgt spid="3"/>
+                                        </p:tgtEl>
+                                      </p:cBhvr>
+                                    </p:animEffect>
+                                  </p:childTnLst>
+                                </p:cTn>
+                              </p:par>
+                              <p:par>
+                                <p:cTn id="11" presetID="64" presetClass="path" presetSubtype="0" decel="50000" fill="hold" grpId="1" nodeType="withEffect">
+                                  <p:stCondLst>
+                                    <p:cond delay="0"/>
+                                  </p:stCondLst>
+                                  <p:childTnLst>
+                                    <p:animMotion origin="layout" path="M -0.00052 0.06227 L -1.45833E-6 -2.96296E-6 " pathEditMode="relative" rAng="0" ptsTypes="AA">
+                                      <p:cBhvr>
+                                        <p:cTn id="12" dur="500" fill="hold"/>
+                                        <p:tgtEl>
+                                          <p:spTgt spid="3"/>
+                                        </p:tgtEl>
+                                        <p:attrNameLst>
+                                          <p:attrName>ppt_x</p:attrName>
+                                          <p:attrName>ppt_y</p:attrName>
+                                        </p:attrNameLst>
+                                      </p:cBhvr>
+                                      <p:rCtr x="26" y="-3125"/>
+                                    </p:animMotion>
+                                  </p:childTnLst>
+                                </p:cTn>
+                              </p:par>
+                            </p:childTnLst>
+                          </p:cTn>
+                        </p:par>
+                      </p:childTnLst>
+                    </p:cTn>
+                  </p:par>
+                </p:childTnLst>
+              </p:cTn>
+              <p:prevCondLst>
+                <p:cond evt="onPrev" delay="0">
+                  <p:tgtEl>
+                    <p:sldTgt/>
+                  </p:tgtEl>
+                </p:cond>
+              </p:prevCondLst>
+              <p:nextCondLst>
+                <p:cond evt="onNext" delay="0">
+                  <p:tgtEl>
+                    <p:sldTgt/>
+                  </p:tgtEl>
+                </p:cond>
+              </p:nextCondLst>
+            </p:seq>
+          </p:childTnLst>
+        </p:cTn>
+      </p:par>
+    </p:tnLst>
+    <p:bldLst>
+      <p:bldP spid="2" grpId="0"/>
+      <p:bldP spid="3" grpId="0"/>
+      <p:bldP spid="3" grpId="1"/>
+    </p:bldLst>
+  </p:timing>
+</p:sld>
+</file>
+
+<file path=ppt/slides/slide9.xml><?xml version="1.0" encoding="utf-8"?>
+<p:sld xmlns:a="http://schemas.openxmlformats.org/drawingml/2006/main" xmlns:r="http://schemas.openxmlformats.org/officeDocument/2006/relationships" xmlns:p="http://schemas.openxmlformats.org/presentationml/2006/main" show="0">
+  <p:cSld>
+    <p:spTree>
+      <p:nvGrpSpPr>
+        <p:cNvPr id="1" name=""/>
+        <p:cNvGrpSpPr/>
+        <p:nvPr/>
+      </p:nvGrpSpPr>
+      <p:grpSpPr>
+        <a:xfrm>
+          <a:off x="0" y="0"/>
+          <a:ext cx="0" cy="0"/>
+          <a:chOff x="0" y="0"/>
+          <a:chExt cx="0" cy="0"/>
+        </a:xfrm>
+      </p:grpSpPr>
+      <p:sp>
+        <p:nvSpPr>
+          <p:cNvPr id="2" name="Titel 1"/>
+          <p:cNvSpPr>
+            <a:spLocks noGrp="1"/>
+          </p:cNvSpPr>
+          <p:nvPr>
+            <p:ph type="title"/>
+          </p:nvPr>
+        </p:nvSpPr>
+        <p:spPr>
+          <a:xfrm>
+            <a:off x="3220872" y="2857500"/>
+            <a:ext cx="7567683" cy="1143000"/>
+          </a:xfrm>
+        </p:spPr>
+        <p:txBody>
+          <a:bodyPr/>
+          <a:lstStyle/>
+          <a:p>
+            <a:pPr algn="l"/>
+            <a:r>
+              <a:rPr lang="nl-NL" dirty="0"/>
+              <a:t>Erg lange titel voor deze template pagina die ik nu maak</a:t>
+            </a:r>
+          </a:p>
+        </p:txBody>
+      </p:sp>
+      <p:sp>
+        <p:nvSpPr>
+          <p:cNvPr id="3" name="Tijdelijke aanduiding voor inhoud 2">
+            <a:extLst>
+              <a:ext uri="{FF2B5EF4-FFF2-40B4-BE49-F238E27FC236}">
+                <a16:creationId xmlns:a16="http://schemas.microsoft.com/office/drawing/2014/main" id="{96436896-865D-4BB5-A20E-23198F411869}"/>
+              </a:ext>
+            </a:extLst>
+          </p:cNvPr>
+          <p:cNvSpPr txBox="1">
+            <a:spLocks/>
+          </p:cNvSpPr>
+          <p:nvPr/>
+        </p:nvSpPr>
+        <p:spPr>
+          <a:xfrm>
+            <a:off x="3220212" y="2970559"/>
+            <a:ext cx="6839500" cy="1868141"/>
+          </a:xfrm>
+          <a:prstGeom prst="rect">
+            <a:avLst/>
+          </a:prstGeom>
+          <a:ln>
+            <a:noFill/>
+          </a:ln>
+        </p:spPr>
+        <p:txBody>
+          <a:bodyPr vert="horz" lIns="91440" tIns="45720" rIns="91440" bIns="45720" rtlCol="0" anchor="t" anchorCtr="0">
+            <a:normAutofit/>
+          </a:bodyPr>
+          <a:lstStyle>
+            <a:lvl1pPr marL="144661" indent="-144661" algn="l" defTabSz="385763" rtl="0" eaLnBrk="1" latinLnBrk="0" hangingPunct="1">
+              <a:spcBef>
+                <a:spcPct val="20000"/>
+              </a:spcBef>
+              <a:buFont typeface="Arial" panose="020B0604020202020204" pitchFamily="34" charset="0"/>
+              <a:buChar char="•"/>
+              <a:defRPr sz="2100" kern="1200">
+                <a:solidFill>
+                  <a:schemeClr val="tx1"/>
+                </a:solidFill>
+                <a:latin typeface="Segoe UI Semilight" panose="020B0402040204020203" pitchFamily="34" charset="0"/>
+                <a:ea typeface="+mn-ea"/>
+                <a:cs typeface="Segoe UI Semilight" panose="020B0402040204020203" pitchFamily="34" charset="0"/>
+              </a:defRPr>
+            </a:lvl1pPr>
+            <a:lvl2pPr marL="313433" indent="-120551" algn="l" defTabSz="385763" rtl="0" eaLnBrk="1" latinLnBrk="0" hangingPunct="1">
+              <a:spcBef>
+                <a:spcPct val="20000"/>
+              </a:spcBef>
+              <a:buFont typeface="Arial" panose="020B0604020202020204" pitchFamily="34" charset="0"/>
+              <a:buChar char="–"/>
+              <a:defRPr sz="1800" kern="1200">
+                <a:solidFill>
+                  <a:schemeClr val="tx1"/>
+                </a:solidFill>
+                <a:latin typeface="Segoe UI Semilight" panose="020B0402040204020203" pitchFamily="34" charset="0"/>
+                <a:ea typeface="+mn-ea"/>
+                <a:cs typeface="Segoe UI Semilight" panose="020B0402040204020203" pitchFamily="34" charset="0"/>
+              </a:defRPr>
+            </a:lvl2pPr>
+            <a:lvl3pPr marL="482204" indent="-96441" algn="l" defTabSz="385763" rtl="0" eaLnBrk="1" latinLnBrk="0" hangingPunct="1">
+              <a:spcBef>
+                <a:spcPct val="20000"/>
+              </a:spcBef>
+              <a:buFont typeface="Arial" panose="020B0604020202020204" pitchFamily="34" charset="0"/>
+              <a:buChar char="•"/>
+              <a:defRPr sz="1500" kern="1200">
+                <a:solidFill>
+                  <a:schemeClr val="tx1"/>
+                </a:solidFill>
+                <a:latin typeface="Segoe UI Semilight" panose="020B0402040204020203" pitchFamily="34" charset="0"/>
+                <a:ea typeface="+mn-ea"/>
+                <a:cs typeface="Segoe UI Semilight" panose="020B0402040204020203" pitchFamily="34" charset="0"/>
+              </a:defRPr>
+            </a:lvl3pPr>
+            <a:lvl4pPr marL="675085" indent="-96441" algn="l" defTabSz="385763" rtl="0" eaLnBrk="1" latinLnBrk="0" hangingPunct="1">
+              <a:spcBef>
+                <a:spcPct val="20000"/>
+              </a:spcBef>
+              <a:buFont typeface="Arial" panose="020B0604020202020204" pitchFamily="34" charset="0"/>
+              <a:buChar char="–"/>
+              <a:defRPr sz="1350" kern="1200">
+                <a:solidFill>
+                  <a:schemeClr val="tx1"/>
+                </a:solidFill>
+                <a:latin typeface="Segoe UI Semilight" panose="020B0402040204020203" pitchFamily="34" charset="0"/>
+                <a:ea typeface="+mn-ea"/>
+                <a:cs typeface="Segoe UI Semilight" panose="020B0402040204020203" pitchFamily="34" charset="0"/>
+              </a:defRPr>
+            </a:lvl4pPr>
+            <a:lvl5pPr marL="867966" indent="-96441" algn="l" defTabSz="385763" rtl="0" eaLnBrk="1" latinLnBrk="0" hangingPunct="1">
+              <a:spcBef>
+                <a:spcPct val="20000"/>
+              </a:spcBef>
+              <a:buFont typeface="Arial" panose="020B0604020202020204" pitchFamily="34" charset="0"/>
+              <a:buChar char="»"/>
+              <a:defRPr sz="1350" kern="1200">
+                <a:solidFill>
+                  <a:schemeClr val="tx1"/>
+                </a:solidFill>
+                <a:latin typeface="Segoe UI Semilight" panose="020B0402040204020203" pitchFamily="34" charset="0"/>
+                <a:ea typeface="+mn-ea"/>
+                <a:cs typeface="Segoe UI Semilight" panose="020B0402040204020203" pitchFamily="34" charset="0"/>
+              </a:defRPr>
+            </a:lvl5pPr>
+            <a:lvl6pPr marL="1060847" indent="-96441" algn="l" defTabSz="385763" rtl="0" eaLnBrk="1" latinLnBrk="0" hangingPunct="1">
+              <a:spcBef>
+                <a:spcPct val="20000"/>
+              </a:spcBef>
+              <a:buFont typeface="Arial" panose="020B0604020202020204" pitchFamily="34" charset="0"/>
+              <a:buChar char="•"/>
+              <a:defRPr sz="844" kern="1200">
+                <a:solidFill>
+                  <a:schemeClr val="tx1"/>
+                </a:solidFill>
+                <a:latin typeface="+mn-lt"/>
+                <a:ea typeface="+mn-ea"/>
+                <a:cs typeface="+mn-cs"/>
+              </a:defRPr>
+            </a:lvl6pPr>
+            <a:lvl7pPr marL="1253729" indent="-96441" algn="l" defTabSz="385763" rtl="0" eaLnBrk="1" latinLnBrk="0" hangingPunct="1">
+              <a:spcBef>
+                <a:spcPct val="20000"/>
+              </a:spcBef>
+              <a:buFont typeface="Arial" panose="020B0604020202020204" pitchFamily="34" charset="0"/>
+              <a:buChar char="•"/>
+              <a:defRPr sz="844" kern="1200">
+                <a:solidFill>
+                  <a:schemeClr val="tx1"/>
+                </a:solidFill>
+                <a:latin typeface="+mn-lt"/>
+                <a:ea typeface="+mn-ea"/>
+                <a:cs typeface="+mn-cs"/>
+              </a:defRPr>
+            </a:lvl7pPr>
+            <a:lvl8pPr marL="1446610" indent="-96441" algn="l" defTabSz="385763" rtl="0" eaLnBrk="1" latinLnBrk="0" hangingPunct="1">
+              <a:spcBef>
+                <a:spcPct val="20000"/>
+              </a:spcBef>
+              <a:buFont typeface="Arial" panose="020B0604020202020204" pitchFamily="34" charset="0"/>
+              <a:buChar char="•"/>
+              <a:defRPr sz="844" kern="1200">
+                <a:solidFill>
+                  <a:schemeClr val="tx1"/>
+                </a:solidFill>
+                <a:latin typeface="+mn-lt"/>
+                <a:ea typeface="+mn-ea"/>
+                <a:cs typeface="+mn-cs"/>
+              </a:defRPr>
+            </a:lvl8pPr>
+            <a:lvl9pPr marL="1639491" indent="-96441" algn="l" defTabSz="385763" rtl="0" eaLnBrk="1" latinLnBrk="0" hangingPunct="1">
+              <a:spcBef>
+                <a:spcPct val="20000"/>
+              </a:spcBef>
+              <a:buFont typeface="Arial" panose="020B0604020202020204" pitchFamily="34" charset="0"/>
+              <a:buChar char="•"/>
+              <a:defRPr sz="844" kern="1200">
+                <a:solidFill>
+                  <a:schemeClr val="tx1"/>
+                </a:solidFill>
+                <a:latin typeface="+mn-lt"/>
+                <a:ea typeface="+mn-ea"/>
+                <a:cs typeface="+mn-cs"/>
+              </a:defRPr>
+            </a:lvl9pPr>
+          </a:lstStyle>
+          <a:p>
+            <a:pPr marL="0" indent="0">
+              <a:buNone/>
+            </a:pPr>
+            <a:r>
+              <a:rPr lang="nl-NL" dirty="0"/>
+              <a:t>Minder lange inhoud voor deze template pagina</a:t>
+            </a:r>
+          </a:p>
+        </p:txBody>
+      </p:sp>
+    </p:spTree>
+    <p:extLst>
+      <p:ext uri="{BB962C8B-B14F-4D97-AF65-F5344CB8AC3E}">
+        <p14:creationId xmlns:p14="http://schemas.microsoft.com/office/powerpoint/2010/main" val="2618129064"/>
+      </p:ext>
+    </p:extLst>
+  </p:cSld>
+  <p:clrMapOvr>
+    <a:masterClrMapping/>
+  </p:clrMapOvr>
+  <mc:AlternateContent xmlns:mc="http://schemas.openxmlformats.org/markup-compatibility/2006" xmlns:p14="http://schemas.microsoft.com/office/powerpoint/2010/main">
+    <mc:Choice Requires="p14">
+      <p:transition spd="slow" p14:dur="800">
+        <p14:flythrough dir="out"/>
+      </p:transition>
+    </mc:Choice>
+    <mc:Fallback xmlns="">
+      <p:transition spd="slow">
+        <p:fade/>
+      </p:transition>
+    </mc:Fallback>
+  </mc:AlternateContent>
+  <p:timing>
+    <p:tnLst>
+      <p:par>
+        <p:cTn id="1" dur="indefinite" restart="never" nodeType="tmRoot">
+          <p:childTnLst>
+            <p:seq concurrent="1" nextAc="seek">
+              <p:cTn id="2" dur="indefinite" nodeType="mainSeq">
+                <p:childTnLst>
+                  <p:par>
+                    <p:cTn id="3" fill="hold">
+                      <p:stCondLst>
+                        <p:cond delay="indefinite"/>
+                      </p:stCondLst>
+                      <p:childTnLst>
+                        <p:par>
+                          <p:cTn id="4" fill="hold">
+                            <p:stCondLst>
+                              <p:cond delay="0"/>
+                            </p:stCondLst>
+                            <p:childTnLst>
+                              <p:par>
+                                <p:cTn id="5" presetID="64" presetClass="path" presetSubtype="0" decel="50000" fill="hold" grpId="0" nodeType="clickEffect">
+                                  <p:stCondLst>
+                                    <p:cond delay="0"/>
+                                  </p:stCondLst>
+                                  <p:childTnLst>
+                                    <p:animMotion origin="layout" path="M 8.33333E-7 0 L -0.00052 -0.14167 " pathEditMode="relative" rAng="0" ptsTypes="AA">
+                                      <p:cBhvr>
+                                        <p:cTn id="6" dur="500" fill="hold"/>
+                                        <p:tgtEl>
+                                          <p:spTgt spid="2"/>
+                                        </p:tgtEl>
+                                        <p:attrNameLst>
+                                          <p:attrName>ppt_x</p:attrName>
+                                          <p:attrName>ppt_y</p:attrName>
+                                        </p:attrNameLst>
+                                      </p:cBhvr>
+                                      <p:rCtr x="-26" y="-7083"/>
+                                    </p:animMotion>
+                                  </p:childTnLst>
+                                </p:cTn>
+                              </p:par>
+                              <p:par>
+                                <p:cTn id="7" presetID="12" presetClass="entr" presetSubtype="4" fill="hold" grpId="0" nodeType="withEffect">
+                                  <p:stCondLst>
+                                    <p:cond delay="0"/>
+                                  </p:stCondLst>
+                                  <p:childTnLst>
+                                    <p:set>
+                                      <p:cBhvr>
+                                        <p:cTn id="8" dur="1" fill="hold">
+                                          <p:stCondLst>
+                                            <p:cond delay="0"/>
+                                          </p:stCondLst>
+                                        </p:cTn>
+                                        <p:tgtEl>
+                                          <p:spTgt spid="3"/>
+                                        </p:tgtEl>
+                                        <p:attrNameLst>
+                                          <p:attrName>style.visibility</p:attrName>
+                                        </p:attrNameLst>
+                                      </p:cBhvr>
+                                      <p:to>
+                                        <p:strVal val="visible"/>
+                                      </p:to>
+                                    </p:set>
+                                    <p:anim calcmode="lin" valueType="num">
+                                      <p:cBhvr additive="base">
+                                        <p:cTn id="9" dur="500"/>
+                                        <p:tgtEl>
+                                          <p:spTgt spid="3"/>
+                                        </p:tgtEl>
+                                        <p:attrNameLst>
+                                          <p:attrName>ppt_y</p:attrName>
+                                        </p:attrNameLst>
+                                      </p:cBhvr>
+                                      <p:tavLst>
+                                        <p:tav tm="0">
+                                          <p:val>
+                                            <p:strVal val="#ppt_y+#ppt_h*1.125000"/>
+                                          </p:val>
+                                        </p:tav>
+                                        <p:tav tm="100000">
+                                          <p:val>
+                                            <p:strVal val="#ppt_y"/>
+                                          </p:val>
+                                        </p:tav>
+                                      </p:tavLst>
+                                    </p:anim>
+                                    <p:animEffect transition="in" filter="wipe(up)">
+                                      <p:cBhvr>
+                                        <p:cTn id="10" dur="500"/>
+                                        <p:tgtEl>
+                                          <p:spTgt spid="3"/>
+                                        </p:tgtEl>
+                                      </p:cBhvr>
+                                    </p:animEffect>
+                                  </p:childTnLst>
+                                </p:cTn>
+                              </p:par>
+                              <p:par>
+                                <p:cTn id="11" presetID="64" presetClass="path" presetSubtype="0" decel="50000" fill="hold" grpId="1" nodeType="withEffect">
+                                  <p:stCondLst>
+                                    <p:cond delay="0"/>
+                                  </p:stCondLst>
+                                  <p:childTnLst>
+                                    <p:animMotion origin="layout" path="M -0.00052 0.06227 L -1.45833E-6 -2.96296E-6 " pathEditMode="relative" rAng="0" ptsTypes="AA">
+                                      <p:cBhvr>
+                                        <p:cTn id="12" dur="500" fill="hold"/>
+                                        <p:tgtEl>
+                                          <p:spTgt spid="3"/>
+                                        </p:tgtEl>
+                                        <p:attrNameLst>
+                                          <p:attrName>ppt_x</p:attrName>
+                                          <p:attrName>ppt_y</p:attrName>
+                                        </p:attrNameLst>
+                                      </p:cBhvr>
+                                      <p:rCtr x="26" y="-3125"/>
+                                    </p:animMotion>
+                                  </p:childTnLst>
+                                </p:cTn>
+                              </p:par>
+                            </p:childTnLst>
+                          </p:cTn>
+                        </p:par>
+                      </p:childTnLst>
+                    </p:cTn>
+                  </p:par>
+                </p:childTnLst>
+              </p:cTn>
+              <p:prevCondLst>
+                <p:cond evt="onPrev" delay="0">
+                  <p:tgtEl>
+                    <p:sldTgt/>
+                  </p:tgtEl>
+                </p:cond>
+              </p:prevCondLst>
+              <p:nextCondLst>
+                <p:cond evt="onNext" delay="0">
+                  <p:tgtEl>
+                    <p:sldTgt/>
+                  </p:tgtEl>
+                </p:cond>
+              </p:nextCondLst>
+            </p:seq>
+          </p:childTnLst>
+        </p:cTn>
+      </p:par>
+    </p:tnLst>
+    <p:bldLst>
+      <p:bldP spid="2" grpId="0"/>
+      <p:bldP spid="3" grpId="0"/>
+      <p:bldP spid="3" grpId="1"/>
+    </p:bldLst>
+  </p:timing>
 </p:sld>
 </file>
 
@@ -4144,4 +11560,589 @@
     </a:ext>
   </a:extLst>
 </a:theme>
+</file>
+
+<file path=ppt/theme/theme2.xml><?xml version="1.0" encoding="utf-8"?>
+<a:theme xmlns:a="http://schemas.openxmlformats.org/drawingml/2006/main" name="Thema2">
+  <a:themeElements>
+    <a:clrScheme name="Kantoor">
+      <a:dk1>
+        <a:sysClr val="windowText" lastClr="000000"/>
+      </a:dk1>
+      <a:lt1>
+        <a:sysClr val="window" lastClr="FFFFFF"/>
+      </a:lt1>
+      <a:dk2>
+        <a:srgbClr val="1F497D"/>
+      </a:dk2>
+      <a:lt2>
+        <a:srgbClr val="EEECE1"/>
+      </a:lt2>
+      <a:accent1>
+        <a:srgbClr val="4F81BD"/>
+      </a:accent1>
+      <a:accent2>
+        <a:srgbClr val="C0504D"/>
+      </a:accent2>
+      <a:accent3>
+        <a:srgbClr val="9BBB59"/>
+      </a:accent3>
+      <a:accent4>
+        <a:srgbClr val="8064A2"/>
+      </a:accent4>
+      <a:accent5>
+        <a:srgbClr val="4BACC6"/>
+      </a:accent5>
+      <a:accent6>
+        <a:srgbClr val="F79646"/>
+      </a:accent6>
+      <a:hlink>
+        <a:srgbClr val="0000FF"/>
+      </a:hlink>
+      <a:folHlink>
+        <a:srgbClr val="800080"/>
+      </a:folHlink>
+    </a:clrScheme>
+    <a:fontScheme name="Kantoor">
+      <a:majorFont>
+        <a:latin typeface="Calibri"/>
+        <a:ea typeface=""/>
+        <a:cs typeface=""/>
+        <a:font script="Jpan" typeface="ＭＳ Ｐゴシック"/>
+        <a:font script="Hang" typeface="맑은 고딕"/>
+        <a:font script="Hans" typeface="宋体"/>
+        <a:font script="Hant" typeface="新細明體"/>
+        <a:font script="Arab" typeface="Times New Roman"/>
+        <a:font script="Hebr" typeface="Times New Roman"/>
+        <a:font script="Thai" typeface="Angsana New"/>
+        <a:font script="Ethi" typeface="Nyala"/>
+        <a:font script="Beng" typeface="Vrinda"/>
+        <a:font script="Gujr" typeface="Shruti"/>
+        <a:font script="Khmr" typeface="MoolBoran"/>
+        <a:font script="Knda" typeface="Tunga"/>
+        <a:font script="Guru" typeface="Raavi"/>
+        <a:font script="Cans" typeface="Euphemia"/>
+        <a:font script="Cher" typeface="Plantagenet Cherokee"/>
+        <a:font script="Yiii" typeface="Microsoft Yi Baiti"/>
+        <a:font script="Tibt" typeface="Microsoft Himalaya"/>
+        <a:font script="Thaa" typeface="MV Boli"/>
+        <a:font script="Deva" typeface="Mangal"/>
+        <a:font script="Telu" typeface="Gautami"/>
+        <a:font script="Taml" typeface="Latha"/>
+        <a:font script="Syrc" typeface="Estrangelo Edessa"/>
+        <a:font script="Orya" typeface="Kalinga"/>
+        <a:font script="Mlym" typeface="Kartika"/>
+        <a:font script="Laoo" typeface="DokChampa"/>
+        <a:font script="Sinh" typeface="Iskoola Pota"/>
+        <a:font script="Mong" typeface="Mongolian Baiti"/>
+        <a:font script="Viet" typeface="Times New Roman"/>
+        <a:font script="Uigh" typeface="Microsoft Uighur"/>
+        <a:font script="Geor" typeface="Sylfaen"/>
+      </a:majorFont>
+      <a:minorFont>
+        <a:latin typeface="Calibri"/>
+        <a:ea typeface=""/>
+        <a:cs typeface=""/>
+        <a:font script="Jpan" typeface="ＭＳ Ｐゴシック"/>
+        <a:font script="Hang" typeface="맑은 고딕"/>
+        <a:font script="Hans" typeface="宋体"/>
+        <a:font script="Hant" typeface="新細明體"/>
+        <a:font script="Arab" typeface="Arial"/>
+        <a:font script="Hebr" typeface="Arial"/>
+        <a:font script="Thai" typeface="Cordia New"/>
+        <a:font script="Ethi" typeface="Nyala"/>
+        <a:font script="Beng" typeface="Vrinda"/>
+        <a:font script="Gujr" typeface="Shruti"/>
+        <a:font script="Khmr" typeface="DaunPenh"/>
+        <a:font script="Knda" typeface="Tunga"/>
+        <a:font script="Guru" typeface="Raavi"/>
+        <a:font script="Cans" typeface="Euphemia"/>
+        <a:font script="Cher" typeface="Plantagenet Cherokee"/>
+        <a:font script="Yiii" typeface="Microsoft Yi Baiti"/>
+        <a:font script="Tibt" typeface="Microsoft Himalaya"/>
+        <a:font script="Thaa" typeface="MV Boli"/>
+        <a:font script="Deva" typeface="Mangal"/>
+        <a:font script="Telu" typeface="Gautami"/>
+        <a:font script="Taml" typeface="Latha"/>
+        <a:font script="Syrc" typeface="Estrangelo Edessa"/>
+        <a:font script="Orya" typeface="Kalinga"/>
+        <a:font script="Mlym" typeface="Kartika"/>
+        <a:font script="Laoo" typeface="DokChampa"/>
+        <a:font script="Sinh" typeface="Iskoola Pota"/>
+        <a:font script="Mong" typeface="Mongolian Baiti"/>
+        <a:font script="Viet" typeface="Arial"/>
+        <a:font script="Uigh" typeface="Microsoft Uighur"/>
+        <a:font script="Geor" typeface="Sylfaen"/>
+      </a:minorFont>
+    </a:fontScheme>
+    <a:fmtScheme name="Kantoor">
+      <a:fillStyleLst>
+        <a:solidFill>
+          <a:schemeClr val="phClr"/>
+        </a:solidFill>
+        <a:gradFill rotWithShape="1">
+          <a:gsLst>
+            <a:gs pos="0">
+              <a:schemeClr val="phClr">
+                <a:tint val="50000"/>
+                <a:satMod val="300000"/>
+              </a:schemeClr>
+            </a:gs>
+            <a:gs pos="35000">
+              <a:schemeClr val="phClr">
+                <a:tint val="37000"/>
+                <a:satMod val="300000"/>
+              </a:schemeClr>
+            </a:gs>
+            <a:gs pos="100000">
+              <a:schemeClr val="phClr">
+                <a:tint val="15000"/>
+                <a:satMod val="350000"/>
+              </a:schemeClr>
+            </a:gs>
+          </a:gsLst>
+          <a:lin ang="16200000" scaled="1"/>
+        </a:gradFill>
+        <a:gradFill rotWithShape="1">
+          <a:gsLst>
+            <a:gs pos="0">
+              <a:schemeClr val="phClr">
+                <a:shade val="51000"/>
+                <a:satMod val="130000"/>
+              </a:schemeClr>
+            </a:gs>
+            <a:gs pos="80000">
+              <a:schemeClr val="phClr">
+                <a:shade val="93000"/>
+                <a:satMod val="130000"/>
+              </a:schemeClr>
+            </a:gs>
+            <a:gs pos="100000">
+              <a:schemeClr val="phClr">
+                <a:shade val="94000"/>
+                <a:satMod val="135000"/>
+              </a:schemeClr>
+            </a:gs>
+          </a:gsLst>
+          <a:lin ang="16200000" scaled="0"/>
+        </a:gradFill>
+      </a:fillStyleLst>
+      <a:lnStyleLst>
+        <a:ln w="9525" cap="flat" cmpd="sng" algn="ctr">
+          <a:solidFill>
+            <a:schemeClr val="phClr">
+              <a:shade val="95000"/>
+              <a:satMod val="105000"/>
+            </a:schemeClr>
+          </a:solidFill>
+          <a:prstDash val="solid"/>
+        </a:ln>
+        <a:ln w="25400" cap="flat" cmpd="sng" algn="ctr">
+          <a:solidFill>
+            <a:schemeClr val="phClr"/>
+          </a:solidFill>
+          <a:prstDash val="solid"/>
+        </a:ln>
+        <a:ln w="38100" cap="flat" cmpd="sng" algn="ctr">
+          <a:solidFill>
+            <a:schemeClr val="phClr"/>
+          </a:solidFill>
+          <a:prstDash val="solid"/>
+        </a:ln>
+      </a:lnStyleLst>
+      <a:effectStyleLst>
+        <a:effectStyle>
+          <a:effectLst>
+            <a:outerShdw blurRad="40000" dist="20000" dir="5400000" rotWithShape="0">
+              <a:srgbClr val="000000">
+                <a:alpha val="38000"/>
+              </a:srgbClr>
+            </a:outerShdw>
+          </a:effectLst>
+        </a:effectStyle>
+        <a:effectStyle>
+          <a:effectLst>
+            <a:outerShdw blurRad="40000" dist="23000" dir="5400000" rotWithShape="0">
+              <a:srgbClr val="000000">
+                <a:alpha val="35000"/>
+              </a:srgbClr>
+            </a:outerShdw>
+          </a:effectLst>
+        </a:effectStyle>
+        <a:effectStyle>
+          <a:effectLst>
+            <a:outerShdw blurRad="40000" dist="23000" dir="5400000" rotWithShape="0">
+              <a:srgbClr val="000000">
+                <a:alpha val="35000"/>
+              </a:srgbClr>
+            </a:outerShdw>
+          </a:effectLst>
+          <a:scene3d>
+            <a:camera prst="orthographicFront">
+              <a:rot lat="0" lon="0" rev="0"/>
+            </a:camera>
+            <a:lightRig rig="threePt" dir="t">
+              <a:rot lat="0" lon="0" rev="1200000"/>
+            </a:lightRig>
+          </a:scene3d>
+          <a:sp3d>
+            <a:bevelT w="63500" h="25400"/>
+          </a:sp3d>
+        </a:effectStyle>
+      </a:effectStyleLst>
+      <a:bgFillStyleLst>
+        <a:solidFill>
+          <a:schemeClr val="phClr"/>
+        </a:solidFill>
+        <a:gradFill rotWithShape="1">
+          <a:gsLst>
+            <a:gs pos="0">
+              <a:schemeClr val="phClr">
+                <a:tint val="40000"/>
+                <a:satMod val="350000"/>
+              </a:schemeClr>
+            </a:gs>
+            <a:gs pos="40000">
+              <a:schemeClr val="phClr">
+                <a:tint val="45000"/>
+                <a:shade val="99000"/>
+                <a:satMod val="350000"/>
+              </a:schemeClr>
+            </a:gs>
+            <a:gs pos="100000">
+              <a:schemeClr val="phClr">
+                <a:shade val="20000"/>
+                <a:satMod val="255000"/>
+              </a:schemeClr>
+            </a:gs>
+          </a:gsLst>
+          <a:path path="circle">
+            <a:fillToRect l="50000" t="-80000" r="50000" b="180000"/>
+          </a:path>
+        </a:gradFill>
+        <a:gradFill rotWithShape="1">
+          <a:gsLst>
+            <a:gs pos="0">
+              <a:schemeClr val="phClr">
+                <a:tint val="80000"/>
+                <a:satMod val="300000"/>
+              </a:schemeClr>
+            </a:gs>
+            <a:gs pos="100000">
+              <a:schemeClr val="phClr">
+                <a:shade val="30000"/>
+                <a:satMod val="200000"/>
+              </a:schemeClr>
+            </a:gs>
+          </a:gsLst>
+          <a:path path="circle">
+            <a:fillToRect l="50000" t="50000" r="50000" b="50000"/>
+          </a:path>
+        </a:gradFill>
+      </a:bgFillStyleLst>
+    </a:fmtScheme>
+  </a:themeElements>
+  <a:objectDefaults/>
+  <a:extraClrSchemeLst/>
+  <a:extLst>
+    <a:ext uri="{05A4C25C-085E-4340-85A3-A5531E510DB2}">
+      <thm15:themeFamily xmlns:thm15="http://schemas.microsoft.com/office/thememl/2012/main" name="Thema2" id="{AD494D2F-96EA-40D1-B214-ED59504E9D54}" vid="{1D729212-E11C-47AC-A449-460CA05EFC2C}"/>
+    </a:ext>
+  </a:extLst>
+</a:theme>
+</file>
+
+<file path=ppt/theme/theme3.xml><?xml version="1.0" encoding="utf-8"?>
+<a:theme xmlns:a="http://schemas.openxmlformats.org/drawingml/2006/main" name="Kantoorthema">
+  <a:themeElements>
+    <a:clrScheme name="Office">
+      <a:dk1>
+        <a:sysClr val="windowText" lastClr="000000"/>
+      </a:dk1>
+      <a:lt1>
+        <a:sysClr val="window" lastClr="FFFFFF"/>
+      </a:lt1>
+      <a:dk2>
+        <a:srgbClr val="44546A"/>
+      </a:dk2>
+      <a:lt2>
+        <a:srgbClr val="E7E6E6"/>
+      </a:lt2>
+      <a:accent1>
+        <a:srgbClr val="4472C4"/>
+      </a:accent1>
+      <a:accent2>
+        <a:srgbClr val="ED7D31"/>
+      </a:accent2>
+      <a:accent3>
+        <a:srgbClr val="A5A5A5"/>
+      </a:accent3>
+      <a:accent4>
+        <a:srgbClr val="FFC000"/>
+      </a:accent4>
+      <a:accent5>
+        <a:srgbClr val="5B9BD5"/>
+      </a:accent5>
+      <a:accent6>
+        <a:srgbClr val="70AD47"/>
+      </a:accent6>
+      <a:hlink>
+        <a:srgbClr val="0563C1"/>
+      </a:hlink>
+      <a:folHlink>
+        <a:srgbClr val="954F72"/>
+      </a:folHlink>
+    </a:clrScheme>
+    <a:fontScheme name="Office">
+      <a:majorFont>
+        <a:latin typeface="Calibri Light" panose="020F0302020204030204"/>
+        <a:ea typeface=""/>
+        <a:cs typeface=""/>
+        <a:font script="Jpan" typeface="游ゴシック Light"/>
+        <a:font script="Hang" typeface="맑은 고딕"/>
+        <a:font script="Hans" typeface="等线 Light"/>
+        <a:font script="Hant" typeface="新細明體"/>
+        <a:font script="Arab" typeface="Times New Roman"/>
+        <a:font script="Hebr" typeface="Times New Roman"/>
+        <a:font script="Thai" typeface="Angsana New"/>
+        <a:font script="Ethi" typeface="Nyala"/>
+        <a:font script="Beng" typeface="Vrinda"/>
+        <a:font script="Gujr" typeface="Shruti"/>
+        <a:font script="Khmr" typeface="MoolBoran"/>
+        <a:font script="Knda" typeface="Tunga"/>
+        <a:font script="Guru" typeface="Raavi"/>
+        <a:font script="Cans" typeface="Euphemia"/>
+        <a:font script="Cher" typeface="Plantagenet Cherokee"/>
+        <a:font script="Yiii" typeface="Microsoft Yi Baiti"/>
+        <a:font script="Tibt" typeface="Microsoft Himalaya"/>
+        <a:font script="Thaa" typeface="MV Boli"/>
+        <a:font script="Deva" typeface="Mangal"/>
+        <a:font script="Telu" typeface="Gautami"/>
+        <a:font script="Taml" typeface="Latha"/>
+        <a:font script="Syrc" typeface="Estrangelo Edessa"/>
+        <a:font script="Orya" typeface="Kalinga"/>
+        <a:font script="Mlym" typeface="Kartika"/>
+        <a:font script="Laoo" typeface="DokChampa"/>
+        <a:font script="Sinh" typeface="Iskoola Pota"/>
+        <a:font script="Mong" typeface="Mongolian Baiti"/>
+        <a:font script="Viet" typeface="Times New Roman"/>
+        <a:font script="Uigh" typeface="Microsoft Uighur"/>
+        <a:font script="Geor" typeface="Sylfaen"/>
+        <a:font script="Armn" typeface="Arial"/>
+        <a:font script="Bugi" typeface="Leelawadee UI"/>
+        <a:font script="Bopo" typeface="Microsoft JhengHei"/>
+        <a:font script="Java" typeface="Javanese Text"/>
+        <a:font script="Lisu" typeface="Segoe UI"/>
+        <a:font script="Mymr" typeface="Myanmar Text"/>
+        <a:font script="Nkoo" typeface="Ebrima"/>
+        <a:font script="Olck" typeface="Nirmala UI"/>
+        <a:font script="Osma" typeface="Ebrima"/>
+        <a:font script="Phag" typeface="Phagspa"/>
+        <a:font script="Syrn" typeface="Estrangelo Edessa"/>
+        <a:font script="Syrj" typeface="Estrangelo Edessa"/>
+        <a:font script="Syre" typeface="Estrangelo Edessa"/>
+        <a:font script="Sora" typeface="Nirmala UI"/>
+        <a:font script="Tale" typeface="Microsoft Tai Le"/>
+        <a:font script="Talu" typeface="Microsoft New Tai Lue"/>
+        <a:font script="Tfng" typeface="Ebrima"/>
+      </a:majorFont>
+      <a:minorFont>
+        <a:latin typeface="Calibri" panose="020F0502020204030204"/>
+        <a:ea typeface=""/>
+        <a:cs typeface=""/>
+        <a:font script="Jpan" typeface="游ゴシック"/>
+        <a:font script="Hang" typeface="맑은 고딕"/>
+        <a:font script="Hans" typeface="等线"/>
+        <a:font script="Hant" typeface="新細明體"/>
+        <a:font script="Arab" typeface="Arial"/>
+        <a:font script="Hebr" typeface="Arial"/>
+        <a:font script="Thai" typeface="Cordia New"/>
+        <a:font script="Ethi" typeface="Nyala"/>
+        <a:font script="Beng" typeface="Vrinda"/>
+        <a:font script="Gujr" typeface="Shruti"/>
+        <a:font script="Khmr" typeface="DaunPenh"/>
+        <a:font script="Knda" typeface="Tunga"/>
+        <a:font script="Guru" typeface="Raavi"/>
+        <a:font script="Cans" typeface="Euphemia"/>
+        <a:font script="Cher" typeface="Plantagenet Cherokee"/>
+        <a:font script="Yiii" typeface="Microsoft Yi Baiti"/>
+        <a:font script="Tibt" typeface="Microsoft Himalaya"/>
+        <a:font script="Thaa" typeface="MV Boli"/>
+        <a:font script="Deva" typeface="Mangal"/>
+        <a:font script="Telu" typeface="Gautami"/>
+        <a:font script="Taml" typeface="Latha"/>
+        <a:font script="Syrc" typeface="Estrangelo Edessa"/>
+        <a:font script="Orya" typeface="Kalinga"/>
+        <a:font script="Mlym" typeface="Kartika"/>
+        <a:font script="Laoo" typeface="DokChampa"/>
+        <a:font script="Sinh" typeface="Iskoola Pota"/>
+        <a:font script="Mong" typeface="Mongolian Baiti"/>
+        <a:font script="Viet" typeface="Arial"/>
+        <a:font script="Uigh" typeface="Microsoft Uighur"/>
+        <a:font script="Geor" typeface="Sylfaen"/>
+        <a:font script="Armn" typeface="Arial"/>
+        <a:font script="Bugi" typeface="Leelawadee UI"/>
+        <a:font script="Bopo" typeface="Microsoft JhengHei"/>
+        <a:font script="Java" typeface="Javanese Text"/>
+        <a:font script="Lisu" typeface="Segoe UI"/>
+        <a:font script="Mymr" typeface="Myanmar Text"/>
+        <a:font script="Nkoo" typeface="Ebrima"/>
+        <a:font script="Olck" typeface="Nirmala UI"/>
+        <a:font script="Osma" typeface="Ebrima"/>
+        <a:font script="Phag" typeface="Phagspa"/>
+        <a:font script="Syrn" typeface="Estrangelo Edessa"/>
+        <a:font script="Syrj" typeface="Estrangelo Edessa"/>
+        <a:font script="Syre" typeface="Estrangelo Edessa"/>
+        <a:font script="Sora" typeface="Nirmala UI"/>
+        <a:font script="Tale" typeface="Microsoft Tai Le"/>
+        <a:font script="Talu" typeface="Microsoft New Tai Lue"/>
+        <a:font script="Tfng" typeface="Ebrima"/>
+      </a:minorFont>
+    </a:fontScheme>
+    <a:fmtScheme name="Office">
+      <a:fillStyleLst>
+        <a:solidFill>
+          <a:schemeClr val="phClr"/>
+        </a:solidFill>
+        <a:gradFill rotWithShape="1">
+          <a:gsLst>
+            <a:gs pos="0">
+              <a:schemeClr val="phClr">
+                <a:lumMod val="110000"/>
+                <a:satMod val="105000"/>
+                <a:tint val="67000"/>
+              </a:schemeClr>
+            </a:gs>
+            <a:gs pos="50000">
+              <a:schemeClr val="phClr">
+                <a:lumMod val="105000"/>
+                <a:satMod val="103000"/>
+                <a:tint val="73000"/>
+              </a:schemeClr>
+            </a:gs>
+            <a:gs pos="100000">
+              <a:schemeClr val="phClr">
+                <a:lumMod val="105000"/>
+                <a:satMod val="109000"/>
+                <a:tint val="81000"/>
+              </a:schemeClr>
+            </a:gs>
+          </a:gsLst>
+          <a:lin ang="5400000" scaled="0"/>
+        </a:gradFill>
+        <a:gradFill rotWithShape="1">
+          <a:gsLst>
+            <a:gs pos="0">
+              <a:schemeClr val="phClr">
+                <a:satMod val="103000"/>
+                <a:lumMod val="102000"/>
+                <a:tint val="94000"/>
+              </a:schemeClr>
+            </a:gs>
+            <a:gs pos="50000">
+              <a:schemeClr val="phClr">
+                <a:satMod val="110000"/>
+                <a:lumMod val="100000"/>
+                <a:shade val="100000"/>
+              </a:schemeClr>
+            </a:gs>
+            <a:gs pos="100000">
+              <a:schemeClr val="phClr">
+                <a:lumMod val="99000"/>
+                <a:satMod val="120000"/>
+                <a:shade val="78000"/>
+              </a:schemeClr>
+            </a:gs>
+          </a:gsLst>
+          <a:lin ang="5400000" scaled="0"/>
+        </a:gradFill>
+      </a:fillStyleLst>
+      <a:lnStyleLst>
+        <a:ln w="6350" cap="flat" cmpd="sng" algn="ctr">
+          <a:solidFill>
+            <a:schemeClr val="phClr"/>
+          </a:solidFill>
+          <a:prstDash val="solid"/>
+          <a:miter lim="800000"/>
+        </a:ln>
+        <a:ln w="12700" cap="flat" cmpd="sng" algn="ctr">
+          <a:solidFill>
+            <a:schemeClr val="phClr"/>
+          </a:solidFill>
+          <a:prstDash val="solid"/>
+          <a:miter lim="800000"/>
+        </a:ln>
+        <a:ln w="19050" cap="flat" cmpd="sng" algn="ctr">
+          <a:solidFill>
+            <a:schemeClr val="phClr"/>
+          </a:solidFill>
+          <a:prstDash val="solid"/>
+          <a:miter lim="800000"/>
+        </a:ln>
+      </a:lnStyleLst>
+      <a:effectStyleLst>
+        <a:effectStyle>
+          <a:effectLst/>
+        </a:effectStyle>
+        <a:effectStyle>
+          <a:effectLst/>
+        </a:effectStyle>
+        <a:effectStyle>
+          <a:effectLst>
+            <a:outerShdw blurRad="57150" dist="19050" dir="5400000" algn="ctr" rotWithShape="0">
+              <a:srgbClr val="000000">
+                <a:alpha val="63000"/>
+              </a:srgbClr>
+            </a:outerShdw>
+          </a:effectLst>
+        </a:effectStyle>
+      </a:effectStyleLst>
+      <a:bgFillStyleLst>
+        <a:solidFill>
+          <a:schemeClr val="phClr"/>
+        </a:solidFill>
+        <a:solidFill>
+          <a:schemeClr val="phClr">
+            <a:tint val="95000"/>
+            <a:satMod val="170000"/>
+          </a:schemeClr>
+        </a:solidFill>
+        <a:gradFill rotWithShape="1">
+          <a:gsLst>
+            <a:gs pos="0">
+              <a:schemeClr val="phClr">
+                <a:tint val="93000"/>
+                <a:satMod val="150000"/>
+                <a:shade val="98000"/>
+                <a:lumMod val="102000"/>
+              </a:schemeClr>
+            </a:gs>
+            <a:gs pos="50000">
+              <a:schemeClr val="phClr">
+                <a:tint val="98000"/>
+                <a:satMod val="130000"/>
+                <a:shade val="90000"/>
+                <a:lumMod val="103000"/>
+              </a:schemeClr>
+            </a:gs>
+            <a:gs pos="100000">
+              <a:schemeClr val="phClr">
+                <a:shade val="63000"/>
+                <a:satMod val="120000"/>
+              </a:schemeClr>
+            </a:gs>
+          </a:gsLst>
+          <a:lin ang="5400000" scaled="0"/>
+        </a:gradFill>
+      </a:bgFillStyleLst>
+    </a:fmtScheme>
+  </a:themeElements>
+  <a:objectDefaults/>
+  <a:extraClrSchemeLst/>
+  <a:extLst>
+    <a:ext uri="{05A4C25C-085E-4340-85A3-A5531E510DB2}">
+      <thm15:themeFamily xmlns:thm15="http://schemas.microsoft.com/office/thememl/2012/main" name="Office Theme" id="{62F939B6-93AF-4DB8-9C6B-D6C7DFDC589F}" vid="{4A3C46E8-61CC-4603-A589-7422A47A8E4A}"/>
+    </a:ext>
+  </a:extLst>
+</a:theme>
 </file>